--- a/PRD-2017-G24/STW/非受控文件/翻转课堂作业/UML工具：Rational Rose/UML工具：Rational Rose.pptx
+++ b/PRD-2017-G24/STW/非受控文件/翻转课堂作业/UML工具：Rational Rose/UML工具：Rational Rose.pptx
@@ -5,19 +5,26 @@
     <p:sldMasterId id="2147483648" r:id="rId1"/>
   </p:sldMasterIdLst>
   <p:notesMasterIdLst>
-    <p:notesMasterId r:id="rId12"/>
+    <p:notesMasterId r:id="rId19"/>
   </p:notesMasterIdLst>
   <p:sldIdLst>
     <p:sldId id="256" r:id="rId2"/>
     <p:sldId id="257" r:id="rId3"/>
     <p:sldId id="284" r:id="rId4"/>
     <p:sldId id="285" r:id="rId5"/>
-    <p:sldId id="263" r:id="rId6"/>
-    <p:sldId id="278" r:id="rId7"/>
-    <p:sldId id="283" r:id="rId8"/>
-    <p:sldId id="271" r:id="rId9"/>
-    <p:sldId id="272" r:id="rId10"/>
-    <p:sldId id="273" r:id="rId11"/>
+    <p:sldId id="291" r:id="rId6"/>
+    <p:sldId id="292" r:id="rId7"/>
+    <p:sldId id="263" r:id="rId8"/>
+    <p:sldId id="286" r:id="rId9"/>
+    <p:sldId id="287" r:id="rId10"/>
+    <p:sldId id="289" r:id="rId11"/>
+    <p:sldId id="290" r:id="rId12"/>
+    <p:sldId id="293" r:id="rId13"/>
+    <p:sldId id="294" r:id="rId14"/>
+    <p:sldId id="295" r:id="rId15"/>
+    <p:sldId id="271" r:id="rId16"/>
+    <p:sldId id="296" r:id="rId17"/>
+    <p:sldId id="273" r:id="rId18"/>
   </p:sldIdLst>
   <p:sldSz cx="12192000" cy="6858000"/>
   <p:notesSz cx="6858000" cy="9144000"/>
@@ -886,6 +893,753 @@
 </dgm:colorsDef>
 </file>
 
+<file path=ppt/diagrams/colors2.xml><?xml version="1.0" encoding="utf-8"?>
+<dgm:colorsDef xmlns:dgm="http://schemas.openxmlformats.org/drawingml/2006/diagram" xmlns:a="http://schemas.openxmlformats.org/drawingml/2006/main" uniqueId="urn:microsoft.com/office/officeart/2005/8/colors/accent1_2">
+  <dgm:title val=""/>
+  <dgm:desc val=""/>
+  <dgm:catLst>
+    <dgm:cat type="accent1" pri="11200"/>
+  </dgm:catLst>
+  <dgm:styleLbl name="node0">
+    <dgm:fillClrLst meth="repeat">
+      <a:schemeClr val="accent1"/>
+    </dgm:fillClrLst>
+    <dgm:linClrLst meth="repeat">
+      <a:schemeClr val="lt1"/>
+    </dgm:linClrLst>
+    <dgm:effectClrLst/>
+    <dgm:txLinClrLst/>
+    <dgm:txFillClrLst/>
+    <dgm:txEffectClrLst/>
+  </dgm:styleLbl>
+  <dgm:styleLbl name="alignNode1">
+    <dgm:fillClrLst meth="repeat">
+      <a:schemeClr val="accent1"/>
+    </dgm:fillClrLst>
+    <dgm:linClrLst meth="repeat">
+      <a:schemeClr val="accent1"/>
+    </dgm:linClrLst>
+    <dgm:effectClrLst/>
+    <dgm:txLinClrLst/>
+    <dgm:txFillClrLst/>
+    <dgm:txEffectClrLst/>
+  </dgm:styleLbl>
+  <dgm:styleLbl name="node1">
+    <dgm:fillClrLst meth="repeat">
+      <a:schemeClr val="accent1"/>
+    </dgm:fillClrLst>
+    <dgm:linClrLst meth="repeat">
+      <a:schemeClr val="lt1"/>
+    </dgm:linClrLst>
+    <dgm:effectClrLst/>
+    <dgm:txLinClrLst/>
+    <dgm:txFillClrLst/>
+    <dgm:txEffectClrLst/>
+  </dgm:styleLbl>
+  <dgm:styleLbl name="lnNode1">
+    <dgm:fillClrLst meth="repeat">
+      <a:schemeClr val="accent1"/>
+    </dgm:fillClrLst>
+    <dgm:linClrLst meth="repeat">
+      <a:schemeClr val="lt1"/>
+    </dgm:linClrLst>
+    <dgm:effectClrLst/>
+    <dgm:txLinClrLst/>
+    <dgm:txFillClrLst/>
+    <dgm:txEffectClrLst/>
+  </dgm:styleLbl>
+  <dgm:styleLbl name="vennNode1">
+    <dgm:fillClrLst meth="repeat">
+      <a:schemeClr val="accent1">
+        <a:alpha val="50000"/>
+      </a:schemeClr>
+    </dgm:fillClrLst>
+    <dgm:linClrLst meth="repeat">
+      <a:schemeClr val="lt1"/>
+    </dgm:linClrLst>
+    <dgm:effectClrLst/>
+    <dgm:txLinClrLst/>
+    <dgm:txFillClrLst/>
+    <dgm:txEffectClrLst/>
+  </dgm:styleLbl>
+  <dgm:styleLbl name="node2">
+    <dgm:fillClrLst meth="repeat">
+      <a:schemeClr val="accent1"/>
+    </dgm:fillClrLst>
+    <dgm:linClrLst meth="repeat">
+      <a:schemeClr val="lt1"/>
+    </dgm:linClrLst>
+    <dgm:effectClrLst/>
+    <dgm:txLinClrLst/>
+    <dgm:txFillClrLst/>
+    <dgm:txEffectClrLst/>
+  </dgm:styleLbl>
+  <dgm:styleLbl name="node3">
+    <dgm:fillClrLst meth="repeat">
+      <a:schemeClr val="accent1"/>
+    </dgm:fillClrLst>
+    <dgm:linClrLst meth="repeat">
+      <a:schemeClr val="lt1"/>
+    </dgm:linClrLst>
+    <dgm:effectClrLst/>
+    <dgm:txLinClrLst/>
+    <dgm:txFillClrLst/>
+    <dgm:txEffectClrLst/>
+  </dgm:styleLbl>
+  <dgm:styleLbl name="node4">
+    <dgm:fillClrLst meth="repeat">
+      <a:schemeClr val="accent1"/>
+    </dgm:fillClrLst>
+    <dgm:linClrLst meth="repeat">
+      <a:schemeClr val="lt1"/>
+    </dgm:linClrLst>
+    <dgm:effectClrLst/>
+    <dgm:txLinClrLst/>
+    <dgm:txFillClrLst/>
+    <dgm:txEffectClrLst/>
+  </dgm:styleLbl>
+  <dgm:styleLbl name="fgImgPlace1">
+    <dgm:fillClrLst meth="repeat">
+      <a:schemeClr val="accent1">
+        <a:tint val="50000"/>
+      </a:schemeClr>
+    </dgm:fillClrLst>
+    <dgm:linClrLst meth="repeat">
+      <a:schemeClr val="lt1"/>
+    </dgm:linClrLst>
+    <dgm:effectClrLst/>
+    <dgm:txLinClrLst/>
+    <dgm:txFillClrLst meth="repeat">
+      <a:schemeClr val="lt1"/>
+    </dgm:txFillClrLst>
+    <dgm:txEffectClrLst/>
+  </dgm:styleLbl>
+  <dgm:styleLbl name="alignImgPlace1">
+    <dgm:fillClrLst meth="repeat">
+      <a:schemeClr val="accent1">
+        <a:tint val="50000"/>
+      </a:schemeClr>
+    </dgm:fillClrLst>
+    <dgm:linClrLst meth="repeat">
+      <a:schemeClr val="lt1"/>
+    </dgm:linClrLst>
+    <dgm:effectClrLst/>
+    <dgm:txLinClrLst/>
+    <dgm:txFillClrLst meth="repeat">
+      <a:schemeClr val="lt1"/>
+    </dgm:txFillClrLst>
+    <dgm:txEffectClrLst/>
+  </dgm:styleLbl>
+  <dgm:styleLbl name="bgImgPlace1">
+    <dgm:fillClrLst meth="repeat">
+      <a:schemeClr val="accent1">
+        <a:tint val="50000"/>
+      </a:schemeClr>
+    </dgm:fillClrLst>
+    <dgm:linClrLst meth="repeat">
+      <a:schemeClr val="lt1"/>
+    </dgm:linClrLst>
+    <dgm:effectClrLst/>
+    <dgm:txLinClrLst/>
+    <dgm:txFillClrLst meth="repeat">
+      <a:schemeClr val="lt1"/>
+    </dgm:txFillClrLst>
+    <dgm:txEffectClrLst/>
+  </dgm:styleLbl>
+  <dgm:styleLbl name="sibTrans2D1">
+    <dgm:fillClrLst meth="repeat">
+      <a:schemeClr val="accent1">
+        <a:tint val="60000"/>
+      </a:schemeClr>
+    </dgm:fillClrLst>
+    <dgm:linClrLst meth="repeat">
+      <a:schemeClr val="accent1">
+        <a:tint val="60000"/>
+      </a:schemeClr>
+    </dgm:linClrLst>
+    <dgm:effectClrLst/>
+    <dgm:txLinClrLst/>
+    <dgm:txFillClrLst/>
+    <dgm:txEffectClrLst/>
+  </dgm:styleLbl>
+  <dgm:styleLbl name="fgSibTrans2D1">
+    <dgm:fillClrLst meth="repeat">
+      <a:schemeClr val="accent1">
+        <a:tint val="60000"/>
+      </a:schemeClr>
+    </dgm:fillClrLst>
+    <dgm:linClrLst meth="repeat">
+      <a:schemeClr val="accent1">
+        <a:tint val="60000"/>
+      </a:schemeClr>
+    </dgm:linClrLst>
+    <dgm:effectClrLst/>
+    <dgm:txLinClrLst/>
+    <dgm:txFillClrLst/>
+    <dgm:txEffectClrLst/>
+  </dgm:styleLbl>
+  <dgm:styleLbl name="bgSibTrans2D1">
+    <dgm:fillClrLst meth="repeat">
+      <a:schemeClr val="accent1">
+        <a:tint val="60000"/>
+      </a:schemeClr>
+    </dgm:fillClrLst>
+    <dgm:linClrLst meth="repeat">
+      <a:schemeClr val="accent1">
+        <a:tint val="60000"/>
+      </a:schemeClr>
+    </dgm:linClrLst>
+    <dgm:effectClrLst/>
+    <dgm:txLinClrLst/>
+    <dgm:txFillClrLst/>
+    <dgm:txEffectClrLst/>
+  </dgm:styleLbl>
+  <dgm:styleLbl name="sibTrans1D1">
+    <dgm:fillClrLst meth="repeat">
+      <a:schemeClr val="accent1"/>
+    </dgm:fillClrLst>
+    <dgm:linClrLst meth="repeat">
+      <a:schemeClr val="accent1"/>
+    </dgm:linClrLst>
+    <dgm:effectClrLst/>
+    <dgm:txLinClrLst/>
+    <dgm:txFillClrLst meth="repeat">
+      <a:schemeClr val="tx1"/>
+    </dgm:txFillClrLst>
+    <dgm:txEffectClrLst/>
+  </dgm:styleLbl>
+  <dgm:styleLbl name="callout">
+    <dgm:fillClrLst meth="repeat">
+      <a:schemeClr val="accent1"/>
+    </dgm:fillClrLst>
+    <dgm:linClrLst meth="repeat">
+      <a:schemeClr val="accent1">
+        <a:tint val="50000"/>
+      </a:schemeClr>
+    </dgm:linClrLst>
+    <dgm:effectClrLst/>
+    <dgm:txLinClrLst/>
+    <dgm:txFillClrLst meth="repeat">
+      <a:schemeClr val="tx1"/>
+    </dgm:txFillClrLst>
+    <dgm:txEffectClrLst/>
+  </dgm:styleLbl>
+  <dgm:styleLbl name="asst0">
+    <dgm:fillClrLst meth="repeat">
+      <a:schemeClr val="accent1"/>
+    </dgm:fillClrLst>
+    <dgm:linClrLst meth="repeat">
+      <a:schemeClr val="lt1"/>
+    </dgm:linClrLst>
+    <dgm:effectClrLst/>
+    <dgm:txLinClrLst/>
+    <dgm:txFillClrLst/>
+    <dgm:txEffectClrLst/>
+  </dgm:styleLbl>
+  <dgm:styleLbl name="asst1">
+    <dgm:fillClrLst meth="repeat">
+      <a:schemeClr val="accent1"/>
+    </dgm:fillClrLst>
+    <dgm:linClrLst meth="repeat">
+      <a:schemeClr val="lt1"/>
+    </dgm:linClrLst>
+    <dgm:effectClrLst/>
+    <dgm:txLinClrLst/>
+    <dgm:txFillClrLst/>
+    <dgm:txEffectClrLst/>
+  </dgm:styleLbl>
+  <dgm:styleLbl name="asst2">
+    <dgm:fillClrLst meth="repeat">
+      <a:schemeClr val="accent1"/>
+    </dgm:fillClrLst>
+    <dgm:linClrLst meth="repeat">
+      <a:schemeClr val="lt1"/>
+    </dgm:linClrLst>
+    <dgm:effectClrLst/>
+    <dgm:txLinClrLst/>
+    <dgm:txFillClrLst/>
+    <dgm:txEffectClrLst/>
+  </dgm:styleLbl>
+  <dgm:styleLbl name="asst3">
+    <dgm:fillClrLst meth="repeat">
+      <a:schemeClr val="accent1"/>
+    </dgm:fillClrLst>
+    <dgm:linClrLst meth="repeat">
+      <a:schemeClr val="lt1"/>
+    </dgm:linClrLst>
+    <dgm:effectClrLst/>
+    <dgm:txLinClrLst/>
+    <dgm:txFillClrLst/>
+    <dgm:txEffectClrLst/>
+  </dgm:styleLbl>
+  <dgm:styleLbl name="asst4">
+    <dgm:fillClrLst meth="repeat">
+      <a:schemeClr val="accent1"/>
+    </dgm:fillClrLst>
+    <dgm:linClrLst meth="repeat">
+      <a:schemeClr val="lt1"/>
+    </dgm:linClrLst>
+    <dgm:effectClrLst/>
+    <dgm:txLinClrLst/>
+    <dgm:txFillClrLst/>
+    <dgm:txEffectClrLst/>
+  </dgm:styleLbl>
+  <dgm:styleLbl name="parChTrans2D1">
+    <dgm:fillClrLst meth="repeat">
+      <a:schemeClr val="accent1">
+        <a:tint val="60000"/>
+      </a:schemeClr>
+    </dgm:fillClrLst>
+    <dgm:linClrLst meth="repeat">
+      <a:schemeClr val="accent1">
+        <a:tint val="60000"/>
+      </a:schemeClr>
+    </dgm:linClrLst>
+    <dgm:effectClrLst/>
+    <dgm:txLinClrLst/>
+    <dgm:txFillClrLst meth="repeat">
+      <a:schemeClr val="lt1"/>
+    </dgm:txFillClrLst>
+    <dgm:txEffectClrLst/>
+  </dgm:styleLbl>
+  <dgm:styleLbl name="parChTrans2D2">
+    <dgm:fillClrLst meth="repeat">
+      <a:schemeClr val="accent1"/>
+    </dgm:fillClrLst>
+    <dgm:linClrLst meth="repeat">
+      <a:schemeClr val="accent1"/>
+    </dgm:linClrLst>
+    <dgm:effectClrLst/>
+    <dgm:txLinClrLst/>
+    <dgm:txFillClrLst meth="repeat">
+      <a:schemeClr val="lt1"/>
+    </dgm:txFillClrLst>
+    <dgm:txEffectClrLst/>
+  </dgm:styleLbl>
+  <dgm:styleLbl name="parChTrans2D3">
+    <dgm:fillClrLst meth="repeat">
+      <a:schemeClr val="accent1"/>
+    </dgm:fillClrLst>
+    <dgm:linClrLst meth="repeat">
+      <a:schemeClr val="accent1"/>
+    </dgm:linClrLst>
+    <dgm:effectClrLst/>
+    <dgm:txLinClrLst/>
+    <dgm:txFillClrLst meth="repeat">
+      <a:schemeClr val="lt1"/>
+    </dgm:txFillClrLst>
+    <dgm:txEffectClrLst/>
+  </dgm:styleLbl>
+  <dgm:styleLbl name="parChTrans2D4">
+    <dgm:fillClrLst meth="repeat">
+      <a:schemeClr val="accent1"/>
+    </dgm:fillClrLst>
+    <dgm:linClrLst meth="repeat">
+      <a:schemeClr val="accent1"/>
+    </dgm:linClrLst>
+    <dgm:effectClrLst/>
+    <dgm:txLinClrLst/>
+    <dgm:txFillClrLst meth="repeat">
+      <a:schemeClr val="lt1"/>
+    </dgm:txFillClrLst>
+    <dgm:txEffectClrLst/>
+  </dgm:styleLbl>
+  <dgm:styleLbl name="parChTrans1D1">
+    <dgm:fillClrLst meth="repeat">
+      <a:schemeClr val="accent1"/>
+    </dgm:fillClrLst>
+    <dgm:linClrLst meth="repeat">
+      <a:schemeClr val="accent1">
+        <a:shade val="60000"/>
+      </a:schemeClr>
+    </dgm:linClrLst>
+    <dgm:effectClrLst/>
+    <dgm:txLinClrLst/>
+    <dgm:txFillClrLst meth="repeat">
+      <a:schemeClr val="tx1"/>
+    </dgm:txFillClrLst>
+    <dgm:txEffectClrLst/>
+  </dgm:styleLbl>
+  <dgm:styleLbl name="parChTrans1D2">
+    <dgm:fillClrLst meth="repeat">
+      <a:schemeClr val="accent1"/>
+    </dgm:fillClrLst>
+    <dgm:linClrLst meth="repeat">
+      <a:schemeClr val="accent1">
+        <a:shade val="60000"/>
+      </a:schemeClr>
+    </dgm:linClrLst>
+    <dgm:effectClrLst/>
+    <dgm:txLinClrLst/>
+    <dgm:txFillClrLst meth="repeat">
+      <a:schemeClr val="tx1"/>
+    </dgm:txFillClrLst>
+    <dgm:txEffectClrLst/>
+  </dgm:styleLbl>
+  <dgm:styleLbl name="parChTrans1D3">
+    <dgm:fillClrLst meth="repeat">
+      <a:schemeClr val="accent1"/>
+    </dgm:fillClrLst>
+    <dgm:linClrLst meth="repeat">
+      <a:schemeClr val="accent1">
+        <a:shade val="80000"/>
+      </a:schemeClr>
+    </dgm:linClrLst>
+    <dgm:effectClrLst/>
+    <dgm:txLinClrLst/>
+    <dgm:txFillClrLst meth="repeat">
+      <a:schemeClr val="tx1"/>
+    </dgm:txFillClrLst>
+    <dgm:txEffectClrLst/>
+  </dgm:styleLbl>
+  <dgm:styleLbl name="parChTrans1D4">
+    <dgm:fillClrLst meth="repeat">
+      <a:schemeClr val="accent1"/>
+    </dgm:fillClrLst>
+    <dgm:linClrLst meth="repeat">
+      <a:schemeClr val="accent1">
+        <a:shade val="80000"/>
+      </a:schemeClr>
+    </dgm:linClrLst>
+    <dgm:effectClrLst/>
+    <dgm:txLinClrLst/>
+    <dgm:txFillClrLst meth="repeat">
+      <a:schemeClr val="tx1"/>
+    </dgm:txFillClrLst>
+    <dgm:txEffectClrLst/>
+  </dgm:styleLbl>
+  <dgm:styleLbl name="fgAcc1">
+    <dgm:fillClrLst meth="repeat">
+      <a:schemeClr val="lt1">
+        <a:alpha val="90000"/>
+      </a:schemeClr>
+    </dgm:fillClrLst>
+    <dgm:linClrLst meth="repeat">
+      <a:schemeClr val="accent1"/>
+    </dgm:linClrLst>
+    <dgm:effectClrLst/>
+    <dgm:txLinClrLst/>
+    <dgm:txFillClrLst meth="repeat">
+      <a:schemeClr val="dk1"/>
+    </dgm:txFillClrLst>
+    <dgm:txEffectClrLst/>
+  </dgm:styleLbl>
+  <dgm:styleLbl name="conFgAcc1">
+    <dgm:fillClrLst meth="repeat">
+      <a:schemeClr val="lt1">
+        <a:alpha val="90000"/>
+      </a:schemeClr>
+    </dgm:fillClrLst>
+    <dgm:linClrLst meth="repeat">
+      <a:schemeClr val="accent1"/>
+    </dgm:linClrLst>
+    <dgm:effectClrLst/>
+    <dgm:txLinClrLst/>
+    <dgm:txFillClrLst meth="repeat">
+      <a:schemeClr val="dk1"/>
+    </dgm:txFillClrLst>
+    <dgm:txEffectClrLst/>
+  </dgm:styleLbl>
+  <dgm:styleLbl name="alignAcc1">
+    <dgm:fillClrLst meth="repeat">
+      <a:schemeClr val="lt1">
+        <a:alpha val="90000"/>
+      </a:schemeClr>
+    </dgm:fillClrLst>
+    <dgm:linClrLst meth="repeat">
+      <a:schemeClr val="accent1"/>
+    </dgm:linClrLst>
+    <dgm:effectClrLst/>
+    <dgm:txLinClrLst/>
+    <dgm:txFillClrLst meth="repeat">
+      <a:schemeClr val="dk1"/>
+    </dgm:txFillClrLst>
+    <dgm:txEffectClrLst/>
+  </dgm:styleLbl>
+  <dgm:styleLbl name="trAlignAcc1">
+    <dgm:fillClrLst meth="repeat">
+      <a:schemeClr val="lt1">
+        <a:alpha val="40000"/>
+      </a:schemeClr>
+    </dgm:fillClrLst>
+    <dgm:linClrLst meth="repeat">
+      <a:schemeClr val="accent1"/>
+    </dgm:linClrLst>
+    <dgm:effectClrLst/>
+    <dgm:txLinClrLst/>
+    <dgm:txFillClrLst meth="repeat">
+      <a:schemeClr val="dk1"/>
+    </dgm:txFillClrLst>
+    <dgm:txEffectClrLst/>
+  </dgm:styleLbl>
+  <dgm:styleLbl name="bgAcc1">
+    <dgm:fillClrLst meth="repeat">
+      <a:schemeClr val="lt1">
+        <a:alpha val="90000"/>
+      </a:schemeClr>
+    </dgm:fillClrLst>
+    <dgm:linClrLst meth="repeat">
+      <a:schemeClr val="accent1"/>
+    </dgm:linClrLst>
+    <dgm:effectClrLst/>
+    <dgm:txLinClrLst/>
+    <dgm:txFillClrLst meth="repeat">
+      <a:schemeClr val="dk1"/>
+    </dgm:txFillClrLst>
+    <dgm:txEffectClrLst/>
+  </dgm:styleLbl>
+  <dgm:styleLbl name="solidFgAcc1">
+    <dgm:fillClrLst meth="repeat">
+      <a:schemeClr val="lt1"/>
+    </dgm:fillClrLst>
+    <dgm:linClrLst meth="repeat">
+      <a:schemeClr val="accent1"/>
+    </dgm:linClrLst>
+    <dgm:effectClrLst/>
+    <dgm:txLinClrLst/>
+    <dgm:txFillClrLst meth="repeat">
+      <a:schemeClr val="dk1"/>
+    </dgm:txFillClrLst>
+    <dgm:txEffectClrLst/>
+  </dgm:styleLbl>
+  <dgm:styleLbl name="solidAlignAcc1">
+    <dgm:fillClrLst meth="repeat">
+      <a:schemeClr val="lt1"/>
+    </dgm:fillClrLst>
+    <dgm:linClrLst meth="repeat">
+      <a:schemeClr val="accent1"/>
+    </dgm:linClrLst>
+    <dgm:effectClrLst/>
+    <dgm:txLinClrLst/>
+    <dgm:txFillClrLst meth="repeat">
+      <a:schemeClr val="dk1"/>
+    </dgm:txFillClrLst>
+    <dgm:txEffectClrLst/>
+  </dgm:styleLbl>
+  <dgm:styleLbl name="solidBgAcc1">
+    <dgm:fillClrLst meth="repeat">
+      <a:schemeClr val="lt1"/>
+    </dgm:fillClrLst>
+    <dgm:linClrLst meth="repeat">
+      <a:schemeClr val="accent1"/>
+    </dgm:linClrLst>
+    <dgm:effectClrLst/>
+    <dgm:txLinClrLst/>
+    <dgm:txFillClrLst meth="repeat">
+      <a:schemeClr val="dk1"/>
+    </dgm:txFillClrLst>
+    <dgm:txEffectClrLst/>
+  </dgm:styleLbl>
+  <dgm:styleLbl name="fgAccFollowNode1">
+    <dgm:fillClrLst meth="repeat">
+      <a:schemeClr val="accent1">
+        <a:alpha val="90000"/>
+        <a:tint val="40000"/>
+      </a:schemeClr>
+    </dgm:fillClrLst>
+    <dgm:linClrLst meth="repeat">
+      <a:schemeClr val="accent1">
+        <a:alpha val="90000"/>
+        <a:tint val="40000"/>
+      </a:schemeClr>
+    </dgm:linClrLst>
+    <dgm:effectClrLst/>
+    <dgm:txLinClrLst/>
+    <dgm:txFillClrLst meth="repeat">
+      <a:schemeClr val="dk1"/>
+    </dgm:txFillClrLst>
+    <dgm:txEffectClrLst/>
+  </dgm:styleLbl>
+  <dgm:styleLbl name="alignAccFollowNode1">
+    <dgm:fillClrLst meth="repeat">
+      <a:schemeClr val="accent1">
+        <a:alpha val="90000"/>
+        <a:tint val="40000"/>
+      </a:schemeClr>
+    </dgm:fillClrLst>
+    <dgm:linClrLst meth="repeat">
+      <a:schemeClr val="accent1">
+        <a:alpha val="90000"/>
+        <a:tint val="40000"/>
+      </a:schemeClr>
+    </dgm:linClrLst>
+    <dgm:effectClrLst/>
+    <dgm:txLinClrLst/>
+    <dgm:txFillClrLst meth="repeat">
+      <a:schemeClr val="dk1"/>
+    </dgm:txFillClrLst>
+    <dgm:txEffectClrLst/>
+  </dgm:styleLbl>
+  <dgm:styleLbl name="bgAccFollowNode1">
+    <dgm:fillClrLst meth="repeat">
+      <a:schemeClr val="accent1">
+        <a:alpha val="90000"/>
+        <a:tint val="40000"/>
+      </a:schemeClr>
+    </dgm:fillClrLst>
+    <dgm:linClrLst meth="repeat">
+      <a:schemeClr val="accent1">
+        <a:alpha val="90000"/>
+        <a:tint val="40000"/>
+      </a:schemeClr>
+    </dgm:linClrLst>
+    <dgm:effectClrLst/>
+    <dgm:txLinClrLst/>
+    <dgm:txFillClrLst meth="repeat">
+      <a:schemeClr val="dk1"/>
+    </dgm:txFillClrLst>
+    <dgm:txEffectClrLst/>
+  </dgm:styleLbl>
+  <dgm:styleLbl name="fgAcc0">
+    <dgm:fillClrLst meth="repeat">
+      <a:schemeClr val="lt1">
+        <a:alpha val="90000"/>
+      </a:schemeClr>
+    </dgm:fillClrLst>
+    <dgm:linClrLst meth="repeat">
+      <a:schemeClr val="accent1"/>
+    </dgm:linClrLst>
+    <dgm:effectClrLst/>
+    <dgm:txLinClrLst/>
+    <dgm:txFillClrLst meth="repeat">
+      <a:schemeClr val="dk1"/>
+    </dgm:txFillClrLst>
+    <dgm:txEffectClrLst/>
+  </dgm:styleLbl>
+  <dgm:styleLbl name="fgAcc2">
+    <dgm:fillClrLst meth="repeat">
+      <a:schemeClr val="lt1">
+        <a:alpha val="90000"/>
+      </a:schemeClr>
+    </dgm:fillClrLst>
+    <dgm:linClrLst meth="repeat">
+      <a:schemeClr val="accent1"/>
+    </dgm:linClrLst>
+    <dgm:effectClrLst/>
+    <dgm:txLinClrLst/>
+    <dgm:txFillClrLst meth="repeat">
+      <a:schemeClr val="dk1"/>
+    </dgm:txFillClrLst>
+    <dgm:txEffectClrLst/>
+  </dgm:styleLbl>
+  <dgm:styleLbl name="fgAcc3">
+    <dgm:fillClrLst meth="repeat">
+      <a:schemeClr val="lt1">
+        <a:alpha val="90000"/>
+      </a:schemeClr>
+    </dgm:fillClrLst>
+    <dgm:linClrLst meth="repeat">
+      <a:schemeClr val="accent1"/>
+    </dgm:linClrLst>
+    <dgm:effectClrLst/>
+    <dgm:txLinClrLst/>
+    <dgm:txFillClrLst meth="repeat">
+      <a:schemeClr val="dk1"/>
+    </dgm:txFillClrLst>
+    <dgm:txEffectClrLst/>
+  </dgm:styleLbl>
+  <dgm:styleLbl name="fgAcc4">
+    <dgm:fillClrLst meth="repeat">
+      <a:schemeClr val="lt1">
+        <a:alpha val="90000"/>
+      </a:schemeClr>
+    </dgm:fillClrLst>
+    <dgm:linClrLst meth="repeat">
+      <a:schemeClr val="accent1"/>
+    </dgm:linClrLst>
+    <dgm:effectClrLst/>
+    <dgm:txLinClrLst/>
+    <dgm:txFillClrLst meth="repeat">
+      <a:schemeClr val="dk1"/>
+    </dgm:txFillClrLst>
+    <dgm:txEffectClrLst/>
+  </dgm:styleLbl>
+  <dgm:styleLbl name="bgShp">
+    <dgm:fillClrLst meth="repeat">
+      <a:schemeClr val="accent1">
+        <a:tint val="40000"/>
+      </a:schemeClr>
+    </dgm:fillClrLst>
+    <dgm:linClrLst meth="repeat">
+      <a:schemeClr val="accent1"/>
+    </dgm:linClrLst>
+    <dgm:effectClrLst/>
+    <dgm:txLinClrLst/>
+    <dgm:txFillClrLst meth="repeat">
+      <a:schemeClr val="dk1"/>
+    </dgm:txFillClrLst>
+    <dgm:txEffectClrLst/>
+  </dgm:styleLbl>
+  <dgm:styleLbl name="dkBgShp">
+    <dgm:fillClrLst meth="repeat">
+      <a:schemeClr val="accent1">
+        <a:shade val="80000"/>
+      </a:schemeClr>
+    </dgm:fillClrLst>
+    <dgm:linClrLst meth="repeat">
+      <a:schemeClr val="accent1"/>
+    </dgm:linClrLst>
+    <dgm:effectClrLst/>
+    <dgm:txLinClrLst/>
+    <dgm:txFillClrLst meth="repeat">
+      <a:schemeClr val="lt1"/>
+    </dgm:txFillClrLst>
+    <dgm:txEffectClrLst/>
+  </dgm:styleLbl>
+  <dgm:styleLbl name="trBgShp">
+    <dgm:fillClrLst meth="repeat">
+      <a:schemeClr val="accent1">
+        <a:tint val="50000"/>
+        <a:alpha val="40000"/>
+      </a:schemeClr>
+    </dgm:fillClrLst>
+    <dgm:linClrLst meth="repeat">
+      <a:schemeClr val="accent1"/>
+    </dgm:linClrLst>
+    <dgm:effectClrLst/>
+    <dgm:txLinClrLst/>
+    <dgm:txFillClrLst meth="repeat">
+      <a:schemeClr val="lt1"/>
+    </dgm:txFillClrLst>
+    <dgm:txEffectClrLst/>
+  </dgm:styleLbl>
+  <dgm:styleLbl name="fgShp">
+    <dgm:fillClrLst meth="repeat">
+      <a:schemeClr val="accent1">
+        <a:tint val="60000"/>
+      </a:schemeClr>
+    </dgm:fillClrLst>
+    <dgm:linClrLst meth="repeat">
+      <a:schemeClr val="lt1"/>
+    </dgm:linClrLst>
+    <dgm:effectClrLst/>
+    <dgm:txLinClrLst/>
+    <dgm:txFillClrLst meth="repeat">
+      <a:schemeClr val="dk1"/>
+    </dgm:txFillClrLst>
+    <dgm:txEffectClrLst/>
+  </dgm:styleLbl>
+  <dgm:styleLbl name="revTx">
+    <dgm:fillClrLst meth="repeat">
+      <a:schemeClr val="lt1">
+        <a:alpha val="0"/>
+      </a:schemeClr>
+    </dgm:fillClrLst>
+    <dgm:linClrLst meth="repeat">
+      <a:schemeClr val="dk1">
+        <a:alpha val="0"/>
+      </a:schemeClr>
+    </dgm:linClrLst>
+    <dgm:effectClrLst/>
+    <dgm:txLinClrLst/>
+    <dgm:txFillClrLst meth="repeat">
+      <a:schemeClr val="tx1"/>
+    </dgm:txFillClrLst>
+    <dgm:txEffectClrLst/>
+  </dgm:styleLbl>
+</dgm:colorsDef>
+</file>
+
 <file path=ppt/diagrams/data1.xml><?xml version="1.0" encoding="utf-8"?>
 <dgm:dataModel xmlns:dgm="http://schemas.openxmlformats.org/drawingml/2006/diagram" xmlns:a="http://schemas.openxmlformats.org/drawingml/2006/main">
   <dgm:ptLst>
@@ -912,15 +1666,15 @@
             <a:t>1</a:t>
           </a:r>
           <a:r>
-            <a:rPr lang="zh-CN" dirty="0" smtClean="0"/>
+            <a:rPr lang="zh-CN" dirty="0"/>
             <a:t>．</a:t>
           </a:r>
           <a:r>
-            <a:rPr lang="en-US" altLang="zh-CN" dirty="0" smtClean="0"/>
+            <a:rPr lang="en-US" altLang="zh-CN" dirty="0"/>
             <a:t>Rational Rose</a:t>
           </a:r>
           <a:r>
-            <a:rPr lang="zh-CN" altLang="en-US" dirty="0" smtClean="0"/>
+            <a:rPr lang="zh-CN" altLang="en-US" dirty="0"/>
             <a:t>概述</a:t>
           </a:r>
           <a:endParaRPr lang="en-US" dirty="0"/>
@@ -949,104 +1703,6 @@
         </a:p>
       </dgm:t>
     </dgm:pt>
-    <dgm:pt modelId="{CBCE7A0C-1162-4DD8-8348-0E467EC325E0}">
-      <dgm:prSet/>
-      <dgm:spPr/>
-      <dgm:t>
-        <a:bodyPr/>
-        <a:lstStyle/>
-        <a:p>
-          <a:r>
-            <a:rPr lang="en-US" dirty="0"/>
-            <a:t>4</a:t>
-          </a:r>
-          <a:r>
-            <a:rPr lang="zh-CN" dirty="0" smtClean="0"/>
-            <a:t>．</a:t>
-          </a:r>
-          <a:r>
-            <a:rPr lang="en-US" altLang="zh-CN" dirty="0" smtClean="0"/>
-            <a:t>Rational Rose</a:t>
-          </a:r>
-          <a:r>
-            <a:rPr lang="zh-CN" altLang="en-US" dirty="0" smtClean="0"/>
-            <a:t>安装</a:t>
-          </a:r>
-          <a:endParaRPr lang="en-US" dirty="0"/>
-        </a:p>
-      </dgm:t>
-    </dgm:pt>
-    <dgm:pt modelId="{041D4F31-93BC-4168-A092-8AACF0FAE0A1}" type="parTrans" cxnId="{97F1CCC4-1B19-4070-8C49-D818B7D503A3}">
-      <dgm:prSet/>
-      <dgm:spPr/>
-      <dgm:t>
-        <a:bodyPr/>
-        <a:lstStyle/>
-        <a:p>
-          <a:endParaRPr lang="en-US"/>
-        </a:p>
-      </dgm:t>
-    </dgm:pt>
-    <dgm:pt modelId="{932E490C-516F-4D6F-9F44-B7FE8A9CCDAD}" type="sibTrans" cxnId="{97F1CCC4-1B19-4070-8C49-D818B7D503A3}">
-      <dgm:prSet/>
-      <dgm:spPr/>
-      <dgm:t>
-        <a:bodyPr/>
-        <a:lstStyle/>
-        <a:p>
-          <a:endParaRPr lang="en-US"/>
-        </a:p>
-      </dgm:t>
-    </dgm:pt>
-    <dgm:pt modelId="{390B9C77-7995-4357-AF04-9565041C9BF1}">
-      <dgm:prSet/>
-      <dgm:spPr/>
-      <dgm:t>
-        <a:bodyPr/>
-        <a:lstStyle/>
-        <a:p>
-          <a:r>
-            <a:rPr lang="en-US" dirty="0"/>
-            <a:t>5</a:t>
-          </a:r>
-          <a:r>
-            <a:rPr lang="zh-CN" dirty="0" smtClean="0"/>
-            <a:t>．</a:t>
-          </a:r>
-          <a:r>
-            <a:rPr lang="en-US" altLang="zh-CN" dirty="0" smtClean="0"/>
-            <a:t>Rational Rose</a:t>
-          </a:r>
-          <a:r>
-            <a:rPr lang="zh-CN" altLang="en-US" dirty="0" smtClean="0"/>
-            <a:t>使用</a:t>
-          </a:r>
-          <a:endParaRPr lang="en-US" dirty="0"/>
-        </a:p>
-      </dgm:t>
-    </dgm:pt>
-    <dgm:pt modelId="{EE403F8B-8568-4987-80D7-7FB2D18D7D16}" type="parTrans" cxnId="{25EC110C-6EF6-4C65-80E0-1871BBCC94F3}">
-      <dgm:prSet/>
-      <dgm:spPr/>
-      <dgm:t>
-        <a:bodyPr/>
-        <a:lstStyle/>
-        <a:p>
-          <a:endParaRPr lang="en-US"/>
-        </a:p>
-      </dgm:t>
-    </dgm:pt>
-    <dgm:pt modelId="{290EC355-F468-41D9-90C5-D907CF21D967}" type="sibTrans" cxnId="{25EC110C-6EF6-4C65-80E0-1871BBCC94F3}">
-      <dgm:prSet/>
-      <dgm:spPr/>
-      <dgm:t>
-        <a:bodyPr/>
-        <a:lstStyle/>
-        <a:p>
-          <a:endParaRPr lang="en-US"/>
-        </a:p>
-      </dgm:t>
-    </dgm:pt>
     <dgm:pt modelId="{F4D98294-6926-4BC8-9678-4AE0179FD98D}">
       <dgm:prSet/>
       <dgm:spPr/>
@@ -1059,15 +1715,15 @@
             <a:t>2</a:t>
           </a:r>
           <a:r>
-            <a:rPr lang="zh-CN" dirty="0" smtClean="0"/>
+            <a:rPr lang="zh-CN" dirty="0"/>
             <a:t>．</a:t>
           </a:r>
           <a:r>
-            <a:rPr lang="en-US" altLang="zh-CN" dirty="0" smtClean="0"/>
+            <a:rPr lang="en-US" altLang="zh-CN" dirty="0"/>
             <a:t>Rational Rose</a:t>
           </a:r>
           <a:r>
-            <a:rPr lang="zh-CN" altLang="en-US" dirty="0" smtClean="0"/>
+            <a:rPr lang="zh-CN" altLang="en-US" dirty="0"/>
             <a:t>特点</a:t>
           </a:r>
           <a:endParaRPr lang="en-US" dirty="0"/>
@@ -1108,16 +1764,16 @@
             <a:t>3</a:t>
           </a:r>
           <a:r>
-            <a:rPr lang="zh-CN" dirty="0" smtClean="0"/>
+            <a:rPr lang="zh-CN" dirty="0"/>
             <a:t>．</a:t>
           </a:r>
           <a:r>
-            <a:rPr lang="en-US" altLang="zh-CN" dirty="0" smtClean="0"/>
+            <a:rPr lang="en-US" altLang="zh-CN" dirty="0"/>
             <a:t>Rational Rose</a:t>
           </a:r>
           <a:r>
-            <a:rPr lang="zh-CN" altLang="en-US" dirty="0" smtClean="0"/>
-            <a:t>版本</a:t>
+            <a:rPr lang="zh-CN" altLang="en-US" dirty="0"/>
+            <a:t>历史</a:t>
           </a:r>
           <a:endParaRPr lang="en-US" dirty="0"/>
         </a:p>
@@ -1145,6 +1801,96 @@
         </a:p>
       </dgm:t>
     </dgm:pt>
+    <dgm:pt modelId="{3EE7B305-7996-4A48-B27A-9F4B29D23B3E}">
+      <dgm:prSet/>
+      <dgm:spPr/>
+      <dgm:t>
+        <a:bodyPr/>
+        <a:lstStyle/>
+        <a:p>
+          <a:r>
+            <a:rPr lang="en-US" altLang="zh-CN" dirty="0"/>
+            <a:t>5</a:t>
+          </a:r>
+          <a:r>
+            <a:rPr lang="en-US" dirty="0"/>
+            <a:t> </a:t>
+          </a:r>
+          <a:r>
+            <a:rPr lang="en-US" altLang="zh-CN" dirty="0"/>
+            <a:t>. Rational Rose</a:t>
+          </a:r>
+          <a:r>
+            <a:rPr lang="zh-CN" altLang="en-US" dirty="0"/>
+            <a:t>使用</a:t>
+          </a:r>
+          <a:endParaRPr lang="en-US" dirty="0"/>
+        </a:p>
+      </dgm:t>
+    </dgm:pt>
+    <dgm:pt modelId="{A7E313B4-162B-4558-9EA7-D540C7A29851}" type="parTrans" cxnId="{29692E02-3CF0-4661-9DD8-7A4258B392DE}">
+      <dgm:prSet/>
+      <dgm:spPr/>
+      <dgm:t>
+        <a:bodyPr/>
+        <a:lstStyle/>
+        <a:p>
+          <a:endParaRPr lang="zh-CN" altLang="en-US"/>
+        </a:p>
+      </dgm:t>
+    </dgm:pt>
+    <dgm:pt modelId="{4EFF5919-82E2-4314-B676-FE08D9202A54}" type="sibTrans" cxnId="{29692E02-3CF0-4661-9DD8-7A4258B392DE}">
+      <dgm:prSet/>
+      <dgm:spPr/>
+      <dgm:t>
+        <a:bodyPr/>
+        <a:lstStyle/>
+        <a:p>
+          <a:endParaRPr lang="zh-CN" altLang="en-US"/>
+        </a:p>
+      </dgm:t>
+    </dgm:pt>
+    <dgm:pt modelId="{86D43763-6E2F-46C1-A483-D882A36FD667}">
+      <dgm:prSet/>
+      <dgm:spPr/>
+      <dgm:t>
+        <a:bodyPr/>
+        <a:lstStyle/>
+        <a:p>
+          <a:r>
+            <a:rPr lang="en-US" altLang="zh-CN" dirty="0"/>
+            <a:t>4 . Rational Rose</a:t>
+          </a:r>
+          <a:r>
+            <a:rPr lang="zh-CN" altLang="en-US" dirty="0"/>
+            <a:t>版本</a:t>
+          </a:r>
+          <a:endParaRPr lang="en-US" dirty="0"/>
+        </a:p>
+      </dgm:t>
+    </dgm:pt>
+    <dgm:pt modelId="{DE3A533C-8A40-459E-89D9-0E2DA916A225}" type="parTrans" cxnId="{CBD663FB-7E17-4FB7-974B-E4292ABDEB83}">
+      <dgm:prSet/>
+      <dgm:spPr/>
+      <dgm:t>
+        <a:bodyPr/>
+        <a:lstStyle/>
+        <a:p>
+          <a:endParaRPr lang="zh-CN" altLang="en-US"/>
+        </a:p>
+      </dgm:t>
+    </dgm:pt>
+    <dgm:pt modelId="{AF3D2571-5B4C-4902-85F1-2329519D83A3}" type="sibTrans" cxnId="{CBD663FB-7E17-4FB7-974B-E4292ABDEB83}">
+      <dgm:prSet/>
+      <dgm:spPr/>
+      <dgm:t>
+        <a:bodyPr/>
+        <a:lstStyle/>
+        <a:p>
+          <a:endParaRPr lang="zh-CN" altLang="en-US"/>
+        </a:p>
+      </dgm:t>
+    </dgm:pt>
     <dgm:pt modelId="{16C4A9B8-6EFE-4EE6-A024-B6B528189985}" type="pres">
       <dgm:prSet presAssocID="{61344293-A1DE-4EC5-9A38-FAB9B9B4968C}" presName="vert0" presStyleCnt="0">
         <dgm:presLayoutVars>
@@ -1154,13 +1900,6 @@
         </dgm:presLayoutVars>
       </dgm:prSet>
       <dgm:spPr/>
-      <dgm:t>
-        <a:bodyPr/>
-        <a:lstStyle/>
-        <a:p>
-          <a:endParaRPr lang="zh-CN" altLang="en-US"/>
-        </a:p>
-      </dgm:t>
     </dgm:pt>
     <dgm:pt modelId="{BB10B3FE-71B2-44C4-9881-9B1B6C4ED30A}" type="pres">
       <dgm:prSet presAssocID="{1FA03D0B-431E-4552-972E-930F5F39D8D4}" presName="thickLine" presStyleLbl="alignNode1" presStyleIdx="0" presStyleCnt="5"/>
@@ -1173,13 +1912,6 @@
     <dgm:pt modelId="{FC9D7768-4563-493E-B454-DDCFD4BDB902}" type="pres">
       <dgm:prSet presAssocID="{1FA03D0B-431E-4552-972E-930F5F39D8D4}" presName="tx1" presStyleLbl="revTx" presStyleIdx="0" presStyleCnt="5"/>
       <dgm:spPr/>
-      <dgm:t>
-        <a:bodyPr/>
-        <a:lstStyle/>
-        <a:p>
-          <a:endParaRPr lang="zh-CN" altLang="en-US"/>
-        </a:p>
-      </dgm:t>
     </dgm:pt>
     <dgm:pt modelId="{AD1CF356-254A-496B-8B30-7E65A8D385E9}" type="pres">
       <dgm:prSet presAssocID="{1FA03D0B-431E-4552-972E-930F5F39D8D4}" presName="vert1" presStyleCnt="0"/>
@@ -1196,13 +1928,6 @@
     <dgm:pt modelId="{BB3D9FB9-476E-49C0-B80D-9BE2F7650722}" type="pres">
       <dgm:prSet presAssocID="{F4D98294-6926-4BC8-9678-4AE0179FD98D}" presName="tx1" presStyleLbl="revTx" presStyleIdx="1" presStyleCnt="5"/>
       <dgm:spPr/>
-      <dgm:t>
-        <a:bodyPr/>
-        <a:lstStyle/>
-        <a:p>
-          <a:endParaRPr lang="zh-CN" altLang="en-US"/>
-        </a:p>
-      </dgm:t>
     </dgm:pt>
     <dgm:pt modelId="{D99806E3-20C1-4E7F-8374-0210A0C1A8AE}" type="pres">
       <dgm:prSet presAssocID="{F4D98294-6926-4BC8-9678-4AE0179FD98D}" presName="vert1" presStyleCnt="0"/>
@@ -1219,77 +1944,56 @@
     <dgm:pt modelId="{4115A148-7C9F-4251-95F8-2A051B52D5AC}" type="pres">
       <dgm:prSet presAssocID="{F26DE089-A9FD-4546-96AF-71432FD40C75}" presName="tx1" presStyleLbl="revTx" presStyleIdx="2" presStyleCnt="5"/>
       <dgm:spPr/>
-      <dgm:t>
-        <a:bodyPr/>
-        <a:lstStyle/>
-        <a:p>
-          <a:endParaRPr lang="zh-CN" altLang="en-US"/>
-        </a:p>
-      </dgm:t>
     </dgm:pt>
     <dgm:pt modelId="{394814FA-CDAF-4CC8-8109-62E7A5FA331D}" type="pres">
       <dgm:prSet presAssocID="{F26DE089-A9FD-4546-96AF-71432FD40C75}" presName="vert1" presStyleCnt="0"/>
       <dgm:spPr/>
     </dgm:pt>
-    <dgm:pt modelId="{1D5B3A02-00A6-473F-B5E2-9397402134CE}" type="pres">
-      <dgm:prSet presAssocID="{CBCE7A0C-1162-4DD8-8348-0E467EC325E0}" presName="thickLine" presStyleLbl="alignNode1" presStyleIdx="3" presStyleCnt="5"/>
+    <dgm:pt modelId="{749D0476-479C-4D5D-889D-318524BD9A75}" type="pres">
+      <dgm:prSet presAssocID="{86D43763-6E2F-46C1-A483-D882A36FD667}" presName="thickLine" presStyleLbl="alignNode1" presStyleIdx="3" presStyleCnt="5"/>
       <dgm:spPr/>
     </dgm:pt>
-    <dgm:pt modelId="{CC891E2F-B6BA-495F-9368-4A8F307D8BC8}" type="pres">
-      <dgm:prSet presAssocID="{CBCE7A0C-1162-4DD8-8348-0E467EC325E0}" presName="horz1" presStyleCnt="0"/>
+    <dgm:pt modelId="{E0726848-EF3E-4D32-B208-F2C95A3D9DEC}" type="pres">
+      <dgm:prSet presAssocID="{86D43763-6E2F-46C1-A483-D882A36FD667}" presName="horz1" presStyleCnt="0"/>
       <dgm:spPr/>
     </dgm:pt>
-    <dgm:pt modelId="{CF187C55-D274-4C80-A81A-7C74892EF144}" type="pres">
-      <dgm:prSet presAssocID="{CBCE7A0C-1162-4DD8-8348-0E467EC325E0}" presName="tx1" presStyleLbl="revTx" presStyleIdx="3" presStyleCnt="5"/>
-      <dgm:spPr/>
-      <dgm:t>
-        <a:bodyPr/>
-        <a:lstStyle/>
-        <a:p>
-          <a:endParaRPr lang="zh-CN" altLang="en-US"/>
-        </a:p>
-      </dgm:t>
-    </dgm:pt>
-    <dgm:pt modelId="{6B0C92B1-B619-46DC-9D61-064133EACD45}" type="pres">
-      <dgm:prSet presAssocID="{CBCE7A0C-1162-4DD8-8348-0E467EC325E0}" presName="vert1" presStyleCnt="0"/>
+    <dgm:pt modelId="{6E7F40F4-8AD4-4B41-B47C-36B2AEBB1404}" type="pres">
+      <dgm:prSet presAssocID="{86D43763-6E2F-46C1-A483-D882A36FD667}" presName="tx1" presStyleLbl="revTx" presStyleIdx="3" presStyleCnt="5"/>
       <dgm:spPr/>
     </dgm:pt>
-    <dgm:pt modelId="{165A2E05-853A-4796-A4F7-9A222BA428E6}" type="pres">
-      <dgm:prSet presAssocID="{390B9C77-7995-4357-AF04-9565041C9BF1}" presName="thickLine" presStyleLbl="alignNode1" presStyleIdx="4" presStyleCnt="5"/>
+    <dgm:pt modelId="{C3E35090-9041-4488-AABC-7721A8A4DC3A}" type="pres">
+      <dgm:prSet presAssocID="{86D43763-6E2F-46C1-A483-D882A36FD667}" presName="vert1" presStyleCnt="0"/>
       <dgm:spPr/>
     </dgm:pt>
-    <dgm:pt modelId="{F851A241-F911-4F81-BFE1-7EF44193B511}" type="pres">
-      <dgm:prSet presAssocID="{390B9C77-7995-4357-AF04-9565041C9BF1}" presName="horz1" presStyleCnt="0"/>
+    <dgm:pt modelId="{A61EF2DF-9822-4177-B9E8-4D3B9E184953}" type="pres">
+      <dgm:prSet presAssocID="{3EE7B305-7996-4A48-B27A-9F4B29D23B3E}" presName="thickLine" presStyleLbl="alignNode1" presStyleIdx="4" presStyleCnt="5"/>
       <dgm:spPr/>
     </dgm:pt>
-    <dgm:pt modelId="{6D455BFA-CC98-472A-BB95-E26F8322A529}" type="pres">
-      <dgm:prSet presAssocID="{390B9C77-7995-4357-AF04-9565041C9BF1}" presName="tx1" presStyleLbl="revTx" presStyleIdx="4" presStyleCnt="5"/>
+    <dgm:pt modelId="{56CFA5F9-8F7B-4653-87D9-993B1E0E0347}" type="pres">
+      <dgm:prSet presAssocID="{3EE7B305-7996-4A48-B27A-9F4B29D23B3E}" presName="horz1" presStyleCnt="0"/>
       <dgm:spPr/>
-      <dgm:t>
-        <a:bodyPr/>
-        <a:lstStyle/>
-        <a:p>
-          <a:endParaRPr lang="zh-CN" altLang="en-US"/>
-        </a:p>
-      </dgm:t>
     </dgm:pt>
-    <dgm:pt modelId="{6566A669-B31A-4342-B2F2-E8D66C00D8D2}" type="pres">
-      <dgm:prSet presAssocID="{390B9C77-7995-4357-AF04-9565041C9BF1}" presName="vert1" presStyleCnt="0"/>
+    <dgm:pt modelId="{F4825D67-71D4-4C0F-8025-EC4261B1609B}" type="pres">
+      <dgm:prSet presAssocID="{3EE7B305-7996-4A48-B27A-9F4B29D23B3E}" presName="tx1" presStyleLbl="revTx" presStyleIdx="4" presStyleCnt="5"/>
+      <dgm:spPr/>
+    </dgm:pt>
+    <dgm:pt modelId="{2C89DF67-39C5-4736-9DB1-74B32D1BEA6C}" type="pres">
+      <dgm:prSet presAssocID="{3EE7B305-7996-4A48-B27A-9F4B29D23B3E}" presName="vert1" presStyleCnt="0"/>
       <dgm:spPr/>
     </dgm:pt>
   </dgm:ptLst>
   <dgm:cxnLst>
+    <dgm:cxn modelId="{29692E02-3CF0-4661-9DD8-7A4258B392DE}" srcId="{61344293-A1DE-4EC5-9A38-FAB9B9B4968C}" destId="{3EE7B305-7996-4A48-B27A-9F4B29D23B3E}" srcOrd="4" destOrd="0" parTransId="{A7E313B4-162B-4558-9EA7-D540C7A29851}" sibTransId="{4EFF5919-82E2-4314-B676-FE08D9202A54}"/>
+    <dgm:cxn modelId="{70531028-9C6C-4134-870F-A22568E48605}" type="presOf" srcId="{86D43763-6E2F-46C1-A483-D882A36FD667}" destId="{6E7F40F4-8AD4-4B41-B47C-36B2AEBB1404}" srcOrd="0" destOrd="0" presId="urn:microsoft.com/office/officeart/2008/layout/LinedList"/>
+    <dgm:cxn modelId="{3190A730-C30D-4588-B494-DA7A5CD543E7}" type="presOf" srcId="{3EE7B305-7996-4A48-B27A-9F4B29D23B3E}" destId="{F4825D67-71D4-4C0F-8025-EC4261B1609B}" srcOrd="0" destOrd="0" presId="urn:microsoft.com/office/officeart/2008/layout/LinedList"/>
+    <dgm:cxn modelId="{FC96EF33-F0CD-420E-9A7B-30F9B6896026}" srcId="{61344293-A1DE-4EC5-9A38-FAB9B9B4968C}" destId="{F4D98294-6926-4BC8-9678-4AE0179FD98D}" srcOrd="1" destOrd="0" parTransId="{A14163C1-0CF1-4D38-B620-EB744E35794C}" sibTransId="{3796F5A7-8CBE-40D5-9D1D-9C0979F64A9C}"/>
     <dgm:cxn modelId="{72C78C39-D2FD-4657-A685-C850D72D9035}" srcId="{61344293-A1DE-4EC5-9A38-FAB9B9B4968C}" destId="{1FA03D0B-431E-4552-972E-930F5F39D8D4}" srcOrd="0" destOrd="0" parTransId="{DCA24973-8AA7-41B9-9B6A-AC4F09257488}" sibTransId="{7A188E71-997C-494E-B9C2-BAD4C716D4A0}"/>
+    <dgm:cxn modelId="{6F74CE48-579E-431D-9583-58A5F2ED3C85}" srcId="{61344293-A1DE-4EC5-9A38-FAB9B9B4968C}" destId="{F26DE089-A9FD-4546-96AF-71432FD40C75}" srcOrd="2" destOrd="0" parTransId="{1A63B470-973A-4426-A553-6A92D4588D20}" sibTransId="{F05992B1-9FD4-41E0-8709-1F3CDB8109B3}"/>
+    <dgm:cxn modelId="{33D50369-788E-49A7-8974-C3AD880B79B4}" type="presOf" srcId="{61344293-A1DE-4EC5-9A38-FAB9B9B4968C}" destId="{16C4A9B8-6EFE-4EE6-A024-B6B528189985}" srcOrd="0" destOrd="0" presId="urn:microsoft.com/office/officeart/2008/layout/LinedList"/>
+    <dgm:cxn modelId="{0EDCF550-DA4A-4A70-A9D9-2D3A3C531AD5}" type="presOf" srcId="{F26DE089-A9FD-4546-96AF-71432FD40C75}" destId="{4115A148-7C9F-4251-95F8-2A051B52D5AC}" srcOrd="0" destOrd="0" presId="urn:microsoft.com/office/officeart/2008/layout/LinedList"/>
+    <dgm:cxn modelId="{7C80495A-D039-4CC0-AD85-F41F30EFBF07}" type="presOf" srcId="{1FA03D0B-431E-4552-972E-930F5F39D8D4}" destId="{FC9D7768-4563-493E-B454-DDCFD4BDB902}" srcOrd="0" destOrd="0" presId="urn:microsoft.com/office/officeart/2008/layout/LinedList"/>
     <dgm:cxn modelId="{A87C39E1-E138-40B9-8A97-77B92E5EBC22}" type="presOf" srcId="{F4D98294-6926-4BC8-9678-4AE0179FD98D}" destId="{BB3D9FB9-476E-49C0-B80D-9BE2F7650722}" srcOrd="0" destOrd="0" presId="urn:microsoft.com/office/officeart/2008/layout/LinedList"/>
-    <dgm:cxn modelId="{7C80495A-D039-4CC0-AD85-F41F30EFBF07}" type="presOf" srcId="{1FA03D0B-431E-4552-972E-930F5F39D8D4}" destId="{FC9D7768-4563-493E-B454-DDCFD4BDB902}" srcOrd="0" destOrd="0" presId="urn:microsoft.com/office/officeart/2008/layout/LinedList"/>
-    <dgm:cxn modelId="{0EDCF550-DA4A-4A70-A9D9-2D3A3C531AD5}" type="presOf" srcId="{F26DE089-A9FD-4546-96AF-71432FD40C75}" destId="{4115A148-7C9F-4251-95F8-2A051B52D5AC}" srcOrd="0" destOrd="0" presId="urn:microsoft.com/office/officeart/2008/layout/LinedList"/>
-    <dgm:cxn modelId="{2B747639-0EB3-4CA8-8B46-A220149A240C}" type="presOf" srcId="{CBCE7A0C-1162-4DD8-8348-0E467EC325E0}" destId="{CF187C55-D274-4C80-A81A-7C74892EF144}" srcOrd="0" destOrd="0" presId="urn:microsoft.com/office/officeart/2008/layout/LinedList"/>
-    <dgm:cxn modelId="{C2A4E7D5-0E91-4BC3-A55C-316FB74A93F5}" type="presOf" srcId="{390B9C77-7995-4357-AF04-9565041C9BF1}" destId="{6D455BFA-CC98-472A-BB95-E26F8322A529}" srcOrd="0" destOrd="0" presId="urn:microsoft.com/office/officeart/2008/layout/LinedList"/>
-    <dgm:cxn modelId="{6F74CE48-579E-431D-9583-58A5F2ED3C85}" srcId="{61344293-A1DE-4EC5-9A38-FAB9B9B4968C}" destId="{F26DE089-A9FD-4546-96AF-71432FD40C75}" srcOrd="2" destOrd="0" parTransId="{1A63B470-973A-4426-A553-6A92D4588D20}" sibTransId="{F05992B1-9FD4-41E0-8709-1F3CDB8109B3}"/>
-    <dgm:cxn modelId="{FC96EF33-F0CD-420E-9A7B-30F9B6896026}" srcId="{61344293-A1DE-4EC5-9A38-FAB9B9B4968C}" destId="{F4D98294-6926-4BC8-9678-4AE0179FD98D}" srcOrd="1" destOrd="0" parTransId="{A14163C1-0CF1-4D38-B620-EB744E35794C}" sibTransId="{3796F5A7-8CBE-40D5-9D1D-9C0979F64A9C}"/>
-    <dgm:cxn modelId="{25EC110C-6EF6-4C65-80E0-1871BBCC94F3}" srcId="{61344293-A1DE-4EC5-9A38-FAB9B9B4968C}" destId="{390B9C77-7995-4357-AF04-9565041C9BF1}" srcOrd="4" destOrd="0" parTransId="{EE403F8B-8568-4987-80D7-7FB2D18D7D16}" sibTransId="{290EC355-F468-41D9-90C5-D907CF21D967}"/>
-    <dgm:cxn modelId="{97F1CCC4-1B19-4070-8C49-D818B7D503A3}" srcId="{61344293-A1DE-4EC5-9A38-FAB9B9B4968C}" destId="{CBCE7A0C-1162-4DD8-8348-0E467EC325E0}" srcOrd="3" destOrd="0" parTransId="{041D4F31-93BC-4168-A092-8AACF0FAE0A1}" sibTransId="{932E490C-516F-4D6F-9F44-B7FE8A9CCDAD}"/>
-    <dgm:cxn modelId="{33D50369-788E-49A7-8974-C3AD880B79B4}" type="presOf" srcId="{61344293-A1DE-4EC5-9A38-FAB9B9B4968C}" destId="{16C4A9B8-6EFE-4EE6-A024-B6B528189985}" srcOrd="0" destOrd="0" presId="urn:microsoft.com/office/officeart/2008/layout/LinedList"/>
+    <dgm:cxn modelId="{CBD663FB-7E17-4FB7-974B-E4292ABDEB83}" srcId="{61344293-A1DE-4EC5-9A38-FAB9B9B4968C}" destId="{86D43763-6E2F-46C1-A483-D882A36FD667}" srcOrd="3" destOrd="0" parTransId="{DE3A533C-8A40-459E-89D9-0E2DA916A225}" sibTransId="{AF3D2571-5B4C-4902-85F1-2329519D83A3}"/>
     <dgm:cxn modelId="{82E7AEFF-4A18-459E-9D95-FC25F3034281}" type="presParOf" srcId="{16C4A9B8-6EFE-4EE6-A024-B6B528189985}" destId="{BB10B3FE-71B2-44C4-9881-9B1B6C4ED30A}" srcOrd="0" destOrd="0" presId="urn:microsoft.com/office/officeart/2008/layout/LinedList"/>
     <dgm:cxn modelId="{0D745BA1-B015-43B1-A3DE-FD84DD748F8B}" type="presParOf" srcId="{16C4A9B8-6EFE-4EE6-A024-B6B528189985}" destId="{963CAB5B-C43A-4ACF-989E-11E2303E77FD}" srcOrd="1" destOrd="0" presId="urn:microsoft.com/office/officeart/2008/layout/LinedList"/>
     <dgm:cxn modelId="{9B738220-9BF1-40D4-AFBB-C8F4E77F79A1}" type="presParOf" srcId="{963CAB5B-C43A-4ACF-989E-11E2303E77FD}" destId="{FC9D7768-4563-493E-B454-DDCFD4BDB902}" srcOrd="0" destOrd="0" presId="urn:microsoft.com/office/officeart/2008/layout/LinedList"/>
@@ -1302,14 +2006,186 @@
     <dgm:cxn modelId="{AD1E1A73-3C43-48F8-BFFA-58D7FD17353F}" type="presParOf" srcId="{16C4A9B8-6EFE-4EE6-A024-B6B528189985}" destId="{B3003E84-12F6-4FAE-BACB-0A89DBED0137}" srcOrd="5" destOrd="0" presId="urn:microsoft.com/office/officeart/2008/layout/LinedList"/>
     <dgm:cxn modelId="{20D7DEAA-A737-4F2F-9059-6C02829763E1}" type="presParOf" srcId="{B3003E84-12F6-4FAE-BACB-0A89DBED0137}" destId="{4115A148-7C9F-4251-95F8-2A051B52D5AC}" srcOrd="0" destOrd="0" presId="urn:microsoft.com/office/officeart/2008/layout/LinedList"/>
     <dgm:cxn modelId="{4CCA182E-E097-4A9B-9CDD-7ED5902A7AA1}" type="presParOf" srcId="{B3003E84-12F6-4FAE-BACB-0A89DBED0137}" destId="{394814FA-CDAF-4CC8-8109-62E7A5FA331D}" srcOrd="1" destOrd="0" presId="urn:microsoft.com/office/officeart/2008/layout/LinedList"/>
-    <dgm:cxn modelId="{C2B8046E-3EC3-41B4-BBBD-8D43413DF47D}" type="presParOf" srcId="{16C4A9B8-6EFE-4EE6-A024-B6B528189985}" destId="{1D5B3A02-00A6-473F-B5E2-9397402134CE}" srcOrd="6" destOrd="0" presId="urn:microsoft.com/office/officeart/2008/layout/LinedList"/>
-    <dgm:cxn modelId="{ADB4D14B-57F3-428A-99C6-E8B5A0372168}" type="presParOf" srcId="{16C4A9B8-6EFE-4EE6-A024-B6B528189985}" destId="{CC891E2F-B6BA-495F-9368-4A8F307D8BC8}" srcOrd="7" destOrd="0" presId="urn:microsoft.com/office/officeart/2008/layout/LinedList"/>
-    <dgm:cxn modelId="{249751FC-FC69-4A6D-AB8D-EA60360B78C0}" type="presParOf" srcId="{CC891E2F-B6BA-495F-9368-4A8F307D8BC8}" destId="{CF187C55-D274-4C80-A81A-7C74892EF144}" srcOrd="0" destOrd="0" presId="urn:microsoft.com/office/officeart/2008/layout/LinedList"/>
-    <dgm:cxn modelId="{3909F5F8-C09B-4C40-8A2F-44183AB990FC}" type="presParOf" srcId="{CC891E2F-B6BA-495F-9368-4A8F307D8BC8}" destId="{6B0C92B1-B619-46DC-9D61-064133EACD45}" srcOrd="1" destOrd="0" presId="urn:microsoft.com/office/officeart/2008/layout/LinedList"/>
-    <dgm:cxn modelId="{726FC80C-44B5-47A4-B9D8-060A7FDD98BE}" type="presParOf" srcId="{16C4A9B8-6EFE-4EE6-A024-B6B528189985}" destId="{165A2E05-853A-4796-A4F7-9A222BA428E6}" srcOrd="8" destOrd="0" presId="urn:microsoft.com/office/officeart/2008/layout/LinedList"/>
-    <dgm:cxn modelId="{E23C9DF4-27AF-4768-9914-2BC4D0D8B073}" type="presParOf" srcId="{16C4A9B8-6EFE-4EE6-A024-B6B528189985}" destId="{F851A241-F911-4F81-BFE1-7EF44193B511}" srcOrd="9" destOrd="0" presId="urn:microsoft.com/office/officeart/2008/layout/LinedList"/>
-    <dgm:cxn modelId="{ECE59040-704F-4510-B367-3DF5CFF76081}" type="presParOf" srcId="{F851A241-F911-4F81-BFE1-7EF44193B511}" destId="{6D455BFA-CC98-472A-BB95-E26F8322A529}" srcOrd="0" destOrd="0" presId="urn:microsoft.com/office/officeart/2008/layout/LinedList"/>
-    <dgm:cxn modelId="{9A0A89C3-2A1A-40FE-9463-1398C1880CFA}" type="presParOf" srcId="{F851A241-F911-4F81-BFE1-7EF44193B511}" destId="{6566A669-B31A-4342-B2F2-E8D66C00D8D2}" srcOrd="1" destOrd="0" presId="urn:microsoft.com/office/officeart/2008/layout/LinedList"/>
+    <dgm:cxn modelId="{0613C90D-B5F7-4E57-97F4-C99223293FD2}" type="presParOf" srcId="{16C4A9B8-6EFE-4EE6-A024-B6B528189985}" destId="{749D0476-479C-4D5D-889D-318524BD9A75}" srcOrd="6" destOrd="0" presId="urn:microsoft.com/office/officeart/2008/layout/LinedList"/>
+    <dgm:cxn modelId="{C95981F5-39F0-4696-A9E2-A39A59E2A5AF}" type="presParOf" srcId="{16C4A9B8-6EFE-4EE6-A024-B6B528189985}" destId="{E0726848-EF3E-4D32-B208-F2C95A3D9DEC}" srcOrd="7" destOrd="0" presId="urn:microsoft.com/office/officeart/2008/layout/LinedList"/>
+    <dgm:cxn modelId="{6E4E46E9-7531-42F7-AD89-ED14D5323385}" type="presParOf" srcId="{E0726848-EF3E-4D32-B208-F2C95A3D9DEC}" destId="{6E7F40F4-8AD4-4B41-B47C-36B2AEBB1404}" srcOrd="0" destOrd="0" presId="urn:microsoft.com/office/officeart/2008/layout/LinedList"/>
+    <dgm:cxn modelId="{463223D6-5BA6-4897-A4D9-0FD95B7A9EAB}" type="presParOf" srcId="{E0726848-EF3E-4D32-B208-F2C95A3D9DEC}" destId="{C3E35090-9041-4488-AABC-7721A8A4DC3A}" srcOrd="1" destOrd="0" presId="urn:microsoft.com/office/officeart/2008/layout/LinedList"/>
+    <dgm:cxn modelId="{97626DDA-8CF5-4F00-905B-ECB0E09F0EC3}" type="presParOf" srcId="{16C4A9B8-6EFE-4EE6-A024-B6B528189985}" destId="{A61EF2DF-9822-4177-B9E8-4D3B9E184953}" srcOrd="8" destOrd="0" presId="urn:microsoft.com/office/officeart/2008/layout/LinedList"/>
+    <dgm:cxn modelId="{D1353BDD-5C18-43EA-8F81-066AE34F9671}" type="presParOf" srcId="{16C4A9B8-6EFE-4EE6-A024-B6B528189985}" destId="{56CFA5F9-8F7B-4653-87D9-993B1E0E0347}" srcOrd="9" destOrd="0" presId="urn:microsoft.com/office/officeart/2008/layout/LinedList"/>
+    <dgm:cxn modelId="{D61CA9D9-12FC-47C9-8869-E0B004933D8C}" type="presParOf" srcId="{56CFA5F9-8F7B-4653-87D9-993B1E0E0347}" destId="{F4825D67-71D4-4C0F-8025-EC4261B1609B}" srcOrd="0" destOrd="0" presId="urn:microsoft.com/office/officeart/2008/layout/LinedList"/>
+    <dgm:cxn modelId="{ADE7B1EF-02DD-4FDF-9EF7-AA86115187BF}" type="presParOf" srcId="{56CFA5F9-8F7B-4653-87D9-993B1E0E0347}" destId="{2C89DF67-39C5-4736-9DB1-74B32D1BEA6C}" srcOrd="1" destOrd="0" presId="urn:microsoft.com/office/officeart/2008/layout/LinedList"/>
+  </dgm:cxnLst>
+  <dgm:bg/>
+  <dgm:whole/>
+  <dgm:extLst>
+    <a:ext uri="http://schemas.microsoft.com/office/drawing/2008/diagram">
+      <dsp:dataModelExt xmlns:dsp="http://schemas.microsoft.com/office/drawing/2008/diagram" relId="rId6" minVer="http://schemas.openxmlformats.org/drawingml/2006/diagram"/>
+    </a:ext>
+  </dgm:extLst>
+</dgm:dataModel>
+</file>
+
+<file path=ppt/diagrams/data2.xml><?xml version="1.0" encoding="utf-8"?>
+<dgm:dataModel xmlns:dgm="http://schemas.openxmlformats.org/drawingml/2006/diagram" xmlns:a="http://schemas.openxmlformats.org/drawingml/2006/main">
+  <dgm:ptLst>
+    <dgm:pt modelId="{61344293-A1DE-4EC5-9A38-FAB9B9B4968C}" type="doc">
+      <dgm:prSet loTypeId="urn:microsoft.com/office/officeart/2008/layout/LinedList" loCatId="Inbox" qsTypeId="urn:microsoft.com/office/officeart/2005/8/quickstyle/simple4" qsCatId="simple" csTypeId="urn:microsoft.com/office/officeart/2005/8/colors/accent1_2" csCatId="accent1" phldr="1"/>
+      <dgm:spPr/>
+      <dgm:t>
+        <a:bodyPr/>
+        <a:lstStyle/>
+        <a:p>
+          <a:endParaRPr lang="en-US"/>
+        </a:p>
+      </dgm:t>
+    </dgm:pt>
+    <dgm:pt modelId="{1FA03D0B-431E-4552-972E-930F5F39D8D4}">
+      <dgm:prSet/>
+      <dgm:spPr/>
+      <dgm:t>
+        <a:bodyPr/>
+        <a:lstStyle/>
+        <a:p>
+          <a:r>
+            <a:rPr lang="en-US" dirty="0"/>
+            <a:t>1</a:t>
+          </a:r>
+          <a:r>
+            <a:rPr lang="zh-CN" dirty="0"/>
+            <a:t>．</a:t>
+          </a:r>
+          <a:r>
+            <a:rPr lang="zh-CN" altLang="en-US" dirty="0"/>
+            <a:t>环境简介</a:t>
+          </a:r>
+          <a:endParaRPr lang="en-US" dirty="0"/>
+        </a:p>
+      </dgm:t>
+    </dgm:pt>
+    <dgm:pt modelId="{DCA24973-8AA7-41B9-9B6A-AC4F09257488}" type="parTrans" cxnId="{72C78C39-D2FD-4657-A685-C850D72D9035}">
+      <dgm:prSet/>
+      <dgm:spPr/>
+      <dgm:t>
+        <a:bodyPr/>
+        <a:lstStyle/>
+        <a:p>
+          <a:endParaRPr lang="en-US"/>
+        </a:p>
+      </dgm:t>
+    </dgm:pt>
+    <dgm:pt modelId="{7A188E71-997C-494E-B9C2-BAD4C716D4A0}" type="sibTrans" cxnId="{72C78C39-D2FD-4657-A685-C850D72D9035}">
+      <dgm:prSet/>
+      <dgm:spPr/>
+      <dgm:t>
+        <a:bodyPr/>
+        <a:lstStyle/>
+        <a:p>
+          <a:endParaRPr lang="en-US"/>
+        </a:p>
+      </dgm:t>
+    </dgm:pt>
+    <dgm:pt modelId="{F4D98294-6926-4BC8-9678-4AE0179FD98D}">
+      <dgm:prSet/>
+      <dgm:spPr/>
+      <dgm:t>
+        <a:bodyPr/>
+        <a:lstStyle/>
+        <a:p>
+          <a:r>
+            <a:rPr lang="en-US" dirty="0"/>
+            <a:t>2</a:t>
+          </a:r>
+          <a:r>
+            <a:rPr lang="zh-CN" dirty="0"/>
+            <a:t>．</a:t>
+          </a:r>
+          <a:r>
+            <a:rPr lang="zh-CN" altLang="en-US" dirty="0"/>
+            <a:t>建立基本框图</a:t>
+          </a:r>
+          <a:endParaRPr lang="en-US" dirty="0"/>
+        </a:p>
+      </dgm:t>
+    </dgm:pt>
+    <dgm:pt modelId="{A14163C1-0CF1-4D38-B620-EB744E35794C}" type="parTrans" cxnId="{FC96EF33-F0CD-420E-9A7B-30F9B6896026}">
+      <dgm:prSet/>
+      <dgm:spPr/>
+      <dgm:t>
+        <a:bodyPr/>
+        <a:lstStyle/>
+        <a:p>
+          <a:endParaRPr lang="zh-CN" altLang="en-US"/>
+        </a:p>
+      </dgm:t>
+    </dgm:pt>
+    <dgm:pt modelId="{3796F5A7-8CBE-40D5-9D1D-9C0979F64A9C}" type="sibTrans" cxnId="{FC96EF33-F0CD-420E-9A7B-30F9B6896026}">
+      <dgm:prSet/>
+      <dgm:spPr/>
+      <dgm:t>
+        <a:bodyPr/>
+        <a:lstStyle/>
+        <a:p>
+          <a:endParaRPr lang="zh-CN" altLang="en-US"/>
+        </a:p>
+      </dgm:t>
+    </dgm:pt>
+    <dgm:pt modelId="{16C4A9B8-6EFE-4EE6-A024-B6B528189985}" type="pres">
+      <dgm:prSet presAssocID="{61344293-A1DE-4EC5-9A38-FAB9B9B4968C}" presName="vert0" presStyleCnt="0">
+        <dgm:presLayoutVars>
+          <dgm:dir/>
+          <dgm:animOne val="branch"/>
+          <dgm:animLvl val="lvl"/>
+        </dgm:presLayoutVars>
+      </dgm:prSet>
+      <dgm:spPr/>
+    </dgm:pt>
+    <dgm:pt modelId="{BB10B3FE-71B2-44C4-9881-9B1B6C4ED30A}" type="pres">
+      <dgm:prSet presAssocID="{1FA03D0B-431E-4552-972E-930F5F39D8D4}" presName="thickLine" presStyleLbl="alignNode1" presStyleIdx="0" presStyleCnt="2"/>
+      <dgm:spPr/>
+    </dgm:pt>
+    <dgm:pt modelId="{963CAB5B-C43A-4ACF-989E-11E2303E77FD}" type="pres">
+      <dgm:prSet presAssocID="{1FA03D0B-431E-4552-972E-930F5F39D8D4}" presName="horz1" presStyleCnt="0"/>
+      <dgm:spPr/>
+    </dgm:pt>
+    <dgm:pt modelId="{FC9D7768-4563-493E-B454-DDCFD4BDB902}" type="pres">
+      <dgm:prSet presAssocID="{1FA03D0B-431E-4552-972E-930F5F39D8D4}" presName="tx1" presStyleLbl="revTx" presStyleIdx="0" presStyleCnt="2"/>
+      <dgm:spPr/>
+    </dgm:pt>
+    <dgm:pt modelId="{AD1CF356-254A-496B-8B30-7E65A8D385E9}" type="pres">
+      <dgm:prSet presAssocID="{1FA03D0B-431E-4552-972E-930F5F39D8D4}" presName="vert1" presStyleCnt="0"/>
+      <dgm:spPr/>
+    </dgm:pt>
+    <dgm:pt modelId="{DF0B91BF-B4CA-4353-8D74-953111AFF567}" type="pres">
+      <dgm:prSet presAssocID="{F4D98294-6926-4BC8-9678-4AE0179FD98D}" presName="thickLine" presStyleLbl="alignNode1" presStyleIdx="1" presStyleCnt="2"/>
+      <dgm:spPr/>
+    </dgm:pt>
+    <dgm:pt modelId="{A98FBA0E-0CB2-4998-B8F8-C375C5C16B25}" type="pres">
+      <dgm:prSet presAssocID="{F4D98294-6926-4BC8-9678-4AE0179FD98D}" presName="horz1" presStyleCnt="0"/>
+      <dgm:spPr/>
+    </dgm:pt>
+    <dgm:pt modelId="{BB3D9FB9-476E-49C0-B80D-9BE2F7650722}" type="pres">
+      <dgm:prSet presAssocID="{F4D98294-6926-4BC8-9678-4AE0179FD98D}" presName="tx1" presStyleLbl="revTx" presStyleIdx="1" presStyleCnt="2"/>
+      <dgm:spPr/>
+    </dgm:pt>
+    <dgm:pt modelId="{D99806E3-20C1-4E7F-8374-0210A0C1A8AE}" type="pres">
+      <dgm:prSet presAssocID="{F4D98294-6926-4BC8-9678-4AE0179FD98D}" presName="vert1" presStyleCnt="0"/>
+      <dgm:spPr/>
+    </dgm:pt>
+  </dgm:ptLst>
+  <dgm:cxnLst>
+    <dgm:cxn modelId="{FC96EF33-F0CD-420E-9A7B-30F9B6896026}" srcId="{61344293-A1DE-4EC5-9A38-FAB9B9B4968C}" destId="{F4D98294-6926-4BC8-9678-4AE0179FD98D}" srcOrd="1" destOrd="0" parTransId="{A14163C1-0CF1-4D38-B620-EB744E35794C}" sibTransId="{3796F5A7-8CBE-40D5-9D1D-9C0979F64A9C}"/>
+    <dgm:cxn modelId="{72C78C39-D2FD-4657-A685-C850D72D9035}" srcId="{61344293-A1DE-4EC5-9A38-FAB9B9B4968C}" destId="{1FA03D0B-431E-4552-972E-930F5F39D8D4}" srcOrd="0" destOrd="0" parTransId="{DCA24973-8AA7-41B9-9B6A-AC4F09257488}" sibTransId="{7A188E71-997C-494E-B9C2-BAD4C716D4A0}"/>
+    <dgm:cxn modelId="{33D50369-788E-49A7-8974-C3AD880B79B4}" type="presOf" srcId="{61344293-A1DE-4EC5-9A38-FAB9B9B4968C}" destId="{16C4A9B8-6EFE-4EE6-A024-B6B528189985}" srcOrd="0" destOrd="0" presId="urn:microsoft.com/office/officeart/2008/layout/LinedList"/>
+    <dgm:cxn modelId="{7C80495A-D039-4CC0-AD85-F41F30EFBF07}" type="presOf" srcId="{1FA03D0B-431E-4552-972E-930F5F39D8D4}" destId="{FC9D7768-4563-493E-B454-DDCFD4BDB902}" srcOrd="0" destOrd="0" presId="urn:microsoft.com/office/officeart/2008/layout/LinedList"/>
+    <dgm:cxn modelId="{A87C39E1-E138-40B9-8A97-77B92E5EBC22}" type="presOf" srcId="{F4D98294-6926-4BC8-9678-4AE0179FD98D}" destId="{BB3D9FB9-476E-49C0-B80D-9BE2F7650722}" srcOrd="0" destOrd="0" presId="urn:microsoft.com/office/officeart/2008/layout/LinedList"/>
+    <dgm:cxn modelId="{82E7AEFF-4A18-459E-9D95-FC25F3034281}" type="presParOf" srcId="{16C4A9B8-6EFE-4EE6-A024-B6B528189985}" destId="{BB10B3FE-71B2-44C4-9881-9B1B6C4ED30A}" srcOrd="0" destOrd="0" presId="urn:microsoft.com/office/officeart/2008/layout/LinedList"/>
+    <dgm:cxn modelId="{0D745BA1-B015-43B1-A3DE-FD84DD748F8B}" type="presParOf" srcId="{16C4A9B8-6EFE-4EE6-A024-B6B528189985}" destId="{963CAB5B-C43A-4ACF-989E-11E2303E77FD}" srcOrd="1" destOrd="0" presId="urn:microsoft.com/office/officeart/2008/layout/LinedList"/>
+    <dgm:cxn modelId="{9B738220-9BF1-40D4-AFBB-C8F4E77F79A1}" type="presParOf" srcId="{963CAB5B-C43A-4ACF-989E-11E2303E77FD}" destId="{FC9D7768-4563-493E-B454-DDCFD4BDB902}" srcOrd="0" destOrd="0" presId="urn:microsoft.com/office/officeart/2008/layout/LinedList"/>
+    <dgm:cxn modelId="{11656A8A-62C5-4D18-BC56-5067230C6B5B}" type="presParOf" srcId="{963CAB5B-C43A-4ACF-989E-11E2303E77FD}" destId="{AD1CF356-254A-496B-8B30-7E65A8D385E9}" srcOrd="1" destOrd="0" presId="urn:microsoft.com/office/officeart/2008/layout/LinedList"/>
+    <dgm:cxn modelId="{6755B114-8B9A-4BC7-BE95-48D8663E8F8A}" type="presParOf" srcId="{16C4A9B8-6EFE-4EE6-A024-B6B528189985}" destId="{DF0B91BF-B4CA-4353-8D74-953111AFF567}" srcOrd="2" destOrd="0" presId="urn:microsoft.com/office/officeart/2008/layout/LinedList"/>
+    <dgm:cxn modelId="{40F00D5A-E3AA-4075-97C8-74F49B80CB17}" type="presParOf" srcId="{16C4A9B8-6EFE-4EE6-A024-B6B528189985}" destId="{A98FBA0E-0CB2-4998-B8F8-C375C5C16B25}" srcOrd="3" destOrd="0" presId="urn:microsoft.com/office/officeart/2008/layout/LinedList"/>
+    <dgm:cxn modelId="{EB78836B-2E24-43CB-A254-DEDD5916F42B}" type="presParOf" srcId="{A98FBA0E-0CB2-4998-B8F8-C375C5C16B25}" destId="{BB3D9FB9-476E-49C0-B80D-9BE2F7650722}" srcOrd="0" destOrd="0" presId="urn:microsoft.com/office/officeart/2008/layout/LinedList"/>
+    <dgm:cxn modelId="{1B80D826-1BA5-4F41-A3E3-2DA0FE954D9A}" type="presParOf" srcId="{A98FBA0E-0CB2-4998-B8F8-C375C5C16B25}" destId="{D99806E3-20C1-4E7F-8374-0210A0C1A8AE}" srcOrd="1" destOrd="0" presId="urn:microsoft.com/office/officeart/2008/layout/LinedList"/>
   </dgm:cxnLst>
   <dgm:bg/>
   <dgm:whole/>
@@ -1336,8 +2212,8 @@
       </dsp:nvSpPr>
       <dsp:spPr>
         <a:xfrm>
-          <a:off x="0" y="674"/>
-          <a:ext cx="6267888" cy="0"/>
+          <a:off x="0" y="553"/>
+          <a:ext cx="6620155" cy="0"/>
         </a:xfrm>
         <a:prstGeom prst="line">
           <a:avLst/>
@@ -1400,8 +2276,8 @@
       </dsp:nvSpPr>
       <dsp:spPr>
         <a:xfrm>
-          <a:off x="0" y="674"/>
-          <a:ext cx="6267888" cy="1105254"/>
+          <a:off x="0" y="553"/>
+          <a:ext cx="6620155" cy="906826"/>
         </a:xfrm>
         <a:prstGeom prst="rect">
           <a:avLst/>
@@ -1425,12 +2301,12 @@
         <a:fontRef idx="minor"/>
       </dsp:style>
       <dsp:txBody>
-        <a:bodyPr spcFirstLastPara="0" vert="horz" wrap="square" lIns="175260" tIns="175260" rIns="175260" bIns="175260" numCol="1" spcCol="1270" anchor="t" anchorCtr="0">
+        <a:bodyPr spcFirstLastPara="0" vert="horz" wrap="square" lIns="152400" tIns="152400" rIns="152400" bIns="152400" numCol="1" spcCol="1270" anchor="t" anchorCtr="0">
           <a:noAutofit/>
         </a:bodyPr>
         <a:lstStyle/>
         <a:p>
-          <a:pPr lvl="0" algn="l" defTabSz="2044700">
+          <a:pPr marL="0" lvl="0" indent="0" algn="l" defTabSz="1778000">
             <a:lnSpc>
               <a:spcPct val="90000"/>
             </a:lnSpc>
@@ -1440,29 +2316,30 @@
             <a:spcAft>
               <a:spcPct val="35000"/>
             </a:spcAft>
+            <a:buNone/>
           </a:pPr>
           <a:r>
-            <a:rPr lang="en-US" sz="4600" kern="1200" dirty="0"/>
+            <a:rPr lang="en-US" sz="4000" kern="1200" dirty="0"/>
             <a:t>1</a:t>
           </a:r>
           <a:r>
-            <a:rPr lang="zh-CN" sz="4600" kern="1200" dirty="0" smtClean="0"/>
+            <a:rPr lang="zh-CN" sz="4000" kern="1200" dirty="0"/>
             <a:t>．</a:t>
           </a:r>
           <a:r>
-            <a:rPr lang="en-US" altLang="zh-CN" sz="4600" kern="1200" dirty="0" smtClean="0"/>
+            <a:rPr lang="en-US" altLang="zh-CN" sz="4000" kern="1200" dirty="0"/>
             <a:t>Rational Rose</a:t>
           </a:r>
           <a:r>
-            <a:rPr lang="zh-CN" altLang="en-US" sz="4600" kern="1200" dirty="0" smtClean="0"/>
+            <a:rPr lang="zh-CN" altLang="en-US" sz="4000" kern="1200" dirty="0"/>
             <a:t>概述</a:t>
           </a:r>
-          <a:endParaRPr lang="en-US" sz="4600" kern="1200" dirty="0"/>
+          <a:endParaRPr lang="en-US" sz="4000" kern="1200" dirty="0"/>
         </a:p>
       </dsp:txBody>
       <dsp:txXfrm>
-        <a:off x="0" y="674"/>
-        <a:ext cx="6267888" cy="1105254"/>
+        <a:off x="0" y="553"/>
+        <a:ext cx="6620155" cy="906826"/>
       </dsp:txXfrm>
     </dsp:sp>
     <dsp:sp modelId="{DF0B91BF-B4CA-4353-8D74-953111AFF567}">
@@ -1472,8 +2349,8 @@
       </dsp:nvSpPr>
       <dsp:spPr>
         <a:xfrm>
-          <a:off x="0" y="1105928"/>
-          <a:ext cx="6267888" cy="0"/>
+          <a:off x="0" y="907379"/>
+          <a:ext cx="6620155" cy="0"/>
         </a:xfrm>
         <a:prstGeom prst="line">
           <a:avLst/>
@@ -1536,8 +2413,8 @@
       </dsp:nvSpPr>
       <dsp:spPr>
         <a:xfrm>
-          <a:off x="0" y="1105928"/>
-          <a:ext cx="6267888" cy="1105254"/>
+          <a:off x="0" y="907379"/>
+          <a:ext cx="6620155" cy="906826"/>
         </a:xfrm>
         <a:prstGeom prst="rect">
           <a:avLst/>
@@ -1561,12 +2438,12 @@
         <a:fontRef idx="minor"/>
       </dsp:style>
       <dsp:txBody>
-        <a:bodyPr spcFirstLastPara="0" vert="horz" wrap="square" lIns="175260" tIns="175260" rIns="175260" bIns="175260" numCol="1" spcCol="1270" anchor="t" anchorCtr="0">
+        <a:bodyPr spcFirstLastPara="0" vert="horz" wrap="square" lIns="152400" tIns="152400" rIns="152400" bIns="152400" numCol="1" spcCol="1270" anchor="t" anchorCtr="0">
           <a:noAutofit/>
         </a:bodyPr>
         <a:lstStyle/>
         <a:p>
-          <a:pPr lvl="0" algn="l" defTabSz="2044700">
+          <a:pPr marL="0" lvl="0" indent="0" algn="l" defTabSz="1778000">
             <a:lnSpc>
               <a:spcPct val="90000"/>
             </a:lnSpc>
@@ -1576,29 +2453,30 @@
             <a:spcAft>
               <a:spcPct val="35000"/>
             </a:spcAft>
+            <a:buNone/>
           </a:pPr>
           <a:r>
-            <a:rPr lang="en-US" sz="4600" kern="1200" dirty="0"/>
+            <a:rPr lang="en-US" sz="4000" kern="1200" dirty="0"/>
             <a:t>2</a:t>
           </a:r>
           <a:r>
-            <a:rPr lang="zh-CN" sz="4600" kern="1200" dirty="0" smtClean="0"/>
+            <a:rPr lang="zh-CN" sz="4000" kern="1200" dirty="0"/>
             <a:t>．</a:t>
           </a:r>
           <a:r>
-            <a:rPr lang="en-US" altLang="zh-CN" sz="4600" kern="1200" dirty="0" smtClean="0"/>
+            <a:rPr lang="en-US" altLang="zh-CN" sz="4000" kern="1200" dirty="0"/>
             <a:t>Rational Rose</a:t>
           </a:r>
           <a:r>
-            <a:rPr lang="zh-CN" altLang="en-US" sz="4600" kern="1200" dirty="0" smtClean="0"/>
+            <a:rPr lang="zh-CN" altLang="en-US" sz="4000" kern="1200" dirty="0"/>
             <a:t>特点</a:t>
           </a:r>
-          <a:endParaRPr lang="en-US" sz="4600" kern="1200" dirty="0"/>
+          <a:endParaRPr lang="en-US" sz="4000" kern="1200" dirty="0"/>
         </a:p>
       </dsp:txBody>
       <dsp:txXfrm>
-        <a:off x="0" y="1105928"/>
-        <a:ext cx="6267888" cy="1105254"/>
+        <a:off x="0" y="907379"/>
+        <a:ext cx="6620155" cy="906826"/>
       </dsp:txXfrm>
     </dsp:sp>
     <dsp:sp modelId="{95001912-062E-4B5A-8EC6-8187415768D3}">
@@ -1608,8 +2486,8 @@
       </dsp:nvSpPr>
       <dsp:spPr>
         <a:xfrm>
-          <a:off x="0" y="2211182"/>
-          <a:ext cx="6267888" cy="0"/>
+          <a:off x="0" y="1814206"/>
+          <a:ext cx="6620155" cy="0"/>
         </a:xfrm>
         <a:prstGeom prst="line">
           <a:avLst/>
@@ -1672,8 +2550,8 @@
       </dsp:nvSpPr>
       <dsp:spPr>
         <a:xfrm>
-          <a:off x="0" y="2211182"/>
-          <a:ext cx="6267888" cy="1105254"/>
+          <a:off x="0" y="1814206"/>
+          <a:ext cx="6620155" cy="906826"/>
         </a:xfrm>
         <a:prstGeom prst="rect">
           <a:avLst/>
@@ -1697,12 +2575,12 @@
         <a:fontRef idx="minor"/>
       </dsp:style>
       <dsp:txBody>
-        <a:bodyPr spcFirstLastPara="0" vert="horz" wrap="square" lIns="175260" tIns="175260" rIns="175260" bIns="175260" numCol="1" spcCol="1270" anchor="t" anchorCtr="0">
+        <a:bodyPr spcFirstLastPara="0" vert="horz" wrap="square" lIns="152400" tIns="152400" rIns="152400" bIns="152400" numCol="1" spcCol="1270" anchor="t" anchorCtr="0">
           <a:noAutofit/>
         </a:bodyPr>
         <a:lstStyle/>
         <a:p>
-          <a:pPr lvl="0" algn="l" defTabSz="2044700">
+          <a:pPr marL="0" lvl="0" indent="0" algn="l" defTabSz="1778000">
             <a:lnSpc>
               <a:spcPct val="90000"/>
             </a:lnSpc>
@@ -1712,40 +2590,41 @@
             <a:spcAft>
               <a:spcPct val="35000"/>
             </a:spcAft>
+            <a:buNone/>
           </a:pPr>
           <a:r>
-            <a:rPr lang="en-US" sz="4600" kern="1200" dirty="0"/>
+            <a:rPr lang="en-US" sz="4000" kern="1200" dirty="0"/>
             <a:t>3</a:t>
           </a:r>
           <a:r>
-            <a:rPr lang="zh-CN" sz="4600" kern="1200" dirty="0" smtClean="0"/>
+            <a:rPr lang="zh-CN" sz="4000" kern="1200" dirty="0"/>
             <a:t>．</a:t>
           </a:r>
           <a:r>
-            <a:rPr lang="en-US" altLang="zh-CN" sz="4600" kern="1200" dirty="0" smtClean="0"/>
+            <a:rPr lang="en-US" altLang="zh-CN" sz="4000" kern="1200" dirty="0"/>
             <a:t>Rational Rose</a:t>
           </a:r>
           <a:r>
-            <a:rPr lang="zh-CN" altLang="en-US" sz="4600" kern="1200" dirty="0" smtClean="0"/>
-            <a:t>版本</a:t>
+            <a:rPr lang="zh-CN" altLang="en-US" sz="4000" kern="1200" dirty="0"/>
+            <a:t>历史</a:t>
           </a:r>
-          <a:endParaRPr lang="en-US" sz="4600" kern="1200" dirty="0"/>
+          <a:endParaRPr lang="en-US" sz="4000" kern="1200" dirty="0"/>
         </a:p>
       </dsp:txBody>
       <dsp:txXfrm>
-        <a:off x="0" y="2211182"/>
-        <a:ext cx="6267888" cy="1105254"/>
+        <a:off x="0" y="1814206"/>
+        <a:ext cx="6620155" cy="906826"/>
       </dsp:txXfrm>
     </dsp:sp>
-    <dsp:sp modelId="{1D5B3A02-00A6-473F-B5E2-9397402134CE}">
+    <dsp:sp modelId="{749D0476-479C-4D5D-889D-318524BD9A75}">
       <dsp:nvSpPr>
         <dsp:cNvPr id="0" name=""/>
         <dsp:cNvSpPr/>
       </dsp:nvSpPr>
       <dsp:spPr>
         <a:xfrm>
-          <a:off x="0" y="3316437"/>
-          <a:ext cx="6267888" cy="0"/>
+          <a:off x="0" y="2721032"/>
+          <a:ext cx="6620155" cy="0"/>
         </a:xfrm>
         <a:prstGeom prst="line">
           <a:avLst/>
@@ -1801,15 +2680,15 @@
         </a:fontRef>
       </dsp:style>
     </dsp:sp>
-    <dsp:sp modelId="{CF187C55-D274-4C80-A81A-7C74892EF144}">
+    <dsp:sp modelId="{6E7F40F4-8AD4-4B41-B47C-36B2AEBB1404}">
       <dsp:nvSpPr>
         <dsp:cNvPr id="0" name=""/>
         <dsp:cNvSpPr/>
       </dsp:nvSpPr>
       <dsp:spPr>
         <a:xfrm>
-          <a:off x="0" y="3316437"/>
-          <a:ext cx="6267888" cy="1105254"/>
+          <a:off x="0" y="2721032"/>
+          <a:ext cx="6620155" cy="906826"/>
         </a:xfrm>
         <a:prstGeom prst="rect">
           <a:avLst/>
@@ -1833,12 +2712,12 @@
         <a:fontRef idx="minor"/>
       </dsp:style>
       <dsp:txBody>
-        <a:bodyPr spcFirstLastPara="0" vert="horz" wrap="square" lIns="175260" tIns="175260" rIns="175260" bIns="175260" numCol="1" spcCol="1270" anchor="t" anchorCtr="0">
+        <a:bodyPr spcFirstLastPara="0" vert="horz" wrap="square" lIns="152400" tIns="152400" rIns="152400" bIns="152400" numCol="1" spcCol="1270" anchor="t" anchorCtr="0">
           <a:noAutofit/>
         </a:bodyPr>
         <a:lstStyle/>
         <a:p>
-          <a:pPr lvl="0" algn="l" defTabSz="2044700">
+          <a:pPr marL="0" lvl="0" indent="0" algn="l" defTabSz="1778000">
             <a:lnSpc>
               <a:spcPct val="90000"/>
             </a:lnSpc>
@@ -1848,40 +2727,33 @@
             <a:spcAft>
               <a:spcPct val="35000"/>
             </a:spcAft>
+            <a:buNone/>
           </a:pPr>
           <a:r>
-            <a:rPr lang="en-US" sz="4600" kern="1200" dirty="0"/>
-            <a:t>4</a:t>
+            <a:rPr lang="en-US" altLang="zh-CN" sz="4000" kern="1200" dirty="0"/>
+            <a:t>4 . Rational Rose</a:t>
           </a:r>
           <a:r>
-            <a:rPr lang="zh-CN" sz="4600" kern="1200" dirty="0" smtClean="0"/>
-            <a:t>．</a:t>
+            <a:rPr lang="zh-CN" altLang="en-US" sz="4000" kern="1200" dirty="0"/>
+            <a:t>版本</a:t>
           </a:r>
-          <a:r>
-            <a:rPr lang="en-US" altLang="zh-CN" sz="4600" kern="1200" dirty="0" smtClean="0"/>
-            <a:t>Rational Rose</a:t>
-          </a:r>
-          <a:r>
-            <a:rPr lang="zh-CN" altLang="en-US" sz="4600" kern="1200" dirty="0" smtClean="0"/>
-            <a:t>安装</a:t>
-          </a:r>
-          <a:endParaRPr lang="en-US" sz="4600" kern="1200" dirty="0"/>
+          <a:endParaRPr lang="en-US" sz="4000" kern="1200" dirty="0"/>
         </a:p>
       </dsp:txBody>
       <dsp:txXfrm>
-        <a:off x="0" y="3316437"/>
-        <a:ext cx="6267888" cy="1105254"/>
+        <a:off x="0" y="2721032"/>
+        <a:ext cx="6620155" cy="906826"/>
       </dsp:txXfrm>
     </dsp:sp>
-    <dsp:sp modelId="{165A2E05-853A-4796-A4F7-9A222BA428E6}">
+    <dsp:sp modelId="{A61EF2DF-9822-4177-B9E8-4D3B9E184953}">
       <dsp:nvSpPr>
         <dsp:cNvPr id="0" name=""/>
         <dsp:cNvSpPr/>
       </dsp:nvSpPr>
       <dsp:spPr>
         <a:xfrm>
-          <a:off x="0" y="4421691"/>
-          <a:ext cx="6267888" cy="0"/>
+          <a:off x="0" y="3627859"/>
+          <a:ext cx="6620155" cy="0"/>
         </a:xfrm>
         <a:prstGeom prst="line">
           <a:avLst/>
@@ -1937,15 +2809,15 @@
         </a:fontRef>
       </dsp:style>
     </dsp:sp>
-    <dsp:sp modelId="{6D455BFA-CC98-472A-BB95-E26F8322A529}">
+    <dsp:sp modelId="{F4825D67-71D4-4C0F-8025-EC4261B1609B}">
       <dsp:nvSpPr>
         <dsp:cNvPr id="0" name=""/>
         <dsp:cNvSpPr/>
       </dsp:nvSpPr>
       <dsp:spPr>
         <a:xfrm>
-          <a:off x="0" y="4421691"/>
-          <a:ext cx="6267888" cy="1105254"/>
+          <a:off x="0" y="3627859"/>
+          <a:ext cx="6620155" cy="906826"/>
         </a:xfrm>
         <a:prstGeom prst="rect">
           <a:avLst/>
@@ -1969,12 +2841,12 @@
         <a:fontRef idx="minor"/>
       </dsp:style>
       <dsp:txBody>
-        <a:bodyPr spcFirstLastPara="0" vert="horz" wrap="square" lIns="175260" tIns="175260" rIns="175260" bIns="175260" numCol="1" spcCol="1270" anchor="t" anchorCtr="0">
+        <a:bodyPr spcFirstLastPara="0" vert="horz" wrap="square" lIns="152400" tIns="152400" rIns="152400" bIns="152400" numCol="1" spcCol="1270" anchor="t" anchorCtr="0">
           <a:noAutofit/>
         </a:bodyPr>
         <a:lstStyle/>
         <a:p>
-          <a:pPr lvl="0" algn="l" defTabSz="2044700">
+          <a:pPr marL="0" lvl="0" indent="0" algn="l" defTabSz="1778000">
             <a:lnSpc>
               <a:spcPct val="90000"/>
             </a:lnSpc>
@@ -1984,29 +2856,308 @@
             <a:spcAft>
               <a:spcPct val="35000"/>
             </a:spcAft>
+            <a:buNone/>
           </a:pPr>
           <a:r>
-            <a:rPr lang="en-US" sz="4600" kern="1200" dirty="0"/>
+            <a:rPr lang="en-US" altLang="zh-CN" sz="4000" kern="1200" dirty="0"/>
             <a:t>5</a:t>
           </a:r>
           <a:r>
-            <a:rPr lang="zh-CN" sz="4600" kern="1200" dirty="0" smtClean="0"/>
+            <a:rPr lang="en-US" sz="4000" kern="1200" dirty="0"/>
+            <a:t> </a:t>
+          </a:r>
+          <a:r>
+            <a:rPr lang="en-US" altLang="zh-CN" sz="4000" kern="1200" dirty="0"/>
+            <a:t>. Rational Rose</a:t>
+          </a:r>
+          <a:r>
+            <a:rPr lang="zh-CN" altLang="en-US" sz="4000" kern="1200" dirty="0"/>
+            <a:t>使用</a:t>
+          </a:r>
+          <a:endParaRPr lang="en-US" sz="4000" kern="1200" dirty="0"/>
+        </a:p>
+      </dsp:txBody>
+      <dsp:txXfrm>
+        <a:off x="0" y="3627859"/>
+        <a:ext cx="6620155" cy="906826"/>
+      </dsp:txXfrm>
+    </dsp:sp>
+  </dsp:spTree>
+</dsp:drawing>
+</file>
+
+<file path=ppt/diagrams/drawing2.xml><?xml version="1.0" encoding="utf-8"?>
+<dsp:drawing xmlns:dgm="http://schemas.openxmlformats.org/drawingml/2006/diagram" xmlns:dsp="http://schemas.microsoft.com/office/drawing/2008/diagram" xmlns:a="http://schemas.openxmlformats.org/drawingml/2006/main">
+  <dsp:spTree>
+    <dsp:nvGrpSpPr>
+      <dsp:cNvPr id="0" name=""/>
+      <dsp:cNvGrpSpPr/>
+    </dsp:nvGrpSpPr>
+    <dsp:grpSpPr/>
+    <dsp:sp modelId="{BB10B3FE-71B2-44C4-9881-9B1B6C4ED30A}">
+      <dsp:nvSpPr>
+        <dsp:cNvPr id="0" name=""/>
+        <dsp:cNvSpPr/>
+      </dsp:nvSpPr>
+      <dsp:spPr>
+        <a:xfrm>
+          <a:off x="0" y="0"/>
+          <a:ext cx="4870013" cy="0"/>
+        </a:xfrm>
+        <a:prstGeom prst="line">
+          <a:avLst/>
+        </a:prstGeom>
+        <a:blipFill rotWithShape="0">
+          <a:blip xmlns:r="http://schemas.openxmlformats.org/officeDocument/2006/relationships" r:embed="rId1">
+            <a:duotone>
+              <a:schemeClr val="accent1">
+                <a:hueOff val="0"/>
+                <a:satOff val="0"/>
+                <a:lumOff val="0"/>
+                <a:alphaOff val="0"/>
+                <a:tint val="98000"/>
+                <a:lumMod val="102000"/>
+              </a:schemeClr>
+              <a:schemeClr val="accent1">
+                <a:hueOff val="0"/>
+                <a:satOff val="0"/>
+                <a:lumOff val="0"/>
+                <a:alphaOff val="0"/>
+                <a:shade val="98000"/>
+                <a:lumMod val="98000"/>
+              </a:schemeClr>
+            </a:duotone>
+          </a:blip>
+          <a:tile tx="0" ty="0" sx="100000" sy="100000" flip="none" algn="tl"/>
+        </a:blipFill>
+        <a:ln w="9525" cap="rnd" cmpd="sng" algn="ctr">
+          <a:solidFill>
+            <a:schemeClr val="accent1">
+              <a:hueOff val="0"/>
+              <a:satOff val="0"/>
+              <a:lumOff val="0"/>
+              <a:alphaOff val="0"/>
+            </a:schemeClr>
+          </a:solidFill>
+          <a:prstDash val="solid"/>
+        </a:ln>
+        <a:effectLst/>
+      </dsp:spPr>
+      <dsp:style>
+        <a:lnRef idx="1">
+          <a:scrgbClr r="0" g="0" b="0"/>
+        </a:lnRef>
+        <a:fillRef idx="3">
+          <a:scrgbClr r="0" g="0" b="0"/>
+        </a:fillRef>
+        <a:effectRef idx="2">
+          <a:scrgbClr r="0" g="0" b="0"/>
+        </a:effectRef>
+        <a:fontRef idx="minor">
+          <a:schemeClr val="lt1"/>
+        </a:fontRef>
+      </dsp:style>
+    </dsp:sp>
+    <dsp:sp modelId="{FC9D7768-4563-493E-B454-DDCFD4BDB902}">
+      <dsp:nvSpPr>
+        <dsp:cNvPr id="0" name=""/>
+        <dsp:cNvSpPr/>
+      </dsp:nvSpPr>
+      <dsp:spPr>
+        <a:xfrm>
+          <a:off x="0" y="0"/>
+          <a:ext cx="4870013" cy="1769807"/>
+        </a:xfrm>
+        <a:prstGeom prst="rect">
+          <a:avLst/>
+        </a:prstGeom>
+        <a:noFill/>
+        <a:ln>
+          <a:noFill/>
+        </a:ln>
+        <a:effectLst/>
+      </dsp:spPr>
+      <dsp:style>
+        <a:lnRef idx="0">
+          <a:scrgbClr r="0" g="0" b="0"/>
+        </a:lnRef>
+        <a:fillRef idx="0">
+          <a:scrgbClr r="0" g="0" b="0"/>
+        </a:fillRef>
+        <a:effectRef idx="0">
+          <a:scrgbClr r="0" g="0" b="0"/>
+        </a:effectRef>
+        <a:fontRef idx="minor"/>
+      </dsp:style>
+      <dsp:txBody>
+        <a:bodyPr spcFirstLastPara="0" vert="horz" wrap="square" lIns="179070" tIns="179070" rIns="179070" bIns="179070" numCol="1" spcCol="1270" anchor="t" anchorCtr="0">
+          <a:noAutofit/>
+        </a:bodyPr>
+        <a:lstStyle/>
+        <a:p>
+          <a:pPr marL="0" lvl="0" indent="0" algn="l" defTabSz="2089150">
+            <a:lnSpc>
+              <a:spcPct val="90000"/>
+            </a:lnSpc>
+            <a:spcBef>
+              <a:spcPct val="0"/>
+            </a:spcBef>
+            <a:spcAft>
+              <a:spcPct val="35000"/>
+            </a:spcAft>
+            <a:buNone/>
+          </a:pPr>
+          <a:r>
+            <a:rPr lang="en-US" sz="4700" kern="1200" dirty="0"/>
+            <a:t>1</a:t>
+          </a:r>
+          <a:r>
+            <a:rPr lang="zh-CN" sz="4700" kern="1200" dirty="0"/>
             <a:t>．</a:t>
           </a:r>
           <a:r>
-            <a:rPr lang="en-US" altLang="zh-CN" sz="4600" kern="1200" dirty="0" smtClean="0"/>
-            <a:t>Rational Rose</a:t>
+            <a:rPr lang="zh-CN" altLang="en-US" sz="4700" kern="1200" dirty="0"/>
+            <a:t>环境简介</a:t>
           </a:r>
-          <a:r>
-            <a:rPr lang="zh-CN" altLang="en-US" sz="4600" kern="1200" dirty="0" smtClean="0"/>
-            <a:t>使用</a:t>
-          </a:r>
-          <a:endParaRPr lang="en-US" sz="4600" kern="1200" dirty="0"/>
+          <a:endParaRPr lang="en-US" sz="4700" kern="1200" dirty="0"/>
         </a:p>
       </dsp:txBody>
       <dsp:txXfrm>
-        <a:off x="0" y="4421691"/>
-        <a:ext cx="6267888" cy="1105254"/>
+        <a:off x="0" y="0"/>
+        <a:ext cx="4870013" cy="1769807"/>
+      </dsp:txXfrm>
+    </dsp:sp>
+    <dsp:sp modelId="{DF0B91BF-B4CA-4353-8D74-953111AFF567}">
+      <dsp:nvSpPr>
+        <dsp:cNvPr id="0" name=""/>
+        <dsp:cNvSpPr/>
+      </dsp:nvSpPr>
+      <dsp:spPr>
+        <a:xfrm>
+          <a:off x="0" y="1769807"/>
+          <a:ext cx="4870013" cy="0"/>
+        </a:xfrm>
+        <a:prstGeom prst="line">
+          <a:avLst/>
+        </a:prstGeom>
+        <a:blipFill rotWithShape="0">
+          <a:blip xmlns:r="http://schemas.openxmlformats.org/officeDocument/2006/relationships" r:embed="rId1">
+            <a:duotone>
+              <a:schemeClr val="accent1">
+                <a:hueOff val="0"/>
+                <a:satOff val="0"/>
+                <a:lumOff val="0"/>
+                <a:alphaOff val="0"/>
+                <a:tint val="98000"/>
+                <a:lumMod val="102000"/>
+              </a:schemeClr>
+              <a:schemeClr val="accent1">
+                <a:hueOff val="0"/>
+                <a:satOff val="0"/>
+                <a:lumOff val="0"/>
+                <a:alphaOff val="0"/>
+                <a:shade val="98000"/>
+                <a:lumMod val="98000"/>
+              </a:schemeClr>
+            </a:duotone>
+          </a:blip>
+          <a:tile tx="0" ty="0" sx="100000" sy="100000" flip="none" algn="tl"/>
+        </a:blipFill>
+        <a:ln w="9525" cap="rnd" cmpd="sng" algn="ctr">
+          <a:solidFill>
+            <a:schemeClr val="accent1">
+              <a:hueOff val="0"/>
+              <a:satOff val="0"/>
+              <a:lumOff val="0"/>
+              <a:alphaOff val="0"/>
+            </a:schemeClr>
+          </a:solidFill>
+          <a:prstDash val="solid"/>
+        </a:ln>
+        <a:effectLst/>
+      </dsp:spPr>
+      <dsp:style>
+        <a:lnRef idx="1">
+          <a:scrgbClr r="0" g="0" b="0"/>
+        </a:lnRef>
+        <a:fillRef idx="3">
+          <a:scrgbClr r="0" g="0" b="0"/>
+        </a:fillRef>
+        <a:effectRef idx="2">
+          <a:scrgbClr r="0" g="0" b="0"/>
+        </a:effectRef>
+        <a:fontRef idx="minor">
+          <a:schemeClr val="lt1"/>
+        </a:fontRef>
+      </dsp:style>
+    </dsp:sp>
+    <dsp:sp modelId="{BB3D9FB9-476E-49C0-B80D-9BE2F7650722}">
+      <dsp:nvSpPr>
+        <dsp:cNvPr id="0" name=""/>
+        <dsp:cNvSpPr/>
+      </dsp:nvSpPr>
+      <dsp:spPr>
+        <a:xfrm>
+          <a:off x="0" y="1769807"/>
+          <a:ext cx="4870013" cy="1769807"/>
+        </a:xfrm>
+        <a:prstGeom prst="rect">
+          <a:avLst/>
+        </a:prstGeom>
+        <a:noFill/>
+        <a:ln>
+          <a:noFill/>
+        </a:ln>
+        <a:effectLst/>
+      </dsp:spPr>
+      <dsp:style>
+        <a:lnRef idx="0">
+          <a:scrgbClr r="0" g="0" b="0"/>
+        </a:lnRef>
+        <a:fillRef idx="0">
+          <a:scrgbClr r="0" g="0" b="0"/>
+        </a:fillRef>
+        <a:effectRef idx="0">
+          <a:scrgbClr r="0" g="0" b="0"/>
+        </a:effectRef>
+        <a:fontRef idx="minor"/>
+      </dsp:style>
+      <dsp:txBody>
+        <a:bodyPr spcFirstLastPara="0" vert="horz" wrap="square" lIns="179070" tIns="179070" rIns="179070" bIns="179070" numCol="1" spcCol="1270" anchor="t" anchorCtr="0">
+          <a:noAutofit/>
+        </a:bodyPr>
+        <a:lstStyle/>
+        <a:p>
+          <a:pPr marL="0" lvl="0" indent="0" algn="l" defTabSz="2089150">
+            <a:lnSpc>
+              <a:spcPct val="90000"/>
+            </a:lnSpc>
+            <a:spcBef>
+              <a:spcPct val="0"/>
+            </a:spcBef>
+            <a:spcAft>
+              <a:spcPct val="35000"/>
+            </a:spcAft>
+            <a:buNone/>
+          </a:pPr>
+          <a:r>
+            <a:rPr lang="en-US" sz="4700" kern="1200" dirty="0"/>
+            <a:t>2</a:t>
+          </a:r>
+          <a:r>
+            <a:rPr lang="zh-CN" sz="4700" kern="1200" dirty="0"/>
+            <a:t>．</a:t>
+          </a:r>
+          <a:r>
+            <a:rPr lang="zh-CN" altLang="en-US" sz="4700" kern="1200" dirty="0"/>
+            <a:t>建立基本框图</a:t>
+          </a:r>
+          <a:endParaRPr lang="en-US" sz="4700" kern="1200" dirty="0"/>
+        </a:p>
+      </dsp:txBody>
+      <dsp:txXfrm>
+        <a:off x="0" y="1769807"/>
+        <a:ext cx="4870013" cy="1769807"/>
       </dsp:txXfrm>
     </dsp:sp>
   </dsp:spTree>
@@ -2014,6 +3165,472 @@
 </file>
 
 <file path=ppt/diagrams/layout1.xml><?xml version="1.0" encoding="utf-8"?>
+<dgm:layoutDef xmlns:dgm="http://schemas.openxmlformats.org/drawingml/2006/diagram" xmlns:a="http://schemas.openxmlformats.org/drawingml/2006/main" uniqueId="urn:microsoft.com/office/officeart/2008/layout/LinedList">
+  <dgm:title val=""/>
+  <dgm:desc val=""/>
+  <dgm:catLst>
+    <dgm:cat type="hierarchy" pri="8000"/>
+    <dgm:cat type="list" pri="2500"/>
+  </dgm:catLst>
+  <dgm:sampData>
+    <dgm:dataModel>
+      <dgm:ptLst>
+        <dgm:pt modelId="0" type="doc"/>
+        <dgm:pt modelId="1">
+          <dgm:prSet phldr="1"/>
+        </dgm:pt>
+        <dgm:pt modelId="11">
+          <dgm:prSet phldr="1"/>
+        </dgm:pt>
+        <dgm:pt modelId="12">
+          <dgm:prSet phldr="1"/>
+        </dgm:pt>
+        <dgm:pt modelId="13">
+          <dgm:prSet phldr="1"/>
+        </dgm:pt>
+      </dgm:ptLst>
+      <dgm:cxnLst>
+        <dgm:cxn modelId="2" srcId="0" destId="1" srcOrd="0" destOrd="0"/>
+        <dgm:cxn modelId="3" srcId="1" destId="11" srcOrd="0" destOrd="0"/>
+        <dgm:cxn modelId="4" srcId="1" destId="12" srcOrd="1" destOrd="0"/>
+        <dgm:cxn modelId="5" srcId="1" destId="13" srcOrd="2" destOrd="0"/>
+      </dgm:cxnLst>
+      <dgm:bg/>
+      <dgm:whole/>
+    </dgm:dataModel>
+  </dgm:sampData>
+  <dgm:styleData>
+    <dgm:dataModel>
+      <dgm:ptLst>
+        <dgm:pt modelId="0" type="doc"/>
+        <dgm:pt modelId="1">
+          <dgm:prSet phldr="1"/>
+        </dgm:pt>
+        <dgm:pt modelId="11">
+          <dgm:prSet phldr="1"/>
+        </dgm:pt>
+        <dgm:pt modelId="12">
+          <dgm:prSet phldr="1"/>
+        </dgm:pt>
+      </dgm:ptLst>
+      <dgm:cxnLst>
+        <dgm:cxn modelId="2" srcId="0" destId="1" srcOrd="0" destOrd="0"/>
+        <dgm:cxn modelId="3" srcId="1" destId="11" srcOrd="0" destOrd="0"/>
+        <dgm:cxn modelId="4" srcId="1" destId="12" srcOrd="1" destOrd="0"/>
+      </dgm:cxnLst>
+      <dgm:bg/>
+      <dgm:whole/>
+    </dgm:dataModel>
+  </dgm:styleData>
+  <dgm:clrData>
+    <dgm:dataModel>
+      <dgm:ptLst>
+        <dgm:pt modelId="0" type="doc"/>
+        <dgm:pt modelId="1">
+          <dgm:prSet phldr="1"/>
+        </dgm:pt>
+        <dgm:pt modelId="11">
+          <dgm:prSet phldr="1"/>
+        </dgm:pt>
+        <dgm:pt modelId="12">
+          <dgm:prSet phldr="1"/>
+        </dgm:pt>
+      </dgm:ptLst>
+      <dgm:cxnLst>
+        <dgm:cxn modelId="2" srcId="0" destId="1" srcOrd="0" destOrd="0"/>
+        <dgm:cxn modelId="3" srcId="1" destId="11" srcOrd="0" destOrd="0"/>
+        <dgm:cxn modelId="4" srcId="1" destId="12" srcOrd="1" destOrd="0"/>
+      </dgm:cxnLst>
+      <dgm:bg/>
+      <dgm:whole/>
+    </dgm:dataModel>
+  </dgm:clrData>
+  <dgm:layoutNode name="vert0">
+    <dgm:varLst>
+      <dgm:dir/>
+      <dgm:animOne val="branch"/>
+      <dgm:animLvl val="lvl"/>
+    </dgm:varLst>
+    <dgm:choose name="Name0">
+      <dgm:if name="Name1" func="var" arg="dir" op="equ" val="norm">
+        <dgm:alg type="lin">
+          <dgm:param type="linDir" val="fromT"/>
+          <dgm:param type="nodeHorzAlign" val="l"/>
+        </dgm:alg>
+      </dgm:if>
+      <dgm:else name="Name2">
+        <dgm:alg type="lin">
+          <dgm:param type="linDir" val="fromT"/>
+          <dgm:param type="nodeHorzAlign" val="r"/>
+        </dgm:alg>
+      </dgm:else>
+    </dgm:choose>
+    <dgm:shape xmlns:r="http://schemas.openxmlformats.org/officeDocument/2006/relationships" r:blip="">
+      <dgm:adjLst/>
+    </dgm:shape>
+    <dgm:presOf/>
+    <dgm:constrLst>
+      <dgm:constr type="w" for="ch" forName="horz1" refType="w"/>
+      <dgm:constr type="h" for="ch" forName="horz1" refType="h"/>
+      <dgm:constr type="h" for="des" forName="vert1" refType="h"/>
+      <dgm:constr type="h" for="des" forName="tx1" refType="h"/>
+      <dgm:constr type="h" for="des" forName="horz2" refType="h"/>
+      <dgm:constr type="h" for="des" forName="vert2" refType="h"/>
+      <dgm:constr type="h" for="des" forName="horz3" refType="h"/>
+      <dgm:constr type="h" for="des" forName="vert3" refType="h"/>
+      <dgm:constr type="h" for="des" forName="horz4" refType="h"/>
+      <dgm:constr type="h" for="des" ptType="node" refType="h"/>
+      <dgm:constr type="primFontSz" for="des" forName="tx1" op="equ" val="65"/>
+      <dgm:constr type="primFontSz" for="des" forName="tx2" op="equ" val="65"/>
+      <dgm:constr type="primFontSz" for="des" forName="tx3" op="equ" val="65"/>
+      <dgm:constr type="primFontSz" for="des" forName="tx4" op="equ" val="65"/>
+      <dgm:constr type="w" for="des" forName="thickLine" refType="w"/>
+      <dgm:constr type="h" for="des" forName="thickLine"/>
+      <dgm:constr type="h" for="des" forName="thinLine1"/>
+      <dgm:constr type="h" for="des" forName="thinLine2b"/>
+      <dgm:constr type="h" for="des" forName="thinLine3"/>
+      <dgm:constr type="h" for="des" forName="vertSpace2a" refType="h" fact="0.05"/>
+      <dgm:constr type="h" for="des" forName="vertSpace2b" refType="h" refFor="des" refForName="vertSpace2a"/>
+    </dgm:constrLst>
+    <dgm:forEach name="Name3" axis="ch" ptType="node">
+      <dgm:layoutNode name="thickLine" styleLbl="alignNode1">
+        <dgm:alg type="sp"/>
+        <dgm:shape xmlns:r="http://schemas.openxmlformats.org/officeDocument/2006/relationships" type="line" r:blip="">
+          <dgm:adjLst/>
+        </dgm:shape>
+        <dgm:presOf/>
+      </dgm:layoutNode>
+      <dgm:layoutNode name="horz1">
+        <dgm:choose name="Name4">
+          <dgm:if name="Name5" func="var" arg="dir" op="equ" val="norm">
+            <dgm:alg type="lin">
+              <dgm:param type="linDir" val="fromL"/>
+              <dgm:param type="nodeVertAlign" val="t"/>
+            </dgm:alg>
+          </dgm:if>
+          <dgm:else name="Name6">
+            <dgm:alg type="lin">
+              <dgm:param type="linDir" val="fromR"/>
+              <dgm:param type="nodeVertAlign" val="t"/>
+            </dgm:alg>
+          </dgm:else>
+        </dgm:choose>
+        <dgm:shape xmlns:r="http://schemas.openxmlformats.org/officeDocument/2006/relationships" r:blip="">
+          <dgm:adjLst/>
+        </dgm:shape>
+        <dgm:presOf/>
+        <dgm:choose name="Name7">
+          <dgm:if name="Name8" axis="root des" func="maxDepth" op="equ" val="1">
+            <dgm:constrLst>
+              <dgm:constr type="w" for="ch" forName="tx1" refType="w"/>
+            </dgm:constrLst>
+          </dgm:if>
+          <dgm:if name="Name9" axis="root des" func="maxDepth" op="equ" val="2">
+            <dgm:constrLst>
+              <dgm:constr type="w" for="ch" forName="tx1" refType="w" fact="0.2"/>
+              <dgm:constr type="w" for="des" forName="tx2" refType="w" fact="0.785"/>
+              <dgm:constr type="w" for="des" forName="horzSpace2" refType="w" fact="0.015"/>
+              <dgm:constr type="w" for="des" forName="thinLine2b" refType="w" fact="0.8"/>
+            </dgm:constrLst>
+          </dgm:if>
+          <dgm:if name="Name10" axis="root des" func="maxDepth" op="equ" val="3">
+            <dgm:constrLst>
+              <dgm:constr type="w" for="ch" forName="tx1" refType="w" fact="0.2"/>
+              <dgm:constr type="w" for="des" forName="tx2" refType="w" fact="0.385"/>
+              <dgm:constr type="w" for="des" forName="tx3" refType="w" fact="0.385"/>
+              <dgm:constr type="w" for="des" forName="horzSpace2" refType="w" fact="0.015"/>
+              <dgm:constr type="w" for="des" forName="horzSpace3" refType="w" fact="0.015"/>
+              <dgm:constr type="w" for="des" forName="thinLine2b" refType="w" fact="0.8"/>
+              <dgm:constr type="w" for="des" forName="thinLine3" refType="w" fact="0.385"/>
+            </dgm:constrLst>
+          </dgm:if>
+          <dgm:if name="Name11" axis="root des" func="maxDepth" op="gte" val="4">
+            <dgm:constrLst>
+              <dgm:constr type="w" for="ch" forName="tx1" refType="w" fact="0.2"/>
+              <dgm:constr type="w" for="des" forName="tx2" refType="w" fact="0.2516"/>
+              <dgm:constr type="w" for="des" forName="tx3" refType="w" fact="0.2516"/>
+              <dgm:constr type="w" for="des" forName="tx4" refType="w" fact="0.2516"/>
+              <dgm:constr type="w" for="des" forName="horzSpace2" refType="w" fact="0.015"/>
+              <dgm:constr type="w" for="des" forName="horzSpace3" refType="w" fact="0.015"/>
+              <dgm:constr type="w" for="des" forName="horzSpace4" refType="w" fact="0.015"/>
+              <dgm:constr type="w" for="des" forName="thinLine2b" refType="w" fact="0.8"/>
+              <dgm:constr type="w" for="des" forName="thinLine3" refType="w" fact="0.5332"/>
+            </dgm:constrLst>
+          </dgm:if>
+          <dgm:else name="Name12"/>
+        </dgm:choose>
+        <dgm:layoutNode name="tx1" styleLbl="revTx">
+          <dgm:alg type="tx">
+            <dgm:param type="parTxLTRAlign" val="l"/>
+            <dgm:param type="parTxRTLAlign" val="r"/>
+            <dgm:param type="txAnchorVert" val="t"/>
+          </dgm:alg>
+          <dgm:shape xmlns:r="http://schemas.openxmlformats.org/officeDocument/2006/relationships" type="rect" r:blip="">
+            <dgm:adjLst/>
+          </dgm:shape>
+          <dgm:presOf axis="self"/>
+          <dgm:constrLst>
+            <dgm:constr type="tMarg" refType="primFontSz" fact="0.3"/>
+            <dgm:constr type="bMarg" refType="primFontSz" fact="0.3"/>
+            <dgm:constr type="lMarg" refType="primFontSz" fact="0.3"/>
+            <dgm:constr type="rMarg" refType="primFontSz" fact="0.3"/>
+          </dgm:constrLst>
+          <dgm:ruleLst>
+            <dgm:rule type="primFontSz" val="5" fact="NaN" max="NaN"/>
+          </dgm:ruleLst>
+        </dgm:layoutNode>
+        <dgm:layoutNode name="vert1">
+          <dgm:choose name="Name13">
+            <dgm:if name="Name14" func="var" arg="dir" op="equ" val="norm">
+              <dgm:alg type="lin">
+                <dgm:param type="linDir" val="fromT"/>
+                <dgm:param type="nodeHorzAlign" val="l"/>
+              </dgm:alg>
+            </dgm:if>
+            <dgm:else name="Name15">
+              <dgm:alg type="lin">
+                <dgm:param type="linDir" val="fromT"/>
+                <dgm:param type="nodeHorzAlign" val="r"/>
+              </dgm:alg>
+            </dgm:else>
+          </dgm:choose>
+          <dgm:shape xmlns:r="http://schemas.openxmlformats.org/officeDocument/2006/relationships" r:blip="">
+            <dgm:adjLst/>
+          </dgm:shape>
+          <dgm:presOf/>
+          <dgm:forEach name="Name16" axis="ch" ptType="node">
+            <dgm:choose name="Name17">
+              <dgm:if name="Name18" axis="self" ptType="node" func="pos" op="equ" val="1">
+                <dgm:layoutNode name="vertSpace2a">
+                  <dgm:alg type="sp"/>
+                  <dgm:shape xmlns:r="http://schemas.openxmlformats.org/officeDocument/2006/relationships" r:blip="">
+                    <dgm:adjLst/>
+                  </dgm:shape>
+                  <dgm:presOf/>
+                </dgm:layoutNode>
+              </dgm:if>
+              <dgm:else name="Name19"/>
+            </dgm:choose>
+            <dgm:layoutNode name="horz2">
+              <dgm:choose name="Name20">
+                <dgm:if name="Name21" func="var" arg="dir" op="equ" val="norm">
+                  <dgm:alg type="lin">
+                    <dgm:param type="linDir" val="fromL"/>
+                    <dgm:param type="nodeVertAlign" val="t"/>
+                  </dgm:alg>
+                </dgm:if>
+                <dgm:else name="Name22">
+                  <dgm:alg type="lin">
+                    <dgm:param type="linDir" val="fromR"/>
+                    <dgm:param type="nodeVertAlign" val="t"/>
+                  </dgm:alg>
+                </dgm:else>
+              </dgm:choose>
+              <dgm:shape xmlns:r="http://schemas.openxmlformats.org/officeDocument/2006/relationships" r:blip="">
+                <dgm:adjLst/>
+              </dgm:shape>
+              <dgm:presOf/>
+              <dgm:layoutNode name="horzSpace2">
+                <dgm:alg type="sp"/>
+                <dgm:shape xmlns:r="http://schemas.openxmlformats.org/officeDocument/2006/relationships" r:blip="">
+                  <dgm:adjLst/>
+                </dgm:shape>
+                <dgm:presOf/>
+              </dgm:layoutNode>
+              <dgm:layoutNode name="tx2" styleLbl="revTx">
+                <dgm:alg type="tx">
+                  <dgm:param type="parTxLTRAlign" val="l"/>
+                  <dgm:param type="parTxRTLAlign" val="r"/>
+                  <dgm:param type="txAnchorVert" val="t"/>
+                </dgm:alg>
+                <dgm:shape xmlns:r="http://schemas.openxmlformats.org/officeDocument/2006/relationships" type="rect" r:blip="">
+                  <dgm:adjLst/>
+                </dgm:shape>
+                <dgm:presOf axis="self"/>
+                <dgm:constrLst>
+                  <dgm:constr type="tMarg" refType="primFontSz" fact="0.3"/>
+                  <dgm:constr type="bMarg" refType="primFontSz" fact="0.3"/>
+                  <dgm:constr type="lMarg" refType="primFontSz" fact="0.3"/>
+                  <dgm:constr type="rMarg" refType="primFontSz" fact="0.3"/>
+                </dgm:constrLst>
+                <dgm:ruleLst>
+                  <dgm:rule type="primFontSz" val="5" fact="NaN" max="NaN"/>
+                </dgm:ruleLst>
+              </dgm:layoutNode>
+              <dgm:layoutNode name="vert2">
+                <dgm:choose name="Name23">
+                  <dgm:if name="Name24" func="var" arg="dir" op="equ" val="norm">
+                    <dgm:alg type="lin">
+                      <dgm:param type="linDir" val="fromT"/>
+                      <dgm:param type="nodeHorzAlign" val="l"/>
+                    </dgm:alg>
+                  </dgm:if>
+                  <dgm:else name="Name25">
+                    <dgm:alg type="lin">
+                      <dgm:param type="linDir" val="fromT"/>
+                      <dgm:param type="nodeHorzAlign" val="r"/>
+                    </dgm:alg>
+                  </dgm:else>
+                </dgm:choose>
+                <dgm:shape xmlns:r="http://schemas.openxmlformats.org/officeDocument/2006/relationships" r:blip="">
+                  <dgm:adjLst/>
+                </dgm:shape>
+                <dgm:presOf/>
+                <dgm:forEach name="Name26" axis="ch" ptType="node">
+                  <dgm:layoutNode name="horz3">
+                    <dgm:choose name="Name27">
+                      <dgm:if name="Name28" func="var" arg="dir" op="equ" val="norm">
+                        <dgm:alg type="lin">
+                          <dgm:param type="linDir" val="fromL"/>
+                          <dgm:param type="nodeVertAlign" val="t"/>
+                        </dgm:alg>
+                      </dgm:if>
+                      <dgm:else name="Name29">
+                        <dgm:alg type="lin">
+                          <dgm:param type="linDir" val="fromR"/>
+                          <dgm:param type="nodeVertAlign" val="t"/>
+                        </dgm:alg>
+                      </dgm:else>
+                    </dgm:choose>
+                    <dgm:shape xmlns:r="http://schemas.openxmlformats.org/officeDocument/2006/relationships" r:blip="">
+                      <dgm:adjLst/>
+                    </dgm:shape>
+                    <dgm:presOf/>
+                    <dgm:layoutNode name="horzSpace3">
+                      <dgm:alg type="sp"/>
+                      <dgm:shape xmlns:r="http://schemas.openxmlformats.org/officeDocument/2006/relationships" r:blip="">
+                        <dgm:adjLst/>
+                      </dgm:shape>
+                      <dgm:presOf/>
+                    </dgm:layoutNode>
+                    <dgm:layoutNode name="tx3" styleLbl="revTx">
+                      <dgm:alg type="tx">
+                        <dgm:param type="parTxLTRAlign" val="l"/>
+                        <dgm:param type="parTxRTLAlign" val="r"/>
+                        <dgm:param type="txAnchorVert" val="t"/>
+                      </dgm:alg>
+                      <dgm:shape xmlns:r="http://schemas.openxmlformats.org/officeDocument/2006/relationships" type="rect" r:blip="">
+                        <dgm:adjLst/>
+                      </dgm:shape>
+                      <dgm:presOf axis="self"/>
+                      <dgm:constrLst>
+                        <dgm:constr type="tMarg" refType="primFontSz" fact="0.3"/>
+                        <dgm:constr type="bMarg" refType="primFontSz" fact="0.3"/>
+                        <dgm:constr type="lMarg" refType="primFontSz" fact="0.3"/>
+                        <dgm:constr type="rMarg" refType="primFontSz" fact="0.3"/>
+                      </dgm:constrLst>
+                      <dgm:ruleLst>
+                        <dgm:rule type="primFontSz" val="5" fact="NaN" max="NaN"/>
+                      </dgm:ruleLst>
+                    </dgm:layoutNode>
+                    <dgm:layoutNode name="vert3">
+                      <dgm:choose name="Name30">
+                        <dgm:if name="Name31" func="var" arg="dir" op="equ" val="norm">
+                          <dgm:alg type="lin">
+                            <dgm:param type="linDir" val="fromT"/>
+                            <dgm:param type="nodeHorzAlign" val="l"/>
+                          </dgm:alg>
+                        </dgm:if>
+                        <dgm:else name="Name32">
+                          <dgm:alg type="lin">
+                            <dgm:param type="linDir" val="fromT"/>
+                            <dgm:param type="nodeHorzAlign" val="r"/>
+                          </dgm:alg>
+                        </dgm:else>
+                      </dgm:choose>
+                      <dgm:shape xmlns:r="http://schemas.openxmlformats.org/officeDocument/2006/relationships" r:blip="">
+                        <dgm:adjLst/>
+                      </dgm:shape>
+                      <dgm:presOf/>
+                      <dgm:forEach name="Name33" axis="ch" ptType="node">
+                        <dgm:layoutNode name="horz4">
+                          <dgm:choose name="Name34">
+                            <dgm:if name="Name35" func="var" arg="dir" op="equ" val="norm">
+                              <dgm:alg type="lin">
+                                <dgm:param type="linDir" val="fromL"/>
+                                <dgm:param type="nodeVertAlign" val="t"/>
+                              </dgm:alg>
+                            </dgm:if>
+                            <dgm:else name="Name36">
+                              <dgm:alg type="lin">
+                                <dgm:param type="linDir" val="fromR"/>
+                                <dgm:param type="nodeVertAlign" val="t"/>
+                              </dgm:alg>
+                            </dgm:else>
+                          </dgm:choose>
+                          <dgm:shape xmlns:r="http://schemas.openxmlformats.org/officeDocument/2006/relationships" r:blip="">
+                            <dgm:adjLst/>
+                          </dgm:shape>
+                          <dgm:presOf/>
+                          <dgm:layoutNode name="horzSpace4">
+                            <dgm:alg type="sp"/>
+                            <dgm:shape xmlns:r="http://schemas.openxmlformats.org/officeDocument/2006/relationships" r:blip="">
+                              <dgm:adjLst/>
+                            </dgm:shape>
+                            <dgm:presOf/>
+                          </dgm:layoutNode>
+                          <dgm:layoutNode name="tx4" styleLbl="revTx">
+                            <dgm:varLst>
+                              <dgm:bulletEnabled val="1"/>
+                            </dgm:varLst>
+                            <dgm:alg type="tx">
+                              <dgm:param type="parTxLTRAlign" val="l"/>
+                              <dgm:param type="parTxRTLAlign" val="r"/>
+                              <dgm:param type="txAnchorVert" val="t"/>
+                            </dgm:alg>
+                            <dgm:shape xmlns:r="http://schemas.openxmlformats.org/officeDocument/2006/relationships" type="rect" r:blip="">
+                              <dgm:adjLst/>
+                            </dgm:shape>
+                            <dgm:presOf axis="desOrSelf" ptType="node"/>
+                            <dgm:constrLst>
+                              <dgm:constr type="tMarg" refType="primFontSz" fact="0.3"/>
+                              <dgm:constr type="bMarg" refType="primFontSz" fact="0.3"/>
+                              <dgm:constr type="lMarg" refType="primFontSz" fact="0.3"/>
+                              <dgm:constr type="rMarg" refType="primFontSz" fact="0.3"/>
+                            </dgm:constrLst>
+                            <dgm:ruleLst>
+                              <dgm:rule type="primFontSz" val="5" fact="NaN" max="NaN"/>
+                            </dgm:ruleLst>
+                          </dgm:layoutNode>
+                        </dgm:layoutNode>
+                      </dgm:forEach>
+                    </dgm:layoutNode>
+                  </dgm:layoutNode>
+                  <dgm:forEach name="Name37" axis="followSib" ptType="sibTrans" cnt="1">
+                    <dgm:layoutNode name="thinLine3" styleLbl="callout">
+                      <dgm:alg type="sp"/>
+                      <dgm:shape xmlns:r="http://schemas.openxmlformats.org/officeDocument/2006/relationships" type="line" r:blip="">
+                        <dgm:adjLst/>
+                      </dgm:shape>
+                      <dgm:presOf/>
+                    </dgm:layoutNode>
+                  </dgm:forEach>
+                </dgm:forEach>
+              </dgm:layoutNode>
+            </dgm:layoutNode>
+            <dgm:layoutNode name="thinLine2b" styleLbl="callout">
+              <dgm:alg type="sp"/>
+              <dgm:shape xmlns:r="http://schemas.openxmlformats.org/officeDocument/2006/relationships" type="line" r:blip="">
+                <dgm:adjLst/>
+              </dgm:shape>
+              <dgm:presOf/>
+            </dgm:layoutNode>
+            <dgm:layoutNode name="vertSpace2b">
+              <dgm:alg type="sp"/>
+              <dgm:shape xmlns:r="http://schemas.openxmlformats.org/officeDocument/2006/relationships" r:blip="">
+                <dgm:adjLst/>
+              </dgm:shape>
+              <dgm:presOf/>
+            </dgm:layoutNode>
+          </dgm:forEach>
+        </dgm:layoutNode>
+      </dgm:layoutNode>
+    </dgm:forEach>
+  </dgm:layoutNode>
+</dgm:layoutDef>
+</file>
+
+<file path=ppt/diagrams/layout2.xml><?xml version="1.0" encoding="utf-8"?>
 <dgm:layoutDef xmlns:dgm="http://schemas.openxmlformats.org/drawingml/2006/diagram" xmlns:a="http://schemas.openxmlformats.org/drawingml/2006/main" uniqueId="urn:microsoft.com/office/officeart/2008/layout/LinedList">
   <dgm:title val=""/>
   <dgm:desc val=""/>
@@ -3513,6 +5130,1040 @@
 </dgm:styleDef>
 </file>
 
+<file path=ppt/diagrams/quickStyle2.xml><?xml version="1.0" encoding="utf-8"?>
+<dgm:styleDef xmlns:dgm="http://schemas.openxmlformats.org/drawingml/2006/diagram" xmlns:a="http://schemas.openxmlformats.org/drawingml/2006/main" uniqueId="urn:microsoft.com/office/officeart/2005/8/quickstyle/simple4">
+  <dgm:title val=""/>
+  <dgm:desc val=""/>
+  <dgm:catLst>
+    <dgm:cat type="simple" pri="10400"/>
+  </dgm:catLst>
+  <dgm:scene3d>
+    <a:camera prst="orthographicFront"/>
+    <a:lightRig rig="threePt" dir="t"/>
+  </dgm:scene3d>
+  <dgm:styleLbl name="node0">
+    <dgm:scene3d>
+      <a:camera prst="orthographicFront"/>
+      <a:lightRig rig="threePt" dir="t"/>
+    </dgm:scene3d>
+    <dgm:sp3d/>
+    <dgm:txPr/>
+    <dgm:style>
+      <a:lnRef idx="0">
+        <a:scrgbClr r="0" g="0" b="0"/>
+      </a:lnRef>
+      <a:fillRef idx="3">
+        <a:scrgbClr r="0" g="0" b="0"/>
+      </a:fillRef>
+      <a:effectRef idx="2">
+        <a:scrgbClr r="0" g="0" b="0"/>
+      </a:effectRef>
+      <a:fontRef idx="minor">
+        <a:schemeClr val="lt1"/>
+      </a:fontRef>
+    </dgm:style>
+  </dgm:styleLbl>
+  <dgm:styleLbl name="lnNode1">
+    <dgm:scene3d>
+      <a:camera prst="orthographicFront"/>
+      <a:lightRig rig="threePt" dir="t"/>
+    </dgm:scene3d>
+    <dgm:sp3d/>
+    <dgm:txPr/>
+    <dgm:style>
+      <a:lnRef idx="1">
+        <a:scrgbClr r="0" g="0" b="0"/>
+      </a:lnRef>
+      <a:fillRef idx="3">
+        <a:scrgbClr r="0" g="0" b="0"/>
+      </a:fillRef>
+      <a:effectRef idx="2">
+        <a:scrgbClr r="0" g="0" b="0"/>
+      </a:effectRef>
+      <a:fontRef idx="minor">
+        <a:schemeClr val="lt1"/>
+      </a:fontRef>
+    </dgm:style>
+  </dgm:styleLbl>
+  <dgm:styleLbl name="vennNode1">
+    <dgm:scene3d>
+      <a:camera prst="orthographicFront"/>
+      <a:lightRig rig="threePt" dir="t"/>
+    </dgm:scene3d>
+    <dgm:sp3d/>
+    <dgm:txPr/>
+    <dgm:style>
+      <a:lnRef idx="0">
+        <a:scrgbClr r="0" g="0" b="0"/>
+      </a:lnRef>
+      <a:fillRef idx="3">
+        <a:scrgbClr r="0" g="0" b="0"/>
+      </a:fillRef>
+      <a:effectRef idx="0">
+        <a:scrgbClr r="0" g="0" b="0"/>
+      </a:effectRef>
+      <a:fontRef idx="minor">
+        <a:schemeClr val="tx1"/>
+      </a:fontRef>
+    </dgm:style>
+  </dgm:styleLbl>
+  <dgm:styleLbl name="alignNode1">
+    <dgm:scene3d>
+      <a:camera prst="orthographicFront"/>
+      <a:lightRig rig="threePt" dir="t"/>
+    </dgm:scene3d>
+    <dgm:sp3d/>
+    <dgm:txPr/>
+    <dgm:style>
+      <a:lnRef idx="1">
+        <a:scrgbClr r="0" g="0" b="0"/>
+      </a:lnRef>
+      <a:fillRef idx="3">
+        <a:scrgbClr r="0" g="0" b="0"/>
+      </a:fillRef>
+      <a:effectRef idx="2">
+        <a:scrgbClr r="0" g="0" b="0"/>
+      </a:effectRef>
+      <a:fontRef idx="minor">
+        <a:schemeClr val="lt1"/>
+      </a:fontRef>
+    </dgm:style>
+  </dgm:styleLbl>
+  <dgm:styleLbl name="node1">
+    <dgm:scene3d>
+      <a:camera prst="orthographicFront"/>
+      <a:lightRig rig="threePt" dir="t"/>
+    </dgm:scene3d>
+    <dgm:sp3d/>
+    <dgm:txPr/>
+    <dgm:style>
+      <a:lnRef idx="0">
+        <a:scrgbClr r="0" g="0" b="0"/>
+      </a:lnRef>
+      <a:fillRef idx="3">
+        <a:scrgbClr r="0" g="0" b="0"/>
+      </a:fillRef>
+      <a:effectRef idx="2">
+        <a:scrgbClr r="0" g="0" b="0"/>
+      </a:effectRef>
+      <a:fontRef idx="minor">
+        <a:schemeClr val="lt1"/>
+      </a:fontRef>
+    </dgm:style>
+  </dgm:styleLbl>
+  <dgm:styleLbl name="node2">
+    <dgm:scene3d>
+      <a:camera prst="orthographicFront"/>
+      <a:lightRig rig="threePt" dir="t"/>
+    </dgm:scene3d>
+    <dgm:sp3d/>
+    <dgm:txPr/>
+    <dgm:style>
+      <a:lnRef idx="0">
+        <a:scrgbClr r="0" g="0" b="0"/>
+      </a:lnRef>
+      <a:fillRef idx="3">
+        <a:scrgbClr r="0" g="0" b="0"/>
+      </a:fillRef>
+      <a:effectRef idx="2">
+        <a:scrgbClr r="0" g="0" b="0"/>
+      </a:effectRef>
+      <a:fontRef idx="minor">
+        <a:schemeClr val="lt1"/>
+      </a:fontRef>
+    </dgm:style>
+  </dgm:styleLbl>
+  <dgm:styleLbl name="node3">
+    <dgm:scene3d>
+      <a:camera prst="orthographicFront"/>
+      <a:lightRig rig="threePt" dir="t"/>
+    </dgm:scene3d>
+    <dgm:sp3d/>
+    <dgm:txPr/>
+    <dgm:style>
+      <a:lnRef idx="0">
+        <a:scrgbClr r="0" g="0" b="0"/>
+      </a:lnRef>
+      <a:fillRef idx="3">
+        <a:scrgbClr r="0" g="0" b="0"/>
+      </a:fillRef>
+      <a:effectRef idx="2">
+        <a:scrgbClr r="0" g="0" b="0"/>
+      </a:effectRef>
+      <a:fontRef idx="minor">
+        <a:schemeClr val="lt1"/>
+      </a:fontRef>
+    </dgm:style>
+  </dgm:styleLbl>
+  <dgm:styleLbl name="node4">
+    <dgm:scene3d>
+      <a:camera prst="orthographicFront"/>
+      <a:lightRig rig="threePt" dir="t"/>
+    </dgm:scene3d>
+    <dgm:sp3d/>
+    <dgm:txPr/>
+    <dgm:style>
+      <a:lnRef idx="0">
+        <a:scrgbClr r="0" g="0" b="0"/>
+      </a:lnRef>
+      <a:fillRef idx="3">
+        <a:scrgbClr r="0" g="0" b="0"/>
+      </a:fillRef>
+      <a:effectRef idx="2">
+        <a:scrgbClr r="0" g="0" b="0"/>
+      </a:effectRef>
+      <a:fontRef idx="minor">
+        <a:schemeClr val="lt1"/>
+      </a:fontRef>
+    </dgm:style>
+  </dgm:styleLbl>
+  <dgm:styleLbl name="fgImgPlace1">
+    <dgm:scene3d>
+      <a:camera prst="orthographicFront"/>
+      <a:lightRig rig="threePt" dir="t"/>
+    </dgm:scene3d>
+    <dgm:sp3d/>
+    <dgm:txPr/>
+    <dgm:style>
+      <a:lnRef idx="0">
+        <a:scrgbClr r="0" g="0" b="0"/>
+      </a:lnRef>
+      <a:fillRef idx="1">
+        <a:scrgbClr r="0" g="0" b="0"/>
+      </a:fillRef>
+      <a:effectRef idx="2">
+        <a:scrgbClr r="0" g="0" b="0"/>
+      </a:effectRef>
+      <a:fontRef idx="minor"/>
+    </dgm:style>
+  </dgm:styleLbl>
+  <dgm:styleLbl name="alignImgPlace1">
+    <dgm:scene3d>
+      <a:camera prst="orthographicFront"/>
+      <a:lightRig rig="threePt" dir="t"/>
+    </dgm:scene3d>
+    <dgm:sp3d/>
+    <dgm:txPr/>
+    <dgm:style>
+      <a:lnRef idx="0">
+        <a:scrgbClr r="0" g="0" b="0"/>
+      </a:lnRef>
+      <a:fillRef idx="1">
+        <a:scrgbClr r="0" g="0" b="0"/>
+      </a:fillRef>
+      <a:effectRef idx="2">
+        <a:scrgbClr r="0" g="0" b="0"/>
+      </a:effectRef>
+      <a:fontRef idx="minor"/>
+    </dgm:style>
+  </dgm:styleLbl>
+  <dgm:styleLbl name="bgImgPlace1">
+    <dgm:scene3d>
+      <a:camera prst="orthographicFront"/>
+      <a:lightRig rig="threePt" dir="t"/>
+    </dgm:scene3d>
+    <dgm:sp3d/>
+    <dgm:txPr/>
+    <dgm:style>
+      <a:lnRef idx="0">
+        <a:scrgbClr r="0" g="0" b="0"/>
+      </a:lnRef>
+      <a:fillRef idx="1">
+        <a:scrgbClr r="0" g="0" b="0"/>
+      </a:fillRef>
+      <a:effectRef idx="2">
+        <a:scrgbClr r="0" g="0" b="0"/>
+      </a:effectRef>
+      <a:fontRef idx="minor"/>
+    </dgm:style>
+  </dgm:styleLbl>
+  <dgm:styleLbl name="sibTrans2D1">
+    <dgm:scene3d>
+      <a:camera prst="orthographicFront"/>
+      <a:lightRig rig="threePt" dir="t"/>
+    </dgm:scene3d>
+    <dgm:sp3d/>
+    <dgm:txPr/>
+    <dgm:style>
+      <a:lnRef idx="0">
+        <a:scrgbClr r="0" g="0" b="0"/>
+      </a:lnRef>
+      <a:fillRef idx="3">
+        <a:scrgbClr r="0" g="0" b="0"/>
+      </a:fillRef>
+      <a:effectRef idx="2">
+        <a:scrgbClr r="0" g="0" b="0"/>
+      </a:effectRef>
+      <a:fontRef idx="minor">
+        <a:schemeClr val="lt1"/>
+      </a:fontRef>
+    </dgm:style>
+  </dgm:styleLbl>
+  <dgm:styleLbl name="fgSibTrans2D1">
+    <dgm:scene3d>
+      <a:camera prst="orthographicFront"/>
+      <a:lightRig rig="threePt" dir="t"/>
+    </dgm:scene3d>
+    <dgm:sp3d/>
+    <dgm:txPr/>
+    <dgm:style>
+      <a:lnRef idx="0">
+        <a:scrgbClr r="0" g="0" b="0"/>
+      </a:lnRef>
+      <a:fillRef idx="3">
+        <a:scrgbClr r="0" g="0" b="0"/>
+      </a:fillRef>
+      <a:effectRef idx="2">
+        <a:scrgbClr r="0" g="0" b="0"/>
+      </a:effectRef>
+      <a:fontRef idx="minor">
+        <a:schemeClr val="lt1"/>
+      </a:fontRef>
+    </dgm:style>
+  </dgm:styleLbl>
+  <dgm:styleLbl name="bgSibTrans2D1">
+    <dgm:scene3d>
+      <a:camera prst="orthographicFront"/>
+      <a:lightRig rig="threePt" dir="t"/>
+    </dgm:scene3d>
+    <dgm:sp3d/>
+    <dgm:txPr/>
+    <dgm:style>
+      <a:lnRef idx="0">
+        <a:scrgbClr r="0" g="0" b="0"/>
+      </a:lnRef>
+      <a:fillRef idx="3">
+        <a:scrgbClr r="0" g="0" b="0"/>
+      </a:fillRef>
+      <a:effectRef idx="2">
+        <a:scrgbClr r="0" g="0" b="0"/>
+      </a:effectRef>
+      <a:fontRef idx="minor">
+        <a:schemeClr val="lt1"/>
+      </a:fontRef>
+    </dgm:style>
+  </dgm:styleLbl>
+  <dgm:styleLbl name="sibTrans1D1">
+    <dgm:scene3d>
+      <a:camera prst="orthographicFront"/>
+      <a:lightRig rig="threePt" dir="t"/>
+    </dgm:scene3d>
+    <dgm:sp3d/>
+    <dgm:txPr/>
+    <dgm:style>
+      <a:lnRef idx="1">
+        <a:scrgbClr r="0" g="0" b="0"/>
+      </a:lnRef>
+      <a:fillRef idx="0">
+        <a:scrgbClr r="0" g="0" b="0"/>
+      </a:fillRef>
+      <a:effectRef idx="0">
+        <a:scrgbClr r="0" g="0" b="0"/>
+      </a:effectRef>
+      <a:fontRef idx="minor"/>
+    </dgm:style>
+  </dgm:styleLbl>
+  <dgm:styleLbl name="callout">
+    <dgm:scene3d>
+      <a:camera prst="orthographicFront"/>
+      <a:lightRig rig="threePt" dir="t"/>
+    </dgm:scene3d>
+    <dgm:sp3d/>
+    <dgm:txPr/>
+    <dgm:style>
+      <a:lnRef idx="2">
+        <a:scrgbClr r="0" g="0" b="0"/>
+      </a:lnRef>
+      <a:fillRef idx="1">
+        <a:scrgbClr r="0" g="0" b="0"/>
+      </a:fillRef>
+      <a:effectRef idx="1">
+        <a:scrgbClr r="0" g="0" b="0"/>
+      </a:effectRef>
+      <a:fontRef idx="minor"/>
+    </dgm:style>
+  </dgm:styleLbl>
+  <dgm:styleLbl name="asst0">
+    <dgm:scene3d>
+      <a:camera prst="orthographicFront"/>
+      <a:lightRig rig="threePt" dir="t"/>
+    </dgm:scene3d>
+    <dgm:sp3d/>
+    <dgm:txPr/>
+    <dgm:style>
+      <a:lnRef idx="0">
+        <a:scrgbClr r="0" g="0" b="0"/>
+      </a:lnRef>
+      <a:fillRef idx="3">
+        <a:scrgbClr r="0" g="0" b="0"/>
+      </a:fillRef>
+      <a:effectRef idx="2">
+        <a:scrgbClr r="0" g="0" b="0"/>
+      </a:effectRef>
+      <a:fontRef idx="minor">
+        <a:schemeClr val="lt1"/>
+      </a:fontRef>
+    </dgm:style>
+  </dgm:styleLbl>
+  <dgm:styleLbl name="asst1">
+    <dgm:scene3d>
+      <a:camera prst="orthographicFront"/>
+      <a:lightRig rig="threePt" dir="t"/>
+    </dgm:scene3d>
+    <dgm:sp3d/>
+    <dgm:txPr/>
+    <dgm:style>
+      <a:lnRef idx="0">
+        <a:scrgbClr r="0" g="0" b="0"/>
+      </a:lnRef>
+      <a:fillRef idx="3">
+        <a:scrgbClr r="0" g="0" b="0"/>
+      </a:fillRef>
+      <a:effectRef idx="2">
+        <a:scrgbClr r="0" g="0" b="0"/>
+      </a:effectRef>
+      <a:fontRef idx="minor">
+        <a:schemeClr val="lt1"/>
+      </a:fontRef>
+    </dgm:style>
+  </dgm:styleLbl>
+  <dgm:styleLbl name="asst2">
+    <dgm:scene3d>
+      <a:camera prst="orthographicFront"/>
+      <a:lightRig rig="threePt" dir="t"/>
+    </dgm:scene3d>
+    <dgm:sp3d/>
+    <dgm:txPr/>
+    <dgm:style>
+      <a:lnRef idx="0">
+        <a:scrgbClr r="0" g="0" b="0"/>
+      </a:lnRef>
+      <a:fillRef idx="3">
+        <a:scrgbClr r="0" g="0" b="0"/>
+      </a:fillRef>
+      <a:effectRef idx="2">
+        <a:scrgbClr r="0" g="0" b="0"/>
+      </a:effectRef>
+      <a:fontRef idx="minor">
+        <a:schemeClr val="lt1"/>
+      </a:fontRef>
+    </dgm:style>
+  </dgm:styleLbl>
+  <dgm:styleLbl name="asst3">
+    <dgm:scene3d>
+      <a:camera prst="orthographicFront"/>
+      <a:lightRig rig="threePt" dir="t"/>
+    </dgm:scene3d>
+    <dgm:sp3d/>
+    <dgm:txPr/>
+    <dgm:style>
+      <a:lnRef idx="0">
+        <a:scrgbClr r="0" g="0" b="0"/>
+      </a:lnRef>
+      <a:fillRef idx="3">
+        <a:scrgbClr r="0" g="0" b="0"/>
+      </a:fillRef>
+      <a:effectRef idx="2">
+        <a:scrgbClr r="0" g="0" b="0"/>
+      </a:effectRef>
+      <a:fontRef idx="minor">
+        <a:schemeClr val="lt1"/>
+      </a:fontRef>
+    </dgm:style>
+  </dgm:styleLbl>
+  <dgm:styleLbl name="asst4">
+    <dgm:scene3d>
+      <a:camera prst="orthographicFront"/>
+      <a:lightRig rig="threePt" dir="t"/>
+    </dgm:scene3d>
+    <dgm:sp3d/>
+    <dgm:txPr/>
+    <dgm:style>
+      <a:lnRef idx="0">
+        <a:scrgbClr r="0" g="0" b="0"/>
+      </a:lnRef>
+      <a:fillRef idx="3">
+        <a:scrgbClr r="0" g="0" b="0"/>
+      </a:fillRef>
+      <a:effectRef idx="2">
+        <a:scrgbClr r="0" g="0" b="0"/>
+      </a:effectRef>
+      <a:fontRef idx="minor">
+        <a:schemeClr val="lt1"/>
+      </a:fontRef>
+    </dgm:style>
+  </dgm:styleLbl>
+  <dgm:styleLbl name="parChTrans2D1">
+    <dgm:scene3d>
+      <a:camera prst="orthographicFront"/>
+      <a:lightRig rig="threePt" dir="t"/>
+    </dgm:scene3d>
+    <dgm:sp3d/>
+    <dgm:txPr/>
+    <dgm:style>
+      <a:lnRef idx="0">
+        <a:scrgbClr r="0" g="0" b="0"/>
+      </a:lnRef>
+      <a:fillRef idx="3">
+        <a:scrgbClr r="0" g="0" b="0"/>
+      </a:fillRef>
+      <a:effectRef idx="2">
+        <a:scrgbClr r="0" g="0" b="0"/>
+      </a:effectRef>
+      <a:fontRef idx="minor">
+        <a:schemeClr val="lt1"/>
+      </a:fontRef>
+    </dgm:style>
+  </dgm:styleLbl>
+  <dgm:styleLbl name="parChTrans2D2">
+    <dgm:scene3d>
+      <a:camera prst="orthographicFront"/>
+      <a:lightRig rig="threePt" dir="t"/>
+    </dgm:scene3d>
+    <dgm:sp3d/>
+    <dgm:txPr/>
+    <dgm:style>
+      <a:lnRef idx="0">
+        <a:scrgbClr r="0" g="0" b="0"/>
+      </a:lnRef>
+      <a:fillRef idx="3">
+        <a:scrgbClr r="0" g="0" b="0"/>
+      </a:fillRef>
+      <a:effectRef idx="2">
+        <a:scrgbClr r="0" g="0" b="0"/>
+      </a:effectRef>
+      <a:fontRef idx="minor">
+        <a:schemeClr val="lt1"/>
+      </a:fontRef>
+    </dgm:style>
+  </dgm:styleLbl>
+  <dgm:styleLbl name="parChTrans2D3">
+    <dgm:scene3d>
+      <a:camera prst="orthographicFront"/>
+      <a:lightRig rig="threePt" dir="t"/>
+    </dgm:scene3d>
+    <dgm:sp3d/>
+    <dgm:txPr/>
+    <dgm:style>
+      <a:lnRef idx="1">
+        <a:scrgbClr r="0" g="0" b="0"/>
+      </a:lnRef>
+      <a:fillRef idx="3">
+        <a:scrgbClr r="0" g="0" b="0"/>
+      </a:fillRef>
+      <a:effectRef idx="2">
+        <a:scrgbClr r="0" g="0" b="0"/>
+      </a:effectRef>
+      <a:fontRef idx="minor">
+        <a:schemeClr val="lt1"/>
+      </a:fontRef>
+    </dgm:style>
+  </dgm:styleLbl>
+  <dgm:styleLbl name="parChTrans2D4">
+    <dgm:scene3d>
+      <a:camera prst="orthographicFront"/>
+      <a:lightRig rig="threePt" dir="t"/>
+    </dgm:scene3d>
+    <dgm:sp3d/>
+    <dgm:txPr/>
+    <dgm:style>
+      <a:lnRef idx="1">
+        <a:scrgbClr r="0" g="0" b="0"/>
+      </a:lnRef>
+      <a:fillRef idx="3">
+        <a:scrgbClr r="0" g="0" b="0"/>
+      </a:fillRef>
+      <a:effectRef idx="2">
+        <a:scrgbClr r="0" g="0" b="0"/>
+      </a:effectRef>
+      <a:fontRef idx="minor">
+        <a:schemeClr val="lt1"/>
+      </a:fontRef>
+    </dgm:style>
+  </dgm:styleLbl>
+  <dgm:styleLbl name="parChTrans1D1">
+    <dgm:scene3d>
+      <a:camera prst="orthographicFront"/>
+      <a:lightRig rig="threePt" dir="t"/>
+    </dgm:scene3d>
+    <dgm:sp3d/>
+    <dgm:txPr/>
+    <dgm:style>
+      <a:lnRef idx="1">
+        <a:scrgbClr r="0" g="0" b="0"/>
+      </a:lnRef>
+      <a:fillRef idx="0">
+        <a:scrgbClr r="0" g="0" b="0"/>
+      </a:fillRef>
+      <a:effectRef idx="0">
+        <a:scrgbClr r="0" g="0" b="0"/>
+      </a:effectRef>
+      <a:fontRef idx="minor"/>
+    </dgm:style>
+  </dgm:styleLbl>
+  <dgm:styleLbl name="parChTrans1D2">
+    <dgm:scene3d>
+      <a:camera prst="orthographicFront"/>
+      <a:lightRig rig="threePt" dir="t"/>
+    </dgm:scene3d>
+    <dgm:sp3d/>
+    <dgm:txPr/>
+    <dgm:style>
+      <a:lnRef idx="1">
+        <a:scrgbClr r="0" g="0" b="0"/>
+      </a:lnRef>
+      <a:fillRef idx="0">
+        <a:scrgbClr r="0" g="0" b="0"/>
+      </a:fillRef>
+      <a:effectRef idx="0">
+        <a:scrgbClr r="0" g="0" b="0"/>
+      </a:effectRef>
+      <a:fontRef idx="minor"/>
+    </dgm:style>
+  </dgm:styleLbl>
+  <dgm:styleLbl name="parChTrans1D3">
+    <dgm:scene3d>
+      <a:camera prst="orthographicFront"/>
+      <a:lightRig rig="threePt" dir="t"/>
+    </dgm:scene3d>
+    <dgm:sp3d/>
+    <dgm:txPr/>
+    <dgm:style>
+      <a:lnRef idx="1">
+        <a:scrgbClr r="0" g="0" b="0"/>
+      </a:lnRef>
+      <a:fillRef idx="0">
+        <a:scrgbClr r="0" g="0" b="0"/>
+      </a:fillRef>
+      <a:effectRef idx="0">
+        <a:scrgbClr r="0" g="0" b="0"/>
+      </a:effectRef>
+      <a:fontRef idx="minor"/>
+    </dgm:style>
+  </dgm:styleLbl>
+  <dgm:styleLbl name="parChTrans1D4">
+    <dgm:scene3d>
+      <a:camera prst="orthographicFront"/>
+      <a:lightRig rig="threePt" dir="t"/>
+    </dgm:scene3d>
+    <dgm:sp3d/>
+    <dgm:txPr/>
+    <dgm:style>
+      <a:lnRef idx="1">
+        <a:scrgbClr r="0" g="0" b="0"/>
+      </a:lnRef>
+      <a:fillRef idx="0">
+        <a:scrgbClr r="0" g="0" b="0"/>
+      </a:fillRef>
+      <a:effectRef idx="0">
+        <a:scrgbClr r="0" g="0" b="0"/>
+      </a:effectRef>
+      <a:fontRef idx="minor"/>
+    </dgm:style>
+  </dgm:styleLbl>
+  <dgm:styleLbl name="fgAcc1">
+    <dgm:scene3d>
+      <a:camera prst="orthographicFront"/>
+      <a:lightRig rig="threePt" dir="t"/>
+    </dgm:scene3d>
+    <dgm:sp3d/>
+    <dgm:txPr/>
+    <dgm:style>
+      <a:lnRef idx="1">
+        <a:scrgbClr r="0" g="0" b="0"/>
+      </a:lnRef>
+      <a:fillRef idx="1">
+        <a:scrgbClr r="0" g="0" b="0"/>
+      </a:fillRef>
+      <a:effectRef idx="0">
+        <a:scrgbClr r="0" g="0" b="0"/>
+      </a:effectRef>
+      <a:fontRef idx="minor"/>
+    </dgm:style>
+  </dgm:styleLbl>
+  <dgm:styleLbl name="conFgAcc1">
+    <dgm:scene3d>
+      <a:camera prst="orthographicFront"/>
+      <a:lightRig rig="threePt" dir="t"/>
+    </dgm:scene3d>
+    <dgm:sp3d/>
+    <dgm:txPr/>
+    <dgm:style>
+      <a:lnRef idx="1">
+        <a:scrgbClr r="0" g="0" b="0"/>
+      </a:lnRef>
+      <a:fillRef idx="1">
+        <a:scrgbClr r="0" g="0" b="0"/>
+      </a:fillRef>
+      <a:effectRef idx="0">
+        <a:scrgbClr r="0" g="0" b="0"/>
+      </a:effectRef>
+      <a:fontRef idx="minor"/>
+    </dgm:style>
+  </dgm:styleLbl>
+  <dgm:styleLbl name="alignAcc1">
+    <dgm:scene3d>
+      <a:camera prst="orthographicFront"/>
+      <a:lightRig rig="threePt" dir="t"/>
+    </dgm:scene3d>
+    <dgm:sp3d/>
+    <dgm:txPr/>
+    <dgm:style>
+      <a:lnRef idx="1">
+        <a:scrgbClr r="0" g="0" b="0"/>
+      </a:lnRef>
+      <a:fillRef idx="1">
+        <a:scrgbClr r="0" g="0" b="0"/>
+      </a:fillRef>
+      <a:effectRef idx="0">
+        <a:scrgbClr r="0" g="0" b="0"/>
+      </a:effectRef>
+      <a:fontRef idx="minor"/>
+    </dgm:style>
+  </dgm:styleLbl>
+  <dgm:styleLbl name="trAlignAcc1">
+    <dgm:scene3d>
+      <a:camera prst="orthographicFront"/>
+      <a:lightRig rig="threePt" dir="t"/>
+    </dgm:scene3d>
+    <dgm:sp3d/>
+    <dgm:txPr/>
+    <dgm:style>
+      <a:lnRef idx="1">
+        <a:scrgbClr r="0" g="0" b="0"/>
+      </a:lnRef>
+      <a:fillRef idx="1">
+        <a:scrgbClr r="0" g="0" b="0"/>
+      </a:fillRef>
+      <a:effectRef idx="0">
+        <a:scrgbClr r="0" g="0" b="0"/>
+      </a:effectRef>
+      <a:fontRef idx="minor"/>
+    </dgm:style>
+  </dgm:styleLbl>
+  <dgm:styleLbl name="bgAcc1">
+    <dgm:scene3d>
+      <a:camera prst="orthographicFront"/>
+      <a:lightRig rig="threePt" dir="t"/>
+    </dgm:scene3d>
+    <dgm:sp3d/>
+    <dgm:txPr/>
+    <dgm:style>
+      <a:lnRef idx="1">
+        <a:scrgbClr r="0" g="0" b="0"/>
+      </a:lnRef>
+      <a:fillRef idx="1">
+        <a:scrgbClr r="0" g="0" b="0"/>
+      </a:fillRef>
+      <a:effectRef idx="0">
+        <a:scrgbClr r="0" g="0" b="0"/>
+      </a:effectRef>
+      <a:fontRef idx="minor"/>
+    </dgm:style>
+  </dgm:styleLbl>
+  <dgm:styleLbl name="solidFgAcc1">
+    <dgm:scene3d>
+      <a:camera prst="orthographicFront"/>
+      <a:lightRig rig="threePt" dir="t"/>
+    </dgm:scene3d>
+    <dgm:sp3d/>
+    <dgm:txPr/>
+    <dgm:style>
+      <a:lnRef idx="1">
+        <a:scrgbClr r="0" g="0" b="0"/>
+      </a:lnRef>
+      <a:fillRef idx="1">
+        <a:scrgbClr r="0" g="0" b="0"/>
+      </a:fillRef>
+      <a:effectRef idx="0">
+        <a:scrgbClr r="0" g="0" b="0"/>
+      </a:effectRef>
+      <a:fontRef idx="minor"/>
+    </dgm:style>
+  </dgm:styleLbl>
+  <dgm:styleLbl name="solidAlignAcc1">
+    <dgm:scene3d>
+      <a:camera prst="orthographicFront"/>
+      <a:lightRig rig="threePt" dir="t"/>
+    </dgm:scene3d>
+    <dgm:sp3d/>
+    <dgm:txPr/>
+    <dgm:style>
+      <a:lnRef idx="1">
+        <a:scrgbClr r="0" g="0" b="0"/>
+      </a:lnRef>
+      <a:fillRef idx="1">
+        <a:scrgbClr r="0" g="0" b="0"/>
+      </a:fillRef>
+      <a:effectRef idx="0">
+        <a:scrgbClr r="0" g="0" b="0"/>
+      </a:effectRef>
+      <a:fontRef idx="minor"/>
+    </dgm:style>
+  </dgm:styleLbl>
+  <dgm:styleLbl name="solidBgAcc1">
+    <dgm:scene3d>
+      <a:camera prst="orthographicFront"/>
+      <a:lightRig rig="threePt" dir="t"/>
+    </dgm:scene3d>
+    <dgm:sp3d/>
+    <dgm:txPr/>
+    <dgm:style>
+      <a:lnRef idx="1">
+        <a:scrgbClr r="0" g="0" b="0"/>
+      </a:lnRef>
+      <a:fillRef idx="1">
+        <a:scrgbClr r="0" g="0" b="0"/>
+      </a:fillRef>
+      <a:effectRef idx="0">
+        <a:scrgbClr r="0" g="0" b="0"/>
+      </a:effectRef>
+      <a:fontRef idx="minor"/>
+    </dgm:style>
+  </dgm:styleLbl>
+  <dgm:styleLbl name="fgAccFollowNode1">
+    <dgm:scene3d>
+      <a:camera prst="orthographicFront"/>
+      <a:lightRig rig="threePt" dir="t"/>
+    </dgm:scene3d>
+    <dgm:sp3d/>
+    <dgm:txPr/>
+    <dgm:style>
+      <a:lnRef idx="1">
+        <a:scrgbClr r="0" g="0" b="0"/>
+      </a:lnRef>
+      <a:fillRef idx="1">
+        <a:scrgbClr r="0" g="0" b="0"/>
+      </a:fillRef>
+      <a:effectRef idx="0">
+        <a:scrgbClr r="0" g="0" b="0"/>
+      </a:effectRef>
+      <a:fontRef idx="minor"/>
+    </dgm:style>
+  </dgm:styleLbl>
+  <dgm:styleLbl name="alignAccFollowNode1">
+    <dgm:scene3d>
+      <a:camera prst="orthographicFront"/>
+      <a:lightRig rig="threePt" dir="t"/>
+    </dgm:scene3d>
+    <dgm:sp3d/>
+    <dgm:txPr/>
+    <dgm:style>
+      <a:lnRef idx="1">
+        <a:scrgbClr r="0" g="0" b="0"/>
+      </a:lnRef>
+      <a:fillRef idx="1">
+        <a:scrgbClr r="0" g="0" b="0"/>
+      </a:fillRef>
+      <a:effectRef idx="0">
+        <a:scrgbClr r="0" g="0" b="0"/>
+      </a:effectRef>
+      <a:fontRef idx="minor"/>
+    </dgm:style>
+  </dgm:styleLbl>
+  <dgm:styleLbl name="bgAccFollowNode1">
+    <dgm:scene3d>
+      <a:camera prst="orthographicFront"/>
+      <a:lightRig rig="threePt" dir="t"/>
+    </dgm:scene3d>
+    <dgm:sp3d/>
+    <dgm:txPr/>
+    <dgm:style>
+      <a:lnRef idx="1">
+        <a:scrgbClr r="0" g="0" b="0"/>
+      </a:lnRef>
+      <a:fillRef idx="1">
+        <a:scrgbClr r="0" g="0" b="0"/>
+      </a:fillRef>
+      <a:effectRef idx="0">
+        <a:scrgbClr r="0" g="0" b="0"/>
+      </a:effectRef>
+      <a:fontRef idx="minor"/>
+    </dgm:style>
+  </dgm:styleLbl>
+  <dgm:styleLbl name="fgAcc0">
+    <dgm:scene3d>
+      <a:camera prst="orthographicFront"/>
+      <a:lightRig rig="threePt" dir="t"/>
+    </dgm:scene3d>
+    <dgm:sp3d/>
+    <dgm:txPr/>
+    <dgm:style>
+      <a:lnRef idx="1">
+        <a:scrgbClr r="0" g="0" b="0"/>
+      </a:lnRef>
+      <a:fillRef idx="1">
+        <a:scrgbClr r="0" g="0" b="0"/>
+      </a:fillRef>
+      <a:effectRef idx="0">
+        <a:scrgbClr r="0" g="0" b="0"/>
+      </a:effectRef>
+      <a:fontRef idx="minor"/>
+    </dgm:style>
+  </dgm:styleLbl>
+  <dgm:styleLbl name="fgAcc2">
+    <dgm:scene3d>
+      <a:camera prst="orthographicFront"/>
+      <a:lightRig rig="threePt" dir="t"/>
+    </dgm:scene3d>
+    <dgm:sp3d/>
+    <dgm:txPr/>
+    <dgm:style>
+      <a:lnRef idx="1">
+        <a:scrgbClr r="0" g="0" b="0"/>
+      </a:lnRef>
+      <a:fillRef idx="1">
+        <a:scrgbClr r="0" g="0" b="0"/>
+      </a:fillRef>
+      <a:effectRef idx="0">
+        <a:scrgbClr r="0" g="0" b="0"/>
+      </a:effectRef>
+      <a:fontRef idx="minor"/>
+    </dgm:style>
+  </dgm:styleLbl>
+  <dgm:styleLbl name="fgAcc3">
+    <dgm:scene3d>
+      <a:camera prst="orthographicFront"/>
+      <a:lightRig rig="threePt" dir="t"/>
+    </dgm:scene3d>
+    <dgm:sp3d/>
+    <dgm:txPr/>
+    <dgm:style>
+      <a:lnRef idx="1">
+        <a:scrgbClr r="0" g="0" b="0"/>
+      </a:lnRef>
+      <a:fillRef idx="1">
+        <a:scrgbClr r="0" g="0" b="0"/>
+      </a:fillRef>
+      <a:effectRef idx="0">
+        <a:scrgbClr r="0" g="0" b="0"/>
+      </a:effectRef>
+      <a:fontRef idx="minor"/>
+    </dgm:style>
+  </dgm:styleLbl>
+  <dgm:styleLbl name="fgAcc4">
+    <dgm:scene3d>
+      <a:camera prst="orthographicFront"/>
+      <a:lightRig rig="threePt" dir="t"/>
+    </dgm:scene3d>
+    <dgm:sp3d/>
+    <dgm:txPr/>
+    <dgm:style>
+      <a:lnRef idx="1">
+        <a:scrgbClr r="0" g="0" b="0"/>
+      </a:lnRef>
+      <a:fillRef idx="1">
+        <a:scrgbClr r="0" g="0" b="0"/>
+      </a:fillRef>
+      <a:effectRef idx="0">
+        <a:scrgbClr r="0" g="0" b="0"/>
+      </a:effectRef>
+      <a:fontRef idx="minor"/>
+    </dgm:style>
+  </dgm:styleLbl>
+  <dgm:styleLbl name="bgShp">
+    <dgm:scene3d>
+      <a:camera prst="orthographicFront"/>
+      <a:lightRig rig="threePt" dir="t"/>
+    </dgm:scene3d>
+    <dgm:sp3d/>
+    <dgm:txPr/>
+    <dgm:style>
+      <a:lnRef idx="0">
+        <a:scrgbClr r="0" g="0" b="0"/>
+      </a:lnRef>
+      <a:fillRef idx="1">
+        <a:scrgbClr r="0" g="0" b="0"/>
+      </a:fillRef>
+      <a:effectRef idx="2">
+        <a:scrgbClr r="0" g="0" b="0"/>
+      </a:effectRef>
+      <a:fontRef idx="minor"/>
+    </dgm:style>
+  </dgm:styleLbl>
+  <dgm:styleLbl name="dkBgShp">
+    <dgm:scene3d>
+      <a:camera prst="orthographicFront"/>
+      <a:lightRig rig="threePt" dir="t"/>
+    </dgm:scene3d>
+    <dgm:sp3d/>
+    <dgm:txPr/>
+    <dgm:style>
+      <a:lnRef idx="0">
+        <a:scrgbClr r="0" g="0" b="0"/>
+      </a:lnRef>
+      <a:fillRef idx="1">
+        <a:scrgbClr r="0" g="0" b="0"/>
+      </a:fillRef>
+      <a:effectRef idx="2">
+        <a:scrgbClr r="0" g="0" b="0"/>
+      </a:effectRef>
+      <a:fontRef idx="minor"/>
+    </dgm:style>
+  </dgm:styleLbl>
+  <dgm:styleLbl name="trBgShp">
+    <dgm:scene3d>
+      <a:camera prst="orthographicFront"/>
+      <a:lightRig rig="threePt" dir="t"/>
+    </dgm:scene3d>
+    <dgm:sp3d/>
+    <dgm:txPr/>
+    <dgm:style>
+      <a:lnRef idx="0">
+        <a:scrgbClr r="0" g="0" b="0"/>
+      </a:lnRef>
+      <a:fillRef idx="1">
+        <a:scrgbClr r="0" g="0" b="0"/>
+      </a:fillRef>
+      <a:effectRef idx="0">
+        <a:scrgbClr r="0" g="0" b="0"/>
+      </a:effectRef>
+      <a:fontRef idx="minor"/>
+    </dgm:style>
+  </dgm:styleLbl>
+  <dgm:styleLbl name="fgShp">
+    <dgm:scene3d>
+      <a:camera prst="orthographicFront"/>
+      <a:lightRig rig="threePt" dir="t"/>
+    </dgm:scene3d>
+    <dgm:sp3d/>
+    <dgm:txPr/>
+    <dgm:style>
+      <a:lnRef idx="0">
+        <a:scrgbClr r="0" g="0" b="0"/>
+      </a:lnRef>
+      <a:fillRef idx="3">
+        <a:scrgbClr r="0" g="0" b="0"/>
+      </a:fillRef>
+      <a:effectRef idx="2">
+        <a:scrgbClr r="0" g="0" b="0"/>
+      </a:effectRef>
+      <a:fontRef idx="minor"/>
+    </dgm:style>
+  </dgm:styleLbl>
+  <dgm:styleLbl name="revTx">
+    <dgm:scene3d>
+      <a:camera prst="orthographicFront"/>
+      <a:lightRig rig="threePt" dir="t"/>
+    </dgm:scene3d>
+    <dgm:sp3d/>
+    <dgm:txPr/>
+    <dgm:style>
+      <a:lnRef idx="0">
+        <a:scrgbClr r="0" g="0" b="0"/>
+      </a:lnRef>
+      <a:fillRef idx="0">
+        <a:scrgbClr r="0" g="0" b="0"/>
+      </a:fillRef>
+      <a:effectRef idx="0">
+        <a:scrgbClr r="0" g="0" b="0"/>
+      </a:effectRef>
+      <a:fontRef idx="minor"/>
+    </dgm:style>
+  </dgm:styleLbl>
+</dgm:styleDef>
+</file>
+
 <file path=ppt/notesMasters/notesMaster1.xml><?xml version="1.0" encoding="utf-8"?>
 <p:notesMaster xmlns:a="http://schemas.openxmlformats.org/drawingml/2006/main" xmlns:r="http://schemas.openxmlformats.org/officeDocument/2006/relationships" xmlns:p="http://schemas.openxmlformats.org/presentationml/2006/main">
   <p:cSld>
@@ -3596,7 +6247,7 @@
             <a:fld id="{BC02ACD8-9D28-445F-BAFE-92DA3311E912}" type="datetimeFigureOut">
               <a:rPr lang="zh-CN" altLang="en-US" smtClean="0"/>
               <a:pPr/>
-              <a:t>2017/10/25</a:t>
+              <a:t>2017/11/5</a:t>
             </a:fld>
             <a:endParaRPr lang="zh-CN" altLang="en-US"/>
           </a:p>
@@ -4152,7 +6803,7 @@
             <a:fld id="{08B9EBBA-996F-894A-B54A-D6246ED52CEA}" type="datetimeFigureOut">
               <a:rPr lang="en-US" dirty="0"/>
               <a:pPr/>
-              <a:t>10/25/2017</a:t>
+              <a:t>11/5/2017</a:t>
             </a:fld>
             <a:endParaRPr lang="en-US" dirty="0"/>
           </a:p>
@@ -4467,7 +7118,7 @@
             <a:fld id="{18C79C5D-2A6F-F04D-97DA-BEF2467B64E4}" type="datetimeFigureOut">
               <a:rPr lang="en-US" dirty="0"/>
               <a:pPr/>
-              <a:t>10/25/2017</a:t>
+              <a:t>11/5/2017</a:t>
             </a:fld>
             <a:endParaRPr lang="en-US" dirty="0"/>
           </a:p>
@@ -4952,7 +7603,7 @@
             <a:fld id="{8DFA1846-DA80-1C48-A609-854EA85C59AD}" type="datetimeFigureOut">
               <a:rPr lang="en-US" dirty="0"/>
               <a:pPr/>
-              <a:t>10/25/2017</a:t>
+              <a:t>11/5/2017</a:t>
             </a:fld>
             <a:endParaRPr lang="en-US" dirty="0"/>
           </a:p>
@@ -5318,7 +7969,7 @@
             <a:fld id="{FBF54567-0DE4-3F47-BF90-CB84690072F9}" type="datetimeFigureOut">
               <a:rPr lang="en-US" dirty="0"/>
               <a:pPr/>
-              <a:t>10/25/2017</a:t>
+              <a:t>11/5/2017</a:t>
             </a:fld>
             <a:endParaRPr lang="en-US" dirty="0"/>
           </a:p>
@@ -5588,7 +8239,7 @@
             <a:fld id="{C6C52C72-DE31-F449-A4ED-4C594FD91407}" type="datetimeFigureOut">
               <a:rPr lang="en-US" dirty="0"/>
               <a:pPr/>
-              <a:t>10/25/2017</a:t>
+              <a:t>11/5/2017</a:t>
             </a:fld>
             <a:endParaRPr lang="en-US" dirty="0"/>
           </a:p>
@@ -5870,7 +8521,7 @@
             <a:fld id="{ED62726E-379B-B349-9EED-81ED093FA806}" type="datetimeFigureOut">
               <a:rPr lang="en-US" dirty="0"/>
               <a:pPr/>
-              <a:t>10/25/2017</a:t>
+              <a:t>11/5/2017</a:t>
             </a:fld>
             <a:endParaRPr lang="en-US" dirty="0"/>
           </a:p>
@@ -6150,7 +8801,7 @@
             <a:fld id="{9B3A1323-8D79-1946-B0D7-40001CF92E9D}" type="datetimeFigureOut">
               <a:rPr lang="en-US" dirty="0"/>
               <a:pPr/>
-              <a:t>10/25/2017</a:t>
+              <a:t>11/5/2017</a:t>
             </a:fld>
             <a:endParaRPr lang="en-US" dirty="0"/>
           </a:p>
@@ -6490,7 +9141,7 @@
             <a:fld id="{8DFA1846-DA80-1C48-A609-854EA85C59AD}" type="datetimeFigureOut">
               <a:rPr lang="en-US" dirty="0"/>
               <a:pPr/>
-              <a:t>10/25/2017</a:t>
+              <a:t>11/5/2017</a:t>
             </a:fld>
             <a:endParaRPr lang="en-US" dirty="0"/>
           </a:p>
@@ -6826,7 +9477,7 @@
             <a:fld id="{57302355-E14B-8545-A8F8-0FE83CC9D524}" type="datetimeFigureOut">
               <a:rPr lang="en-US" dirty="0"/>
               <a:pPr/>
-              <a:t>10/25/2017</a:t>
+              <a:t>11/5/2017</a:t>
             </a:fld>
             <a:endParaRPr lang="en-US" dirty="0"/>
           </a:p>
@@ -7300,7 +9951,7 @@
             <a:fld id="{02640F58-564D-2B4F-AE67-E407BA4FCF45}" type="datetimeFigureOut">
               <a:rPr lang="en-US" dirty="0"/>
               <a:pPr/>
-              <a:t>10/25/2017</a:t>
+              <a:t>11/5/2017</a:t>
             </a:fld>
             <a:endParaRPr lang="en-US" dirty="0"/>
           </a:p>
@@ -7518,7 +10169,7 @@
             <a:fld id="{F13A34C8-038E-2045-AF43-DF7DBB8E0E9E}" type="datetimeFigureOut">
               <a:rPr lang="en-US" dirty="0"/>
               <a:pPr/>
-              <a:t>10/25/2017</a:t>
+              <a:t>11/5/2017</a:t>
             </a:fld>
             <a:endParaRPr lang="en-US" dirty="0"/>
           </a:p>
@@ -7610,7 +10261,7 @@
             <a:fld id="{8818C68F-D26B-8F47-958C-23B49CF8A634}" type="datetimeFigureOut">
               <a:rPr lang="en-US" dirty="0"/>
               <a:pPr/>
-              <a:t>10/25/2017</a:t>
+              <a:t>11/5/2017</a:t>
             </a:fld>
             <a:endParaRPr lang="en-US" dirty="0"/>
           </a:p>
@@ -8074,7 +10725,7 @@
             <a:fld id="{D0DF5E60-9974-AC48-9591-99C2BB44B7CF}" type="datetimeFigureOut">
               <a:rPr lang="en-US" dirty="0"/>
               <a:pPr/>
-              <a:t>10/25/2017</a:t>
+              <a:t>11/5/2017</a:t>
             </a:fld>
             <a:endParaRPr lang="en-US" dirty="0"/>
           </a:p>
@@ -8384,7 +11035,7 @@
             <a:fld id="{18C79C5D-2A6F-F04D-97DA-BEF2467B64E4}" type="datetimeFigureOut">
               <a:rPr lang="en-US" dirty="0"/>
               <a:pPr/>
-              <a:t>10/25/2017</a:t>
+              <a:t>11/5/2017</a:t>
             </a:fld>
             <a:endParaRPr lang="en-US" dirty="0"/>
           </a:p>
@@ -8651,7 +11302,7 @@
             <a:fld id="{09B482E8-6E0E-1B4F-B1FD-C69DB9E858D9}" type="datetimeFigureOut">
               <a:rPr lang="en-US" dirty="0"/>
               <a:pPr/>
-              <a:t>10/25/2017</a:t>
+              <a:t>11/5/2017</a:t>
             </a:fld>
             <a:endParaRPr lang="en-US" dirty="0"/>
           </a:p>
@@ -9134,15 +11785,7 @@
             </a:r>
             <a:r>
               <a:rPr lang="en-US" altLang="zh-CN" dirty="0"/>
-              <a:t>Rational </a:t>
-            </a:r>
-            <a:r>
-              <a:rPr lang="en-US" altLang="zh-CN" dirty="0" smtClean="0"/>
-              <a:t>Rose</a:t>
-            </a:r>
-            <a:r>
-              <a:rPr lang="en-US" altLang="zh-CN" dirty="0"/>
-              <a:t>	</a:t>
+              <a:t>Rational Rose	</a:t>
             </a:r>
             <a:endParaRPr lang="zh-CN" altLang="en-US" dirty="0"/>
           </a:p>
@@ -9333,6 +11976,1844 @@
 <file path=ppt/slides/slide10.xml><?xml version="1.0" encoding="utf-8"?>
 <p:sld xmlns:a="http://schemas.openxmlformats.org/drawingml/2006/main" xmlns:r="http://schemas.openxmlformats.org/officeDocument/2006/relationships" xmlns:p="http://schemas.openxmlformats.org/presentationml/2006/main">
   <p:cSld>
+    <p:bg>
+      <p:bgPr>
+        <a:solidFill>
+          <a:schemeClr val="bg2"/>
+        </a:solidFill>
+        <a:effectLst/>
+      </p:bgPr>
+    </p:bg>
+    <p:spTree>
+      <p:nvGrpSpPr>
+        <p:cNvPr id="1" name=""/>
+        <p:cNvGrpSpPr/>
+        <p:nvPr/>
+      </p:nvGrpSpPr>
+      <p:grpSpPr>
+        <a:xfrm>
+          <a:off x="0" y="0"/>
+          <a:ext cx="0" cy="0"/>
+          <a:chOff x="0" y="0"/>
+          <a:chExt cx="0" cy="0"/>
+        </a:xfrm>
+      </p:grpSpPr>
+      <p:pic>
+        <p:nvPicPr>
+          <p:cNvPr id="2" name="图片 1" descr="图片包含 屏幕截图&#10;&#10;已生成极高可信度的说明">
+            <a:extLst>
+              <a:ext uri="{FF2B5EF4-FFF2-40B4-BE49-F238E27FC236}">
+                <a16:creationId xmlns:a16="http://schemas.microsoft.com/office/drawing/2014/main" id="{707788A7-CDD8-4168-A5B6-D19FD246AB51}"/>
+              </a:ext>
+            </a:extLst>
+          </p:cNvPr>
+          <p:cNvPicPr>
+            <a:picLocks noChangeAspect="1"/>
+          </p:cNvPicPr>
+          <p:nvPr/>
+        </p:nvPicPr>
+        <p:blipFill rotWithShape="1">
+          <a:blip r:embed="rId2"/>
+          <a:srcRect t="6403" b="22392"/>
+          <a:stretch/>
+        </p:blipFill>
+        <p:spPr>
+          <a:xfrm>
+            <a:off x="-1" y="-1"/>
+            <a:ext cx="12192001" cy="4883281"/>
+          </a:xfrm>
+          <a:prstGeom prst="rect">
+            <a:avLst/>
+          </a:prstGeom>
+        </p:spPr>
+      </p:pic>
+      <p:sp>
+        <p:nvSpPr>
+          <p:cNvPr id="3" name="文本框 2">
+            <a:extLst>
+              <a:ext uri="{FF2B5EF4-FFF2-40B4-BE49-F238E27FC236}">
+                <a16:creationId xmlns:a16="http://schemas.microsoft.com/office/drawing/2014/main" id="{B26B28F9-0383-4988-9AD6-51C403FB187B}"/>
+              </a:ext>
+            </a:extLst>
+          </p:cNvPr>
+          <p:cNvSpPr txBox="1"/>
+          <p:nvPr/>
+        </p:nvSpPr>
+        <p:spPr>
+          <a:xfrm>
+            <a:off x="812788" y="4895558"/>
+            <a:ext cx="10572000" cy="779529"/>
+          </a:xfrm>
+          <a:prstGeom prst="rect">
+            <a:avLst/>
+          </a:prstGeom>
+        </p:spPr>
+        <p:txBody>
+          <a:bodyPr vert="horz" lIns="91440" tIns="45720" rIns="91440" bIns="45720" rtlCol="0" anchor="b">
+            <a:normAutofit/>
+          </a:bodyPr>
+          <a:lstStyle/>
+          <a:p>
+            <a:pPr>
+              <a:spcBef>
+                <a:spcPct val="0"/>
+              </a:spcBef>
+              <a:spcAft>
+                <a:spcPts val="600"/>
+              </a:spcAft>
+            </a:pPr>
+            <a:r>
+              <a:rPr lang="zh-CN" altLang="en-US" sz="3700" b="1" dirty="0">
+                <a:solidFill>
+                  <a:srgbClr val="FEFEFE"/>
+                </a:solidFill>
+                <a:latin typeface="+mj-lt"/>
+                <a:ea typeface="+mj-ea"/>
+                <a:cs typeface="+mj-cs"/>
+              </a:rPr>
+              <a:t>然后再这边创建参与者与用例，并建立他们的关系</a:t>
+            </a:r>
+          </a:p>
+        </p:txBody>
+      </p:sp>
+    </p:spTree>
+    <p:extLst>
+      <p:ext uri="{BB962C8B-B14F-4D97-AF65-F5344CB8AC3E}">
+        <p14:creationId xmlns:p14="http://schemas.microsoft.com/office/powerpoint/2010/main" val="3910558531"/>
+      </p:ext>
+    </p:extLst>
+  </p:cSld>
+  <p:clrMapOvr>
+    <a:masterClrMapping/>
+  </p:clrMapOvr>
+</p:sld>
+</file>
+
+<file path=ppt/slides/slide11.xml><?xml version="1.0" encoding="utf-8"?>
+<p:sld xmlns:a="http://schemas.openxmlformats.org/drawingml/2006/main" xmlns:r="http://schemas.openxmlformats.org/officeDocument/2006/relationships" xmlns:p="http://schemas.openxmlformats.org/presentationml/2006/main">
+  <p:cSld>
+    <p:spTree>
+      <p:nvGrpSpPr>
+        <p:cNvPr id="1" name=""/>
+        <p:cNvGrpSpPr/>
+        <p:nvPr/>
+      </p:nvGrpSpPr>
+      <p:grpSpPr>
+        <a:xfrm>
+          <a:off x="0" y="0"/>
+          <a:ext cx="0" cy="0"/>
+          <a:chOff x="0" y="0"/>
+          <a:chExt cx="0" cy="0"/>
+        </a:xfrm>
+      </p:grpSpPr>
+      <p:pic>
+        <p:nvPicPr>
+          <p:cNvPr id="2050" name="Picture 2">
+            <a:extLst>
+              <a:ext uri="{FF2B5EF4-FFF2-40B4-BE49-F238E27FC236}">
+                <a16:creationId xmlns:a16="http://schemas.microsoft.com/office/drawing/2014/main" id="{5ED7A833-14D1-42A1-8E28-9293CE41571B}"/>
+              </a:ext>
+            </a:extLst>
+          </p:cNvPr>
+          <p:cNvPicPr>
+            <a:picLocks noChangeAspect="1" noChangeArrowheads="1"/>
+          </p:cNvPicPr>
+          <p:nvPr/>
+        </p:nvPicPr>
+        <p:blipFill>
+          <a:blip r:embed="rId2">
+            <a:extLst>
+              <a:ext uri="{28A0092B-C50C-407E-A947-70E740481C1C}">
+                <a14:useLocalDpi xmlns:a14="http://schemas.microsoft.com/office/drawing/2010/main" val="0"/>
+              </a:ext>
+            </a:extLst>
+          </a:blip>
+          <a:srcRect/>
+          <a:stretch>
+            <a:fillRect/>
+          </a:stretch>
+        </p:blipFill>
+        <p:spPr bwMode="auto">
+          <a:xfrm>
+            <a:off x="108155" y="1396179"/>
+            <a:ext cx="5397910" cy="4508737"/>
+          </a:xfrm>
+          <a:prstGeom prst="rect">
+            <a:avLst/>
+          </a:prstGeom>
+          <a:noFill/>
+          <a:ln>
+            <a:noFill/>
+          </a:ln>
+          <a:extLst>
+            <a:ext uri="{909E8E84-426E-40DD-AFC4-6F175D3DCCD1}">
+              <a14:hiddenFill xmlns:a14="http://schemas.microsoft.com/office/drawing/2010/main">
+                <a:solidFill>
+                  <a:srgbClr val="FFFFFF"/>
+                </a:solidFill>
+              </a14:hiddenFill>
+            </a:ext>
+            <a:ext uri="{91240B29-F687-4F45-9708-019B960494DF}">
+              <a14:hiddenLine xmlns:a14="http://schemas.microsoft.com/office/drawing/2010/main" w="9525">
+                <a:solidFill>
+                  <a:srgbClr val="000000"/>
+                </a:solidFill>
+                <a:miter lim="800000"/>
+                <a:headEnd/>
+                <a:tailEnd/>
+              </a14:hiddenLine>
+            </a:ext>
+          </a:extLst>
+        </p:spPr>
+      </p:pic>
+      <p:pic>
+        <p:nvPicPr>
+          <p:cNvPr id="2051" name="Picture 3">
+            <a:extLst>
+              <a:ext uri="{FF2B5EF4-FFF2-40B4-BE49-F238E27FC236}">
+                <a16:creationId xmlns:a16="http://schemas.microsoft.com/office/drawing/2014/main" id="{CD0EEA1C-2319-40DF-8415-BA00DA7896A4}"/>
+              </a:ext>
+            </a:extLst>
+          </p:cNvPr>
+          <p:cNvPicPr>
+            <a:picLocks noChangeAspect="1" noChangeArrowheads="1"/>
+          </p:cNvPicPr>
+          <p:nvPr/>
+        </p:nvPicPr>
+        <p:blipFill>
+          <a:blip r:embed="rId3">
+            <a:extLst>
+              <a:ext uri="{28A0092B-C50C-407E-A947-70E740481C1C}">
+                <a14:useLocalDpi xmlns:a14="http://schemas.microsoft.com/office/drawing/2010/main" val="0"/>
+              </a:ext>
+            </a:extLst>
+          </a:blip>
+          <a:srcRect/>
+          <a:stretch>
+            <a:fillRect/>
+          </a:stretch>
+        </p:blipFill>
+        <p:spPr bwMode="auto">
+          <a:xfrm>
+            <a:off x="5940676" y="1396180"/>
+            <a:ext cx="6175231" cy="4508737"/>
+          </a:xfrm>
+          <a:prstGeom prst="rect">
+            <a:avLst/>
+          </a:prstGeom>
+          <a:noFill/>
+          <a:ln>
+            <a:noFill/>
+          </a:ln>
+          <a:extLst>
+            <a:ext uri="{909E8E84-426E-40DD-AFC4-6F175D3DCCD1}">
+              <a14:hiddenFill xmlns:a14="http://schemas.microsoft.com/office/drawing/2010/main">
+                <a:solidFill>
+                  <a:srgbClr val="FFFFFF"/>
+                </a:solidFill>
+              </a14:hiddenFill>
+            </a:ext>
+            <a:ext uri="{91240B29-F687-4F45-9708-019B960494DF}">
+              <a14:hiddenLine xmlns:a14="http://schemas.microsoft.com/office/drawing/2010/main" w="9525">
+                <a:solidFill>
+                  <a:srgbClr val="000000"/>
+                </a:solidFill>
+                <a:miter lim="800000"/>
+                <a:headEnd/>
+                <a:tailEnd/>
+              </a14:hiddenLine>
+            </a:ext>
+          </a:extLst>
+        </p:spPr>
+      </p:pic>
+      <p:sp>
+        <p:nvSpPr>
+          <p:cNvPr id="2" name="文本框 1">
+            <a:extLst>
+              <a:ext uri="{FF2B5EF4-FFF2-40B4-BE49-F238E27FC236}">
+                <a16:creationId xmlns:a16="http://schemas.microsoft.com/office/drawing/2014/main" id="{CBC033BA-967E-4583-BD6F-5D4A80D61D79}"/>
+              </a:ext>
+            </a:extLst>
+          </p:cNvPr>
+          <p:cNvSpPr txBox="1"/>
+          <p:nvPr/>
+        </p:nvSpPr>
+        <p:spPr>
+          <a:xfrm>
+            <a:off x="3805085" y="212918"/>
+            <a:ext cx="3952567" cy="646331"/>
+          </a:xfrm>
+          <a:prstGeom prst="rect">
+            <a:avLst/>
+          </a:prstGeom>
+          <a:noFill/>
+        </p:spPr>
+        <p:txBody>
+          <a:bodyPr wrap="square" rtlCol="0">
+            <a:spAutoFit/>
+          </a:bodyPr>
+          <a:lstStyle/>
+          <a:p>
+            <a:r>
+              <a:rPr lang="zh-CN" altLang="en-US" dirty="0"/>
+              <a:t>以此类推，开始建立其他框图；</a:t>
+            </a:r>
+            <a:endParaRPr lang="en-US" altLang="zh-CN" dirty="0"/>
+          </a:p>
+          <a:p>
+            <a:endParaRPr lang="en-US" altLang="zh-CN" dirty="0"/>
+          </a:p>
+        </p:txBody>
+      </p:sp>
+      <p:sp>
+        <p:nvSpPr>
+          <p:cNvPr id="3" name="文本框 2">
+            <a:extLst>
+              <a:ext uri="{FF2B5EF4-FFF2-40B4-BE49-F238E27FC236}">
+                <a16:creationId xmlns:a16="http://schemas.microsoft.com/office/drawing/2014/main" id="{4AE41806-3F80-412F-B4F1-9F38B4DC0384}"/>
+              </a:ext>
+            </a:extLst>
+          </p:cNvPr>
+          <p:cNvSpPr txBox="1"/>
+          <p:nvPr/>
+        </p:nvSpPr>
+        <p:spPr>
+          <a:xfrm>
+            <a:off x="8504903" y="859249"/>
+            <a:ext cx="2625213" cy="369332"/>
+          </a:xfrm>
+          <a:prstGeom prst="rect">
+            <a:avLst/>
+          </a:prstGeom>
+          <a:noFill/>
+        </p:spPr>
+        <p:txBody>
+          <a:bodyPr wrap="square" rtlCol="0">
+            <a:spAutoFit/>
+          </a:bodyPr>
+          <a:lstStyle/>
+          <a:p>
+            <a:r>
+              <a:rPr lang="zh-CN" altLang="en-US" dirty="0"/>
+              <a:t>类图：</a:t>
+            </a:r>
+          </a:p>
+        </p:txBody>
+      </p:sp>
+      <p:sp>
+        <p:nvSpPr>
+          <p:cNvPr id="4" name="文本框 3">
+            <a:extLst>
+              <a:ext uri="{FF2B5EF4-FFF2-40B4-BE49-F238E27FC236}">
+                <a16:creationId xmlns:a16="http://schemas.microsoft.com/office/drawing/2014/main" id="{7895F7AA-770C-4C95-9D7E-FD317F047D2B}"/>
+              </a:ext>
+            </a:extLst>
+          </p:cNvPr>
+          <p:cNvSpPr txBox="1"/>
+          <p:nvPr/>
+        </p:nvSpPr>
+        <p:spPr>
+          <a:xfrm>
+            <a:off x="2074608" y="859249"/>
+            <a:ext cx="2713704" cy="369332"/>
+          </a:xfrm>
+          <a:prstGeom prst="rect">
+            <a:avLst/>
+          </a:prstGeom>
+          <a:noFill/>
+        </p:spPr>
+        <p:txBody>
+          <a:bodyPr wrap="square" rtlCol="0">
+            <a:spAutoFit/>
+          </a:bodyPr>
+          <a:lstStyle/>
+          <a:p>
+            <a:r>
+              <a:rPr lang="zh-CN" altLang="en-US" dirty="0"/>
+              <a:t>活动图：</a:t>
+            </a:r>
+          </a:p>
+        </p:txBody>
+      </p:sp>
+    </p:spTree>
+    <p:extLst>
+      <p:ext uri="{BB962C8B-B14F-4D97-AF65-F5344CB8AC3E}">
+        <p14:creationId xmlns:p14="http://schemas.microsoft.com/office/powerpoint/2010/main" val="1656179103"/>
+      </p:ext>
+    </p:extLst>
+  </p:cSld>
+  <p:clrMapOvr>
+    <a:masterClrMapping/>
+  </p:clrMapOvr>
+</p:sld>
+</file>
+
+<file path=ppt/slides/slide12.xml><?xml version="1.0" encoding="utf-8"?>
+<p:sld xmlns:a="http://schemas.openxmlformats.org/drawingml/2006/main" xmlns:r="http://schemas.openxmlformats.org/officeDocument/2006/relationships" xmlns:p="http://schemas.openxmlformats.org/presentationml/2006/main">
+  <p:cSld>
+    <p:spTree>
+      <p:nvGrpSpPr>
+        <p:cNvPr id="1" name=""/>
+        <p:cNvGrpSpPr/>
+        <p:nvPr/>
+      </p:nvGrpSpPr>
+      <p:grpSpPr>
+        <a:xfrm>
+          <a:off x="0" y="0"/>
+          <a:ext cx="0" cy="0"/>
+          <a:chOff x="0" y="0"/>
+          <a:chExt cx="0" cy="0"/>
+        </a:xfrm>
+      </p:grpSpPr>
+      <p:sp>
+        <p:nvSpPr>
+          <p:cNvPr id="2" name="竖排标题 1">
+            <a:extLst>
+              <a:ext uri="{FF2B5EF4-FFF2-40B4-BE49-F238E27FC236}">
+                <a16:creationId xmlns:a16="http://schemas.microsoft.com/office/drawing/2014/main" id="{5C3A846A-B747-4FB8-9682-1D33AC10C4CC}"/>
+              </a:ext>
+            </a:extLst>
+          </p:cNvPr>
+          <p:cNvSpPr>
+            <a:spLocks noGrp="1"/>
+          </p:cNvSpPr>
+          <p:nvPr>
+            <p:ph type="title" orient="vert"/>
+          </p:nvPr>
+        </p:nvSpPr>
+        <p:spPr>
+          <a:xfrm>
+            <a:off x="9427724" y="586171"/>
+            <a:ext cx="2494791" cy="5134798"/>
+          </a:xfrm>
+        </p:spPr>
+        <p:txBody>
+          <a:bodyPr/>
+          <a:lstStyle/>
+          <a:p>
+            <a:r>
+              <a:rPr lang="zh-CN" altLang="en-US" sz="6000" dirty="0"/>
+              <a:t>无奖问答环节</a:t>
+            </a:r>
+          </a:p>
+        </p:txBody>
+      </p:sp>
+      <p:sp>
+        <p:nvSpPr>
+          <p:cNvPr id="3" name="竖排文字占位符 2">
+            <a:extLst>
+              <a:ext uri="{FF2B5EF4-FFF2-40B4-BE49-F238E27FC236}">
+                <a16:creationId xmlns:a16="http://schemas.microsoft.com/office/drawing/2014/main" id="{E3AEB0D5-ED0F-4306-A6DA-0D380B0411E9}"/>
+              </a:ext>
+            </a:extLst>
+          </p:cNvPr>
+          <p:cNvSpPr>
+            <a:spLocks noGrp="1"/>
+          </p:cNvSpPr>
+          <p:nvPr>
+            <p:ph type="body" orient="vert" idx="1"/>
+          </p:nvPr>
+        </p:nvSpPr>
+        <p:spPr>
+          <a:xfrm rot="16200000">
+            <a:off x="345305" y="844749"/>
+            <a:ext cx="6611540" cy="5414962"/>
+          </a:xfrm>
+        </p:spPr>
+        <p:txBody>
+          <a:bodyPr>
+            <a:normAutofit/>
+          </a:bodyPr>
+          <a:lstStyle/>
+          <a:p>
+            <a:r>
+              <a:rPr lang="zh-CN" altLang="en-US" sz="4000" dirty="0"/>
+              <a:t>第一题</a:t>
+            </a:r>
+            <a:endParaRPr lang="en-US" altLang="zh-CN" sz="4000" dirty="0"/>
+          </a:p>
+          <a:p>
+            <a:pPr marL="0" indent="0">
+              <a:buNone/>
+            </a:pPr>
+            <a:r>
+              <a:rPr lang="zh-CN" altLang="en-US" sz="4000" dirty="0"/>
+              <a:t>请问：在</a:t>
+            </a:r>
+            <a:r>
+              <a:rPr lang="en-US" altLang="zh-CN" sz="4000" dirty="0"/>
+              <a:t>rational rose </a:t>
+            </a:r>
+            <a:r>
+              <a:rPr lang="zh-CN" altLang="en-US" sz="4000" dirty="0"/>
+              <a:t>图形界面中，日志的功能是什么？</a:t>
+            </a:r>
+            <a:endParaRPr lang="en-US" altLang="zh-CN" sz="4000" dirty="0"/>
+          </a:p>
+          <a:p>
+            <a:pPr marL="0" indent="0">
+              <a:buNone/>
+            </a:pPr>
+            <a:endParaRPr lang="en-US" altLang="zh-CN" sz="4000" dirty="0"/>
+          </a:p>
+          <a:p>
+            <a:pPr marL="0" indent="0">
+              <a:buNone/>
+            </a:pPr>
+            <a:r>
+              <a:rPr lang="zh-CN" altLang="zh-CN" sz="4000" dirty="0"/>
+              <a:t>用于查看错误信息和报告各个命令的结果</a:t>
+            </a:r>
+            <a:endParaRPr lang="en-US" altLang="zh-CN" sz="4000" dirty="0"/>
+          </a:p>
+          <a:p>
+            <a:pPr marL="0" indent="0">
+              <a:buNone/>
+            </a:pPr>
+            <a:endParaRPr lang="en-US" altLang="zh-CN" sz="4000" dirty="0"/>
+          </a:p>
+        </p:txBody>
+      </p:sp>
+    </p:spTree>
+    <p:extLst>
+      <p:ext uri="{BB962C8B-B14F-4D97-AF65-F5344CB8AC3E}">
+        <p14:creationId xmlns:p14="http://schemas.microsoft.com/office/powerpoint/2010/main" val="1509642613"/>
+      </p:ext>
+    </p:extLst>
+  </p:cSld>
+  <p:clrMapOvr>
+    <a:masterClrMapping/>
+  </p:clrMapOvr>
+  <p:timing>
+    <p:tnLst>
+      <p:par>
+        <p:cTn id="1" dur="indefinite" restart="never" nodeType="tmRoot">
+          <p:childTnLst>
+            <p:seq concurrent="1" nextAc="seek">
+              <p:cTn id="2" dur="indefinite" nodeType="mainSeq">
+                <p:childTnLst>
+                  <p:par>
+                    <p:cTn id="3" fill="hold">
+                      <p:stCondLst>
+                        <p:cond delay="indefinite"/>
+                      </p:stCondLst>
+                      <p:childTnLst>
+                        <p:par>
+                          <p:cTn id="4" fill="hold">
+                            <p:stCondLst>
+                              <p:cond delay="0"/>
+                            </p:stCondLst>
+                            <p:childTnLst>
+                              <p:par>
+                                <p:cTn id="5" presetID="1" presetClass="entr" presetSubtype="0" fill="hold" nodeType="clickEffect">
+                                  <p:stCondLst>
+                                    <p:cond delay="0"/>
+                                  </p:stCondLst>
+                                  <p:childTnLst>
+                                    <p:set>
+                                      <p:cBhvr>
+                                        <p:cTn id="6" dur="1" fill="hold">
+                                          <p:stCondLst>
+                                            <p:cond delay="0"/>
+                                          </p:stCondLst>
+                                        </p:cTn>
+                                        <p:tgtEl>
+                                          <p:spTgt spid="3">
+                                            <p:txEl>
+                                              <p:pRg st="3" end="3"/>
+                                            </p:txEl>
+                                          </p:spTgt>
+                                        </p:tgtEl>
+                                        <p:attrNameLst>
+                                          <p:attrName>style.visibility</p:attrName>
+                                        </p:attrNameLst>
+                                      </p:cBhvr>
+                                      <p:to>
+                                        <p:strVal val="visible"/>
+                                      </p:to>
+                                    </p:set>
+                                  </p:childTnLst>
+                                </p:cTn>
+                              </p:par>
+                            </p:childTnLst>
+                          </p:cTn>
+                        </p:par>
+                      </p:childTnLst>
+                    </p:cTn>
+                  </p:par>
+                </p:childTnLst>
+              </p:cTn>
+              <p:prevCondLst>
+                <p:cond evt="onPrev" delay="0">
+                  <p:tgtEl>
+                    <p:sldTgt/>
+                  </p:tgtEl>
+                </p:cond>
+              </p:prevCondLst>
+              <p:nextCondLst>
+                <p:cond evt="onNext" delay="0">
+                  <p:tgtEl>
+                    <p:sldTgt/>
+                  </p:tgtEl>
+                </p:cond>
+              </p:nextCondLst>
+            </p:seq>
+          </p:childTnLst>
+        </p:cTn>
+      </p:par>
+    </p:tnLst>
+  </p:timing>
+</p:sld>
+</file>
+
+<file path=ppt/slides/slide13.xml><?xml version="1.0" encoding="utf-8"?>
+<p:sld xmlns:a="http://schemas.openxmlformats.org/drawingml/2006/main" xmlns:r="http://schemas.openxmlformats.org/officeDocument/2006/relationships" xmlns:p="http://schemas.openxmlformats.org/presentationml/2006/main">
+  <p:cSld>
+    <p:spTree>
+      <p:nvGrpSpPr>
+        <p:cNvPr id="1" name=""/>
+        <p:cNvGrpSpPr/>
+        <p:nvPr/>
+      </p:nvGrpSpPr>
+      <p:grpSpPr>
+        <a:xfrm>
+          <a:off x="0" y="0"/>
+          <a:ext cx="0" cy="0"/>
+          <a:chOff x="0" y="0"/>
+          <a:chExt cx="0" cy="0"/>
+        </a:xfrm>
+      </p:grpSpPr>
+      <p:sp>
+        <p:nvSpPr>
+          <p:cNvPr id="2" name="竖排文字占位符 2">
+            <a:extLst>
+              <a:ext uri="{FF2B5EF4-FFF2-40B4-BE49-F238E27FC236}">
+                <a16:creationId xmlns:a16="http://schemas.microsoft.com/office/drawing/2014/main" id="{922F98FD-CF02-4784-A4CB-F8DD166AEF9E}"/>
+              </a:ext>
+            </a:extLst>
+          </p:cNvPr>
+          <p:cNvSpPr txBox="1">
+            <a:spLocks/>
+          </p:cNvSpPr>
+          <p:nvPr/>
+        </p:nvSpPr>
+        <p:spPr>
+          <a:xfrm>
+            <a:off x="2039193" y="598289"/>
+            <a:ext cx="6611540" cy="5414962"/>
+          </a:xfrm>
+          <a:prstGeom prst="rect">
+            <a:avLst/>
+          </a:prstGeom>
+        </p:spPr>
+        <p:txBody>
+          <a:bodyPr>
+            <a:normAutofit/>
+          </a:bodyPr>
+          <a:lstStyle>
+            <a:lvl1pPr marL="342900" indent="-342900" algn="l" defTabSz="457200" rtl="0" eaLnBrk="1" latinLnBrk="0" hangingPunct="1">
+              <a:spcBef>
+                <a:spcPct val="20000"/>
+              </a:spcBef>
+              <a:spcAft>
+                <a:spcPts val="600"/>
+              </a:spcAft>
+              <a:buClr>
+                <a:schemeClr val="accent1"/>
+              </a:buClr>
+              <a:buFont typeface="Wingdings 2" charset="2"/>
+              <a:buChar char=""/>
+              <a:defRPr sz="1800" kern="1200">
+                <a:solidFill>
+                  <a:schemeClr val="tx1"/>
+                </a:solidFill>
+                <a:latin typeface="+mn-lt"/>
+                <a:ea typeface="+mn-ea"/>
+                <a:cs typeface="+mn-cs"/>
+              </a:defRPr>
+            </a:lvl1pPr>
+            <a:lvl2pPr marL="742950" indent="-285750" algn="l" defTabSz="457200" rtl="0" eaLnBrk="1" latinLnBrk="0" hangingPunct="1">
+              <a:spcBef>
+                <a:spcPct val="20000"/>
+              </a:spcBef>
+              <a:spcAft>
+                <a:spcPts val="600"/>
+              </a:spcAft>
+              <a:buClr>
+                <a:schemeClr val="accent1"/>
+              </a:buClr>
+              <a:buFont typeface="Wingdings 2" charset="2"/>
+              <a:buChar char=""/>
+              <a:defRPr sz="1600" kern="1200">
+                <a:solidFill>
+                  <a:schemeClr val="tx1"/>
+                </a:solidFill>
+                <a:latin typeface="+mn-lt"/>
+                <a:ea typeface="+mn-ea"/>
+                <a:cs typeface="+mn-cs"/>
+              </a:defRPr>
+            </a:lvl2pPr>
+            <a:lvl3pPr marL="1143000" indent="-228600" algn="l" defTabSz="457200" rtl="0" eaLnBrk="1" latinLnBrk="0" hangingPunct="1">
+              <a:spcBef>
+                <a:spcPct val="20000"/>
+              </a:spcBef>
+              <a:spcAft>
+                <a:spcPts val="600"/>
+              </a:spcAft>
+              <a:buClr>
+                <a:schemeClr val="accent1"/>
+              </a:buClr>
+              <a:buFont typeface="Wingdings 2" charset="2"/>
+              <a:buChar char=""/>
+              <a:defRPr sz="1400" kern="1200">
+                <a:solidFill>
+                  <a:schemeClr val="tx1"/>
+                </a:solidFill>
+                <a:latin typeface="+mn-lt"/>
+                <a:ea typeface="+mn-ea"/>
+                <a:cs typeface="+mn-cs"/>
+              </a:defRPr>
+            </a:lvl3pPr>
+            <a:lvl4pPr marL="1600200" indent="-228600" algn="l" defTabSz="457200" rtl="0" eaLnBrk="1" latinLnBrk="0" hangingPunct="1">
+              <a:spcBef>
+                <a:spcPct val="20000"/>
+              </a:spcBef>
+              <a:spcAft>
+                <a:spcPts val="600"/>
+              </a:spcAft>
+              <a:buClr>
+                <a:schemeClr val="accent1"/>
+              </a:buClr>
+              <a:buFont typeface="Wingdings 2" charset="2"/>
+              <a:buChar char=""/>
+              <a:defRPr sz="1200" kern="1200">
+                <a:solidFill>
+                  <a:schemeClr val="tx1"/>
+                </a:solidFill>
+                <a:latin typeface="+mn-lt"/>
+                <a:ea typeface="+mn-ea"/>
+                <a:cs typeface="+mn-cs"/>
+              </a:defRPr>
+            </a:lvl4pPr>
+            <a:lvl5pPr marL="2057400" indent="-228600" algn="l" defTabSz="457200" rtl="0" eaLnBrk="1" latinLnBrk="0" hangingPunct="1">
+              <a:spcBef>
+                <a:spcPct val="20000"/>
+              </a:spcBef>
+              <a:spcAft>
+                <a:spcPts val="600"/>
+              </a:spcAft>
+              <a:buClr>
+                <a:schemeClr val="accent1"/>
+              </a:buClr>
+              <a:buFont typeface="Wingdings 2" charset="2"/>
+              <a:buChar char=""/>
+              <a:defRPr sz="1200" kern="1200">
+                <a:solidFill>
+                  <a:schemeClr val="tx1"/>
+                </a:solidFill>
+                <a:latin typeface="+mn-lt"/>
+                <a:ea typeface="+mn-ea"/>
+                <a:cs typeface="+mn-cs"/>
+              </a:defRPr>
+            </a:lvl5pPr>
+            <a:lvl6pPr marL="2400000" indent="-228600" algn="l" defTabSz="457200" rtl="0" eaLnBrk="1" latinLnBrk="0" hangingPunct="1">
+              <a:spcBef>
+                <a:spcPct val="20000"/>
+              </a:spcBef>
+              <a:spcAft>
+                <a:spcPts val="600"/>
+              </a:spcAft>
+              <a:buClr>
+                <a:schemeClr val="accent1"/>
+              </a:buClr>
+              <a:buFont typeface="Wingdings 2" charset="2"/>
+              <a:buChar char=""/>
+              <a:defRPr sz="1200" kern="1200">
+                <a:solidFill>
+                  <a:schemeClr val="tx1"/>
+                </a:solidFill>
+                <a:latin typeface="+mn-lt"/>
+                <a:ea typeface="+mn-ea"/>
+                <a:cs typeface="+mn-cs"/>
+              </a:defRPr>
+            </a:lvl6pPr>
+            <a:lvl7pPr marL="2800000" indent="-228600" algn="l" defTabSz="457200" rtl="0" eaLnBrk="1" latinLnBrk="0" hangingPunct="1">
+              <a:spcBef>
+                <a:spcPct val="20000"/>
+              </a:spcBef>
+              <a:spcAft>
+                <a:spcPts val="600"/>
+              </a:spcAft>
+              <a:buClr>
+                <a:schemeClr val="accent1"/>
+              </a:buClr>
+              <a:buFont typeface="Wingdings 2" charset="2"/>
+              <a:buChar char=""/>
+              <a:defRPr sz="1200" kern="1200">
+                <a:solidFill>
+                  <a:schemeClr val="tx1"/>
+                </a:solidFill>
+                <a:latin typeface="+mn-lt"/>
+                <a:ea typeface="+mn-ea"/>
+                <a:cs typeface="+mn-cs"/>
+              </a:defRPr>
+            </a:lvl7pPr>
+            <a:lvl8pPr marL="3200000" indent="-228600" algn="l" defTabSz="457200" rtl="0" eaLnBrk="1" latinLnBrk="0" hangingPunct="1">
+              <a:spcBef>
+                <a:spcPct val="20000"/>
+              </a:spcBef>
+              <a:spcAft>
+                <a:spcPts val="600"/>
+              </a:spcAft>
+              <a:buClr>
+                <a:schemeClr val="accent1"/>
+              </a:buClr>
+              <a:buFont typeface="Wingdings 2" charset="2"/>
+              <a:buChar char=""/>
+              <a:defRPr sz="1200" kern="1200">
+                <a:solidFill>
+                  <a:schemeClr val="tx1"/>
+                </a:solidFill>
+                <a:latin typeface="+mn-lt"/>
+                <a:ea typeface="+mn-ea"/>
+                <a:cs typeface="+mn-cs"/>
+              </a:defRPr>
+            </a:lvl8pPr>
+            <a:lvl9pPr marL="3600000" indent="-228600" algn="l" defTabSz="457200" rtl="0" eaLnBrk="1" latinLnBrk="0" hangingPunct="1">
+              <a:spcBef>
+                <a:spcPct val="20000"/>
+              </a:spcBef>
+              <a:spcAft>
+                <a:spcPts val="600"/>
+              </a:spcAft>
+              <a:buClr>
+                <a:schemeClr val="accent1"/>
+              </a:buClr>
+              <a:buFont typeface="Wingdings 2" charset="2"/>
+              <a:buChar char=""/>
+              <a:defRPr sz="1200" kern="1200">
+                <a:solidFill>
+                  <a:schemeClr val="tx1"/>
+                </a:solidFill>
+                <a:latin typeface="+mn-lt"/>
+                <a:ea typeface="+mn-ea"/>
+                <a:cs typeface="+mn-cs"/>
+              </a:defRPr>
+            </a:lvl9pPr>
+          </a:lstStyle>
+          <a:p>
+            <a:r>
+              <a:rPr lang="zh-CN" altLang="en-US" sz="4000" dirty="0"/>
+              <a:t>第二题</a:t>
+            </a:r>
+            <a:endParaRPr lang="en-US" altLang="zh-CN" sz="4000" dirty="0"/>
+          </a:p>
+          <a:p>
+            <a:pPr marL="0" indent="0">
+              <a:buNone/>
+            </a:pPr>
+            <a:r>
+              <a:rPr lang="zh-CN" altLang="en-US" sz="4000" dirty="0"/>
+              <a:t>请问：我们在使用的</a:t>
+            </a:r>
+            <a:r>
+              <a:rPr lang="en-US" altLang="zh-CN" sz="3600" dirty="0"/>
+              <a:t>Rational Rose 2003</a:t>
+            </a:r>
+            <a:r>
+              <a:rPr lang="zh-CN" altLang="zh-CN" sz="3600" dirty="0"/>
+              <a:t>企业版（</a:t>
+            </a:r>
+            <a:r>
+              <a:rPr lang="en-US" altLang="zh-CN" sz="3600" dirty="0"/>
+              <a:t>Rose Enterprise</a:t>
+            </a:r>
+            <a:r>
+              <a:rPr lang="zh-CN" altLang="zh-CN" sz="3600" dirty="0"/>
+              <a:t>）</a:t>
+            </a:r>
+            <a:r>
+              <a:rPr lang="zh-CN" altLang="en-US" sz="3600" dirty="0"/>
+              <a:t>属于哪个公司？</a:t>
+            </a:r>
+            <a:endParaRPr lang="zh-CN" altLang="zh-CN" sz="3600" dirty="0"/>
+          </a:p>
+          <a:p>
+            <a:pPr marL="0" indent="0">
+              <a:buFont typeface="Wingdings 2" charset="2"/>
+              <a:buNone/>
+            </a:pPr>
+            <a:endParaRPr lang="en-US" altLang="zh-CN" sz="4000" dirty="0"/>
+          </a:p>
+          <a:p>
+            <a:pPr marL="0" indent="0">
+              <a:buNone/>
+            </a:pPr>
+            <a:r>
+              <a:rPr lang="en-US" altLang="zh-CN" sz="4000" dirty="0"/>
+              <a:t>Rational</a:t>
+            </a:r>
+            <a:r>
+              <a:rPr lang="zh-CN" altLang="en-US" sz="4000" dirty="0"/>
+              <a:t>公司</a:t>
+            </a:r>
+            <a:endParaRPr lang="en-US" altLang="zh-CN" sz="4000" dirty="0"/>
+          </a:p>
+        </p:txBody>
+      </p:sp>
+    </p:spTree>
+    <p:extLst>
+      <p:ext uri="{BB962C8B-B14F-4D97-AF65-F5344CB8AC3E}">
+        <p14:creationId xmlns:p14="http://schemas.microsoft.com/office/powerpoint/2010/main" val="3808586577"/>
+      </p:ext>
+    </p:extLst>
+  </p:cSld>
+  <p:clrMapOvr>
+    <a:masterClrMapping/>
+  </p:clrMapOvr>
+  <p:timing>
+    <p:tnLst>
+      <p:par>
+        <p:cTn id="1" dur="indefinite" restart="never" nodeType="tmRoot">
+          <p:childTnLst>
+            <p:seq concurrent="1" nextAc="seek">
+              <p:cTn id="2" dur="indefinite" nodeType="mainSeq">
+                <p:childTnLst>
+                  <p:par>
+                    <p:cTn id="3" fill="hold">
+                      <p:stCondLst>
+                        <p:cond delay="indefinite"/>
+                      </p:stCondLst>
+                      <p:childTnLst>
+                        <p:par>
+                          <p:cTn id="4" fill="hold">
+                            <p:stCondLst>
+                              <p:cond delay="0"/>
+                            </p:stCondLst>
+                            <p:childTnLst>
+                              <p:par>
+                                <p:cTn id="5" presetID="1" presetClass="entr" presetSubtype="0" fill="hold" nodeType="clickEffect">
+                                  <p:stCondLst>
+                                    <p:cond delay="0"/>
+                                  </p:stCondLst>
+                                  <p:childTnLst>
+                                    <p:set>
+                                      <p:cBhvr>
+                                        <p:cTn id="6" dur="1" fill="hold">
+                                          <p:stCondLst>
+                                            <p:cond delay="0"/>
+                                          </p:stCondLst>
+                                        </p:cTn>
+                                        <p:tgtEl>
+                                          <p:spTgt spid="2">
+                                            <p:txEl>
+                                              <p:charRg st="60" end="71"/>
+                                            </p:txEl>
+                                          </p:spTgt>
+                                        </p:tgtEl>
+                                        <p:attrNameLst>
+                                          <p:attrName>style.visibility</p:attrName>
+                                        </p:attrNameLst>
+                                      </p:cBhvr>
+                                      <p:to>
+                                        <p:strVal val="visible"/>
+                                      </p:to>
+                                    </p:set>
+                                  </p:childTnLst>
+                                </p:cTn>
+                              </p:par>
+                            </p:childTnLst>
+                          </p:cTn>
+                        </p:par>
+                      </p:childTnLst>
+                    </p:cTn>
+                  </p:par>
+                </p:childTnLst>
+              </p:cTn>
+              <p:prevCondLst>
+                <p:cond evt="onPrev" delay="0">
+                  <p:tgtEl>
+                    <p:sldTgt/>
+                  </p:tgtEl>
+                </p:cond>
+              </p:prevCondLst>
+              <p:nextCondLst>
+                <p:cond evt="onNext" delay="0">
+                  <p:tgtEl>
+                    <p:sldTgt/>
+                  </p:tgtEl>
+                </p:cond>
+              </p:nextCondLst>
+            </p:seq>
+          </p:childTnLst>
+        </p:cTn>
+      </p:par>
+    </p:tnLst>
+  </p:timing>
+</p:sld>
+</file>
+
+<file path=ppt/slides/slide14.xml><?xml version="1.0" encoding="utf-8"?>
+<p:sld xmlns:a="http://schemas.openxmlformats.org/drawingml/2006/main" xmlns:r="http://schemas.openxmlformats.org/officeDocument/2006/relationships" xmlns:p="http://schemas.openxmlformats.org/presentationml/2006/main">
+  <p:cSld>
+    <p:spTree>
+      <p:nvGrpSpPr>
+        <p:cNvPr id="1" name=""/>
+        <p:cNvGrpSpPr/>
+        <p:nvPr/>
+      </p:nvGrpSpPr>
+      <p:grpSpPr>
+        <a:xfrm>
+          <a:off x="0" y="0"/>
+          <a:ext cx="0" cy="0"/>
+          <a:chOff x="0" y="0"/>
+          <a:chExt cx="0" cy="0"/>
+        </a:xfrm>
+      </p:grpSpPr>
+      <p:sp>
+        <p:nvSpPr>
+          <p:cNvPr id="2" name="竖排文字占位符 2">
+            <a:extLst>
+              <a:ext uri="{FF2B5EF4-FFF2-40B4-BE49-F238E27FC236}">
+                <a16:creationId xmlns:a16="http://schemas.microsoft.com/office/drawing/2014/main" id="{2A3F9733-D032-4886-9FA1-4A2A823DEBF0}"/>
+              </a:ext>
+            </a:extLst>
+          </p:cNvPr>
+          <p:cNvSpPr txBox="1">
+            <a:spLocks/>
+          </p:cNvSpPr>
+          <p:nvPr/>
+        </p:nvSpPr>
+        <p:spPr>
+          <a:xfrm>
+            <a:off x="2039193" y="598289"/>
+            <a:ext cx="6611540" cy="5414962"/>
+          </a:xfrm>
+          <a:prstGeom prst="rect">
+            <a:avLst/>
+          </a:prstGeom>
+        </p:spPr>
+        <p:txBody>
+          <a:bodyPr>
+            <a:normAutofit/>
+          </a:bodyPr>
+          <a:lstStyle>
+            <a:lvl1pPr marL="342900" indent="-342900" algn="l" defTabSz="457200" rtl="0" eaLnBrk="1" latinLnBrk="0" hangingPunct="1">
+              <a:spcBef>
+                <a:spcPct val="20000"/>
+              </a:spcBef>
+              <a:spcAft>
+                <a:spcPts val="600"/>
+              </a:spcAft>
+              <a:buClr>
+                <a:schemeClr val="accent1"/>
+              </a:buClr>
+              <a:buFont typeface="Wingdings 2" charset="2"/>
+              <a:buChar char=""/>
+              <a:defRPr sz="1800" kern="1200">
+                <a:solidFill>
+                  <a:schemeClr val="tx1"/>
+                </a:solidFill>
+                <a:latin typeface="+mn-lt"/>
+                <a:ea typeface="+mn-ea"/>
+                <a:cs typeface="+mn-cs"/>
+              </a:defRPr>
+            </a:lvl1pPr>
+            <a:lvl2pPr marL="742950" indent="-285750" algn="l" defTabSz="457200" rtl="0" eaLnBrk="1" latinLnBrk="0" hangingPunct="1">
+              <a:spcBef>
+                <a:spcPct val="20000"/>
+              </a:spcBef>
+              <a:spcAft>
+                <a:spcPts val="600"/>
+              </a:spcAft>
+              <a:buClr>
+                <a:schemeClr val="accent1"/>
+              </a:buClr>
+              <a:buFont typeface="Wingdings 2" charset="2"/>
+              <a:buChar char=""/>
+              <a:defRPr sz="1600" kern="1200">
+                <a:solidFill>
+                  <a:schemeClr val="tx1"/>
+                </a:solidFill>
+                <a:latin typeface="+mn-lt"/>
+                <a:ea typeface="+mn-ea"/>
+                <a:cs typeface="+mn-cs"/>
+              </a:defRPr>
+            </a:lvl2pPr>
+            <a:lvl3pPr marL="1143000" indent="-228600" algn="l" defTabSz="457200" rtl="0" eaLnBrk="1" latinLnBrk="0" hangingPunct="1">
+              <a:spcBef>
+                <a:spcPct val="20000"/>
+              </a:spcBef>
+              <a:spcAft>
+                <a:spcPts val="600"/>
+              </a:spcAft>
+              <a:buClr>
+                <a:schemeClr val="accent1"/>
+              </a:buClr>
+              <a:buFont typeface="Wingdings 2" charset="2"/>
+              <a:buChar char=""/>
+              <a:defRPr sz="1400" kern="1200">
+                <a:solidFill>
+                  <a:schemeClr val="tx1"/>
+                </a:solidFill>
+                <a:latin typeface="+mn-lt"/>
+                <a:ea typeface="+mn-ea"/>
+                <a:cs typeface="+mn-cs"/>
+              </a:defRPr>
+            </a:lvl3pPr>
+            <a:lvl4pPr marL="1600200" indent="-228600" algn="l" defTabSz="457200" rtl="0" eaLnBrk="1" latinLnBrk="0" hangingPunct="1">
+              <a:spcBef>
+                <a:spcPct val="20000"/>
+              </a:spcBef>
+              <a:spcAft>
+                <a:spcPts val="600"/>
+              </a:spcAft>
+              <a:buClr>
+                <a:schemeClr val="accent1"/>
+              </a:buClr>
+              <a:buFont typeface="Wingdings 2" charset="2"/>
+              <a:buChar char=""/>
+              <a:defRPr sz="1200" kern="1200">
+                <a:solidFill>
+                  <a:schemeClr val="tx1"/>
+                </a:solidFill>
+                <a:latin typeface="+mn-lt"/>
+                <a:ea typeface="+mn-ea"/>
+                <a:cs typeface="+mn-cs"/>
+              </a:defRPr>
+            </a:lvl4pPr>
+            <a:lvl5pPr marL="2057400" indent="-228600" algn="l" defTabSz="457200" rtl="0" eaLnBrk="1" latinLnBrk="0" hangingPunct="1">
+              <a:spcBef>
+                <a:spcPct val="20000"/>
+              </a:spcBef>
+              <a:spcAft>
+                <a:spcPts val="600"/>
+              </a:spcAft>
+              <a:buClr>
+                <a:schemeClr val="accent1"/>
+              </a:buClr>
+              <a:buFont typeface="Wingdings 2" charset="2"/>
+              <a:buChar char=""/>
+              <a:defRPr sz="1200" kern="1200">
+                <a:solidFill>
+                  <a:schemeClr val="tx1"/>
+                </a:solidFill>
+                <a:latin typeface="+mn-lt"/>
+                <a:ea typeface="+mn-ea"/>
+                <a:cs typeface="+mn-cs"/>
+              </a:defRPr>
+            </a:lvl5pPr>
+            <a:lvl6pPr marL="2400000" indent="-228600" algn="l" defTabSz="457200" rtl="0" eaLnBrk="1" latinLnBrk="0" hangingPunct="1">
+              <a:spcBef>
+                <a:spcPct val="20000"/>
+              </a:spcBef>
+              <a:spcAft>
+                <a:spcPts val="600"/>
+              </a:spcAft>
+              <a:buClr>
+                <a:schemeClr val="accent1"/>
+              </a:buClr>
+              <a:buFont typeface="Wingdings 2" charset="2"/>
+              <a:buChar char=""/>
+              <a:defRPr sz="1200" kern="1200">
+                <a:solidFill>
+                  <a:schemeClr val="tx1"/>
+                </a:solidFill>
+                <a:latin typeface="+mn-lt"/>
+                <a:ea typeface="+mn-ea"/>
+                <a:cs typeface="+mn-cs"/>
+              </a:defRPr>
+            </a:lvl6pPr>
+            <a:lvl7pPr marL="2800000" indent="-228600" algn="l" defTabSz="457200" rtl="0" eaLnBrk="1" latinLnBrk="0" hangingPunct="1">
+              <a:spcBef>
+                <a:spcPct val="20000"/>
+              </a:spcBef>
+              <a:spcAft>
+                <a:spcPts val="600"/>
+              </a:spcAft>
+              <a:buClr>
+                <a:schemeClr val="accent1"/>
+              </a:buClr>
+              <a:buFont typeface="Wingdings 2" charset="2"/>
+              <a:buChar char=""/>
+              <a:defRPr sz="1200" kern="1200">
+                <a:solidFill>
+                  <a:schemeClr val="tx1"/>
+                </a:solidFill>
+                <a:latin typeface="+mn-lt"/>
+                <a:ea typeface="+mn-ea"/>
+                <a:cs typeface="+mn-cs"/>
+              </a:defRPr>
+            </a:lvl7pPr>
+            <a:lvl8pPr marL="3200000" indent="-228600" algn="l" defTabSz="457200" rtl="0" eaLnBrk="1" latinLnBrk="0" hangingPunct="1">
+              <a:spcBef>
+                <a:spcPct val="20000"/>
+              </a:spcBef>
+              <a:spcAft>
+                <a:spcPts val="600"/>
+              </a:spcAft>
+              <a:buClr>
+                <a:schemeClr val="accent1"/>
+              </a:buClr>
+              <a:buFont typeface="Wingdings 2" charset="2"/>
+              <a:buChar char=""/>
+              <a:defRPr sz="1200" kern="1200">
+                <a:solidFill>
+                  <a:schemeClr val="tx1"/>
+                </a:solidFill>
+                <a:latin typeface="+mn-lt"/>
+                <a:ea typeface="+mn-ea"/>
+                <a:cs typeface="+mn-cs"/>
+              </a:defRPr>
+            </a:lvl8pPr>
+            <a:lvl9pPr marL="3600000" indent="-228600" algn="l" defTabSz="457200" rtl="0" eaLnBrk="1" latinLnBrk="0" hangingPunct="1">
+              <a:spcBef>
+                <a:spcPct val="20000"/>
+              </a:spcBef>
+              <a:spcAft>
+                <a:spcPts val="600"/>
+              </a:spcAft>
+              <a:buClr>
+                <a:schemeClr val="accent1"/>
+              </a:buClr>
+              <a:buFont typeface="Wingdings 2" charset="2"/>
+              <a:buChar char=""/>
+              <a:defRPr sz="1200" kern="1200">
+                <a:solidFill>
+                  <a:schemeClr val="tx1"/>
+                </a:solidFill>
+                <a:latin typeface="+mn-lt"/>
+                <a:ea typeface="+mn-ea"/>
+                <a:cs typeface="+mn-cs"/>
+              </a:defRPr>
+            </a:lvl9pPr>
+          </a:lstStyle>
+          <a:p>
+            <a:r>
+              <a:rPr lang="zh-CN" altLang="en-US" sz="4000" dirty="0"/>
+              <a:t>第三题</a:t>
+            </a:r>
+            <a:endParaRPr lang="en-US" altLang="zh-CN" sz="4000" dirty="0"/>
+          </a:p>
+          <a:p>
+            <a:pPr marL="0" indent="0">
+              <a:buNone/>
+            </a:pPr>
+            <a:r>
+              <a:rPr lang="zh-CN" altLang="en-US" sz="4000" dirty="0"/>
+              <a:t>请问：</a:t>
+            </a:r>
+            <a:r>
+              <a:rPr lang="en-US" altLang="zh-CN" sz="4000" dirty="0" err="1"/>
+              <a:t>Raitonal</a:t>
+            </a:r>
+            <a:r>
+              <a:rPr lang="en-US" altLang="zh-CN" sz="4000" dirty="0"/>
+              <a:t> rose </a:t>
+            </a:r>
+            <a:r>
+              <a:rPr lang="zh-CN" altLang="en-US" sz="4000" dirty="0"/>
+              <a:t>包括了哪</a:t>
+            </a:r>
+            <a:r>
+              <a:rPr lang="en-US" altLang="zh-CN" sz="4000" dirty="0"/>
+              <a:t>3</a:t>
+            </a:r>
+            <a:r>
+              <a:rPr lang="zh-CN" altLang="en-US" sz="4000" dirty="0"/>
+              <a:t>种语言？</a:t>
+            </a:r>
+            <a:endParaRPr lang="en-US" altLang="zh-CN" sz="4000" dirty="0"/>
+          </a:p>
+          <a:p>
+            <a:pPr marL="0" indent="0">
+              <a:buNone/>
+            </a:pPr>
+            <a:endParaRPr lang="en-US" altLang="zh-CN" sz="4000" dirty="0"/>
+          </a:p>
+          <a:p>
+            <a:pPr marL="0" indent="0">
+              <a:buNone/>
+            </a:pPr>
+            <a:r>
+              <a:rPr lang="zh-CN" altLang="en-US" sz="4000" dirty="0"/>
+              <a:t>统一建模语言（</a:t>
+            </a:r>
+            <a:r>
+              <a:rPr lang="en-US" altLang="zh-CN" sz="4000" dirty="0"/>
+              <a:t>UML</a:t>
+            </a:r>
+            <a:r>
+              <a:rPr lang="zh-CN" altLang="en-US" sz="4000" dirty="0"/>
+              <a:t>）、</a:t>
+            </a:r>
+            <a:r>
+              <a:rPr lang="en-US" altLang="zh-CN" sz="4000" dirty="0"/>
+              <a:t>OOSE</a:t>
+            </a:r>
+            <a:r>
+              <a:rPr lang="zh-CN" altLang="en-US" sz="4000" dirty="0"/>
+              <a:t>和</a:t>
+            </a:r>
+            <a:r>
+              <a:rPr lang="en-US" altLang="zh-CN" sz="4000" dirty="0"/>
+              <a:t>OMT</a:t>
+            </a:r>
+          </a:p>
+          <a:p>
+            <a:pPr marL="0" indent="0">
+              <a:buFont typeface="Wingdings 2" charset="2"/>
+              <a:buNone/>
+            </a:pPr>
+            <a:endParaRPr lang="en-US" altLang="zh-CN" sz="4000" dirty="0"/>
+          </a:p>
+        </p:txBody>
+      </p:sp>
+    </p:spTree>
+    <p:extLst>
+      <p:ext uri="{BB962C8B-B14F-4D97-AF65-F5344CB8AC3E}">
+        <p14:creationId xmlns:p14="http://schemas.microsoft.com/office/powerpoint/2010/main" val="2232743575"/>
+      </p:ext>
+    </p:extLst>
+  </p:cSld>
+  <p:clrMapOvr>
+    <a:masterClrMapping/>
+  </p:clrMapOvr>
+  <p:timing>
+    <p:tnLst>
+      <p:par>
+        <p:cTn id="1" dur="indefinite" restart="never" nodeType="tmRoot">
+          <p:childTnLst>
+            <p:seq concurrent="1" nextAc="seek">
+              <p:cTn id="2" dur="indefinite" nodeType="mainSeq">
+                <p:childTnLst>
+                  <p:par>
+                    <p:cTn id="3" fill="hold">
+                      <p:stCondLst>
+                        <p:cond delay="indefinite"/>
+                      </p:stCondLst>
+                      <p:childTnLst>
+                        <p:par>
+                          <p:cTn id="4" fill="hold">
+                            <p:stCondLst>
+                              <p:cond delay="0"/>
+                            </p:stCondLst>
+                            <p:childTnLst>
+                              <p:par>
+                                <p:cTn id="5" presetID="1" presetClass="entr" presetSubtype="0" fill="hold" nodeType="clickEffect">
+                                  <p:stCondLst>
+                                    <p:cond delay="0"/>
+                                  </p:stCondLst>
+                                  <p:childTnLst>
+                                    <p:set>
+                                      <p:cBhvr>
+                                        <p:cTn id="6" dur="1" fill="hold">
+                                          <p:stCondLst>
+                                            <p:cond delay="0"/>
+                                          </p:stCondLst>
+                                        </p:cTn>
+                                        <p:tgtEl>
+                                          <p:spTgt spid="2">
+                                            <p:txEl>
+                                              <p:pRg st="3" end="3"/>
+                                            </p:txEl>
+                                          </p:spTgt>
+                                        </p:tgtEl>
+                                        <p:attrNameLst>
+                                          <p:attrName>style.visibility</p:attrName>
+                                        </p:attrNameLst>
+                                      </p:cBhvr>
+                                      <p:to>
+                                        <p:strVal val="visible"/>
+                                      </p:to>
+                                    </p:set>
+                                  </p:childTnLst>
+                                </p:cTn>
+                              </p:par>
+                            </p:childTnLst>
+                          </p:cTn>
+                        </p:par>
+                      </p:childTnLst>
+                    </p:cTn>
+                  </p:par>
+                </p:childTnLst>
+              </p:cTn>
+              <p:prevCondLst>
+                <p:cond evt="onPrev" delay="0">
+                  <p:tgtEl>
+                    <p:sldTgt/>
+                  </p:tgtEl>
+                </p:cond>
+              </p:prevCondLst>
+              <p:nextCondLst>
+                <p:cond evt="onNext" delay="0">
+                  <p:tgtEl>
+                    <p:sldTgt/>
+                  </p:tgtEl>
+                </p:cond>
+              </p:nextCondLst>
+            </p:seq>
+          </p:childTnLst>
+        </p:cTn>
+      </p:par>
+    </p:tnLst>
+  </p:timing>
+</p:sld>
+</file>
+
+<file path=ppt/slides/slide15.xml><?xml version="1.0" encoding="utf-8"?>
+<p:sld xmlns:a="http://schemas.openxmlformats.org/drawingml/2006/main" xmlns:r="http://schemas.openxmlformats.org/officeDocument/2006/relationships" xmlns:p="http://schemas.openxmlformats.org/presentationml/2006/main">
+  <p:cSld>
+    <p:spTree>
+      <p:nvGrpSpPr>
+        <p:cNvPr id="1" name=""/>
+        <p:cNvGrpSpPr/>
+        <p:nvPr/>
+      </p:nvGrpSpPr>
+      <p:grpSpPr>
+        <a:xfrm>
+          <a:off x="0" y="0"/>
+          <a:ext cx="0" cy="0"/>
+          <a:chOff x="0" y="0"/>
+          <a:chExt cx="0" cy="0"/>
+        </a:xfrm>
+      </p:grpSpPr>
+      <p:sp>
+        <p:nvSpPr>
+          <p:cNvPr id="2" name="标题 1">
+            <a:extLst>
+              <a:ext uri="{FF2B5EF4-FFF2-40B4-BE49-F238E27FC236}">
+                <a16:creationId xmlns:a16="http://schemas.microsoft.com/office/drawing/2014/main" id="{029433F6-C7F9-4690-9C8A-51E513DA7BE9}"/>
+              </a:ext>
+            </a:extLst>
+          </p:cNvPr>
+          <p:cNvSpPr>
+            <a:spLocks noGrp="1"/>
+          </p:cNvSpPr>
+          <p:nvPr>
+            <p:ph type="title"/>
+          </p:nvPr>
+        </p:nvSpPr>
+        <p:spPr>
+          <a:xfrm>
+            <a:off x="4584966" y="362111"/>
+            <a:ext cx="10571998" cy="970450"/>
+          </a:xfrm>
+        </p:spPr>
+        <p:txBody>
+          <a:bodyPr/>
+          <a:lstStyle/>
+          <a:p>
+            <a:r>
+              <a:rPr lang="zh-CN" altLang="en-US" dirty="0"/>
+              <a:t>参考资料</a:t>
+            </a:r>
+          </a:p>
+        </p:txBody>
+      </p:sp>
+      <p:sp>
+        <p:nvSpPr>
+          <p:cNvPr id="3" name="文本框 2">
+            <a:hlinkClick r:id="rId2"/>
+            <a:extLst>
+              <a:ext uri="{FF2B5EF4-FFF2-40B4-BE49-F238E27FC236}">
+                <a16:creationId xmlns:a16="http://schemas.microsoft.com/office/drawing/2014/main" id="{220C1E04-0FAA-4810-9EB8-4FB5668628C3}"/>
+              </a:ext>
+            </a:extLst>
+          </p:cNvPr>
+          <p:cNvSpPr txBox="1"/>
+          <p:nvPr/>
+        </p:nvSpPr>
+        <p:spPr>
+          <a:xfrm>
+            <a:off x="194925" y="2606756"/>
+            <a:ext cx="11809643" cy="1200329"/>
+          </a:xfrm>
+          <a:prstGeom prst="rect">
+            <a:avLst/>
+          </a:prstGeom>
+          <a:noFill/>
+          <a:ln>
+            <a:noFill/>
+          </a:ln>
+        </p:spPr>
+        <p:txBody>
+          <a:bodyPr wrap="none" rtlCol="0">
+            <a:spAutoFit/>
+          </a:bodyPr>
+          <a:lstStyle/>
+          <a:p>
+            <a:pPr marL="285750" indent="-285750">
+              <a:buFont typeface="Wingdings" panose="05000000000000000000" pitchFamily="2" charset="2"/>
+              <a:buChar char="l"/>
+            </a:pPr>
+            <a:r>
+              <a:rPr lang="en-US" altLang="zh-CN" sz="2400" dirty="0"/>
+              <a:t>《UML2</a:t>
+            </a:r>
+            <a:r>
+              <a:rPr lang="zh-CN" altLang="en-US" sz="2400" dirty="0"/>
+              <a:t>基础、建模与设计教程</a:t>
+            </a:r>
+            <a:r>
+              <a:rPr lang="en-US" altLang="zh-CN" sz="2400" dirty="0"/>
+              <a:t>》</a:t>
+            </a:r>
+          </a:p>
+          <a:p>
+            <a:pPr marL="285750" indent="-285750">
+              <a:buFont typeface="Wingdings" panose="05000000000000000000" pitchFamily="2" charset="2"/>
+              <a:buChar char="l"/>
+            </a:pPr>
+            <a:r>
+              <a:rPr lang="en-US" altLang="zh-CN" sz="2400" dirty="0"/>
+              <a:t>Rational rose</a:t>
+            </a:r>
+          </a:p>
+          <a:p>
+            <a:pPr marL="285750" indent="-285750">
+              <a:buFont typeface="Wingdings" panose="05000000000000000000" pitchFamily="2" charset="2"/>
+              <a:buChar char="l"/>
+            </a:pPr>
+            <a:r>
+              <a:rPr lang="zh-CN" altLang="en-US" sz="2400" dirty="0"/>
+              <a:t>百度文库：</a:t>
+            </a:r>
+            <a:r>
+              <a:rPr lang="en-US" altLang="zh-CN" sz="2400" dirty="0"/>
+              <a:t>https://wenku.baidu.com/view/5e339311482fb4daa58d4b9e.html</a:t>
+            </a:r>
+            <a:endParaRPr lang="en-US" altLang="zh-CN" dirty="0"/>
+          </a:p>
+        </p:txBody>
+      </p:sp>
+    </p:spTree>
+    <p:extLst>
+      <p:ext uri="{BB962C8B-B14F-4D97-AF65-F5344CB8AC3E}">
+        <p14:creationId xmlns:p14="http://schemas.microsoft.com/office/powerpoint/2010/main" val="622525484"/>
+      </p:ext>
+    </p:extLst>
+  </p:cSld>
+  <p:clrMapOvr>
+    <a:masterClrMapping/>
+  </p:clrMapOvr>
+  <p:timing>
+    <p:tnLst>
+      <p:par>
+        <p:cTn id="1" dur="indefinite" restart="never" nodeType="tmRoot">
+          <p:childTnLst>
+            <p:seq concurrent="1" nextAc="seek">
+              <p:cTn id="2" dur="indefinite" nodeType="mainSeq">
+                <p:childTnLst>
+                  <p:par>
+                    <p:cTn id="3" fill="hold">
+                      <p:stCondLst>
+                        <p:cond delay="indefinite"/>
+                      </p:stCondLst>
+                      <p:childTnLst>
+                        <p:par>
+                          <p:cTn id="4" fill="hold">
+                            <p:stCondLst>
+                              <p:cond delay="0"/>
+                            </p:stCondLst>
+                            <p:childTnLst>
+                              <p:par>
+                                <p:cTn id="5" presetID="14" presetClass="entr" presetSubtype="10" fill="hold" grpId="0" nodeType="clickEffect">
+                                  <p:stCondLst>
+                                    <p:cond delay="0"/>
+                                  </p:stCondLst>
+                                  <p:childTnLst>
+                                    <p:set>
+                                      <p:cBhvr>
+                                        <p:cTn id="6" dur="1" fill="hold">
+                                          <p:stCondLst>
+                                            <p:cond delay="0"/>
+                                          </p:stCondLst>
+                                        </p:cTn>
+                                        <p:tgtEl>
+                                          <p:spTgt spid="3"/>
+                                        </p:tgtEl>
+                                        <p:attrNameLst>
+                                          <p:attrName>style.visibility</p:attrName>
+                                        </p:attrNameLst>
+                                      </p:cBhvr>
+                                      <p:to>
+                                        <p:strVal val="visible"/>
+                                      </p:to>
+                                    </p:set>
+                                    <p:animEffect transition="in" filter="randombar(horizontal)">
+                                      <p:cBhvr>
+                                        <p:cTn id="7" dur="500"/>
+                                        <p:tgtEl>
+                                          <p:spTgt spid="3"/>
+                                        </p:tgtEl>
+                                      </p:cBhvr>
+                                    </p:animEffect>
+                                  </p:childTnLst>
+                                </p:cTn>
+                              </p:par>
+                            </p:childTnLst>
+                          </p:cTn>
+                        </p:par>
+                      </p:childTnLst>
+                    </p:cTn>
+                  </p:par>
+                </p:childTnLst>
+              </p:cTn>
+              <p:prevCondLst>
+                <p:cond evt="onPrev" delay="0">
+                  <p:tgtEl>
+                    <p:sldTgt/>
+                  </p:tgtEl>
+                </p:cond>
+              </p:prevCondLst>
+              <p:nextCondLst>
+                <p:cond evt="onNext" delay="0">
+                  <p:tgtEl>
+                    <p:sldTgt/>
+                  </p:tgtEl>
+                </p:cond>
+              </p:nextCondLst>
+            </p:seq>
+          </p:childTnLst>
+        </p:cTn>
+      </p:par>
+    </p:tnLst>
+    <p:bldLst>
+      <p:bldP spid="3" grpId="0"/>
+    </p:bldLst>
+  </p:timing>
+</p:sld>
+</file>
+
+<file path=ppt/slides/slide16.xml><?xml version="1.0" encoding="utf-8"?>
+<p:sld xmlns:a="http://schemas.openxmlformats.org/drawingml/2006/main" xmlns:r="http://schemas.openxmlformats.org/officeDocument/2006/relationships" xmlns:p="http://schemas.openxmlformats.org/presentationml/2006/main">
+  <p:cSld>
+    <p:spTree>
+      <p:nvGrpSpPr>
+        <p:cNvPr id="1" name=""/>
+        <p:cNvGrpSpPr/>
+        <p:nvPr/>
+      </p:nvGrpSpPr>
+      <p:grpSpPr>
+        <a:xfrm>
+          <a:off x="0" y="0"/>
+          <a:ext cx="0" cy="0"/>
+          <a:chOff x="0" y="0"/>
+          <a:chExt cx="0" cy="0"/>
+        </a:xfrm>
+      </p:grpSpPr>
+      <p:sp>
+        <p:nvSpPr>
+          <p:cNvPr id="2" name="标题 1">
+            <a:extLst>
+              <a:ext uri="{FF2B5EF4-FFF2-40B4-BE49-F238E27FC236}">
+                <a16:creationId xmlns:a16="http://schemas.microsoft.com/office/drawing/2014/main" id="{03F261DD-73E4-4180-97FD-1EE25B466BF2}"/>
+              </a:ext>
+            </a:extLst>
+          </p:cNvPr>
+          <p:cNvSpPr>
+            <a:spLocks noGrp="1"/>
+          </p:cNvSpPr>
+          <p:nvPr>
+            <p:ph type="title"/>
+          </p:nvPr>
+        </p:nvSpPr>
+        <p:spPr>
+          <a:xfrm>
+            <a:off x="2379417" y="270826"/>
+            <a:ext cx="10571998" cy="970450"/>
+          </a:xfrm>
+        </p:spPr>
+        <p:txBody>
+          <a:bodyPr/>
+          <a:lstStyle/>
+          <a:p>
+            <a:r>
+              <a:rPr lang="zh-CN" altLang="en-US" dirty="0"/>
+              <a:t>小组成员分工与评价</a:t>
+            </a:r>
+            <a:r>
+              <a:rPr lang="en-US" altLang="zh-CN" dirty="0"/>
+              <a:t>(</a:t>
+            </a:r>
+            <a:r>
+              <a:rPr lang="zh-CN" altLang="en-US" dirty="0"/>
+              <a:t>总分</a:t>
+            </a:r>
+            <a:r>
+              <a:rPr lang="en-US" altLang="zh-CN" dirty="0"/>
+              <a:t>5</a:t>
+            </a:r>
+            <a:r>
+              <a:rPr lang="zh-CN" altLang="en-US" dirty="0"/>
+              <a:t>分）</a:t>
+            </a:r>
+          </a:p>
+        </p:txBody>
+      </p:sp>
+      <p:sp>
+        <p:nvSpPr>
+          <p:cNvPr id="3" name="内容占位符 2">
+            <a:extLst>
+              <a:ext uri="{FF2B5EF4-FFF2-40B4-BE49-F238E27FC236}">
+                <a16:creationId xmlns:a16="http://schemas.microsoft.com/office/drawing/2014/main" id="{2C3B77C6-9D77-4837-923D-3F06EBDDE5C8}"/>
+              </a:ext>
+            </a:extLst>
+          </p:cNvPr>
+          <p:cNvSpPr>
+            <a:spLocks noGrp="1"/>
+          </p:cNvSpPr>
+          <p:nvPr>
+            <p:ph sz="half" idx="1"/>
+          </p:nvPr>
+        </p:nvSpPr>
+        <p:spPr>
+          <a:xfrm>
+            <a:off x="1480863" y="2527087"/>
+            <a:ext cx="8787743" cy="3638763"/>
+          </a:xfrm>
+        </p:spPr>
+        <p:txBody>
+          <a:bodyPr>
+            <a:normAutofit/>
+          </a:bodyPr>
+          <a:lstStyle/>
+          <a:p>
+            <a:r>
+              <a:rPr lang="zh-CN" altLang="en-US" sz="2800" dirty="0"/>
+              <a:t>黄栋材熟悉</a:t>
+            </a:r>
+            <a:r>
+              <a:rPr lang="en-US" altLang="zh-CN" sz="2800" dirty="0"/>
+              <a:t>ppt——1</a:t>
+            </a:r>
+            <a:r>
+              <a:rPr lang="zh-CN" altLang="en-US" sz="2800" dirty="0"/>
+              <a:t>分</a:t>
+            </a:r>
+            <a:endParaRPr lang="en-US" altLang="zh-CN" sz="2800" dirty="0"/>
+          </a:p>
+          <a:p>
+            <a:r>
+              <a:rPr lang="zh-CN" altLang="en-US" sz="2800" dirty="0"/>
+              <a:t>冯涛（负责人）</a:t>
+            </a:r>
+            <a:r>
+              <a:rPr lang="en-US" altLang="zh-CN" sz="2800" dirty="0"/>
+              <a:t>ppt</a:t>
+            </a:r>
+            <a:r>
+              <a:rPr lang="zh-CN" altLang="en-US" sz="2800" dirty="0"/>
+              <a:t>制作</a:t>
+            </a:r>
+            <a:r>
+              <a:rPr lang="en-US" altLang="zh-CN" sz="2800" dirty="0"/>
+              <a:t>+</a:t>
+            </a:r>
+            <a:r>
+              <a:rPr lang="zh-CN" altLang="en-US" sz="2800" dirty="0"/>
+              <a:t>整合</a:t>
+            </a:r>
+            <a:r>
+              <a:rPr lang="en-US" altLang="zh-CN" sz="2800" dirty="0"/>
+              <a:t>——5</a:t>
+            </a:r>
+            <a:r>
+              <a:rPr lang="zh-CN" altLang="en-US" sz="2800" dirty="0"/>
+              <a:t>分</a:t>
+            </a:r>
+            <a:endParaRPr lang="en-US" altLang="zh-CN" sz="2800" dirty="0"/>
+          </a:p>
+          <a:p>
+            <a:r>
+              <a:rPr lang="zh-CN" altLang="en-US" sz="2800" dirty="0"/>
+              <a:t>徐鹏</a:t>
+            </a:r>
+            <a:r>
+              <a:rPr lang="en-US" altLang="zh-CN" sz="2800" dirty="0"/>
+              <a:t>PPT</a:t>
+            </a:r>
+            <a:r>
+              <a:rPr lang="zh-CN" altLang="en-US" sz="2800" dirty="0"/>
+              <a:t>初稿</a:t>
+            </a:r>
+            <a:r>
+              <a:rPr lang="en-US" altLang="zh-CN" sz="2800" dirty="0"/>
+              <a:t>——2</a:t>
+            </a:r>
+            <a:r>
+              <a:rPr lang="zh-CN" altLang="en-US" sz="2800" dirty="0"/>
+              <a:t>分</a:t>
+            </a:r>
+            <a:endParaRPr lang="en-US" altLang="zh-CN" sz="2800" dirty="0"/>
+          </a:p>
+          <a:p>
+            <a:r>
+              <a:rPr lang="zh-CN" altLang="en-US" sz="2800" dirty="0"/>
+              <a:t>陈泓见</a:t>
+            </a:r>
+            <a:r>
+              <a:rPr lang="en-US" altLang="zh-CN" sz="2800" dirty="0"/>
+              <a:t>ppt</a:t>
+            </a:r>
+            <a:r>
+              <a:rPr lang="zh-CN" altLang="en-US" sz="2800" dirty="0"/>
+              <a:t>历史部分内容</a:t>
+            </a:r>
+            <a:r>
+              <a:rPr lang="en-US" altLang="zh-CN" sz="2800" dirty="0"/>
+              <a:t>——3</a:t>
+            </a:r>
+            <a:r>
+              <a:rPr lang="zh-CN" altLang="en-US" sz="2800" dirty="0"/>
+              <a:t>分</a:t>
+            </a:r>
+            <a:endParaRPr lang="en-US" altLang="zh-CN" sz="2800" dirty="0"/>
+          </a:p>
+          <a:p>
+            <a:r>
+              <a:rPr lang="zh-CN" altLang="en-US" sz="2800" dirty="0"/>
+              <a:t>童威男查验</a:t>
+            </a:r>
+            <a:r>
+              <a:rPr lang="en-US" altLang="zh-CN" sz="2800" dirty="0"/>
+              <a:t>PPT</a:t>
+            </a:r>
+            <a:r>
+              <a:rPr lang="zh-CN" altLang="en-US" sz="2800" dirty="0"/>
+              <a:t>和做最后的修改</a:t>
+            </a:r>
+            <a:r>
+              <a:rPr lang="en-US" altLang="zh-CN" sz="2800" dirty="0"/>
+              <a:t>——4</a:t>
+            </a:r>
+            <a:r>
+              <a:rPr lang="zh-CN" altLang="en-US" sz="2800" dirty="0"/>
+              <a:t>分</a:t>
+            </a:r>
+          </a:p>
+          <a:p>
+            <a:endParaRPr lang="zh-CN" altLang="en-US" sz="2800" dirty="0"/>
+          </a:p>
+        </p:txBody>
+      </p:sp>
+    </p:spTree>
+    <p:extLst>
+      <p:ext uri="{BB962C8B-B14F-4D97-AF65-F5344CB8AC3E}">
+        <p14:creationId xmlns:p14="http://schemas.microsoft.com/office/powerpoint/2010/main" val="976101461"/>
+      </p:ext>
+    </p:extLst>
+  </p:cSld>
+  <p:clrMapOvr>
+    <a:masterClrMapping/>
+  </p:clrMapOvr>
+</p:sld>
+</file>
+
+<file path=ppt/slides/slide17.xml><?xml version="1.0" encoding="utf-8"?>
+<p:sld xmlns:a="http://schemas.openxmlformats.org/drawingml/2006/main" xmlns:r="http://schemas.openxmlformats.org/officeDocument/2006/relationships" xmlns:p="http://schemas.openxmlformats.org/presentationml/2006/main">
+  <p:cSld>
     <p:spTree>
       <p:nvGrpSpPr>
         <p:cNvPr id="1" name=""/>
@@ -9375,26 +13856,17 @@
           <a:p>
             <a:pPr lvl="0"/>
             <a:r>
-              <a:rPr lang="zh-CN" altLang="en-US" dirty="0" smtClean="0"/>
+              <a:rPr lang="zh-CN" altLang="en-US" dirty="0"/>
               <a:t>了解</a:t>
             </a:r>
             <a:r>
               <a:rPr lang="en-US" altLang="zh-CN" dirty="0"/>
-              <a:t>Rational </a:t>
-            </a:r>
-            <a:r>
-              <a:rPr lang="en-US" altLang="zh-CN" dirty="0" smtClean="0"/>
-              <a:t>Rose</a:t>
-            </a:r>
-            <a:r>
-              <a:rPr lang="zh-CN" altLang="en-US" dirty="0" smtClean="0"/>
-              <a:t>的</a:t>
-            </a:r>
-            <a:r>
-              <a:rPr lang="zh-CN" altLang="en-US" dirty="0" smtClean="0"/>
-              <a:t>过程遇到的问题</a:t>
-            </a:r>
-            <a:endParaRPr lang="zh-CN" altLang="en-US" dirty="0"/>
+              <a:t>Rational Rose</a:t>
+            </a:r>
+            <a:r>
+              <a:rPr lang="zh-CN" altLang="en-US" dirty="0"/>
+              <a:t>的过程遇到的问题</a:t>
+            </a:r>
           </a:p>
         </p:txBody>
       </p:sp>
@@ -9413,7 +13885,7 @@
         <p:spPr>
           <a:xfrm>
             <a:off x="1121433" y="2675467"/>
-            <a:ext cx="9230478" cy="584775"/>
+            <a:ext cx="9230478" cy="954107"/>
           </a:xfrm>
           <a:prstGeom prst="rect">
             <a:avLst/>
@@ -9431,10 +13903,28 @@
               <a:buChar char="•"/>
             </a:pPr>
             <a:r>
-              <a:rPr lang="zh-CN" altLang="en-US" sz="3200" dirty="0" smtClean="0"/>
-              <a:t>空</a:t>
-            </a:r>
-            <a:endParaRPr lang="zh-CN" altLang="en-US" dirty="0"/>
+              <a:rPr lang="zh-CN" altLang="en-US" sz="2800" dirty="0"/>
+              <a:t>分工不合理</a:t>
+            </a:r>
+            <a:endParaRPr lang="en-US" altLang="zh-CN" sz="2800" dirty="0"/>
+          </a:p>
+          <a:p>
+            <a:pPr marL="285750" indent="-285750">
+              <a:buFont typeface="Arial" panose="020B0604020202020204" pitchFamily="34" charset="0"/>
+              <a:buChar char="•"/>
+            </a:pPr>
+            <a:r>
+              <a:rPr lang="zh-CN" altLang="en-US" sz="2800" dirty="0"/>
+              <a:t>组员对</a:t>
+            </a:r>
+            <a:r>
+              <a:rPr lang="en-US" altLang="zh-CN" sz="2800" dirty="0"/>
+              <a:t>Rational Rose</a:t>
+            </a:r>
+            <a:r>
+              <a:rPr lang="zh-CN" altLang="en-US" sz="2800" dirty="0"/>
+              <a:t>内容的掌握度不高</a:t>
+            </a:r>
           </a:p>
         </p:txBody>
       </p:sp>
@@ -9448,13 +13938,6 @@
   <p:clrMapOvr>
     <a:masterClrMapping/>
   </p:clrMapOvr>
-  <p:timing>
-    <p:tnLst>
-      <p:par>
-        <p:cTn id="1" dur="indefinite" restart="never" nodeType="tmRoot"/>
-      </p:par>
-    </p:tnLst>
-  </p:timing>
 </p:sld>
 </file>
 
@@ -9900,11 +14383,7 @@
             </a:r>
             <a:r>
               <a:rPr lang="en-US" altLang="zh-CN" sz="4400" dirty="0"/>
-              <a:t>Rational </a:t>
-            </a:r>
-            <a:r>
-              <a:rPr lang="en-US" altLang="zh-CN" sz="4400" dirty="0" smtClean="0"/>
-              <a:t>Rose</a:t>
+              <a:t>Rational Rose</a:t>
             </a:r>
             <a:r>
               <a:rPr lang="zh-CN" altLang="en-US" sz="4400" dirty="0"/>
@@ -9925,14 +14404,14 @@
           <p:nvPr>
             <p:extLst>
               <p:ext uri="{D42A27DB-BD31-4B8C-83A1-F6EECF244321}">
-                <p14:modId xmlns:p14="http://schemas.microsoft.com/office/powerpoint/2010/main" val="323206312"/>
+                <p14:modId xmlns:p14="http://schemas.microsoft.com/office/powerpoint/2010/main" val="1280422499"/>
               </p:ext>
             </p:extLst>
           </p:nvPr>
         </p:nvGraphicFramePr>
         <p:xfrm>
-          <a:off x="5188388" y="557871"/>
-          <a:ext cx="6267888" cy="5527620"/>
+          <a:off x="5149058" y="813510"/>
+          <a:ext cx="6620155" cy="4535239"/>
         </p:xfrm>
         <a:graphic>
           <a:graphicData uri="http://schemas.openxmlformats.org/drawingml/2006/diagram">
@@ -10085,22 +14564,21 @@
           <a:lstStyle/>
           <a:p>
             <a:r>
-              <a:rPr lang="en-US" altLang="zh-CN" dirty="0" smtClean="0"/>
+              <a:rPr lang="en-US" altLang="zh-CN" dirty="0"/>
               <a:t>1</a:t>
             </a:r>
             <a:r>
-              <a:rPr lang="zh-CN" altLang="en-US" dirty="0" smtClean="0"/>
+              <a:rPr lang="zh-CN" altLang="en-US" dirty="0"/>
               <a:t>、</a:t>
             </a:r>
             <a:r>
-              <a:rPr lang="en-US" altLang="zh-CN" dirty="0" smtClean="0"/>
+              <a:rPr lang="en-US" altLang="zh-CN" dirty="0"/>
               <a:t>Rational Rose</a:t>
             </a:r>
             <a:r>
-              <a:rPr lang="zh-CN" altLang="en-US" dirty="0" smtClean="0"/>
+              <a:rPr lang="zh-CN" altLang="en-US" dirty="0"/>
               <a:t>概述</a:t>
             </a:r>
-            <a:endParaRPr lang="zh-CN" altLang="en-US" dirty="0"/>
           </a:p>
         </p:txBody>
       </p:sp>
@@ -10142,39 +14620,31 @@
             </a:pPr>
             <a:r>
               <a:rPr lang="en-US" altLang="zh-CN" sz="2400" dirty="0"/>
-              <a:t>Rational </a:t>
-            </a:r>
-            <a:r>
-              <a:rPr lang="en-US" altLang="zh-CN" sz="2400" dirty="0" smtClean="0"/>
-              <a:t>Rose</a:t>
-            </a:r>
-            <a:r>
-              <a:rPr lang="zh-CN" altLang="en-US" sz="2400" dirty="0" smtClean="0"/>
+              <a:t>Rational Rose</a:t>
+            </a:r>
+            <a:r>
+              <a:rPr lang="zh-CN" altLang="en-US" sz="2400" dirty="0"/>
               <a:t>是</a:t>
             </a:r>
             <a:r>
-              <a:rPr lang="en-US" altLang="zh-CN" sz="2400" dirty="0" smtClean="0"/>
+              <a:rPr lang="en-US" altLang="zh-CN" sz="2400" dirty="0"/>
               <a:t>Rational</a:t>
             </a:r>
             <a:r>
-              <a:rPr lang="zh-CN" altLang="en-US" sz="2400" dirty="0" smtClean="0"/>
+              <a:rPr lang="zh-CN" altLang="en-US" sz="2400" dirty="0"/>
               <a:t>公司出品的一种面向对象的统一建模语言的可视化建模工</a:t>
             </a:r>
-            <a:endParaRPr lang="en-US" altLang="zh-CN" sz="2400" dirty="0" smtClean="0"/>
-          </a:p>
-          <a:p>
-            <a:r>
-              <a:rPr lang="zh-CN" altLang="en-US" sz="2400" dirty="0" smtClean="0"/>
-              <a:t>   具，用于可视化建模和</a:t>
-            </a:r>
-            <a:r>
-              <a:rPr lang="zh-CN" altLang="en-US" sz="2400" dirty="0" smtClean="0"/>
-              <a:t>公司级水平软件应用的组件构造。</a:t>
-            </a:r>
-            <a:endParaRPr lang="en-US" altLang="zh-CN" sz="2400" dirty="0" smtClean="0"/>
-          </a:p>
-          <a:p>
-            <a:endParaRPr lang="en-US" altLang="zh-CN" sz="2400" dirty="0" smtClean="0"/>
+            <a:endParaRPr lang="en-US" altLang="zh-CN" sz="2400" dirty="0"/>
+          </a:p>
+          <a:p>
+            <a:r>
+              <a:rPr lang="zh-CN" altLang="en-US" sz="2400" dirty="0"/>
+              <a:t>   具，用于可视化建模和公司级水平软件应用的组件构造。</a:t>
+            </a:r>
+            <a:endParaRPr lang="en-US" altLang="zh-CN" sz="2400" dirty="0"/>
+          </a:p>
+          <a:p>
+            <a:endParaRPr lang="en-US" altLang="zh-CN" sz="2400" dirty="0"/>
           </a:p>
           <a:p>
             <a:pPr marL="285750" indent="-285750">
@@ -10183,48 +14653,44 @@
             </a:pPr>
             <a:r>
               <a:rPr lang="en-US" altLang="zh-CN" sz="2400" dirty="0"/>
-              <a:t>Rational </a:t>
-            </a:r>
-            <a:r>
-              <a:rPr lang="en-US" altLang="zh-CN" sz="2400" dirty="0" smtClean="0"/>
-              <a:t>Rose</a:t>
-            </a:r>
-            <a:r>
-              <a:rPr lang="zh-CN" altLang="en-US" sz="2400" dirty="0" smtClean="0"/>
+              <a:t>Rational Rose</a:t>
+            </a:r>
+            <a:r>
+              <a:rPr lang="zh-CN" altLang="en-US" sz="2400" dirty="0"/>
               <a:t>包括了统一建模语言（</a:t>
             </a:r>
             <a:r>
-              <a:rPr lang="en-US" altLang="zh-CN" sz="2400" dirty="0" smtClean="0"/>
+              <a:rPr lang="en-US" altLang="zh-CN" sz="2400" dirty="0"/>
               <a:t>UML</a:t>
             </a:r>
             <a:r>
-              <a:rPr lang="zh-CN" altLang="en-US" sz="2400" dirty="0" smtClean="0"/>
+              <a:rPr lang="zh-CN" altLang="en-US" sz="2400" dirty="0"/>
               <a:t>）、</a:t>
             </a:r>
             <a:r>
-              <a:rPr lang="en-US" altLang="zh-CN" sz="2400" dirty="0" smtClean="0"/>
+              <a:rPr lang="en-US" altLang="zh-CN" sz="2400" dirty="0"/>
               <a:t>OOSE</a:t>
             </a:r>
             <a:r>
-              <a:rPr lang="zh-CN" altLang="en-US" sz="2400" dirty="0" smtClean="0"/>
+              <a:rPr lang="zh-CN" altLang="en-US" sz="2400" dirty="0"/>
               <a:t>和</a:t>
             </a:r>
             <a:r>
-              <a:rPr lang="en-US" altLang="zh-CN" sz="2400" dirty="0" smtClean="0"/>
+              <a:rPr lang="en-US" altLang="zh-CN" sz="2400" dirty="0"/>
               <a:t>OMT</a:t>
             </a:r>
             <a:r>
-              <a:rPr lang="zh-CN" altLang="en-US" sz="2400" dirty="0" smtClean="0"/>
+              <a:rPr lang="zh-CN" altLang="en-US" sz="2400" dirty="0"/>
               <a:t>。</a:t>
             </a:r>
-            <a:endParaRPr lang="en-US" altLang="zh-CN" sz="2400" dirty="0" smtClean="0"/>
+            <a:endParaRPr lang="en-US" altLang="zh-CN" sz="2400" dirty="0"/>
           </a:p>
           <a:p>
             <a:pPr marL="285750" indent="-285750">
               <a:buFont typeface="Wingdings" panose="05000000000000000000" pitchFamily="2" charset="2"/>
               <a:buChar char="l"/>
             </a:pPr>
-            <a:endParaRPr lang="en-US" altLang="zh-CN" sz="2400" dirty="0" smtClean="0"/>
+            <a:endParaRPr lang="en-US" altLang="zh-CN" sz="2400" dirty="0"/>
           </a:p>
           <a:p>
             <a:pPr marL="285750" indent="-285750">
@@ -10232,44 +14698,44 @@
               <a:buChar char="l"/>
             </a:pPr>
             <a:r>
-              <a:rPr lang="en-US" altLang="zh-CN" sz="2400" dirty="0" smtClean="0"/>
+              <a:rPr lang="en-US" altLang="zh-CN" sz="2400" dirty="0"/>
               <a:t>Rational Rose</a:t>
             </a:r>
             <a:r>
-              <a:rPr lang="zh-CN" altLang="en-US" sz="2400" dirty="0" smtClean="0"/>
+              <a:rPr lang="zh-CN" altLang="en-US" sz="2400" dirty="0"/>
               <a:t>是一个完全的、具有能满足所有建模环境（</a:t>
             </a:r>
             <a:r>
-              <a:rPr lang="en-US" altLang="zh-CN" sz="2400" dirty="0" smtClean="0"/>
+              <a:rPr lang="en-US" altLang="zh-CN" sz="2400" dirty="0"/>
               <a:t>Web</a:t>
             </a:r>
             <a:r>
-              <a:rPr lang="zh-CN" altLang="en-US" sz="2400" dirty="0" smtClean="0"/>
+              <a:rPr lang="zh-CN" altLang="en-US" sz="2400" dirty="0"/>
               <a:t>开发，数据建模，</a:t>
             </a:r>
-            <a:endParaRPr lang="en-US" altLang="zh-CN" sz="2400" dirty="0" smtClean="0"/>
-          </a:p>
-          <a:p>
-            <a:r>
-              <a:rPr lang="en-US" altLang="zh-CN" sz="2400" dirty="0" smtClean="0"/>
+            <a:endParaRPr lang="en-US" altLang="zh-CN" sz="2400" dirty="0"/>
+          </a:p>
+          <a:p>
+            <a:r>
+              <a:rPr lang="en-US" altLang="zh-CN" sz="2400" dirty="0"/>
               <a:t>   Visual Studio</a:t>
             </a:r>
             <a:r>
-              <a:rPr lang="zh-CN" altLang="en-US" sz="2400" dirty="0" smtClean="0"/>
+              <a:rPr lang="zh-CN" altLang="en-US" sz="2400" dirty="0"/>
               <a:t>和</a:t>
             </a:r>
             <a:r>
-              <a:rPr lang="en-US" altLang="zh-CN" sz="2400" dirty="0" smtClean="0"/>
+              <a:rPr lang="en-US" altLang="zh-CN" sz="2400" dirty="0"/>
               <a:t>C++</a:t>
             </a:r>
             <a:r>
-              <a:rPr lang="zh-CN" altLang="en-US" sz="2400" dirty="0" smtClean="0"/>
+              <a:rPr lang="zh-CN" altLang="en-US" sz="2400" dirty="0"/>
               <a:t>）需求能力和灵活性的一套解决方案。</a:t>
             </a:r>
-            <a:endParaRPr lang="en-US" altLang="zh-CN" sz="2400" dirty="0" smtClean="0"/>
-          </a:p>
-          <a:p>
-            <a:endParaRPr lang="en-US" altLang="zh-CN" sz="2400" dirty="0" smtClean="0"/>
+            <a:endParaRPr lang="en-US" altLang="zh-CN" sz="2400" dirty="0"/>
+          </a:p>
+          <a:p>
+            <a:endParaRPr lang="en-US" altLang="zh-CN" sz="2400" dirty="0"/>
           </a:p>
           <a:p>
             <a:pPr marL="342900" indent="-342900">
@@ -10278,39 +14744,35 @@
             </a:pPr>
             <a:r>
               <a:rPr lang="en-US" altLang="zh-CN" sz="2400" dirty="0"/>
-              <a:t>Rational </a:t>
-            </a:r>
-            <a:r>
-              <a:rPr lang="en-US" altLang="zh-CN" sz="2400" dirty="0" smtClean="0"/>
-              <a:t>Rose</a:t>
-            </a:r>
-            <a:r>
-              <a:rPr lang="zh-CN" altLang="en-US" sz="2400" dirty="0" smtClean="0"/>
+              <a:t>Rational Rose</a:t>
+            </a:r>
+            <a:r>
+              <a:rPr lang="zh-CN" altLang="en-US" sz="2400" dirty="0"/>
               <a:t>允许开发人员、项目经理、系统项目师和分析人员在软件开发周期</a:t>
             </a:r>
-            <a:endParaRPr lang="en-US" altLang="zh-CN" sz="2400" dirty="0" smtClean="0"/>
-          </a:p>
-          <a:p>
-            <a:r>
-              <a:rPr lang="en-US" altLang="zh-CN" sz="2400" dirty="0" smtClean="0"/>
+            <a:endParaRPr lang="en-US" altLang="zh-CN" sz="2400" dirty="0"/>
+          </a:p>
+          <a:p>
+            <a:r>
+              <a:rPr lang="en-US" altLang="zh-CN" sz="2400" dirty="0"/>
               <a:t>    </a:t>
             </a:r>
             <a:r>
-              <a:rPr lang="zh-CN" altLang="en-US" sz="2400" dirty="0" smtClean="0"/>
+              <a:rPr lang="zh-CN" altLang="en-US" sz="2400" dirty="0"/>
               <a:t>内将需求和系统的体系架构转换成代码，消除浪费的消耗，对需求和系统的体系架</a:t>
             </a:r>
-            <a:endParaRPr lang="en-US" altLang="zh-CN" sz="2400" dirty="0" smtClean="0"/>
-          </a:p>
-          <a:p>
-            <a:r>
-              <a:rPr lang="en-US" altLang="zh-CN" sz="2400" dirty="0" smtClean="0"/>
+            <a:endParaRPr lang="en-US" altLang="zh-CN" sz="2400" dirty="0"/>
+          </a:p>
+          <a:p>
+            <a:r>
+              <a:rPr lang="en-US" altLang="zh-CN" sz="2400" dirty="0"/>
               <a:t>    </a:t>
             </a:r>
             <a:r>
-              <a:rPr lang="zh-CN" altLang="en-US" sz="2400" dirty="0" smtClean="0"/>
+              <a:rPr lang="zh-CN" altLang="en-US" sz="2400" dirty="0"/>
               <a:t>构进行可视化，理解和精炼。</a:t>
             </a:r>
-            <a:endParaRPr lang="en-US" altLang="zh-CN" sz="2400" dirty="0" smtClean="0"/>
+            <a:endParaRPr lang="en-US" altLang="zh-CN" sz="2400" dirty="0"/>
           </a:p>
         </p:txBody>
       </p:sp>
@@ -10461,18 +14923,17 @@
               <a:t>2</a:t>
             </a:r>
             <a:r>
-              <a:rPr lang="zh-CN" altLang="en-US" dirty="0" smtClean="0"/>
+              <a:rPr lang="zh-CN" altLang="en-US" dirty="0"/>
               <a:t>、</a:t>
             </a:r>
             <a:r>
-              <a:rPr lang="en-US" altLang="zh-CN" dirty="0" smtClean="0"/>
+              <a:rPr lang="en-US" altLang="zh-CN" dirty="0"/>
               <a:t>Rational Rose</a:t>
             </a:r>
             <a:r>
               <a:rPr lang="zh-CN" altLang="en-US" dirty="0"/>
               <a:t>特点</a:t>
             </a:r>
-            <a:endParaRPr lang="zh-CN" altLang="en-US" dirty="0"/>
           </a:p>
         </p:txBody>
       </p:sp>
@@ -10509,22 +14970,22 @@
           <a:lstStyle/>
           <a:p>
             <a:r>
-              <a:rPr lang="en-US" altLang="zh-CN" sz="2400" dirty="0" smtClean="0"/>
+              <a:rPr lang="en-US" altLang="zh-CN" sz="2400" dirty="0"/>
               <a:t>1</a:t>
             </a:r>
             <a:r>
-              <a:rPr lang="zh-CN" altLang="en-US" sz="2400" dirty="0" smtClean="0"/>
+              <a:rPr lang="zh-CN" altLang="en-US" sz="2400" dirty="0"/>
               <a:t>、</a:t>
             </a:r>
             <a:r>
-              <a:rPr lang="en-US" altLang="zh-CN" sz="2400" dirty="0" smtClean="0"/>
+              <a:rPr lang="en-US" altLang="zh-CN" sz="2400" dirty="0"/>
               <a:t>Rational Rose</a:t>
             </a:r>
             <a:r>
-              <a:rPr lang="zh-CN" altLang="en-US" sz="2400" dirty="0" smtClean="0"/>
+              <a:rPr lang="zh-CN" altLang="en-US" sz="2400" dirty="0"/>
               <a:t>提供反复式发展和来回旅程项目的能力。在各个进程中新的应用</a:t>
             </a:r>
-            <a:endParaRPr lang="en-US" altLang="zh-CN" sz="2400" dirty="0" smtClean="0"/>
+            <a:endParaRPr lang="en-US" altLang="zh-CN" sz="2400" dirty="0"/>
           </a:p>
           <a:p>
             <a:r>
@@ -10532,10 +14993,10 @@
               <a:t>	</a:t>
             </a:r>
             <a:r>
-              <a:rPr lang="zh-CN" altLang="en-US" sz="2400" dirty="0" smtClean="0"/>
+              <a:rPr lang="zh-CN" altLang="en-US" sz="2400" dirty="0"/>
               <a:t>能够被创建，通过把一个反复的输出变成下一个反复的输入。然后，当开发者开</a:t>
             </a:r>
-            <a:endParaRPr lang="en-US" altLang="zh-CN" sz="2400" dirty="0" smtClean="0"/>
+            <a:endParaRPr lang="en-US" altLang="zh-CN" sz="2400" dirty="0"/>
           </a:p>
           <a:p>
             <a:r>
@@ -10543,18 +15004,18 @@
               <a:t>	</a:t>
             </a:r>
             <a:r>
-              <a:rPr lang="zh-CN" altLang="en-US" sz="2400" dirty="0" smtClean="0"/>
+              <a:rPr lang="zh-CN" altLang="en-US" sz="2400" dirty="0"/>
               <a:t>始理解组件之间是如何互相作用和在设计中进行调整时，</a:t>
             </a:r>
             <a:r>
-              <a:rPr lang="en-US" altLang="zh-CN" sz="2400" dirty="0" smtClean="0"/>
+              <a:rPr lang="en-US" altLang="zh-CN" sz="2400" dirty="0"/>
               <a:t>Rational Rose</a:t>
             </a:r>
             <a:r>
-              <a:rPr lang="zh-CN" altLang="en-US" sz="2400" dirty="0" smtClean="0"/>
+              <a:rPr lang="zh-CN" altLang="en-US" sz="2400" dirty="0"/>
               <a:t>能够通</a:t>
             </a:r>
-            <a:endParaRPr lang="en-US" altLang="zh-CN" sz="2400" dirty="0" smtClean="0"/>
+            <a:endParaRPr lang="en-US" altLang="zh-CN" sz="2400" dirty="0"/>
           </a:p>
           <a:p>
             <a:r>
@@ -10562,10 +15023,10 @@
               <a:t>	</a:t>
             </a:r>
             <a:r>
-              <a:rPr lang="zh-CN" altLang="en-US" sz="2400" dirty="0" smtClean="0"/>
+              <a:rPr lang="zh-CN" altLang="en-US" sz="2400" dirty="0"/>
               <a:t>过回溯和更新模型的其余部分来保证代码的一致性，从而展现出被称为“来回旅</a:t>
             </a:r>
-            <a:endParaRPr lang="en-US" altLang="zh-CN" sz="2400" dirty="0" smtClean="0"/>
+            <a:endParaRPr lang="en-US" altLang="zh-CN" sz="2400" dirty="0"/>
           </a:p>
           <a:p>
             <a:r>
@@ -10573,40 +15034,40 @@
               <a:t>	</a:t>
             </a:r>
             <a:r>
-              <a:rPr lang="zh-CN" altLang="en-US" sz="2400" dirty="0" smtClean="0"/>
+              <a:rPr lang="zh-CN" altLang="en-US" sz="2400" dirty="0"/>
               <a:t>程项目”的能力。</a:t>
             </a:r>
-            <a:endParaRPr lang="en-US" altLang="zh-CN" sz="2400" dirty="0" smtClean="0"/>
-          </a:p>
-          <a:p>
             <a:endParaRPr lang="en-US" altLang="zh-CN" sz="2400" dirty="0"/>
           </a:p>
           <a:p>
-            <a:r>
-              <a:rPr lang="en-US" altLang="zh-CN" sz="2400" dirty="0" smtClean="0"/>
+            <a:endParaRPr lang="en-US" altLang="zh-CN" sz="2400" dirty="0"/>
+          </a:p>
+          <a:p>
+            <a:r>
+              <a:rPr lang="en-US" altLang="zh-CN" sz="2400" dirty="0"/>
               <a:t>2</a:t>
             </a:r>
             <a:r>
-              <a:rPr lang="zh-CN" altLang="en-US" sz="2400" dirty="0" smtClean="0"/>
+              <a:rPr lang="zh-CN" altLang="en-US" sz="2400" dirty="0"/>
               <a:t>、</a:t>
             </a:r>
             <a:r>
-              <a:rPr lang="en-US" altLang="zh-CN" sz="2400" dirty="0" smtClean="0"/>
+              <a:rPr lang="en-US" altLang="zh-CN" sz="2400" dirty="0"/>
               <a:t>Rational Rose</a:t>
             </a:r>
             <a:r>
-              <a:rPr lang="zh-CN" altLang="en-US" sz="2400" dirty="0" smtClean="0"/>
+              <a:rPr lang="zh-CN" altLang="en-US" sz="2400" dirty="0"/>
               <a:t>不是单纯的绘图工具，它专门支持</a:t>
             </a:r>
             <a:r>
-              <a:rPr lang="en-US" altLang="zh-CN" sz="2400" dirty="0" smtClean="0"/>
+              <a:rPr lang="en-US" altLang="zh-CN" sz="2400" dirty="0"/>
               <a:t>UML</a:t>
             </a:r>
             <a:r>
-              <a:rPr lang="zh-CN" altLang="en-US" sz="2400" dirty="0" smtClean="0"/>
+              <a:rPr lang="zh-CN" altLang="en-US" sz="2400" dirty="0"/>
               <a:t>的建模，有很强的校验功</a:t>
             </a:r>
-            <a:endParaRPr lang="en-US" altLang="zh-CN" sz="2400" dirty="0" smtClean="0"/>
+            <a:endParaRPr lang="en-US" altLang="zh-CN" sz="2400" dirty="0"/>
           </a:p>
           <a:p>
             <a:r>
@@ -10614,10 +15075,10 @@
               <a:t>	</a:t>
             </a:r>
             <a:r>
-              <a:rPr lang="zh-CN" altLang="en-US" sz="2400" dirty="0" smtClean="0"/>
+              <a:rPr lang="zh-CN" altLang="en-US" sz="2400" dirty="0"/>
               <a:t>能，能检查出模型中的许多逻辑错误，还支持多种语言的双向项目，特别是对当</a:t>
             </a:r>
-            <a:endParaRPr lang="en-US" altLang="zh-CN" sz="2400" dirty="0" smtClean="0"/>
+            <a:endParaRPr lang="en-US" altLang="zh-CN" sz="2400" dirty="0"/>
           </a:p>
           <a:p>
             <a:r>
@@ -10625,29 +15086,29 @@
               <a:t>	</a:t>
             </a:r>
             <a:r>
-              <a:rPr lang="zh-CN" altLang="en-US" sz="2400" dirty="0" smtClean="0"/>
+              <a:rPr lang="zh-CN" altLang="en-US" sz="2400" dirty="0"/>
               <a:t>前比较流行的</a:t>
             </a:r>
             <a:r>
-              <a:rPr lang="en-US" altLang="zh-CN" sz="2400" dirty="0" smtClean="0"/>
+              <a:rPr lang="en-US" altLang="zh-CN" sz="2400" dirty="0"/>
               <a:t>Java</a:t>
             </a:r>
             <a:r>
-              <a:rPr lang="zh-CN" altLang="en-US" sz="2400" dirty="0" smtClean="0"/>
+              <a:rPr lang="zh-CN" altLang="en-US" sz="2400" dirty="0"/>
               <a:t>的支持非常好。现在还加入了数据库建模的功能，实现对象</a:t>
             </a:r>
-            <a:endParaRPr lang="en-US" altLang="zh-CN" sz="2400" dirty="0" smtClean="0"/>
-          </a:p>
-          <a:p>
-            <a:r>
-              <a:rPr lang="en-US" altLang="zh-CN" sz="2400" dirty="0" smtClean="0"/>
+            <a:endParaRPr lang="en-US" altLang="zh-CN" sz="2400" dirty="0"/>
+          </a:p>
+          <a:p>
+            <a:r>
+              <a:rPr lang="en-US" altLang="zh-CN" sz="2400" dirty="0"/>
               <a:t>	</a:t>
             </a:r>
             <a:r>
-              <a:rPr lang="zh-CN" altLang="en-US" sz="2400" dirty="0" smtClean="0"/>
+              <a:rPr lang="zh-CN" altLang="en-US" sz="2400" dirty="0"/>
               <a:t>模型和数据模型之间的同步。</a:t>
             </a:r>
-            <a:endParaRPr lang="en-US" altLang="zh-CN" sz="2400" dirty="0" smtClean="0"/>
+            <a:endParaRPr lang="en-US" altLang="zh-CN" sz="2400" dirty="0"/>
           </a:p>
         </p:txBody>
       </p:sp>
@@ -10767,23 +15228,234 @@
           <a:chExt cx="0" cy="0"/>
         </a:xfrm>
       </p:grpSpPr>
+      <p:sp>
+        <p:nvSpPr>
+          <p:cNvPr id="2" name="标题 1">
+            <a:extLst>
+              <a:ext uri="{FF2B5EF4-FFF2-40B4-BE49-F238E27FC236}">
+                <a16:creationId xmlns:a16="http://schemas.microsoft.com/office/drawing/2014/main" id="{B465B10A-AECB-4D67-B587-822C8B5E1F3C}"/>
+              </a:ext>
+            </a:extLst>
+          </p:cNvPr>
+          <p:cNvSpPr>
+            <a:spLocks noGrp="1"/>
+          </p:cNvSpPr>
+          <p:nvPr>
+            <p:ph type="title"/>
+          </p:nvPr>
+        </p:nvSpPr>
+        <p:spPr/>
+        <p:txBody>
+          <a:bodyPr/>
+          <a:lstStyle/>
+          <a:p>
+            <a:pPr lvl="0" algn="ctr"/>
+            <a:r>
+              <a:rPr lang="en-US" altLang="zh-CN" dirty="0"/>
+              <a:t>3</a:t>
+            </a:r>
+            <a:r>
+              <a:rPr lang="zh-CN" altLang="zh-CN" dirty="0"/>
+              <a:t>．</a:t>
+            </a:r>
+            <a:r>
+              <a:rPr lang="en-US" altLang="zh-CN" dirty="0"/>
+              <a:t>Rational Rose</a:t>
+            </a:r>
+            <a:r>
+              <a:rPr lang="zh-CN" altLang="en-US" dirty="0"/>
+              <a:t>历史</a:t>
+            </a:r>
+            <a:endParaRPr lang="en-US" altLang="zh-CN" dirty="0"/>
+          </a:p>
+        </p:txBody>
+      </p:sp>
+      <p:sp>
+        <p:nvSpPr>
+          <p:cNvPr id="3" name="文本框 2">
+            <a:extLst>
+              <a:ext uri="{FF2B5EF4-FFF2-40B4-BE49-F238E27FC236}">
+                <a16:creationId xmlns:a16="http://schemas.microsoft.com/office/drawing/2014/main" id="{5C06B077-8188-4224-A6CE-EF707DF24000}"/>
+              </a:ext>
+            </a:extLst>
+          </p:cNvPr>
+          <p:cNvSpPr txBox="1"/>
+          <p:nvPr/>
+        </p:nvSpPr>
+        <p:spPr>
+          <a:xfrm>
+            <a:off x="1079292" y="2848131"/>
+            <a:ext cx="10418164" cy="2585323"/>
+          </a:xfrm>
+          <a:prstGeom prst="rect">
+            <a:avLst/>
+          </a:prstGeom>
+          <a:noFill/>
+        </p:spPr>
+        <p:txBody>
+          <a:bodyPr wrap="square" rtlCol="0">
+            <a:spAutoFit/>
+          </a:bodyPr>
+          <a:lstStyle/>
+          <a:p>
+            <a:r>
+              <a:rPr lang="en-US" altLang="zh-CN" dirty="0"/>
+              <a:t>Rational Rose XDE</a:t>
+            </a:r>
+            <a:r>
+              <a:rPr lang="zh-CN" altLang="zh-CN" dirty="0"/>
+              <a:t>是软件开发人员的“扩展开发环境” ，与</a:t>
+            </a:r>
+            <a:r>
+              <a:rPr lang="en-US" altLang="zh-CN" dirty="0"/>
+              <a:t>Microsoft Visual Studio .NET</a:t>
+            </a:r>
+            <a:r>
+              <a:rPr lang="zh-CN" altLang="zh-CN" dirty="0"/>
+              <a:t>和</a:t>
+            </a:r>
+            <a:r>
+              <a:rPr lang="en-US" altLang="zh-CN" dirty="0"/>
+              <a:t>Rational Application Developer</a:t>
+            </a:r>
+            <a:r>
+              <a:rPr lang="zh-CN" altLang="zh-CN" dirty="0"/>
+              <a:t>集成在一起。在</a:t>
+            </a:r>
+            <a:r>
+              <a:rPr lang="en-US" altLang="zh-CN" dirty="0"/>
+              <a:t>Rational</a:t>
+            </a:r>
+            <a:r>
+              <a:rPr lang="zh-CN" altLang="zh-CN" dirty="0"/>
+              <a:t>软件的分工</a:t>
+            </a:r>
+            <a:r>
+              <a:rPr lang="en-US" altLang="zh-CN" dirty="0"/>
+              <a:t>IBM</a:t>
+            </a:r>
+            <a:r>
+              <a:rPr lang="zh-CN" altLang="zh-CN" dirty="0"/>
+              <a:t>，而此前生产的</a:t>
+            </a:r>
+            <a:r>
+              <a:rPr lang="en-US" altLang="zh-CN" dirty="0"/>
+              <a:t>Rational Rose</a:t>
+            </a:r>
+            <a:r>
+              <a:rPr lang="zh-CN" altLang="zh-CN" dirty="0"/>
+              <a:t>，写了这个软件。</a:t>
+            </a:r>
+            <a:endParaRPr lang="en-US" altLang="zh-CN" dirty="0"/>
+          </a:p>
+          <a:p>
+            <a:endParaRPr lang="en-US" altLang="zh-CN" dirty="0"/>
+          </a:p>
+          <a:p>
+            <a:endParaRPr lang="en-US" altLang="zh-CN" dirty="0"/>
+          </a:p>
+          <a:p>
+            <a:r>
+              <a:rPr lang="en-US" altLang="zh-CN" dirty="0"/>
+              <a:t>UML</a:t>
+            </a:r>
+            <a:r>
+              <a:rPr lang="zh-CN" altLang="zh-CN" dirty="0"/>
+              <a:t>部分在</a:t>
+            </a:r>
+            <a:r>
+              <a:rPr lang="en-US" altLang="zh-CN" dirty="0"/>
+              <a:t>2006</a:t>
+            </a:r>
+            <a:r>
+              <a:rPr lang="zh-CN" altLang="zh-CN" dirty="0"/>
+              <a:t>年左右由</a:t>
+            </a:r>
+            <a:r>
+              <a:rPr lang="en-US" altLang="zh-CN" dirty="0"/>
+              <a:t>Rational Software Architect</a:t>
+            </a:r>
+            <a:r>
+              <a:rPr lang="zh-CN" altLang="zh-CN" dirty="0"/>
+              <a:t>取代，</a:t>
+            </a:r>
+            <a:r>
+              <a:rPr lang="en-US" altLang="zh-CN" dirty="0"/>
+              <a:t>Rational Rose</a:t>
+            </a:r>
+            <a:r>
+              <a:rPr lang="zh-CN" altLang="zh-CN" dirty="0"/>
+              <a:t>成为传统产品。</a:t>
+            </a:r>
+            <a:r>
+              <a:rPr lang="en-US" altLang="zh-CN" dirty="0"/>
+              <a:t>[4]</a:t>
+            </a:r>
+            <a:r>
+              <a:rPr lang="zh-CN" altLang="zh-CN" dirty="0"/>
+              <a:t>截至</a:t>
+            </a:r>
+            <a:r>
+              <a:rPr lang="en-US" altLang="zh-CN" dirty="0"/>
+              <a:t>2011</a:t>
+            </a:r>
+            <a:r>
+              <a:rPr lang="zh-CN" altLang="zh-CN" dirty="0"/>
+              <a:t>年，</a:t>
+            </a:r>
+            <a:r>
+              <a:rPr lang="en-US" altLang="zh-CN" dirty="0"/>
+              <a:t>ER</a:t>
+            </a:r>
+            <a:r>
+              <a:rPr lang="zh-CN" altLang="zh-CN" dirty="0"/>
+              <a:t>建模部分（</a:t>
+            </a:r>
+            <a:r>
+              <a:rPr lang="en-US" altLang="zh-CN" dirty="0"/>
+              <a:t>Rational Rose Data Modeler</a:t>
+            </a:r>
+            <a:r>
+              <a:rPr lang="zh-CN" altLang="zh-CN" dirty="0"/>
+              <a:t>）已被另一</a:t>
+            </a:r>
+            <a:r>
+              <a:rPr lang="en-US" altLang="zh-CN" dirty="0"/>
+              <a:t>IBM</a:t>
+            </a:r>
+            <a:r>
+              <a:rPr lang="zh-CN" altLang="zh-CN" dirty="0"/>
+              <a:t>产品</a:t>
+            </a:r>
+            <a:r>
+              <a:rPr lang="en-US" altLang="zh-CN" dirty="0"/>
+              <a:t>Rational Data Architect</a:t>
+            </a:r>
+            <a:r>
+              <a:rPr lang="zh-CN" altLang="zh-CN" dirty="0"/>
+              <a:t>取代。</a:t>
+            </a:r>
+            <a:r>
+              <a:rPr lang="en-US" altLang="zh-CN" dirty="0"/>
+              <a:t>[5]</a:t>
+            </a:r>
+            <a:endParaRPr lang="zh-CN" altLang="zh-CN" dirty="0"/>
+          </a:p>
+          <a:p>
+            <a:endParaRPr lang="zh-CN" altLang="zh-CN" dirty="0"/>
+          </a:p>
+        </p:txBody>
+      </p:sp>
     </p:spTree>
     <p:extLst>
       <p:ext uri="{BB962C8B-B14F-4D97-AF65-F5344CB8AC3E}">
-        <p14:creationId xmlns:p14="http://schemas.microsoft.com/office/powerpoint/2010/main" val="724463141"/>
+        <p14:creationId xmlns:p14="http://schemas.microsoft.com/office/powerpoint/2010/main" val="2928013082"/>
       </p:ext>
     </p:extLst>
   </p:cSld>
   <p:clrMapOvr>
     <a:masterClrMapping/>
   </p:clrMapOvr>
-  <p:timing>
-    <p:tnLst>
-      <p:par>
-        <p:cTn id="1" dur="indefinite" restart="never" nodeType="tmRoot"/>
-      </p:par>
-    </p:tnLst>
-  </p:timing>
 </p:sld>
 </file>
 
@@ -10806,462 +15478,162 @@
       </p:grpSpPr>
       <p:sp>
         <p:nvSpPr>
-          <p:cNvPr id="9" name="Rectangle 8"/>
-          <p:cNvSpPr>
-            <a:spLocks noGrp="1" noRot="1" noChangeAspect="1" noMove="1" noResize="1" noEditPoints="1" noAdjustHandles="1" noChangeArrowheads="1" noChangeShapeType="1" noTextEdit="1"/>
-          </p:cNvSpPr>
-          <p:nvPr>
-            <p:extLst>
-              <p:ext uri="{386F3935-93C4-4BCD-93E2-E3B085C9AB24}">
-                <p16:designElem xmlns:p16="http://schemas.microsoft.com/office/powerpoint/2015/main" val="1"/>
-              </p:ext>
-            </p:extLst>
-          </p:nvPr>
-        </p:nvSpPr>
-        <p:spPr bwMode="white">
-          <a:xfrm>
-            <a:off x="0" y="0"/>
-            <a:ext cx="12192000" cy="6858000"/>
-          </a:xfrm>
-          <a:prstGeom prst="rect">
-            <a:avLst/>
-          </a:prstGeom>
-          <a:solidFill>
-            <a:schemeClr val="bg2"/>
-          </a:solidFill>
-          <a:ln>
-            <a:noFill/>
-          </a:ln>
-          <a:effectLst/>
-        </p:spPr>
-      </p:sp>
-      <p:sp>
-        <p:nvSpPr>
-          <p:cNvPr id="11" name="Freeform 6">
+          <p:cNvPr id="2" name="标题 1">
             <a:extLst>
               <a:ext uri="{FF2B5EF4-FFF2-40B4-BE49-F238E27FC236}">
-                <a16:creationId xmlns:a16="http://schemas.microsoft.com/office/drawing/2014/main" id="{8EE457FF-670E-4EC1-ACD4-1173DA9A7975}"/>
+                <a16:creationId xmlns:a16="http://schemas.microsoft.com/office/drawing/2014/main" id="{A55B7421-B509-429F-8C60-B61D66255C5A}"/>
               </a:ext>
             </a:extLst>
           </p:cNvPr>
           <p:cNvSpPr>
-            <a:spLocks noGrp="1" noRot="1" noChangeAspect="1" noMove="1" noResize="1" noEditPoints="1" noAdjustHandles="1" noChangeArrowheads="1" noChangeShapeType="1" noTextEdit="1"/>
+            <a:spLocks noGrp="1"/>
           </p:cNvSpPr>
           <p:nvPr>
-            <p:extLst>
-              <p:ext uri="{386F3935-93C4-4BCD-93E2-E3B085C9AB24}">
-                <p16:designElem xmlns:p16="http://schemas.microsoft.com/office/powerpoint/2015/main" val="1"/>
-              </p:ext>
-            </p:extLst>
+            <p:ph type="title"/>
           </p:nvPr>
         </p:nvSpPr>
-        <p:spPr bwMode="auto">
+        <p:spPr>
           <a:xfrm>
-            <a:off x="0" y="0"/>
-            <a:ext cx="12192000" cy="2185988"/>
+            <a:off x="450236" y="971843"/>
+            <a:ext cx="10571998" cy="970450"/>
           </a:xfrm>
-          <a:custGeom>
-            <a:avLst/>
-            <a:gdLst/>
-            <a:ahLst/>
-            <a:cxnLst/>
-            <a:rect l="0" t="0" r="r" b="b"/>
-            <a:pathLst>
-              <a:path w="5760" h="1377">
-                <a:moveTo>
-                  <a:pt x="5760" y="0"/>
-                </a:moveTo>
-                <a:lnTo>
-                  <a:pt x="0" y="0"/>
-                </a:lnTo>
-                <a:lnTo>
-                  <a:pt x="0" y="1189"/>
-                </a:lnTo>
-                <a:lnTo>
-                  <a:pt x="943" y="1189"/>
-                </a:lnTo>
-                <a:lnTo>
-                  <a:pt x="1123" y="1369"/>
-                </a:lnTo>
-                <a:lnTo>
-                  <a:pt x="1123" y="1369"/>
-                </a:lnTo>
-                <a:lnTo>
-                  <a:pt x="1127" y="1371"/>
-                </a:lnTo>
-                <a:lnTo>
-                  <a:pt x="1133" y="1374"/>
-                </a:lnTo>
-                <a:lnTo>
-                  <a:pt x="1139" y="1377"/>
-                </a:lnTo>
-                <a:lnTo>
-                  <a:pt x="1144" y="1377"/>
-                </a:lnTo>
-                <a:lnTo>
-                  <a:pt x="1150" y="1377"/>
-                </a:lnTo>
-                <a:lnTo>
-                  <a:pt x="1155" y="1374"/>
-                </a:lnTo>
-                <a:lnTo>
-                  <a:pt x="1161" y="1371"/>
-                </a:lnTo>
-                <a:lnTo>
-                  <a:pt x="1165" y="1369"/>
-                </a:lnTo>
-                <a:lnTo>
-                  <a:pt x="1345" y="1189"/>
-                </a:lnTo>
-                <a:lnTo>
-                  <a:pt x="5760" y="1189"/>
-                </a:lnTo>
-                <a:lnTo>
-                  <a:pt x="5760" y="0"/>
-                </a:lnTo>
-                <a:close/>
-              </a:path>
-            </a:pathLst>
-          </a:custGeom>
-          <a:ln/>
-          <a:extLst>
-            <a:ext uri="{91240B29-F687-4f45-9708-019B960494DF}">
-              <a14:hiddenLine xmlns="" xmlns:a14="http://schemas.microsoft.com/office/drawing/2010/main" w="9525">
-                <a:solidFill>
-                  <a:srgbClr val="000000"/>
-                </a:solidFill>
-                <a:round/>
-                <a:headEnd/>
-                <a:tailEnd/>
-              </a14:hiddenLine>
-            </a:ext>
-          </a:extLst>
         </p:spPr>
-        <p:style>
-          <a:lnRef idx="1">
-            <a:schemeClr val="accent1"/>
-          </a:lnRef>
-          <a:fillRef idx="3">
-            <a:schemeClr val="accent1"/>
-          </a:fillRef>
-          <a:effectRef idx="2">
-            <a:schemeClr val="accent1"/>
-          </a:effectRef>
-          <a:fontRef idx="minor">
-            <a:schemeClr val="lt1"/>
-          </a:fontRef>
-        </p:style>
+        <p:txBody>
+          <a:bodyPr/>
+          <a:lstStyle/>
+          <a:p>
+            <a:pPr algn="ctr"/>
+            <a:r>
+              <a:rPr lang="en-US" altLang="zh-CN" dirty="0"/>
+              <a:t>4 . Rational Rose</a:t>
+            </a:r>
+            <a:r>
+              <a:rPr lang="zh-CN" altLang="en-US" dirty="0"/>
+              <a:t>版本</a:t>
+            </a:r>
+            <a:br>
+              <a:rPr lang="en-US" altLang="zh-CN" dirty="0"/>
+            </a:br>
+            <a:endParaRPr lang="zh-CN" altLang="en-US" dirty="0"/>
+          </a:p>
+        </p:txBody>
       </p:sp>
-      <p:sp useBgFill="1">
+      <p:sp>
         <p:nvSpPr>
-          <p:cNvPr id="13" name="Rectangle 12">
+          <p:cNvPr id="3" name="内容占位符 2">
             <a:extLst>
               <a:ext uri="{FF2B5EF4-FFF2-40B4-BE49-F238E27FC236}">
-                <a16:creationId xmlns:a16="http://schemas.microsoft.com/office/drawing/2014/main" id="{089A69AF-D57B-49B4-886C-D4A5DC194421}"/>
+                <a16:creationId xmlns:a16="http://schemas.microsoft.com/office/drawing/2014/main" id="{DF3BB4EC-6098-4769-9EB1-A9DBAD2718EF}"/>
               </a:ext>
             </a:extLst>
           </p:cNvPr>
           <p:cNvSpPr>
-            <a:spLocks noGrp="1" noRot="1" noChangeAspect="1" noMove="1" noResize="1" noEditPoints="1" noAdjustHandles="1" noChangeArrowheads="1" noChangeShapeType="1" noTextEdit="1"/>
+            <a:spLocks noGrp="1"/>
           </p:cNvSpPr>
           <p:nvPr>
-            <p:extLst>
-              <p:ext uri="{386F3935-93C4-4BCD-93E2-E3B085C9AB24}">
-                <p16:designElem xmlns:p16="http://schemas.microsoft.com/office/powerpoint/2015/main" val="1"/>
-              </p:ext>
-            </p:extLst>
+            <p:ph idx="1"/>
           </p:nvPr>
         </p:nvSpPr>
         <p:spPr>
           <a:xfrm>
-            <a:off x="0" y="0"/>
-            <a:ext cx="12192000" cy="6858000"/>
+            <a:off x="450236" y="2242096"/>
+            <a:ext cx="11158429" cy="3916505"/>
           </a:xfrm>
-          <a:prstGeom prst="rect">
-            <a:avLst/>
-          </a:prstGeom>
-          <a:ln>
-            <a:noFill/>
-          </a:ln>
         </p:spPr>
-        <p:style>
-          <a:lnRef idx="2">
-            <a:schemeClr val="accent1">
-              <a:shade val="50000"/>
-            </a:schemeClr>
-          </a:lnRef>
-          <a:fillRef idx="1">
-            <a:schemeClr val="accent1"/>
-          </a:fillRef>
-          <a:effectRef idx="0">
-            <a:schemeClr val="accent1"/>
-          </a:effectRef>
-          <a:fontRef idx="minor">
-            <a:schemeClr val="lt1"/>
-          </a:fontRef>
-        </p:style>
         <p:txBody>
-          <a:bodyPr rtlCol="0" anchor="ctr"/>
+          <a:bodyPr/>
           <a:lstStyle/>
           <a:p>
-            <a:pPr algn="ctr"/>
-            <a:endParaRPr lang="en-US"/>
+            <a:r>
+              <a:rPr lang="en-US" altLang="zh-CN" sz="2400" dirty="0"/>
+              <a:t>Rational rose</a:t>
+            </a:r>
+            <a:r>
+              <a:rPr lang="zh-CN" altLang="en-US" sz="2400" dirty="0"/>
+              <a:t>的历史中有如下几个版本：</a:t>
+            </a:r>
+            <a:endParaRPr lang="en-US" altLang="zh-CN" sz="2400" dirty="0"/>
+          </a:p>
+          <a:p>
+            <a:r>
+              <a:rPr lang="en-US" altLang="zh-CN" sz="2400" dirty="0"/>
+              <a:t>Rose Enterprise   v7</a:t>
+            </a:r>
+            <a:endParaRPr lang="zh-CN" altLang="zh-CN" sz="2400" dirty="0"/>
+          </a:p>
+          <a:p>
+            <a:r>
+              <a:rPr lang="en-US" altLang="zh-CN" sz="2400" dirty="0"/>
+              <a:t>Rose Professional    2003</a:t>
+            </a:r>
+            <a:endParaRPr lang="zh-CN" altLang="zh-CN" sz="2400" dirty="0"/>
+          </a:p>
+          <a:p>
+            <a:r>
+              <a:rPr lang="en-US" altLang="zh-CN" sz="2400" dirty="0"/>
+              <a:t>Rose Modeler</a:t>
+            </a:r>
+            <a:endParaRPr lang="zh-CN" altLang="zh-CN" sz="2400" dirty="0"/>
+          </a:p>
+          <a:p>
+            <a:r>
+              <a:rPr lang="en-US" altLang="zh-CN" sz="2400" dirty="0"/>
+              <a:t>Rational Rose 2003</a:t>
+            </a:r>
+            <a:r>
+              <a:rPr lang="zh-CN" altLang="zh-CN" sz="2400" dirty="0"/>
+              <a:t>企业版（</a:t>
+            </a:r>
+            <a:r>
+              <a:rPr lang="en-US" altLang="zh-CN" sz="2400" dirty="0"/>
+              <a:t>Rose Enterprise</a:t>
+            </a:r>
+            <a:r>
+              <a:rPr lang="zh-CN" altLang="zh-CN" sz="2400" dirty="0"/>
+              <a:t>）</a:t>
+            </a:r>
+          </a:p>
+          <a:p>
+            <a:r>
+              <a:rPr lang="zh-CN" altLang="en-US" sz="2400" dirty="0"/>
+              <a:t>而</a:t>
+            </a:r>
+            <a:r>
+              <a:rPr lang="zh-CN" altLang="zh-CN" sz="2400" dirty="0"/>
+              <a:t>现在在使用的，</a:t>
+            </a:r>
+            <a:r>
+              <a:rPr lang="en-US" altLang="zh-CN" sz="2400" dirty="0"/>
+              <a:t>PPT</a:t>
+            </a:r>
+            <a:r>
+              <a:rPr lang="zh-CN" altLang="zh-CN" sz="2400" dirty="0"/>
+              <a:t>上面介绍的 </a:t>
+            </a:r>
+            <a:r>
+              <a:rPr lang="en-US" altLang="zh-CN" sz="2400" dirty="0"/>
+              <a:t>Rose Enterprise Edition 7.0.0</a:t>
+            </a:r>
+            <a:r>
+              <a:rPr lang="zh-CN" altLang="zh-CN" sz="2400" dirty="0"/>
+              <a:t>（终版）</a:t>
+            </a:r>
+          </a:p>
+          <a:p>
+            <a:endParaRPr lang="zh-CN" altLang="en-US" dirty="0"/>
           </a:p>
         </p:txBody>
-      </p:sp>
-      <p:sp>
-        <p:nvSpPr>
-          <p:cNvPr id="15" name="Freeform: Shape 14">
-            <a:extLst>
-              <a:ext uri="{FF2B5EF4-FFF2-40B4-BE49-F238E27FC236}">
-                <a16:creationId xmlns:a16="http://schemas.microsoft.com/office/drawing/2014/main" id="{CABDC08D-6093-4397-92D4-54D00E2BB1C2}"/>
-              </a:ext>
-            </a:extLst>
-          </p:cNvPr>
-          <p:cNvSpPr>
-            <a:spLocks noGrp="1" noRot="1" noChangeAspect="1" noMove="1" noResize="1" noEditPoints="1" noAdjustHandles="1" noChangeArrowheads="1" noChangeShapeType="1" noTextEdit="1"/>
-          </p:cNvSpPr>
-          <p:nvPr>
-            <p:extLst>
-              <p:ext uri="{386F3935-93C4-4BCD-93E2-E3B085C9AB24}">
-                <p16:designElem xmlns:p16="http://schemas.microsoft.com/office/powerpoint/2015/main" val="1"/>
-              </p:ext>
-            </p:extLst>
-          </p:nvPr>
-        </p:nvSpPr>
-        <p:spPr bwMode="auto">
-          <a:xfrm rot="16200000">
-            <a:off x="-650724" y="650724"/>
-            <a:ext cx="6858000" cy="5556552"/>
-          </a:xfrm>
-          <a:custGeom>
-            <a:avLst/>
-            <a:gdLst>
-              <a:gd name="connsiteX0" fmla="*/ 6858000 w 6858000"/>
-              <a:gd name="connsiteY0" fmla="*/ 3445704 h 5556552"/>
-              <a:gd name="connsiteX1" fmla="*/ 3829242 w 6858000"/>
-              <a:gd name="connsiteY1" fmla="*/ 5433322 h 5556552"/>
-              <a:gd name="connsiteX2" fmla="*/ 3827369 w 6858000"/>
-              <a:gd name="connsiteY2" fmla="*/ 5434867 h 5556552"/>
-              <a:gd name="connsiteX3" fmla="*/ 3824583 w 6858000"/>
-              <a:gd name="connsiteY3" fmla="*/ 5436378 h 5556552"/>
-              <a:gd name="connsiteX4" fmla="*/ 3798693 w 6858000"/>
-              <a:gd name="connsiteY4" fmla="*/ 5453370 h 5556552"/>
-              <a:gd name="connsiteX5" fmla="*/ 3785011 w 6858000"/>
-              <a:gd name="connsiteY5" fmla="*/ 5457858 h 5556552"/>
-              <a:gd name="connsiteX6" fmla="*/ 3706339 w 6858000"/>
-              <a:gd name="connsiteY6" fmla="*/ 5500559 h 5556552"/>
-              <a:gd name="connsiteX7" fmla="*/ 3428998 w 6858000"/>
-              <a:gd name="connsiteY7" fmla="*/ 5556552 h 5556552"/>
-              <a:gd name="connsiteX8" fmla="*/ 3151658 w 6858000"/>
-              <a:gd name="connsiteY8" fmla="*/ 5500559 h 5556552"/>
-              <a:gd name="connsiteX9" fmla="*/ 3072996 w 6858000"/>
-              <a:gd name="connsiteY9" fmla="*/ 5457863 h 5556552"/>
-              <a:gd name="connsiteX10" fmla="*/ 3059298 w 6858000"/>
-              <a:gd name="connsiteY10" fmla="*/ 5453370 h 5556552"/>
-              <a:gd name="connsiteX11" fmla="*/ 3033383 w 6858000"/>
-              <a:gd name="connsiteY11" fmla="*/ 5436362 h 5556552"/>
-              <a:gd name="connsiteX12" fmla="*/ 3030627 w 6858000"/>
-              <a:gd name="connsiteY12" fmla="*/ 5434867 h 5556552"/>
-              <a:gd name="connsiteX13" fmla="*/ 3028775 w 6858000"/>
-              <a:gd name="connsiteY13" fmla="*/ 5433338 h 5556552"/>
-              <a:gd name="connsiteX14" fmla="*/ 0 w 6858000"/>
-              <a:gd name="connsiteY14" fmla="*/ 3445704 h 5556552"/>
-              <a:gd name="connsiteX15" fmla="*/ 6858000 w 6858000"/>
-              <a:gd name="connsiteY15" fmla="*/ 0 h 5556552"/>
-              <a:gd name="connsiteX16" fmla="*/ 6858000 w 6858000"/>
-              <a:gd name="connsiteY16" fmla="*/ 349336 h 5556552"/>
-              <a:gd name="connsiteX17" fmla="*/ 6858000 w 6858000"/>
-              <a:gd name="connsiteY17" fmla="*/ 3445703 h 5556552"/>
-              <a:gd name="connsiteX18" fmla="*/ 0 w 6858000"/>
-              <a:gd name="connsiteY18" fmla="*/ 3445703 h 5556552"/>
-              <a:gd name="connsiteX19" fmla="*/ 0 w 6858000"/>
-              <a:gd name="connsiteY19" fmla="*/ 0 h 5556552"/>
-            </a:gdLst>
-            <a:ahLst/>
-            <a:cxnLst>
-              <a:cxn ang="0">
-                <a:pos x="connsiteX0" y="connsiteY0"/>
-              </a:cxn>
-              <a:cxn ang="0">
-                <a:pos x="connsiteX1" y="connsiteY1"/>
-              </a:cxn>
-              <a:cxn ang="0">
-                <a:pos x="connsiteX2" y="connsiteY2"/>
-              </a:cxn>
-              <a:cxn ang="0">
-                <a:pos x="connsiteX3" y="connsiteY3"/>
-              </a:cxn>
-              <a:cxn ang="0">
-                <a:pos x="connsiteX4" y="connsiteY4"/>
-              </a:cxn>
-              <a:cxn ang="0">
-                <a:pos x="connsiteX5" y="connsiteY5"/>
-              </a:cxn>
-              <a:cxn ang="0">
-                <a:pos x="connsiteX6" y="connsiteY6"/>
-              </a:cxn>
-              <a:cxn ang="0">
-                <a:pos x="connsiteX7" y="connsiteY7"/>
-              </a:cxn>
-              <a:cxn ang="0">
-                <a:pos x="connsiteX8" y="connsiteY8"/>
-              </a:cxn>
-              <a:cxn ang="0">
-                <a:pos x="connsiteX9" y="connsiteY9"/>
-              </a:cxn>
-              <a:cxn ang="0">
-                <a:pos x="connsiteX10" y="connsiteY10"/>
-              </a:cxn>
-              <a:cxn ang="0">
-                <a:pos x="connsiteX11" y="connsiteY11"/>
-              </a:cxn>
-              <a:cxn ang="0">
-                <a:pos x="connsiteX12" y="connsiteY12"/>
-              </a:cxn>
-              <a:cxn ang="0">
-                <a:pos x="connsiteX13" y="connsiteY13"/>
-              </a:cxn>
-              <a:cxn ang="0">
-                <a:pos x="connsiteX14" y="connsiteY14"/>
-              </a:cxn>
-              <a:cxn ang="0">
-                <a:pos x="connsiteX15" y="connsiteY15"/>
-              </a:cxn>
-              <a:cxn ang="0">
-                <a:pos x="connsiteX16" y="connsiteY16"/>
-              </a:cxn>
-              <a:cxn ang="0">
-                <a:pos x="connsiteX17" y="connsiteY17"/>
-              </a:cxn>
-              <a:cxn ang="0">
-                <a:pos x="connsiteX18" y="connsiteY18"/>
-              </a:cxn>
-              <a:cxn ang="0">
-                <a:pos x="connsiteX19" y="connsiteY19"/>
-              </a:cxn>
-            </a:cxnLst>
-            <a:rect l="l" t="t" r="r" b="b"/>
-            <a:pathLst>
-              <a:path w="6858000" h="5556552">
-                <a:moveTo>
-                  <a:pt x="6858000" y="3445704"/>
-                </a:moveTo>
-                <a:lnTo>
-                  <a:pt x="3829242" y="5433322"/>
-                </a:lnTo>
-                <a:lnTo>
-                  <a:pt x="3827369" y="5434867"/>
-                </a:lnTo>
-                <a:lnTo>
-                  <a:pt x="3824583" y="5436378"/>
-                </a:lnTo>
-                <a:lnTo>
-                  <a:pt x="3798693" y="5453370"/>
-                </a:lnTo>
-                <a:lnTo>
-                  <a:pt x="3785011" y="5457858"/>
-                </a:lnTo>
-                <a:lnTo>
-                  <a:pt x="3706339" y="5500559"/>
-                </a:lnTo>
-                <a:cubicBezTo>
-                  <a:pt x="3621096" y="5536614"/>
-                  <a:pt x="3527375" y="5556552"/>
-                  <a:pt x="3428998" y="5556552"/>
-                </a:cubicBezTo>
-                <a:cubicBezTo>
-                  <a:pt x="3330621" y="5556552"/>
-                  <a:pt x="3236901" y="5536614"/>
-                  <a:pt x="3151658" y="5500559"/>
-                </a:cubicBezTo>
-                <a:lnTo>
-                  <a:pt x="3072996" y="5457863"/>
-                </a:lnTo>
-                <a:lnTo>
-                  <a:pt x="3059298" y="5453370"/>
-                </a:lnTo>
-                <a:lnTo>
-                  <a:pt x="3033383" y="5436362"/>
-                </a:lnTo>
-                <a:lnTo>
-                  <a:pt x="3030627" y="5434867"/>
-                </a:lnTo>
-                <a:lnTo>
-                  <a:pt x="3028775" y="5433338"/>
-                </a:lnTo>
-                <a:lnTo>
-                  <a:pt x="0" y="3445704"/>
-                </a:lnTo>
-                <a:close/>
-                <a:moveTo>
-                  <a:pt x="6858000" y="0"/>
-                </a:moveTo>
-                <a:lnTo>
-                  <a:pt x="6858000" y="349336"/>
-                </a:lnTo>
-                <a:lnTo>
-                  <a:pt x="6858000" y="3445703"/>
-                </a:lnTo>
-                <a:lnTo>
-                  <a:pt x="0" y="3445703"/>
-                </a:lnTo>
-                <a:lnTo>
-                  <a:pt x="0" y="0"/>
-                </a:lnTo>
-                <a:close/>
-              </a:path>
-            </a:pathLst>
-          </a:custGeom>
-          <a:ln>
-            <a:noFill/>
-          </a:ln>
-          <a:effectLst/>
-          <a:extLst>
-            <a:ext uri="{91240B29-F687-4f45-9708-019B960494DF}">
-              <a14:hiddenLine xmlns="" xmlns:a16="http://schemas.microsoft.com/office/drawing/2014/main" xmlns:p14="http://schemas.microsoft.com/office/powerpoint/2010/main" xmlns:a14="http://schemas.microsoft.com/office/drawing/2010/main" w="9525">
-                <a:solidFill>
-                  <a:srgbClr val="000000"/>
-                </a:solidFill>
-                <a:round/>
-                <a:headEnd/>
-                <a:tailEnd/>
-              </a14:hiddenLine>
-            </a:ext>
-          </a:extLst>
-        </p:spPr>
-        <p:style>
-          <a:lnRef idx="1">
-            <a:schemeClr val="accent1"/>
-          </a:lnRef>
-          <a:fillRef idx="3">
-            <a:schemeClr val="accent1"/>
-          </a:fillRef>
-          <a:effectRef idx="2">
-            <a:schemeClr val="accent1"/>
-          </a:effectRef>
-          <a:fontRef idx="minor">
-            <a:schemeClr val="lt1"/>
-          </a:fontRef>
-        </p:style>
       </p:sp>
     </p:spTree>
     <p:extLst>
       <p:ext uri="{BB962C8B-B14F-4D97-AF65-F5344CB8AC3E}">
-        <p14:creationId xmlns:p14="http://schemas.microsoft.com/office/powerpoint/2010/main" val="1913403072"/>
+        <p14:creationId xmlns:p14="http://schemas.microsoft.com/office/powerpoint/2010/main" val="3742977328"/>
       </p:ext>
     </p:extLst>
   </p:cSld>
   <p:clrMapOvr>
     <a:masterClrMapping/>
   </p:clrMapOvr>
-  <p:timing>
-    <p:tnLst>
-      <p:par>
-        <p:cTn id="1" dur="indefinite" restart="never" nodeType="tmRoot"/>
-      </p:par>
-    </p:tnLst>
-  </p:timing>
 </p:sld>
 </file>
 
@@ -11284,484 +15656,77 @@
       </p:grpSpPr>
       <p:sp>
         <p:nvSpPr>
-          <p:cNvPr id="9" name="Rectangle 8"/>
-          <p:cNvSpPr>
-            <a:spLocks noGrp="1" noRot="1" noChangeAspect="1" noMove="1" noResize="1" noEditPoints="1" noAdjustHandles="1" noChangeArrowheads="1" noChangeShapeType="1" noTextEdit="1"/>
-          </p:cNvSpPr>
-          <p:nvPr>
-            <p:extLst>
-              <p:ext uri="{386F3935-93C4-4BCD-93E2-E3B085C9AB24}">
-                <p16:designElem xmlns:p16="http://schemas.microsoft.com/office/powerpoint/2015/main" val="1"/>
-              </p:ext>
-            </p:extLst>
-          </p:nvPr>
+          <p:cNvPr id="2" name="文本框 1">
+            <a:extLst>
+              <a:ext uri="{FF2B5EF4-FFF2-40B4-BE49-F238E27FC236}">
+                <a16:creationId xmlns:a16="http://schemas.microsoft.com/office/drawing/2014/main" id="{88DF94F1-1DBC-43FC-8F1D-306EFD24C2A6}"/>
+              </a:ext>
+            </a:extLst>
+          </p:cNvPr>
+          <p:cNvSpPr txBox="1"/>
+          <p:nvPr/>
         </p:nvSpPr>
-        <p:spPr bwMode="white">
+        <p:spPr>
           <a:xfrm>
-            <a:off x="0" y="0"/>
-            <a:ext cx="12192000" cy="6858000"/>
+            <a:off x="1238863" y="2104103"/>
+            <a:ext cx="5201266" cy="646331"/>
           </a:xfrm>
           <a:prstGeom prst="rect">
             <a:avLst/>
           </a:prstGeom>
-          <a:solidFill>
-            <a:schemeClr val="bg2"/>
-          </a:solidFill>
-          <a:ln>
-            <a:noFill/>
-          </a:ln>
-          <a:effectLst/>
+          <a:noFill/>
         </p:spPr>
+        <p:txBody>
+          <a:bodyPr wrap="square" rtlCol="0">
+            <a:spAutoFit/>
+          </a:bodyPr>
+          <a:lstStyle/>
+          <a:p>
+            <a:pPr lvl="0"/>
+            <a:r>
+              <a:rPr lang="en-US" altLang="zh-CN" sz="3600" dirty="0"/>
+              <a:t>5 . Rational Rose</a:t>
+            </a:r>
+            <a:r>
+              <a:rPr lang="zh-CN" altLang="en-US" sz="3600" dirty="0"/>
+              <a:t>使用</a:t>
+            </a:r>
+            <a:endParaRPr lang="en-US" altLang="zh-CN" sz="3600" dirty="0"/>
+          </a:p>
+        </p:txBody>
       </p:sp>
-      <p:sp>
-        <p:nvSpPr>
-          <p:cNvPr id="11" name="Freeform 6">
+      <p:graphicFrame>
+        <p:nvGraphicFramePr>
+          <p:cNvPr id="4" name="竖排文字占位符 2">
             <a:extLst>
               <a:ext uri="{FF2B5EF4-FFF2-40B4-BE49-F238E27FC236}">
-                <a16:creationId xmlns:a16="http://schemas.microsoft.com/office/drawing/2014/main" id="{8EE457FF-670E-4EC1-ACD4-1173DA9A7975}"/>
+                <a16:creationId xmlns:a16="http://schemas.microsoft.com/office/drawing/2014/main" id="{598C17C1-AC5B-497C-9035-4A1223CFFEAA}"/>
               </a:ext>
             </a:extLst>
           </p:cNvPr>
-          <p:cNvSpPr>
-            <a:spLocks noGrp="1" noRot="1" noChangeAspect="1" noMove="1" noResize="1" noEditPoints="1" noAdjustHandles="1" noChangeArrowheads="1" noChangeShapeType="1" noTextEdit="1"/>
-          </p:cNvSpPr>
+          <p:cNvGraphicFramePr/>
           <p:nvPr>
             <p:extLst>
-              <p:ext uri="{386F3935-93C4-4BCD-93E2-E3B085C9AB24}">
-                <p16:designElem xmlns:p16="http://schemas.microsoft.com/office/powerpoint/2015/main" val="1"/>
+              <p:ext uri="{D42A27DB-BD31-4B8C-83A1-F6EECF244321}">
+                <p14:modId xmlns:p14="http://schemas.microsoft.com/office/powerpoint/2010/main" val="4173583326"/>
               </p:ext>
             </p:extLst>
           </p:nvPr>
-        </p:nvSpPr>
-        <p:spPr bwMode="auto">
-          <a:xfrm>
-            <a:off x="0" y="0"/>
-            <a:ext cx="12192000" cy="2185988"/>
-          </a:xfrm>
-          <a:custGeom>
-            <a:avLst/>
-            <a:gdLst/>
-            <a:ahLst/>
-            <a:cxnLst/>
-            <a:rect l="0" t="0" r="r" b="b"/>
-            <a:pathLst>
-              <a:path w="5760" h="1377">
-                <a:moveTo>
-                  <a:pt x="5760" y="0"/>
-                </a:moveTo>
-                <a:lnTo>
-                  <a:pt x="0" y="0"/>
-                </a:lnTo>
-                <a:lnTo>
-                  <a:pt x="0" y="1189"/>
-                </a:lnTo>
-                <a:lnTo>
-                  <a:pt x="943" y="1189"/>
-                </a:lnTo>
-                <a:lnTo>
-                  <a:pt x="1123" y="1369"/>
-                </a:lnTo>
-                <a:lnTo>
-                  <a:pt x="1123" y="1369"/>
-                </a:lnTo>
-                <a:lnTo>
-                  <a:pt x="1127" y="1371"/>
-                </a:lnTo>
-                <a:lnTo>
-                  <a:pt x="1133" y="1374"/>
-                </a:lnTo>
-                <a:lnTo>
-                  <a:pt x="1139" y="1377"/>
-                </a:lnTo>
-                <a:lnTo>
-                  <a:pt x="1144" y="1377"/>
-                </a:lnTo>
-                <a:lnTo>
-                  <a:pt x="1150" y="1377"/>
-                </a:lnTo>
-                <a:lnTo>
-                  <a:pt x="1155" y="1374"/>
-                </a:lnTo>
-                <a:lnTo>
-                  <a:pt x="1161" y="1371"/>
-                </a:lnTo>
-                <a:lnTo>
-                  <a:pt x="1165" y="1369"/>
-                </a:lnTo>
-                <a:lnTo>
-                  <a:pt x="1345" y="1189"/>
-                </a:lnTo>
-                <a:lnTo>
-                  <a:pt x="5760" y="1189"/>
-                </a:lnTo>
-                <a:lnTo>
-                  <a:pt x="5760" y="0"/>
-                </a:lnTo>
-                <a:close/>
-              </a:path>
-            </a:pathLst>
-          </a:custGeom>
-          <a:ln/>
-          <a:extLst>
-            <a:ext uri="{91240B29-F687-4f45-9708-019B960494DF}">
-              <a14:hiddenLine xmlns:a14="http://schemas.microsoft.com/office/drawing/2010/main" xmlns="" w="9525">
-                <a:solidFill>
-                  <a:srgbClr val="000000"/>
-                </a:solidFill>
-                <a:round/>
-                <a:headEnd/>
-                <a:tailEnd/>
-              </a14:hiddenLine>
-            </a:ext>
-          </a:extLst>
-        </p:spPr>
-        <p:style>
-          <a:lnRef idx="1">
-            <a:schemeClr val="accent1"/>
-          </a:lnRef>
-          <a:fillRef idx="3">
-            <a:schemeClr val="accent1"/>
-          </a:fillRef>
-          <a:effectRef idx="2">
-            <a:schemeClr val="accent1"/>
-          </a:effectRef>
-          <a:fontRef idx="minor">
-            <a:schemeClr val="lt1"/>
-          </a:fontRef>
-        </p:style>
-      </p:sp>
-      <p:sp>
-        <p:nvSpPr>
-          <p:cNvPr id="13" name="Rectangle 12">
-            <a:extLst>
-              <a:ext uri="{FF2B5EF4-FFF2-40B4-BE49-F238E27FC236}">
-                <a16:creationId xmlns:a16="http://schemas.microsoft.com/office/drawing/2014/main" id="{089A69AF-D57B-49B4-886C-D4A5DC194421}"/>
-              </a:ext>
-            </a:extLst>
-          </p:cNvPr>
-          <p:cNvSpPr>
-            <a:spLocks noGrp="1" noRot="1" noChangeAspect="1" noMove="1" noResize="1" noEditPoints="1" noAdjustHandles="1" noChangeArrowheads="1" noChangeShapeType="1" noTextEdit="1"/>
-          </p:cNvSpPr>
-          <p:nvPr>
-            <p:extLst>
-              <p:ext uri="{386F3935-93C4-4BCD-93E2-E3B085C9AB24}">
-                <p16:designElem xmlns:p16="http://schemas.microsoft.com/office/powerpoint/2015/main" val="1"/>
-              </p:ext>
-            </p:extLst>
-          </p:nvPr>
-        </p:nvSpPr>
-        <p:spPr>
-          <a:xfrm>
-            <a:off x="0" y="0"/>
-            <a:ext cx="12192000" cy="6858000"/>
-          </a:xfrm>
-          <a:prstGeom prst="rect">
-            <a:avLst/>
-          </a:prstGeom>
-          <a:solidFill>
-            <a:schemeClr val="accent1"/>
-          </a:solidFill>
-          <a:ln>
-            <a:noFill/>
-          </a:ln>
-        </p:spPr>
-        <p:style>
-          <a:lnRef idx="2">
-            <a:schemeClr val="accent1">
-              <a:shade val="50000"/>
-            </a:schemeClr>
-          </a:lnRef>
-          <a:fillRef idx="1">
-            <a:schemeClr val="accent1"/>
-          </a:fillRef>
-          <a:effectRef idx="0">
-            <a:schemeClr val="accent1"/>
-          </a:effectRef>
-          <a:fontRef idx="minor">
-            <a:schemeClr val="lt1"/>
-          </a:fontRef>
-        </p:style>
-        <p:txBody>
-          <a:bodyPr rtlCol="0" anchor="ctr"/>
-          <a:lstStyle/>
-          <a:p>
-            <a:pPr algn="ctr"/>
-            <a:endParaRPr lang="en-US"/>
-          </a:p>
-        </p:txBody>
-      </p:sp>
-      <p:sp useBgFill="1">
-        <p:nvSpPr>
-          <p:cNvPr id="15" name="Freeform: Shape 14">
-            <a:extLst>
-              <a:ext uri="{FF2B5EF4-FFF2-40B4-BE49-F238E27FC236}">
-                <a16:creationId xmlns:a16="http://schemas.microsoft.com/office/drawing/2014/main" id="{68F2977E-E0AE-4EB4-A059-59E908EB862A}"/>
-              </a:ext>
-            </a:extLst>
-          </p:cNvPr>
-          <p:cNvSpPr>
-            <a:spLocks noGrp="1" noRot="1" noChangeAspect="1" noMove="1" noResize="1" noEditPoints="1" noAdjustHandles="1" noChangeArrowheads="1" noChangeShapeType="1" noTextEdit="1"/>
-          </p:cNvSpPr>
-          <p:nvPr>
-            <p:extLst>
-              <p:ext uri="{386F3935-93C4-4BCD-93E2-E3B085C9AB24}">
-                <p16:designElem xmlns:p16="http://schemas.microsoft.com/office/powerpoint/2015/main" val="1"/>
-              </p:ext>
-            </p:extLst>
-          </p:nvPr>
-        </p:nvSpPr>
-        <p:spPr bwMode="auto">
-          <a:xfrm rot="16200000">
-            <a:off x="666761" y="-666761"/>
-            <a:ext cx="6858002" cy="8191524"/>
-          </a:xfrm>
-          <a:custGeom>
-            <a:avLst/>
-            <a:gdLst>
-              <a:gd name="connsiteX0" fmla="*/ 6858002 w 6858002"/>
-              <a:gd name="connsiteY0" fmla="*/ 6080676 h 8191524"/>
-              <a:gd name="connsiteX1" fmla="*/ 3829244 w 6858002"/>
-              <a:gd name="connsiteY1" fmla="*/ 8068294 h 8191524"/>
-              <a:gd name="connsiteX2" fmla="*/ 3827371 w 6858002"/>
-              <a:gd name="connsiteY2" fmla="*/ 8069839 h 8191524"/>
-              <a:gd name="connsiteX3" fmla="*/ 3824585 w 6858002"/>
-              <a:gd name="connsiteY3" fmla="*/ 8071350 h 8191524"/>
-              <a:gd name="connsiteX4" fmla="*/ 3798695 w 6858002"/>
-              <a:gd name="connsiteY4" fmla="*/ 8088342 h 8191524"/>
-              <a:gd name="connsiteX5" fmla="*/ 3785013 w 6858002"/>
-              <a:gd name="connsiteY5" fmla="*/ 8092830 h 8191524"/>
-              <a:gd name="connsiteX6" fmla="*/ 3706341 w 6858002"/>
-              <a:gd name="connsiteY6" fmla="*/ 8135531 h 8191524"/>
-              <a:gd name="connsiteX7" fmla="*/ 3429000 w 6858002"/>
-              <a:gd name="connsiteY7" fmla="*/ 8191524 h 8191524"/>
-              <a:gd name="connsiteX8" fmla="*/ 3151660 w 6858002"/>
-              <a:gd name="connsiteY8" fmla="*/ 8135531 h 8191524"/>
-              <a:gd name="connsiteX9" fmla="*/ 3072998 w 6858002"/>
-              <a:gd name="connsiteY9" fmla="*/ 8092835 h 8191524"/>
-              <a:gd name="connsiteX10" fmla="*/ 3059300 w 6858002"/>
-              <a:gd name="connsiteY10" fmla="*/ 8088342 h 8191524"/>
-              <a:gd name="connsiteX11" fmla="*/ 3033385 w 6858002"/>
-              <a:gd name="connsiteY11" fmla="*/ 8071334 h 8191524"/>
-              <a:gd name="connsiteX12" fmla="*/ 3030629 w 6858002"/>
-              <a:gd name="connsiteY12" fmla="*/ 8069839 h 8191524"/>
-              <a:gd name="connsiteX13" fmla="*/ 3028777 w 6858002"/>
-              <a:gd name="connsiteY13" fmla="*/ 8068310 h 8191524"/>
-              <a:gd name="connsiteX14" fmla="*/ 2 w 6858002"/>
-              <a:gd name="connsiteY14" fmla="*/ 6080676 h 8191524"/>
-              <a:gd name="connsiteX15" fmla="*/ 6858002 w 6858002"/>
-              <a:gd name="connsiteY15" fmla="*/ 0 h 8191524"/>
-              <a:gd name="connsiteX16" fmla="*/ 6858002 w 6858002"/>
-              <a:gd name="connsiteY16" fmla="*/ 2634972 h 8191524"/>
-              <a:gd name="connsiteX17" fmla="*/ 6858002 w 6858002"/>
-              <a:gd name="connsiteY17" fmla="*/ 2984308 h 8191524"/>
-              <a:gd name="connsiteX18" fmla="*/ 6858002 w 6858002"/>
-              <a:gd name="connsiteY18" fmla="*/ 3291840 h 8191524"/>
-              <a:gd name="connsiteX19" fmla="*/ 6858002 w 6858002"/>
-              <a:gd name="connsiteY19" fmla="*/ 6080675 h 8191524"/>
-              <a:gd name="connsiteX20" fmla="*/ 2 w 6858002"/>
-              <a:gd name="connsiteY20" fmla="*/ 6080675 h 8191524"/>
-              <a:gd name="connsiteX21" fmla="*/ 2 w 6858002"/>
-              <a:gd name="connsiteY21" fmla="*/ 3291840 h 8191524"/>
-              <a:gd name="connsiteX22" fmla="*/ 0 w 6858002"/>
-              <a:gd name="connsiteY22" fmla="*/ 3291840 h 8191524"/>
-              <a:gd name="connsiteX23" fmla="*/ 0 w 6858002"/>
-              <a:gd name="connsiteY23" fmla="*/ 0 h 8191524"/>
-            </a:gdLst>
-            <a:ahLst/>
-            <a:cxnLst>
-              <a:cxn ang="0">
-                <a:pos x="connsiteX0" y="connsiteY0"/>
-              </a:cxn>
-              <a:cxn ang="0">
-                <a:pos x="connsiteX1" y="connsiteY1"/>
-              </a:cxn>
-              <a:cxn ang="0">
-                <a:pos x="connsiteX2" y="connsiteY2"/>
-              </a:cxn>
-              <a:cxn ang="0">
-                <a:pos x="connsiteX3" y="connsiteY3"/>
-              </a:cxn>
-              <a:cxn ang="0">
-                <a:pos x="connsiteX4" y="connsiteY4"/>
-              </a:cxn>
-              <a:cxn ang="0">
-                <a:pos x="connsiteX5" y="connsiteY5"/>
-              </a:cxn>
-              <a:cxn ang="0">
-                <a:pos x="connsiteX6" y="connsiteY6"/>
-              </a:cxn>
-              <a:cxn ang="0">
-                <a:pos x="connsiteX7" y="connsiteY7"/>
-              </a:cxn>
-              <a:cxn ang="0">
-                <a:pos x="connsiteX8" y="connsiteY8"/>
-              </a:cxn>
-              <a:cxn ang="0">
-                <a:pos x="connsiteX9" y="connsiteY9"/>
-              </a:cxn>
-              <a:cxn ang="0">
-                <a:pos x="connsiteX10" y="connsiteY10"/>
-              </a:cxn>
-              <a:cxn ang="0">
-                <a:pos x="connsiteX11" y="connsiteY11"/>
-              </a:cxn>
-              <a:cxn ang="0">
-                <a:pos x="connsiteX12" y="connsiteY12"/>
-              </a:cxn>
-              <a:cxn ang="0">
-                <a:pos x="connsiteX13" y="connsiteY13"/>
-              </a:cxn>
-              <a:cxn ang="0">
-                <a:pos x="connsiteX14" y="connsiteY14"/>
-              </a:cxn>
-              <a:cxn ang="0">
-                <a:pos x="connsiteX15" y="connsiteY15"/>
-              </a:cxn>
-              <a:cxn ang="0">
-                <a:pos x="connsiteX16" y="connsiteY16"/>
-              </a:cxn>
-              <a:cxn ang="0">
-                <a:pos x="connsiteX17" y="connsiteY17"/>
-              </a:cxn>
-              <a:cxn ang="0">
-                <a:pos x="connsiteX18" y="connsiteY18"/>
-              </a:cxn>
-              <a:cxn ang="0">
-                <a:pos x="connsiteX19" y="connsiteY19"/>
-              </a:cxn>
-              <a:cxn ang="0">
-                <a:pos x="connsiteX20" y="connsiteY20"/>
-              </a:cxn>
-              <a:cxn ang="0">
-                <a:pos x="connsiteX21" y="connsiteY21"/>
-              </a:cxn>
-              <a:cxn ang="0">
-                <a:pos x="connsiteX22" y="connsiteY22"/>
-              </a:cxn>
-              <a:cxn ang="0">
-                <a:pos x="connsiteX23" y="connsiteY23"/>
-              </a:cxn>
-            </a:cxnLst>
-            <a:rect l="l" t="t" r="r" b="b"/>
-            <a:pathLst>
-              <a:path w="6858002" h="8191524">
-                <a:moveTo>
-                  <a:pt x="6858002" y="6080676"/>
-                </a:moveTo>
-                <a:lnTo>
-                  <a:pt x="3829244" y="8068294"/>
-                </a:lnTo>
-                <a:lnTo>
-                  <a:pt x="3827371" y="8069839"/>
-                </a:lnTo>
-                <a:lnTo>
-                  <a:pt x="3824585" y="8071350"/>
-                </a:lnTo>
-                <a:lnTo>
-                  <a:pt x="3798695" y="8088342"/>
-                </a:lnTo>
-                <a:lnTo>
-                  <a:pt x="3785013" y="8092830"/>
-                </a:lnTo>
-                <a:lnTo>
-                  <a:pt x="3706341" y="8135531"/>
-                </a:lnTo>
-                <a:cubicBezTo>
-                  <a:pt x="3621098" y="8171586"/>
-                  <a:pt x="3527377" y="8191524"/>
-                  <a:pt x="3429000" y="8191524"/>
-                </a:cubicBezTo>
-                <a:cubicBezTo>
-                  <a:pt x="3330623" y="8191524"/>
-                  <a:pt x="3236903" y="8171586"/>
-                  <a:pt x="3151660" y="8135531"/>
-                </a:cubicBezTo>
-                <a:lnTo>
-                  <a:pt x="3072998" y="8092835"/>
-                </a:lnTo>
-                <a:lnTo>
-                  <a:pt x="3059300" y="8088342"/>
-                </a:lnTo>
-                <a:lnTo>
-                  <a:pt x="3033385" y="8071334"/>
-                </a:lnTo>
-                <a:lnTo>
-                  <a:pt x="3030629" y="8069839"/>
-                </a:lnTo>
-                <a:lnTo>
-                  <a:pt x="3028777" y="8068310"/>
-                </a:lnTo>
-                <a:lnTo>
-                  <a:pt x="2" y="6080676"/>
-                </a:lnTo>
-                <a:close/>
-                <a:moveTo>
-                  <a:pt x="6858002" y="0"/>
-                </a:moveTo>
-                <a:lnTo>
-                  <a:pt x="6858002" y="2634972"/>
-                </a:lnTo>
-                <a:lnTo>
-                  <a:pt x="6858002" y="2984308"/>
-                </a:lnTo>
-                <a:lnTo>
-                  <a:pt x="6858002" y="3291840"/>
-                </a:lnTo>
-                <a:lnTo>
-                  <a:pt x="6858002" y="6080675"/>
-                </a:lnTo>
-                <a:lnTo>
-                  <a:pt x="2" y="6080675"/>
-                </a:lnTo>
-                <a:lnTo>
-                  <a:pt x="2" y="3291840"/>
-                </a:lnTo>
-                <a:lnTo>
-                  <a:pt x="0" y="3291840"/>
-                </a:lnTo>
-                <a:lnTo>
-                  <a:pt x="0" y="0"/>
-                </a:lnTo>
-                <a:close/>
-              </a:path>
-            </a:pathLst>
-          </a:custGeom>
-          <a:ln>
-            <a:noFill/>
-          </a:ln>
-          <a:effectLst/>
-          <a:extLst>
-            <a:ext uri="{91240B29-F687-4f45-9708-019B960494DF}">
-              <a14:hiddenLine xmlns:a14="http://schemas.microsoft.com/office/drawing/2010/main" xmlns:p14="http://schemas.microsoft.com/office/powerpoint/2010/main" xmlns:a16="http://schemas.microsoft.com/office/drawing/2014/main" xmlns="" w="9525">
-                <a:solidFill>
-                  <a:srgbClr val="000000"/>
-                </a:solidFill>
-                <a:round/>
-                <a:headEnd/>
-                <a:tailEnd/>
-              </a14:hiddenLine>
-            </a:ext>
-          </a:extLst>
-        </p:spPr>
-        <p:style>
-          <a:lnRef idx="1">
-            <a:schemeClr val="accent1"/>
-          </a:lnRef>
-          <a:fillRef idx="3">
-            <a:schemeClr val="accent1"/>
-          </a:fillRef>
-          <a:effectRef idx="2">
-            <a:schemeClr val="accent1"/>
-          </a:effectRef>
-          <a:fontRef idx="minor">
-            <a:schemeClr val="lt1"/>
-          </a:fontRef>
-        </p:style>
-      </p:sp>
+        </p:nvGraphicFramePr>
+        <p:xfrm>
+          <a:off x="7243329" y="1052052"/>
+          <a:ext cx="4870013" cy="3539615"/>
+        </p:xfrm>
+        <a:graphic>
+          <a:graphicData uri="http://schemas.openxmlformats.org/drawingml/2006/diagram">
+            <dgm:relIds xmlns:dgm="http://schemas.openxmlformats.org/drawingml/2006/diagram" xmlns:r="http://schemas.openxmlformats.org/officeDocument/2006/relationships" r:dm="rId2" r:lo="rId3" r:qs="rId4" r:cs="rId5"/>
+          </a:graphicData>
+        </a:graphic>
+      </p:graphicFrame>
     </p:spTree>
     <p:extLst>
       <p:ext uri="{BB962C8B-B14F-4D97-AF65-F5344CB8AC3E}">
-        <p14:creationId xmlns:p14="http://schemas.microsoft.com/office/powerpoint/2010/main" val="1062934262"/>
+        <p14:creationId xmlns:p14="http://schemas.microsoft.com/office/powerpoint/2010/main" val="724463141"/>
       </p:ext>
     </p:extLst>
   </p:cSld>
@@ -11771,9 +15736,90 @@
   <p:timing>
     <p:tnLst>
       <p:par>
-        <p:cTn id="1" dur="indefinite" restart="never" nodeType="tmRoot"/>
+        <p:cTn id="1" dur="indefinite" restart="never" nodeType="tmRoot">
+          <p:childTnLst>
+            <p:seq concurrent="1" nextAc="seek">
+              <p:cTn id="2" dur="indefinite" nodeType="mainSeq">
+                <p:childTnLst>
+                  <p:par>
+                    <p:cTn id="3" fill="hold">
+                      <p:stCondLst>
+                        <p:cond delay="indefinite"/>
+                      </p:stCondLst>
+                      <p:childTnLst>
+                        <p:par>
+                          <p:cTn id="4" fill="hold">
+                            <p:stCondLst>
+                              <p:cond delay="0"/>
+                            </p:stCondLst>
+                            <p:childTnLst>
+                              <p:par>
+                                <p:cTn id="5" presetID="14" presetClass="entr" presetSubtype="10" fill="hold" grpId="0" nodeType="clickEffect">
+                                  <p:stCondLst>
+                                    <p:cond delay="0"/>
+                                  </p:stCondLst>
+                                  <p:childTnLst>
+                                    <p:set>
+                                      <p:cBhvr>
+                                        <p:cTn id="6" dur="1" fill="hold">
+                                          <p:stCondLst>
+                                            <p:cond delay="0"/>
+                                          </p:stCondLst>
+                                        </p:cTn>
+                                        <p:tgtEl>
+                                          <p:spTgt spid="4"/>
+                                        </p:tgtEl>
+                                        <p:attrNameLst>
+                                          <p:attrName>style.visibility</p:attrName>
+                                        </p:attrNameLst>
+                                      </p:cBhvr>
+                                      <p:to>
+                                        <p:strVal val="visible"/>
+                                      </p:to>
+                                    </p:set>
+                                    <p:animEffect transition="in" filter="randombar(horizontal)">
+                                      <p:cBhvr>
+                                        <p:cTn id="7" dur="500"/>
+                                        <p:tgtEl>
+                                          <p:spTgt spid="4"/>
+                                        </p:tgtEl>
+                                      </p:cBhvr>
+                                    </p:animEffect>
+                                  </p:childTnLst>
+                                </p:cTn>
+                              </p:par>
+                            </p:childTnLst>
+                          </p:cTn>
+                        </p:par>
+                      </p:childTnLst>
+                    </p:cTn>
+                  </p:par>
+                </p:childTnLst>
+              </p:cTn>
+              <p:prevCondLst>
+                <p:cond evt="onPrev" delay="0">
+                  <p:tgtEl>
+                    <p:sldTgt/>
+                  </p:tgtEl>
+                </p:cond>
+              </p:prevCondLst>
+              <p:nextCondLst>
+                <p:cond evt="onNext" delay="0">
+                  <p:tgtEl>
+                    <p:sldTgt/>
+                  </p:tgtEl>
+                </p:cond>
+              </p:nextCondLst>
+            </p:seq>
+          </p:childTnLst>
+        </p:cTn>
       </p:par>
     </p:tnLst>
+    <p:bldLst>
+      <p:bldGraphic spid="4" grpId="0">
+        <p:bldAsOne/>
+      </p:bldGraphic>
+    </p:bldLst>
   </p:timing>
 </p:sld>
 </file>
@@ -11823,18 +15869,77 @@
           <a:p>
             <a:r>
               <a:rPr lang="zh-CN" altLang="en-US" dirty="0"/>
-              <a:t>参考资料</a:t>
+              <a:t>环境简介</a:t>
             </a:r>
           </a:p>
         </p:txBody>
       </p:sp>
+      <p:pic>
+        <p:nvPicPr>
+          <p:cNvPr id="1026" name="Picture 2">
+            <a:extLst>
+              <a:ext uri="{FF2B5EF4-FFF2-40B4-BE49-F238E27FC236}">
+                <a16:creationId xmlns:a16="http://schemas.microsoft.com/office/drawing/2014/main" id="{120AF80B-24BA-4932-B761-2010F129420A}"/>
+              </a:ext>
+            </a:extLst>
+          </p:cNvPr>
+          <p:cNvPicPr>
+            <a:picLocks noChangeAspect="1" noChangeArrowheads="1"/>
+          </p:cNvPicPr>
+          <p:nvPr/>
+        </p:nvPicPr>
+        <p:blipFill>
+          <a:blip r:embed="rId2">
+            <a:extLst>
+              <a:ext uri="{28A0092B-C50C-407E-A947-70E740481C1C}">
+                <a14:useLocalDpi xmlns:a14="http://schemas.microsoft.com/office/drawing/2010/main" val="0"/>
+              </a:ext>
+            </a:extLst>
+          </a:blip>
+          <a:srcRect/>
+          <a:stretch>
+            <a:fillRect/>
+          </a:stretch>
+        </p:blipFill>
+        <p:spPr bwMode="auto">
+          <a:xfrm>
+            <a:off x="5310833" y="1886385"/>
+            <a:ext cx="6881167" cy="4971615"/>
+          </a:xfrm>
+          <a:prstGeom prst="rect">
+            <a:avLst/>
+          </a:prstGeom>
+          <a:noFill/>
+          <a:ln>
+            <a:noFill/>
+          </a:ln>
+          <a:extLst>
+            <a:ext uri="{909E8E84-426E-40DD-AFC4-6F175D3DCCD1}">
+              <a14:hiddenFill xmlns:a14="http://schemas.microsoft.com/office/drawing/2010/main">
+                <a:solidFill>
+                  <a:srgbClr val="FFFFFF"/>
+                </a:solidFill>
+              </a14:hiddenFill>
+            </a:ext>
+            <a:ext uri="{91240B29-F687-4F45-9708-019B960494DF}">
+              <a14:hiddenLine xmlns:a14="http://schemas.microsoft.com/office/drawing/2010/main" w="9525">
+                <a:solidFill>
+                  <a:srgbClr val="000000"/>
+                </a:solidFill>
+                <a:miter lim="800000"/>
+                <a:headEnd/>
+                <a:tailEnd/>
+              </a14:hiddenLine>
+            </a:ext>
+          </a:extLst>
+        </p:spPr>
+      </p:pic>
       <p:sp>
         <p:nvSpPr>
-          <p:cNvPr id="3" name="文本框 2">
-            <a:hlinkClick r:id="rId2"/>
+          <p:cNvPr id="4" name="文本框 3">
             <a:extLst>
               <a:ext uri="{FF2B5EF4-FFF2-40B4-BE49-F238E27FC236}">
-                <a16:creationId xmlns:a16="http://schemas.microsoft.com/office/drawing/2014/main" id="{220C1E04-0FAA-4810-9EB8-4FB5668628C3}"/>
+                <a16:creationId xmlns:a16="http://schemas.microsoft.com/office/drawing/2014/main" id="{47B5F9E4-501F-41E6-BECD-568F0B6ECF10}"/>
               </a:ext>
             </a:extLst>
           </p:cNvPr>
@@ -11843,39 +15948,98 @@
         </p:nvSpPr>
         <p:spPr>
           <a:xfrm>
-            <a:off x="843854" y="2734575"/>
-            <a:ext cx="4963218" cy="461665"/>
+            <a:off x="542611" y="2522136"/>
+            <a:ext cx="3928905" cy="2862322"/>
           </a:xfrm>
           <a:prstGeom prst="rect">
             <a:avLst/>
           </a:prstGeom>
           <a:noFill/>
-          <a:ln>
-            <a:noFill/>
-          </a:ln>
         </p:spPr>
         <p:txBody>
-          <a:bodyPr wrap="none" rtlCol="0">
+          <a:bodyPr wrap="square" rtlCol="0">
             <a:spAutoFit/>
           </a:bodyPr>
           <a:lstStyle/>
+          <a:p>
+            <a:r>
+              <a:rPr lang="zh-CN" altLang="en-US" dirty="0"/>
+              <a:t>进入</a:t>
+            </a:r>
+            <a:r>
+              <a:rPr lang="en-US" altLang="zh-CN" dirty="0"/>
+              <a:t>rational rose </a:t>
+            </a:r>
+            <a:r>
+              <a:rPr lang="zh-CN" altLang="en-US" dirty="0"/>
+              <a:t>界面后</a:t>
+            </a:r>
+            <a:endParaRPr lang="en-US" altLang="zh-CN" dirty="0"/>
+          </a:p>
           <a:p>
             <a:pPr marL="285750" indent="-285750">
               <a:buFont typeface="Wingdings" panose="05000000000000000000" pitchFamily="2" charset="2"/>
               <a:buChar char="l"/>
             </a:pPr>
             <a:r>
-              <a:rPr lang="en-US" altLang="zh-CN" sz="2400" dirty="0" smtClean="0"/>
-              <a:t>《UML2</a:t>
-            </a:r>
-            <a:r>
-              <a:rPr lang="zh-CN" altLang="en-US" sz="2400" dirty="0" smtClean="0"/>
-              <a:t>基础、建模与设计教程</a:t>
-            </a:r>
-            <a:r>
-              <a:rPr lang="en-US" altLang="zh-CN" sz="2400" dirty="0" smtClean="0"/>
-              <a:t>》</a:t>
-            </a:r>
+              <a:rPr lang="zh-CN" altLang="zh-CN" dirty="0"/>
+              <a:t>浏览器：用于在模型中迅速漫游。</a:t>
+            </a:r>
+          </a:p>
+          <a:p>
+            <a:pPr marL="285750" indent="-285750">
+              <a:buFont typeface="Wingdings" panose="05000000000000000000" pitchFamily="2" charset="2"/>
+              <a:buChar char="l"/>
+            </a:pPr>
+            <a:r>
+              <a:rPr lang="zh-CN" altLang="zh-CN" dirty="0"/>
+              <a:t>文档工具：用于查看或更新模型元素的文档。</a:t>
+            </a:r>
+          </a:p>
+          <a:p>
+            <a:pPr marL="285750" indent="-285750">
+              <a:buFont typeface="Wingdings" panose="05000000000000000000" pitchFamily="2" charset="2"/>
+              <a:buChar char="l"/>
+            </a:pPr>
+            <a:r>
+              <a:rPr lang="zh-CN" altLang="zh-CN" dirty="0"/>
+              <a:t>工具栏：用于迅速访问常用命令</a:t>
+            </a:r>
+            <a:endParaRPr lang="en-US" altLang="zh-CN" dirty="0"/>
+          </a:p>
+          <a:p>
+            <a:pPr marL="285750" indent="-285750">
+              <a:buFont typeface="Wingdings" panose="05000000000000000000" pitchFamily="2" charset="2"/>
+              <a:buChar char="l"/>
+            </a:pPr>
+            <a:r>
+              <a:rPr lang="zh-CN" altLang="zh-CN" dirty="0"/>
+              <a:t>框图窗口：用于显示和编辑一个或几个</a:t>
+            </a:r>
+            <a:r>
+              <a:rPr lang="en-US" altLang="zh-CN" dirty="0"/>
+              <a:t>UML</a:t>
+            </a:r>
+            <a:r>
+              <a:rPr lang="zh-CN" altLang="zh-CN" dirty="0"/>
+              <a:t>框图。</a:t>
+            </a:r>
+          </a:p>
+          <a:p>
+            <a:pPr marL="285750" indent="-285750">
+              <a:buFont typeface="Wingdings" panose="05000000000000000000" pitchFamily="2" charset="2"/>
+              <a:buChar char="l"/>
+            </a:pPr>
+            <a:r>
+              <a:rPr lang="zh-CN" altLang="zh-CN" dirty="0"/>
+              <a:t>日志：用于查看错误信息和报告各个命令的结果。</a:t>
+            </a:r>
+          </a:p>
+          <a:p>
+            <a:pPr marL="285750" indent="-285750">
+              <a:buFont typeface="Wingdings" panose="05000000000000000000" pitchFamily="2" charset="2"/>
+              <a:buChar char="l"/>
+            </a:pPr>
             <a:endParaRPr lang="en-US" altLang="zh-CN" dirty="0"/>
           </a:p>
         </p:txBody>
@@ -11883,99 +16047,13 @@
     </p:spTree>
     <p:extLst>
       <p:ext uri="{BB962C8B-B14F-4D97-AF65-F5344CB8AC3E}">
-        <p14:creationId xmlns:p14="http://schemas.microsoft.com/office/powerpoint/2010/main" val="622525484"/>
+        <p14:creationId xmlns:p14="http://schemas.microsoft.com/office/powerpoint/2010/main" val="1153271724"/>
       </p:ext>
     </p:extLst>
   </p:cSld>
   <p:clrMapOvr>
     <a:masterClrMapping/>
   </p:clrMapOvr>
-  <p:timing>
-    <p:tnLst>
-      <p:par>
-        <p:cTn id="1" dur="indefinite" restart="never" nodeType="tmRoot">
-          <p:childTnLst>
-            <p:seq concurrent="1" nextAc="seek">
-              <p:cTn id="2" dur="indefinite" nodeType="mainSeq">
-                <p:childTnLst>
-                  <p:par>
-                    <p:cTn id="3" fill="hold">
-                      <p:stCondLst>
-                        <p:cond delay="indefinite"/>
-                      </p:stCondLst>
-                      <p:childTnLst>
-                        <p:par>
-                          <p:cTn id="4" fill="hold">
-                            <p:stCondLst>
-                              <p:cond delay="0"/>
-                            </p:stCondLst>
-                            <p:childTnLst>
-                              <p:par>
-                                <p:cTn id="5" presetID="14" presetClass="entr" presetSubtype="10" fill="hold" grpId="0" nodeType="clickEffect">
-                                  <p:stCondLst>
-                                    <p:cond delay="0"/>
-                                  </p:stCondLst>
-                                  <p:childTnLst>
-                                    <p:set>
-                                      <p:cBhvr>
-                                        <p:cTn id="6" dur="1" fill="hold">
-                                          <p:stCondLst>
-                                            <p:cond delay="0"/>
-                                          </p:stCondLst>
-                                        </p:cTn>
-                                        <p:tgtEl>
-                                          <p:spTgt spid="3"/>
-                                        </p:tgtEl>
-                                        <p:attrNameLst>
-                                          <p:attrName>style.visibility</p:attrName>
-                                        </p:attrNameLst>
-                                      </p:cBhvr>
-                                      <p:to>
-                                        <p:strVal val="visible"/>
-                                      </p:to>
-                                    </p:set>
-                                    <p:animEffect transition="in" filter="randombar(horizontal)">
-                                      <p:cBhvr>
-                                        <p:cTn id="7" dur="500"/>
-                                        <p:tgtEl>
-                                          <p:spTgt spid="3"/>
-                                        </p:tgtEl>
-                                      </p:cBhvr>
-                                    </p:animEffect>
-                                  </p:childTnLst>
-                                </p:cTn>
-                              </p:par>
-                            </p:childTnLst>
-                          </p:cTn>
-                        </p:par>
-                      </p:childTnLst>
-                    </p:cTn>
-                  </p:par>
-                </p:childTnLst>
-              </p:cTn>
-              <p:prevCondLst>
-                <p:cond evt="onPrev" delay="0">
-                  <p:tgtEl>
-                    <p:sldTgt/>
-                  </p:tgtEl>
-                </p:cond>
-              </p:prevCondLst>
-              <p:nextCondLst>
-                <p:cond evt="onNext" delay="0">
-                  <p:tgtEl>
-                    <p:sldTgt/>
-                  </p:tgtEl>
-                </p:cond>
-              </p:nextCondLst>
-            </p:seq>
-          </p:childTnLst>
-        </p:cTn>
-      </p:par>
-    </p:tnLst>
-    <p:bldLst>
-      <p:bldP spid="3" grpId="0"/>
-    </p:bldLst>
-  </p:timing>
 </p:sld>
 </file>
 
@@ -12001,7 +16079,7 @@
           <p:cNvPr id="2" name="标题 1">
             <a:extLst>
               <a:ext uri="{FF2B5EF4-FFF2-40B4-BE49-F238E27FC236}">
-                <a16:creationId xmlns:a16="http://schemas.microsoft.com/office/drawing/2014/main" id="{03F261DD-73E4-4180-97FD-1EE25B466BF2}"/>
+                <a16:creationId xmlns:a16="http://schemas.microsoft.com/office/drawing/2014/main" id="{029433F6-C7F9-4690-9C8A-51E513DA7BE9}"/>
               </a:ext>
             </a:extLst>
           </p:cNvPr>
@@ -12014,7 +16092,7 @@
         </p:nvSpPr>
         <p:spPr>
           <a:xfrm>
-            <a:off x="2379417" y="270826"/>
+            <a:off x="3788553" y="421105"/>
             <a:ext cx="10571998" cy="970450"/>
           </a:xfrm>
         </p:spPr>
@@ -12024,80 +16102,98 @@
           <a:p>
             <a:r>
               <a:rPr lang="zh-CN" altLang="en-US" dirty="0"/>
-              <a:t>小组成员分工与评价</a:t>
-            </a:r>
-            <a:r>
-              <a:rPr lang="en-US" altLang="zh-CN" dirty="0"/>
-              <a:t>(</a:t>
-            </a:r>
-            <a:r>
-              <a:rPr lang="zh-CN" altLang="en-US" dirty="0"/>
-              <a:t>总分</a:t>
-            </a:r>
-            <a:r>
-              <a:rPr lang="en-US" altLang="zh-CN" dirty="0"/>
-              <a:t>5</a:t>
-            </a:r>
-            <a:r>
-              <a:rPr lang="zh-CN" altLang="en-US" dirty="0"/>
-              <a:t>分）</a:t>
+              <a:t>建立基本框图</a:t>
             </a:r>
           </a:p>
         </p:txBody>
       </p:sp>
-      <p:sp>
-        <p:nvSpPr>
-          <p:cNvPr id="3" name="内容占位符 2">
+      <p:pic>
+        <p:nvPicPr>
+          <p:cNvPr id="4" name="图片 3">
             <a:extLst>
               <a:ext uri="{FF2B5EF4-FFF2-40B4-BE49-F238E27FC236}">
-                <a16:creationId xmlns:a16="http://schemas.microsoft.com/office/drawing/2014/main" id="{2C3B77C6-9D77-4837-923D-3F06EBDDE5C8}"/>
+                <a16:creationId xmlns:a16="http://schemas.microsoft.com/office/drawing/2014/main" id="{1C9A636A-A8F6-4DF0-BBAA-E33084FC7A22}"/>
               </a:ext>
             </a:extLst>
           </p:cNvPr>
-          <p:cNvSpPr>
-            <a:spLocks noGrp="1"/>
-          </p:cNvSpPr>
-          <p:nvPr>
-            <p:ph sz="half" idx="1"/>
-          </p:nvPr>
+          <p:cNvPicPr>
+            <a:picLocks noChangeAspect="1"/>
+          </p:cNvPicPr>
+          <p:nvPr/>
+        </p:nvPicPr>
+        <p:blipFill>
+          <a:blip r:embed="rId2"/>
+          <a:stretch>
+            <a:fillRect/>
+          </a:stretch>
+        </p:blipFill>
+        <p:spPr>
+          <a:xfrm>
+            <a:off x="3877043" y="1981118"/>
+            <a:ext cx="8128144" cy="4572081"/>
+          </a:xfrm>
+          <a:prstGeom prst="rect">
+            <a:avLst/>
+          </a:prstGeom>
+        </p:spPr>
+      </p:pic>
+      <p:sp>
+        <p:nvSpPr>
+          <p:cNvPr id="5" name="文本框 4">
+            <a:extLst>
+              <a:ext uri="{FF2B5EF4-FFF2-40B4-BE49-F238E27FC236}">
+                <a16:creationId xmlns:a16="http://schemas.microsoft.com/office/drawing/2014/main" id="{461CBC7A-6F8E-4627-A7EB-F91041A72CB0}"/>
+              </a:ext>
+            </a:extLst>
+          </p:cNvPr>
+          <p:cNvSpPr txBox="1"/>
+          <p:nvPr/>
         </p:nvSpPr>
         <p:spPr>
           <a:xfrm>
-            <a:off x="1480863" y="2527087"/>
-            <a:ext cx="8787743" cy="3638763"/>
+            <a:off x="245806" y="2300748"/>
+            <a:ext cx="3254478" cy="1077218"/>
           </a:xfrm>
+          <a:prstGeom prst="rect">
+            <a:avLst/>
+          </a:prstGeom>
+          <a:noFill/>
         </p:spPr>
         <p:txBody>
-          <a:bodyPr>
-            <a:normAutofit/>
+          <a:bodyPr wrap="square" rtlCol="0">
+            <a:spAutoFit/>
           </a:bodyPr>
           <a:lstStyle/>
           <a:p>
             <a:r>
-              <a:rPr lang="zh-CN" altLang="en-US" sz="2800" dirty="0" smtClean="0"/>
-              <a:t>空</a:t>
-            </a:r>
-            <a:endParaRPr lang="zh-CN" altLang="en-US" sz="2800" dirty="0"/>
+              <a:rPr lang="zh-CN" altLang="en-US" sz="3200" dirty="0"/>
+              <a:t>在</a:t>
+            </a:r>
+            <a:r>
+              <a:rPr lang="en-US" altLang="zh-CN" sz="3200" dirty="0" err="1"/>
+              <a:t>usecase</a:t>
+            </a:r>
+            <a:r>
+              <a:rPr lang="en-US" altLang="zh-CN" sz="3200" dirty="0"/>
+              <a:t> view</a:t>
+            </a:r>
+            <a:r>
+              <a:rPr lang="zh-CN" altLang="en-US" sz="3200" dirty="0"/>
+              <a:t>右键创建用例图</a:t>
+            </a:r>
           </a:p>
         </p:txBody>
       </p:sp>
     </p:spTree>
     <p:extLst>
       <p:ext uri="{BB962C8B-B14F-4D97-AF65-F5344CB8AC3E}">
-        <p14:creationId xmlns:p14="http://schemas.microsoft.com/office/powerpoint/2010/main" val="3388837790"/>
+        <p14:creationId xmlns:p14="http://schemas.microsoft.com/office/powerpoint/2010/main" val="10003817"/>
       </p:ext>
     </p:extLst>
   </p:cSld>
   <p:clrMapOvr>
     <a:masterClrMapping/>
   </p:clrMapOvr>
-  <p:timing>
-    <p:tnLst>
-      <p:par>
-        <p:cTn id="1" dur="indefinite" restart="never" nodeType="tmRoot"/>
-      </p:par>
-    </p:tnLst>
-  </p:timing>
 </p:sld>
 </file>
 

--- a/PRD-2017-G24/STW/非受控文件/翻转课堂作业/UML工具：Rational Rose/UML工具：Rational Rose.pptx
+++ b/PRD-2017-G24/STW/非受控文件/翻转课堂作业/UML工具：Rational Rose/UML工具：Rational Rose.pptx
@@ -6247,7 +6247,7 @@
             <a:fld id="{BC02ACD8-9D28-445F-BAFE-92DA3311E912}" type="datetimeFigureOut">
               <a:rPr lang="zh-CN" altLang="en-US" smtClean="0"/>
               <a:pPr/>
-              <a:t>2017/11/5</a:t>
+              <a:t>2017/11/9</a:t>
             </a:fld>
             <a:endParaRPr lang="zh-CN" altLang="en-US"/>
           </a:p>
@@ -6610,7 +6610,7 @@
           <a:effectLst/>
           <a:extLst>
             <a:ext uri="{91240B29-F687-4f45-9708-019B960494DF}">
-              <a14:hiddenLine xmlns="" xmlns:a14="http://schemas.microsoft.com/office/drawing/2010/main" w="9525">
+              <a14:hiddenLine xmlns:a14="http://schemas.microsoft.com/office/drawing/2010/main" xmlns="" w="9525">
                 <a:solidFill>
                   <a:srgbClr val="000000"/>
                 </a:solidFill>
@@ -6803,7 +6803,7 @@
             <a:fld id="{08B9EBBA-996F-894A-B54A-D6246ED52CEA}" type="datetimeFigureOut">
               <a:rPr lang="en-US" dirty="0"/>
               <a:pPr/>
-              <a:t>11/5/2017</a:t>
+              <a:t>11/9/2017</a:t>
             </a:fld>
             <a:endParaRPr lang="en-US" dirty="0"/>
           </a:p>
@@ -7118,7 +7118,7 @@
             <a:fld id="{18C79C5D-2A6F-F04D-97DA-BEF2467B64E4}" type="datetimeFigureOut">
               <a:rPr lang="en-US" dirty="0"/>
               <a:pPr/>
-              <a:t>11/5/2017</a:t>
+              <a:t>11/9/2017</a:t>
             </a:fld>
             <a:endParaRPr lang="en-US" dirty="0"/>
           </a:p>
@@ -7603,7 +7603,7 @@
             <a:fld id="{8DFA1846-DA80-1C48-A609-854EA85C59AD}" type="datetimeFigureOut">
               <a:rPr lang="en-US" dirty="0"/>
               <a:pPr/>
-              <a:t>11/5/2017</a:t>
+              <a:t>11/9/2017</a:t>
             </a:fld>
             <a:endParaRPr lang="en-US" dirty="0"/>
           </a:p>
@@ -7969,7 +7969,7 @@
             <a:fld id="{FBF54567-0DE4-3F47-BF90-CB84690072F9}" type="datetimeFigureOut">
               <a:rPr lang="en-US" dirty="0"/>
               <a:pPr/>
-              <a:t>11/5/2017</a:t>
+              <a:t>11/9/2017</a:t>
             </a:fld>
             <a:endParaRPr lang="en-US" dirty="0"/>
           </a:p>
@@ -8120,7 +8120,7 @@
           <a:ln/>
           <a:extLst>
             <a:ext uri="{91240B29-F687-4f45-9708-019B960494DF}">
-              <a14:hiddenLine xmlns="" xmlns:a14="http://schemas.microsoft.com/office/drawing/2010/main" w="9525">
+              <a14:hiddenLine xmlns:a14="http://schemas.microsoft.com/office/drawing/2010/main" xmlns="" w="9525">
                 <a:solidFill>
                   <a:srgbClr val="000000"/>
                 </a:solidFill>
@@ -8239,7 +8239,7 @@
             <a:fld id="{C6C52C72-DE31-F449-A4ED-4C594FD91407}" type="datetimeFigureOut">
               <a:rPr lang="en-US" dirty="0"/>
               <a:pPr/>
-              <a:t>11/5/2017</a:t>
+              <a:t>11/9/2017</a:t>
             </a:fld>
             <a:endParaRPr lang="en-US" dirty="0"/>
           </a:p>
@@ -8392,7 +8392,7 @@
           <a:ln/>
           <a:extLst>
             <a:ext uri="{91240B29-F687-4f45-9708-019B960494DF}">
-              <a14:hiddenLine xmlns="" xmlns:a14="http://schemas.microsoft.com/office/drawing/2010/main" w="9525">
+              <a14:hiddenLine xmlns:a14="http://schemas.microsoft.com/office/drawing/2010/main" xmlns="" w="9525">
                 <a:solidFill>
                   <a:srgbClr val="000000"/>
                 </a:solidFill>
@@ -8521,7 +8521,7 @@
             <a:fld id="{ED62726E-379B-B349-9EED-81ED093FA806}" type="datetimeFigureOut">
               <a:rPr lang="en-US" dirty="0"/>
               <a:pPr/>
-              <a:t>11/5/2017</a:t>
+              <a:t>11/9/2017</a:t>
             </a:fld>
             <a:endParaRPr lang="en-US" dirty="0"/>
           </a:p>
@@ -8672,7 +8672,7 @@
           <a:ln/>
           <a:extLst>
             <a:ext uri="{91240B29-F687-4f45-9708-019B960494DF}">
-              <a14:hiddenLine xmlns="" xmlns:a14="http://schemas.microsoft.com/office/drawing/2010/main" w="9525">
+              <a14:hiddenLine xmlns:a14="http://schemas.microsoft.com/office/drawing/2010/main" xmlns="" w="9525">
                 <a:solidFill>
                   <a:srgbClr val="000000"/>
                 </a:solidFill>
@@ -8801,7 +8801,7 @@
             <a:fld id="{9B3A1323-8D79-1946-B0D7-40001CF92E9D}" type="datetimeFigureOut">
               <a:rPr lang="en-US" dirty="0"/>
               <a:pPr/>
-              <a:t>11/5/2017</a:t>
+              <a:t>11/9/2017</a:t>
             </a:fld>
             <a:endParaRPr lang="en-US" dirty="0"/>
           </a:p>
@@ -9141,7 +9141,7 @@
             <a:fld id="{8DFA1846-DA80-1C48-A609-854EA85C59AD}" type="datetimeFigureOut">
               <a:rPr lang="en-US" dirty="0"/>
               <a:pPr/>
-              <a:t>11/5/2017</a:t>
+              <a:t>11/9/2017</a:t>
             </a:fld>
             <a:endParaRPr lang="en-US" dirty="0"/>
           </a:p>
@@ -9292,7 +9292,7 @@
           <a:ln/>
           <a:extLst>
             <a:ext uri="{91240B29-F687-4f45-9708-019B960494DF}">
-              <a14:hiddenLine xmlns="" xmlns:a14="http://schemas.microsoft.com/office/drawing/2010/main" w="9525">
+              <a14:hiddenLine xmlns:a14="http://schemas.microsoft.com/office/drawing/2010/main" xmlns="" w="9525">
                 <a:solidFill>
                   <a:srgbClr val="000000"/>
                 </a:solidFill>
@@ -9477,7 +9477,7 @@
             <a:fld id="{57302355-E14B-8545-A8F8-0FE83CC9D524}" type="datetimeFigureOut">
               <a:rPr lang="en-US" dirty="0"/>
               <a:pPr/>
-              <a:t>11/5/2017</a:t>
+              <a:t>11/9/2017</a:t>
             </a:fld>
             <a:endParaRPr lang="en-US" dirty="0"/>
           </a:p>
@@ -9628,7 +9628,7 @@
           <a:ln/>
           <a:extLst>
             <a:ext uri="{91240B29-F687-4f45-9708-019B960494DF}">
-              <a14:hiddenLine xmlns="" xmlns:a14="http://schemas.microsoft.com/office/drawing/2010/main" w="9525">
+              <a14:hiddenLine xmlns:a14="http://schemas.microsoft.com/office/drawing/2010/main" xmlns="" w="9525">
                 <a:solidFill>
                   <a:srgbClr val="000000"/>
                 </a:solidFill>
@@ -9951,7 +9951,7 @@
             <a:fld id="{02640F58-564D-2B4F-AE67-E407BA4FCF45}" type="datetimeFigureOut">
               <a:rPr lang="en-US" dirty="0"/>
               <a:pPr/>
-              <a:t>11/5/2017</a:t>
+              <a:t>11/9/2017</a:t>
             </a:fld>
             <a:endParaRPr lang="en-US" dirty="0"/>
           </a:p>
@@ -10102,7 +10102,7 @@
           <a:ln/>
           <a:extLst>
             <a:ext uri="{91240B29-F687-4f45-9708-019B960494DF}">
-              <a14:hiddenLine xmlns="" xmlns:a14="http://schemas.microsoft.com/office/drawing/2010/main" w="9525">
+              <a14:hiddenLine xmlns:a14="http://schemas.microsoft.com/office/drawing/2010/main" xmlns="" w="9525">
                 <a:solidFill>
                   <a:srgbClr val="000000"/>
                 </a:solidFill>
@@ -10169,7 +10169,7 @@
             <a:fld id="{F13A34C8-038E-2045-AF43-DF7DBB8E0E9E}" type="datetimeFigureOut">
               <a:rPr lang="en-US" dirty="0"/>
               <a:pPr/>
-              <a:t>11/5/2017</a:t>
+              <a:t>11/9/2017</a:t>
             </a:fld>
             <a:endParaRPr lang="en-US" dirty="0"/>
           </a:p>
@@ -10261,7 +10261,7 @@
             <a:fld id="{8818C68F-D26B-8F47-958C-23B49CF8A634}" type="datetimeFigureOut">
               <a:rPr lang="en-US" dirty="0"/>
               <a:pPr/>
-              <a:t>11/5/2017</a:t>
+              <a:t>11/9/2017</a:t>
             </a:fld>
             <a:endParaRPr lang="en-US" dirty="0"/>
           </a:p>
@@ -10525,7 +10525,7 @@
           <a:ln/>
           <a:extLst>
             <a:ext uri="{91240B29-F687-4f45-9708-019B960494DF}">
-              <a14:hiddenLine xmlns="" xmlns:a14="http://schemas.microsoft.com/office/drawing/2010/main" w="9525">
+              <a14:hiddenLine xmlns:a14="http://schemas.microsoft.com/office/drawing/2010/main" xmlns="" w="9525">
                 <a:solidFill>
                   <a:srgbClr val="000000"/>
                 </a:solidFill>
@@ -10725,7 +10725,7 @@
             <a:fld id="{D0DF5E60-9974-AC48-9591-99C2BB44B7CF}" type="datetimeFigureOut">
               <a:rPr lang="en-US" dirty="0"/>
               <a:pPr/>
-              <a:t>11/5/2017</a:t>
+              <a:t>11/9/2017</a:t>
             </a:fld>
             <a:endParaRPr lang="en-US" dirty="0"/>
           </a:p>
@@ -11035,7 +11035,7 @@
             <a:fld id="{18C79C5D-2A6F-F04D-97DA-BEF2467B64E4}" type="datetimeFigureOut">
               <a:rPr lang="en-US" dirty="0"/>
               <a:pPr/>
-              <a:t>11/5/2017</a:t>
+              <a:t>11/9/2017</a:t>
             </a:fld>
             <a:endParaRPr lang="en-US" dirty="0"/>
           </a:p>
@@ -11302,7 +11302,7 @@
             <a:fld id="{09B482E8-6E0E-1B4F-B1FD-C69DB9E858D9}" type="datetimeFigureOut">
               <a:rPr lang="en-US" dirty="0"/>
               <a:pPr/>
-              <a:t>11/5/2017</a:t>
+              <a:t>11/9/2017</a:t>
             </a:fld>
             <a:endParaRPr lang="en-US" dirty="0"/>
           </a:p>
@@ -12907,7 +12907,7 @@
                                         <p:tgtEl>
                                           <p:spTgt spid="2">
                                             <p:txEl>
-                                              <p:charRg st="60" end="71"/>
+                                              <p:pRg st="3" end="3"/>
                                             </p:txEl>
                                           </p:spTgt>
                                         </p:tgtEl>
@@ -13682,11 +13682,19 @@
           <a:p>
             <a:r>
               <a:rPr lang="zh-CN" altLang="en-US" sz="2800" dirty="0"/>
-              <a:t>黄栋材熟悉</a:t>
+              <a:t>黄栋材</a:t>
             </a:r>
             <a:r>
               <a:rPr lang="en-US" altLang="zh-CN" sz="2800" dirty="0"/>
-              <a:t>ppt——1</a:t>
+              <a:t>ppt</a:t>
+            </a:r>
+            <a:r>
+              <a:rPr lang="zh-CN" altLang="en-US" sz="2800"/>
+              <a:t>查验</a:t>
+            </a:r>
+            <a:r>
+              <a:rPr lang="en-US" altLang="zh-CN" sz="2800"/>
+              <a:t>——65</a:t>
             </a:r>
             <a:r>
               <a:rPr lang="zh-CN" altLang="en-US" sz="2800" dirty="0"/>
@@ -13717,7 +13725,7 @@
             </a:r>
             <a:r>
               <a:rPr lang="en-US" altLang="zh-CN" sz="2800" dirty="0"/>
-              <a:t>——5</a:t>
+              <a:t>——87</a:t>
             </a:r>
             <a:r>
               <a:rPr lang="zh-CN" altLang="en-US" sz="2800" dirty="0"/>
@@ -13740,7 +13748,7 @@
             </a:r>
             <a:r>
               <a:rPr lang="en-US" altLang="zh-CN" sz="2800" dirty="0"/>
-              <a:t>——2</a:t>
+              <a:t>——71</a:t>
             </a:r>
             <a:r>
               <a:rPr lang="zh-CN" altLang="en-US" sz="2800" dirty="0"/>
@@ -13763,7 +13771,7 @@
             </a:r>
             <a:r>
               <a:rPr lang="en-US" altLang="zh-CN" sz="2800" dirty="0"/>
-              <a:t>——3</a:t>
+              <a:t>——75</a:t>
             </a:r>
             <a:r>
               <a:rPr lang="zh-CN" altLang="en-US" sz="2800" dirty="0"/>
@@ -13786,7 +13794,7 @@
             </a:r>
             <a:r>
               <a:rPr lang="en-US" altLang="zh-CN" sz="2800" dirty="0"/>
-              <a:t>——4</a:t>
+              <a:t>——80</a:t>
             </a:r>
             <a:r>
               <a:rPr lang="zh-CN" altLang="en-US" sz="2800" dirty="0"/>
@@ -14080,7 +14088,7 @@
           <a:ln/>
           <a:extLst>
             <a:ext uri="{91240B29-F687-4f45-9708-019B960494DF}">
-              <a14:hiddenLine xmlns="" xmlns:a14="http://schemas.microsoft.com/office/drawing/2010/main" w="9525">
+              <a14:hiddenLine xmlns:a14="http://schemas.microsoft.com/office/drawing/2010/main" xmlns="" w="9525">
                 <a:solidFill>
                   <a:srgbClr val="000000"/>
                 </a:solidFill>

--- a/PRD-2017-G24/STW/非受控文件/翻转课堂作业/UML工具：Rational Rose/UML工具：Rational Rose.pptx
+++ b/PRD-2017-G24/STW/非受控文件/翻转课堂作业/UML工具：Rational Rose/UML工具：Rational Rose.pptx
@@ -5,7 +5,7 @@
     <p:sldMasterId id="2147483648" r:id="rId1"/>
   </p:sldMasterIdLst>
   <p:notesMasterIdLst>
-    <p:notesMasterId r:id="rId19"/>
+    <p:notesMasterId r:id="rId23"/>
   </p:notesMasterIdLst>
   <p:sldIdLst>
     <p:sldId id="256" r:id="rId2"/>
@@ -19,12 +19,16 @@
     <p:sldId id="287" r:id="rId10"/>
     <p:sldId id="289" r:id="rId11"/>
     <p:sldId id="290" r:id="rId12"/>
-    <p:sldId id="293" r:id="rId13"/>
-    <p:sldId id="294" r:id="rId14"/>
-    <p:sldId id="295" r:id="rId15"/>
-    <p:sldId id="271" r:id="rId16"/>
-    <p:sldId id="296" r:id="rId17"/>
-    <p:sldId id="273" r:id="rId18"/>
+    <p:sldId id="299" r:id="rId13"/>
+    <p:sldId id="296" r:id="rId14"/>
+    <p:sldId id="297" r:id="rId15"/>
+    <p:sldId id="298" r:id="rId16"/>
+    <p:sldId id="293" r:id="rId17"/>
+    <p:sldId id="294" r:id="rId18"/>
+    <p:sldId id="295" r:id="rId19"/>
+    <p:sldId id="271" r:id="rId20"/>
+    <p:sldId id="272" r:id="rId21"/>
+    <p:sldId id="273" r:id="rId22"/>
   </p:sldIdLst>
   <p:sldSz cx="12192000" cy="6858000"/>
   <p:notesSz cx="6858000" cy="9144000"/>
@@ -1900,6 +1904,13 @@
         </dgm:presLayoutVars>
       </dgm:prSet>
       <dgm:spPr/>
+      <dgm:t>
+        <a:bodyPr/>
+        <a:lstStyle/>
+        <a:p>
+          <a:endParaRPr lang="zh-CN" altLang="en-US"/>
+        </a:p>
+      </dgm:t>
     </dgm:pt>
     <dgm:pt modelId="{BB10B3FE-71B2-44C4-9881-9B1B6C4ED30A}" type="pres">
       <dgm:prSet presAssocID="{1FA03D0B-431E-4552-972E-930F5F39D8D4}" presName="thickLine" presStyleLbl="alignNode1" presStyleIdx="0" presStyleCnt="5"/>
@@ -1912,6 +1923,13 @@
     <dgm:pt modelId="{FC9D7768-4563-493E-B454-DDCFD4BDB902}" type="pres">
       <dgm:prSet presAssocID="{1FA03D0B-431E-4552-972E-930F5F39D8D4}" presName="tx1" presStyleLbl="revTx" presStyleIdx="0" presStyleCnt="5"/>
       <dgm:spPr/>
+      <dgm:t>
+        <a:bodyPr/>
+        <a:lstStyle/>
+        <a:p>
+          <a:endParaRPr lang="zh-CN" altLang="en-US"/>
+        </a:p>
+      </dgm:t>
     </dgm:pt>
     <dgm:pt modelId="{AD1CF356-254A-496B-8B30-7E65A8D385E9}" type="pres">
       <dgm:prSet presAssocID="{1FA03D0B-431E-4552-972E-930F5F39D8D4}" presName="vert1" presStyleCnt="0"/>
@@ -1928,6 +1946,13 @@
     <dgm:pt modelId="{BB3D9FB9-476E-49C0-B80D-9BE2F7650722}" type="pres">
       <dgm:prSet presAssocID="{F4D98294-6926-4BC8-9678-4AE0179FD98D}" presName="tx1" presStyleLbl="revTx" presStyleIdx="1" presStyleCnt="5"/>
       <dgm:spPr/>
+      <dgm:t>
+        <a:bodyPr/>
+        <a:lstStyle/>
+        <a:p>
+          <a:endParaRPr lang="zh-CN" altLang="en-US"/>
+        </a:p>
+      </dgm:t>
     </dgm:pt>
     <dgm:pt modelId="{D99806E3-20C1-4E7F-8374-0210A0C1A8AE}" type="pres">
       <dgm:prSet presAssocID="{F4D98294-6926-4BC8-9678-4AE0179FD98D}" presName="vert1" presStyleCnt="0"/>
@@ -1944,6 +1969,13 @@
     <dgm:pt modelId="{4115A148-7C9F-4251-95F8-2A051B52D5AC}" type="pres">
       <dgm:prSet presAssocID="{F26DE089-A9FD-4546-96AF-71432FD40C75}" presName="tx1" presStyleLbl="revTx" presStyleIdx="2" presStyleCnt="5"/>
       <dgm:spPr/>
+      <dgm:t>
+        <a:bodyPr/>
+        <a:lstStyle/>
+        <a:p>
+          <a:endParaRPr lang="zh-CN" altLang="en-US"/>
+        </a:p>
+      </dgm:t>
     </dgm:pt>
     <dgm:pt modelId="{394814FA-CDAF-4CC8-8109-62E7A5FA331D}" type="pres">
       <dgm:prSet presAssocID="{F26DE089-A9FD-4546-96AF-71432FD40C75}" presName="vert1" presStyleCnt="0"/>
@@ -1960,6 +1992,13 @@
     <dgm:pt modelId="{6E7F40F4-8AD4-4B41-B47C-36B2AEBB1404}" type="pres">
       <dgm:prSet presAssocID="{86D43763-6E2F-46C1-A483-D882A36FD667}" presName="tx1" presStyleLbl="revTx" presStyleIdx="3" presStyleCnt="5"/>
       <dgm:spPr/>
+      <dgm:t>
+        <a:bodyPr/>
+        <a:lstStyle/>
+        <a:p>
+          <a:endParaRPr lang="zh-CN" altLang="en-US"/>
+        </a:p>
+      </dgm:t>
     </dgm:pt>
     <dgm:pt modelId="{C3E35090-9041-4488-AABC-7721A8A4DC3A}" type="pres">
       <dgm:prSet presAssocID="{86D43763-6E2F-46C1-A483-D882A36FD667}" presName="vert1" presStyleCnt="0"/>
@@ -1976,6 +2015,13 @@
     <dgm:pt modelId="{F4825D67-71D4-4C0F-8025-EC4261B1609B}" type="pres">
       <dgm:prSet presAssocID="{3EE7B305-7996-4A48-B27A-9F4B29D23B3E}" presName="tx1" presStyleLbl="revTx" presStyleIdx="4" presStyleCnt="5"/>
       <dgm:spPr/>
+      <dgm:t>
+        <a:bodyPr/>
+        <a:lstStyle/>
+        <a:p>
+          <a:endParaRPr lang="zh-CN" altLang="en-US"/>
+        </a:p>
+      </dgm:t>
     </dgm:pt>
     <dgm:pt modelId="{2C89DF67-39C5-4736-9DB1-74B32D1BEA6C}" type="pres">
       <dgm:prSet presAssocID="{3EE7B305-7996-4A48-B27A-9F4B29D23B3E}" presName="vert1" presStyleCnt="0"/>
@@ -1985,15 +2031,15 @@
   <dgm:cxnLst>
     <dgm:cxn modelId="{29692E02-3CF0-4661-9DD8-7A4258B392DE}" srcId="{61344293-A1DE-4EC5-9A38-FAB9B9B4968C}" destId="{3EE7B305-7996-4A48-B27A-9F4B29D23B3E}" srcOrd="4" destOrd="0" parTransId="{A7E313B4-162B-4558-9EA7-D540C7A29851}" sibTransId="{4EFF5919-82E2-4314-B676-FE08D9202A54}"/>
     <dgm:cxn modelId="{70531028-9C6C-4134-870F-A22568E48605}" type="presOf" srcId="{86D43763-6E2F-46C1-A483-D882A36FD667}" destId="{6E7F40F4-8AD4-4B41-B47C-36B2AEBB1404}" srcOrd="0" destOrd="0" presId="urn:microsoft.com/office/officeart/2008/layout/LinedList"/>
+    <dgm:cxn modelId="{72C78C39-D2FD-4657-A685-C850D72D9035}" srcId="{61344293-A1DE-4EC5-9A38-FAB9B9B4968C}" destId="{1FA03D0B-431E-4552-972E-930F5F39D8D4}" srcOrd="0" destOrd="0" parTransId="{DCA24973-8AA7-41B9-9B6A-AC4F09257488}" sibTransId="{7A188E71-997C-494E-B9C2-BAD4C716D4A0}"/>
+    <dgm:cxn modelId="{FC96EF33-F0CD-420E-9A7B-30F9B6896026}" srcId="{61344293-A1DE-4EC5-9A38-FAB9B9B4968C}" destId="{F4D98294-6926-4BC8-9678-4AE0179FD98D}" srcOrd="1" destOrd="0" parTransId="{A14163C1-0CF1-4D38-B620-EB744E35794C}" sibTransId="{3796F5A7-8CBE-40D5-9D1D-9C0979F64A9C}"/>
+    <dgm:cxn modelId="{6F74CE48-579E-431D-9583-58A5F2ED3C85}" srcId="{61344293-A1DE-4EC5-9A38-FAB9B9B4968C}" destId="{F26DE089-A9FD-4546-96AF-71432FD40C75}" srcOrd="2" destOrd="0" parTransId="{1A63B470-973A-4426-A553-6A92D4588D20}" sibTransId="{F05992B1-9FD4-41E0-8709-1F3CDB8109B3}"/>
+    <dgm:cxn modelId="{0EDCF550-DA4A-4A70-A9D9-2D3A3C531AD5}" type="presOf" srcId="{F26DE089-A9FD-4546-96AF-71432FD40C75}" destId="{4115A148-7C9F-4251-95F8-2A051B52D5AC}" srcOrd="0" destOrd="0" presId="urn:microsoft.com/office/officeart/2008/layout/LinedList"/>
+    <dgm:cxn modelId="{CBD663FB-7E17-4FB7-974B-E4292ABDEB83}" srcId="{61344293-A1DE-4EC5-9A38-FAB9B9B4968C}" destId="{86D43763-6E2F-46C1-A483-D882A36FD667}" srcOrd="3" destOrd="0" parTransId="{DE3A533C-8A40-459E-89D9-0E2DA916A225}" sibTransId="{AF3D2571-5B4C-4902-85F1-2329519D83A3}"/>
+    <dgm:cxn modelId="{7C80495A-D039-4CC0-AD85-F41F30EFBF07}" type="presOf" srcId="{1FA03D0B-431E-4552-972E-930F5F39D8D4}" destId="{FC9D7768-4563-493E-B454-DDCFD4BDB902}" srcOrd="0" destOrd="0" presId="urn:microsoft.com/office/officeart/2008/layout/LinedList"/>
     <dgm:cxn modelId="{3190A730-C30D-4588-B494-DA7A5CD543E7}" type="presOf" srcId="{3EE7B305-7996-4A48-B27A-9F4B29D23B3E}" destId="{F4825D67-71D4-4C0F-8025-EC4261B1609B}" srcOrd="0" destOrd="0" presId="urn:microsoft.com/office/officeart/2008/layout/LinedList"/>
-    <dgm:cxn modelId="{FC96EF33-F0CD-420E-9A7B-30F9B6896026}" srcId="{61344293-A1DE-4EC5-9A38-FAB9B9B4968C}" destId="{F4D98294-6926-4BC8-9678-4AE0179FD98D}" srcOrd="1" destOrd="0" parTransId="{A14163C1-0CF1-4D38-B620-EB744E35794C}" sibTransId="{3796F5A7-8CBE-40D5-9D1D-9C0979F64A9C}"/>
-    <dgm:cxn modelId="{72C78C39-D2FD-4657-A685-C850D72D9035}" srcId="{61344293-A1DE-4EC5-9A38-FAB9B9B4968C}" destId="{1FA03D0B-431E-4552-972E-930F5F39D8D4}" srcOrd="0" destOrd="0" parTransId="{DCA24973-8AA7-41B9-9B6A-AC4F09257488}" sibTransId="{7A188E71-997C-494E-B9C2-BAD4C716D4A0}"/>
-    <dgm:cxn modelId="{6F74CE48-579E-431D-9583-58A5F2ED3C85}" srcId="{61344293-A1DE-4EC5-9A38-FAB9B9B4968C}" destId="{F26DE089-A9FD-4546-96AF-71432FD40C75}" srcOrd="2" destOrd="0" parTransId="{1A63B470-973A-4426-A553-6A92D4588D20}" sibTransId="{F05992B1-9FD4-41E0-8709-1F3CDB8109B3}"/>
     <dgm:cxn modelId="{33D50369-788E-49A7-8974-C3AD880B79B4}" type="presOf" srcId="{61344293-A1DE-4EC5-9A38-FAB9B9B4968C}" destId="{16C4A9B8-6EFE-4EE6-A024-B6B528189985}" srcOrd="0" destOrd="0" presId="urn:microsoft.com/office/officeart/2008/layout/LinedList"/>
-    <dgm:cxn modelId="{0EDCF550-DA4A-4A70-A9D9-2D3A3C531AD5}" type="presOf" srcId="{F26DE089-A9FD-4546-96AF-71432FD40C75}" destId="{4115A148-7C9F-4251-95F8-2A051B52D5AC}" srcOrd="0" destOrd="0" presId="urn:microsoft.com/office/officeart/2008/layout/LinedList"/>
-    <dgm:cxn modelId="{7C80495A-D039-4CC0-AD85-F41F30EFBF07}" type="presOf" srcId="{1FA03D0B-431E-4552-972E-930F5F39D8D4}" destId="{FC9D7768-4563-493E-B454-DDCFD4BDB902}" srcOrd="0" destOrd="0" presId="urn:microsoft.com/office/officeart/2008/layout/LinedList"/>
     <dgm:cxn modelId="{A87C39E1-E138-40B9-8A97-77B92E5EBC22}" type="presOf" srcId="{F4D98294-6926-4BC8-9678-4AE0179FD98D}" destId="{BB3D9FB9-476E-49C0-B80D-9BE2F7650722}" srcOrd="0" destOrd="0" presId="urn:microsoft.com/office/officeart/2008/layout/LinedList"/>
-    <dgm:cxn modelId="{CBD663FB-7E17-4FB7-974B-E4292ABDEB83}" srcId="{61344293-A1DE-4EC5-9A38-FAB9B9B4968C}" destId="{86D43763-6E2F-46C1-A483-D882A36FD667}" srcOrd="3" destOrd="0" parTransId="{DE3A533C-8A40-459E-89D9-0E2DA916A225}" sibTransId="{AF3D2571-5B4C-4902-85F1-2329519D83A3}"/>
     <dgm:cxn modelId="{82E7AEFF-4A18-459E-9D95-FC25F3034281}" type="presParOf" srcId="{16C4A9B8-6EFE-4EE6-A024-B6B528189985}" destId="{BB10B3FE-71B2-44C4-9881-9B1B6C4ED30A}" srcOrd="0" destOrd="0" presId="urn:microsoft.com/office/officeart/2008/layout/LinedList"/>
     <dgm:cxn modelId="{0D745BA1-B015-43B1-A3DE-FD84DD748F8B}" type="presParOf" srcId="{16C4A9B8-6EFE-4EE6-A024-B6B528189985}" destId="{963CAB5B-C43A-4ACF-989E-11E2303E77FD}" srcOrd="1" destOrd="0" presId="urn:microsoft.com/office/officeart/2008/layout/LinedList"/>
     <dgm:cxn modelId="{9B738220-9BF1-40D4-AFBB-C8F4E77F79A1}" type="presParOf" srcId="{963CAB5B-C43A-4ACF-989E-11E2303E77FD}" destId="{FC9D7768-4563-493E-B454-DDCFD4BDB902}" srcOrd="0" destOrd="0" presId="urn:microsoft.com/office/officeart/2008/layout/LinedList"/>
@@ -2129,6 +2175,51 @@
         </a:p>
       </dgm:t>
     </dgm:pt>
+    <dgm:pt modelId="{4CD9E07E-1019-4B29-AAC9-E1D3A2D700D1}">
+      <dgm:prSet/>
+      <dgm:spPr/>
+      <dgm:t>
+        <a:bodyPr/>
+        <a:lstStyle/>
+        <a:p>
+          <a:r>
+            <a:rPr lang="en-US" dirty="0"/>
+            <a:t>3</a:t>
+          </a:r>
+          <a:r>
+            <a:rPr lang="en-US" altLang="zh-CN" dirty="0"/>
+            <a:t>.   </a:t>
+          </a:r>
+          <a:r>
+            <a:rPr lang="zh-CN" altLang="en-US" dirty="0"/>
+            <a:t>逆向工程 </a:t>
+          </a:r>
+          <a:endParaRPr lang="en-US" dirty="0"/>
+        </a:p>
+      </dgm:t>
+    </dgm:pt>
+    <dgm:pt modelId="{B152A7EE-70BD-40F1-B105-BABB0FD78772}" type="parTrans" cxnId="{3A50412C-E879-4781-87E6-78DD3F1464CD}">
+      <dgm:prSet/>
+      <dgm:spPr/>
+      <dgm:t>
+        <a:bodyPr/>
+        <a:lstStyle/>
+        <a:p>
+          <a:endParaRPr lang="zh-CN" altLang="en-US"/>
+        </a:p>
+      </dgm:t>
+    </dgm:pt>
+    <dgm:pt modelId="{695A5449-6864-41DC-B717-5B315FE688CF}" type="sibTrans" cxnId="{3A50412C-E879-4781-87E6-78DD3F1464CD}">
+      <dgm:prSet/>
+      <dgm:spPr/>
+      <dgm:t>
+        <a:bodyPr/>
+        <a:lstStyle/>
+        <a:p>
+          <a:endParaRPr lang="zh-CN" altLang="en-US"/>
+        </a:p>
+      </dgm:t>
+    </dgm:pt>
     <dgm:pt modelId="{16C4A9B8-6EFE-4EE6-A024-B6B528189985}" type="pres">
       <dgm:prSet presAssocID="{61344293-A1DE-4EC5-9A38-FAB9B9B4968C}" presName="vert0" presStyleCnt="0">
         <dgm:presLayoutVars>
@@ -2138,9 +2229,16 @@
         </dgm:presLayoutVars>
       </dgm:prSet>
       <dgm:spPr/>
+      <dgm:t>
+        <a:bodyPr/>
+        <a:lstStyle/>
+        <a:p>
+          <a:endParaRPr lang="zh-CN" altLang="en-US"/>
+        </a:p>
+      </dgm:t>
     </dgm:pt>
     <dgm:pt modelId="{BB10B3FE-71B2-44C4-9881-9B1B6C4ED30A}" type="pres">
-      <dgm:prSet presAssocID="{1FA03D0B-431E-4552-972E-930F5F39D8D4}" presName="thickLine" presStyleLbl="alignNode1" presStyleIdx="0" presStyleCnt="2"/>
+      <dgm:prSet presAssocID="{1FA03D0B-431E-4552-972E-930F5F39D8D4}" presName="thickLine" presStyleLbl="alignNode1" presStyleIdx="0" presStyleCnt="3"/>
       <dgm:spPr/>
     </dgm:pt>
     <dgm:pt modelId="{963CAB5B-C43A-4ACF-989E-11E2303E77FD}" type="pres">
@@ -2148,15 +2246,22 @@
       <dgm:spPr/>
     </dgm:pt>
     <dgm:pt modelId="{FC9D7768-4563-493E-B454-DDCFD4BDB902}" type="pres">
-      <dgm:prSet presAssocID="{1FA03D0B-431E-4552-972E-930F5F39D8D4}" presName="tx1" presStyleLbl="revTx" presStyleIdx="0" presStyleCnt="2"/>
+      <dgm:prSet presAssocID="{1FA03D0B-431E-4552-972E-930F5F39D8D4}" presName="tx1" presStyleLbl="revTx" presStyleIdx="0" presStyleCnt="3"/>
       <dgm:spPr/>
+      <dgm:t>
+        <a:bodyPr/>
+        <a:lstStyle/>
+        <a:p>
+          <a:endParaRPr lang="zh-CN" altLang="en-US"/>
+        </a:p>
+      </dgm:t>
     </dgm:pt>
     <dgm:pt modelId="{AD1CF356-254A-496B-8B30-7E65A8D385E9}" type="pres">
       <dgm:prSet presAssocID="{1FA03D0B-431E-4552-972E-930F5F39D8D4}" presName="vert1" presStyleCnt="0"/>
       <dgm:spPr/>
     </dgm:pt>
     <dgm:pt modelId="{DF0B91BF-B4CA-4353-8D74-953111AFF567}" type="pres">
-      <dgm:prSet presAssocID="{F4D98294-6926-4BC8-9678-4AE0179FD98D}" presName="thickLine" presStyleLbl="alignNode1" presStyleIdx="1" presStyleCnt="2"/>
+      <dgm:prSet presAssocID="{F4D98294-6926-4BC8-9678-4AE0179FD98D}" presName="thickLine" presStyleLbl="alignNode1" presStyleIdx="1" presStyleCnt="3"/>
       <dgm:spPr/>
     </dgm:pt>
     <dgm:pt modelId="{A98FBA0E-0CB2-4998-B8F8-C375C5C16B25}" type="pres">
@@ -2164,19 +2269,51 @@
       <dgm:spPr/>
     </dgm:pt>
     <dgm:pt modelId="{BB3D9FB9-476E-49C0-B80D-9BE2F7650722}" type="pres">
-      <dgm:prSet presAssocID="{F4D98294-6926-4BC8-9678-4AE0179FD98D}" presName="tx1" presStyleLbl="revTx" presStyleIdx="1" presStyleCnt="2"/>
+      <dgm:prSet presAssocID="{F4D98294-6926-4BC8-9678-4AE0179FD98D}" presName="tx1" presStyleLbl="revTx" presStyleIdx="1" presStyleCnt="3"/>
       <dgm:spPr/>
+      <dgm:t>
+        <a:bodyPr/>
+        <a:lstStyle/>
+        <a:p>
+          <a:endParaRPr lang="zh-CN" altLang="en-US"/>
+        </a:p>
+      </dgm:t>
     </dgm:pt>
     <dgm:pt modelId="{D99806E3-20C1-4E7F-8374-0210A0C1A8AE}" type="pres">
       <dgm:prSet presAssocID="{F4D98294-6926-4BC8-9678-4AE0179FD98D}" presName="vert1" presStyleCnt="0"/>
       <dgm:spPr/>
     </dgm:pt>
+    <dgm:pt modelId="{84DA168B-23E5-47E7-B1BE-D1744CC2BBC2}" type="pres">
+      <dgm:prSet presAssocID="{4CD9E07E-1019-4B29-AAC9-E1D3A2D700D1}" presName="thickLine" presStyleLbl="alignNode1" presStyleIdx="2" presStyleCnt="3"/>
+      <dgm:spPr/>
+    </dgm:pt>
+    <dgm:pt modelId="{AEF8FC5E-7B3C-4F07-BDE9-1FDE27F0EAC6}" type="pres">
+      <dgm:prSet presAssocID="{4CD9E07E-1019-4B29-AAC9-E1D3A2D700D1}" presName="horz1" presStyleCnt="0"/>
+      <dgm:spPr/>
+    </dgm:pt>
+    <dgm:pt modelId="{3D625F83-65B3-43A9-93D6-EC3B173B782B}" type="pres">
+      <dgm:prSet presAssocID="{4CD9E07E-1019-4B29-AAC9-E1D3A2D700D1}" presName="tx1" presStyleLbl="revTx" presStyleIdx="2" presStyleCnt="3"/>
+      <dgm:spPr/>
+      <dgm:t>
+        <a:bodyPr/>
+        <a:lstStyle/>
+        <a:p>
+          <a:endParaRPr lang="zh-CN" altLang="en-US"/>
+        </a:p>
+      </dgm:t>
+    </dgm:pt>
+    <dgm:pt modelId="{63A69333-C732-4A12-9E85-71CEFF83F827}" type="pres">
+      <dgm:prSet presAssocID="{4CD9E07E-1019-4B29-AAC9-E1D3A2D700D1}" presName="vert1" presStyleCnt="0"/>
+      <dgm:spPr/>
+    </dgm:pt>
   </dgm:ptLst>
   <dgm:cxnLst>
+    <dgm:cxn modelId="{72C78C39-D2FD-4657-A685-C850D72D9035}" srcId="{61344293-A1DE-4EC5-9A38-FAB9B9B4968C}" destId="{1FA03D0B-431E-4552-972E-930F5F39D8D4}" srcOrd="0" destOrd="0" parTransId="{DCA24973-8AA7-41B9-9B6A-AC4F09257488}" sibTransId="{7A188E71-997C-494E-B9C2-BAD4C716D4A0}"/>
     <dgm:cxn modelId="{FC96EF33-F0CD-420E-9A7B-30F9B6896026}" srcId="{61344293-A1DE-4EC5-9A38-FAB9B9B4968C}" destId="{F4D98294-6926-4BC8-9678-4AE0179FD98D}" srcOrd="1" destOrd="0" parTransId="{A14163C1-0CF1-4D38-B620-EB744E35794C}" sibTransId="{3796F5A7-8CBE-40D5-9D1D-9C0979F64A9C}"/>
-    <dgm:cxn modelId="{72C78C39-D2FD-4657-A685-C850D72D9035}" srcId="{61344293-A1DE-4EC5-9A38-FAB9B9B4968C}" destId="{1FA03D0B-431E-4552-972E-930F5F39D8D4}" srcOrd="0" destOrd="0" parTransId="{DCA24973-8AA7-41B9-9B6A-AC4F09257488}" sibTransId="{7A188E71-997C-494E-B9C2-BAD4C716D4A0}"/>
+    <dgm:cxn modelId="{4F5FDF1E-9B03-4B62-AF41-739E9C460E32}" type="presOf" srcId="{4CD9E07E-1019-4B29-AAC9-E1D3A2D700D1}" destId="{3D625F83-65B3-43A9-93D6-EC3B173B782B}" srcOrd="0" destOrd="0" presId="urn:microsoft.com/office/officeart/2008/layout/LinedList"/>
+    <dgm:cxn modelId="{7C80495A-D039-4CC0-AD85-F41F30EFBF07}" type="presOf" srcId="{1FA03D0B-431E-4552-972E-930F5F39D8D4}" destId="{FC9D7768-4563-493E-B454-DDCFD4BDB902}" srcOrd="0" destOrd="0" presId="urn:microsoft.com/office/officeart/2008/layout/LinedList"/>
     <dgm:cxn modelId="{33D50369-788E-49A7-8974-C3AD880B79B4}" type="presOf" srcId="{61344293-A1DE-4EC5-9A38-FAB9B9B4968C}" destId="{16C4A9B8-6EFE-4EE6-A024-B6B528189985}" srcOrd="0" destOrd="0" presId="urn:microsoft.com/office/officeart/2008/layout/LinedList"/>
-    <dgm:cxn modelId="{7C80495A-D039-4CC0-AD85-F41F30EFBF07}" type="presOf" srcId="{1FA03D0B-431E-4552-972E-930F5F39D8D4}" destId="{FC9D7768-4563-493E-B454-DDCFD4BDB902}" srcOrd="0" destOrd="0" presId="urn:microsoft.com/office/officeart/2008/layout/LinedList"/>
+    <dgm:cxn modelId="{3A50412C-E879-4781-87E6-78DD3F1464CD}" srcId="{61344293-A1DE-4EC5-9A38-FAB9B9B4968C}" destId="{4CD9E07E-1019-4B29-AAC9-E1D3A2D700D1}" srcOrd="2" destOrd="0" parTransId="{B152A7EE-70BD-40F1-B105-BABB0FD78772}" sibTransId="{695A5449-6864-41DC-B717-5B315FE688CF}"/>
     <dgm:cxn modelId="{A87C39E1-E138-40B9-8A97-77B92E5EBC22}" type="presOf" srcId="{F4D98294-6926-4BC8-9678-4AE0179FD98D}" destId="{BB3D9FB9-476E-49C0-B80D-9BE2F7650722}" srcOrd="0" destOrd="0" presId="urn:microsoft.com/office/officeart/2008/layout/LinedList"/>
     <dgm:cxn modelId="{82E7AEFF-4A18-459E-9D95-FC25F3034281}" type="presParOf" srcId="{16C4A9B8-6EFE-4EE6-A024-B6B528189985}" destId="{BB10B3FE-71B2-44C4-9881-9B1B6C4ED30A}" srcOrd="0" destOrd="0" presId="urn:microsoft.com/office/officeart/2008/layout/LinedList"/>
     <dgm:cxn modelId="{0D745BA1-B015-43B1-A3DE-FD84DD748F8B}" type="presParOf" srcId="{16C4A9B8-6EFE-4EE6-A024-B6B528189985}" destId="{963CAB5B-C43A-4ACF-989E-11E2303E77FD}" srcOrd="1" destOrd="0" presId="urn:microsoft.com/office/officeart/2008/layout/LinedList"/>
@@ -2186,6 +2323,10 @@
     <dgm:cxn modelId="{40F00D5A-E3AA-4075-97C8-74F49B80CB17}" type="presParOf" srcId="{16C4A9B8-6EFE-4EE6-A024-B6B528189985}" destId="{A98FBA0E-0CB2-4998-B8F8-C375C5C16B25}" srcOrd="3" destOrd="0" presId="urn:microsoft.com/office/officeart/2008/layout/LinedList"/>
     <dgm:cxn modelId="{EB78836B-2E24-43CB-A254-DEDD5916F42B}" type="presParOf" srcId="{A98FBA0E-0CB2-4998-B8F8-C375C5C16B25}" destId="{BB3D9FB9-476E-49C0-B80D-9BE2F7650722}" srcOrd="0" destOrd="0" presId="urn:microsoft.com/office/officeart/2008/layout/LinedList"/>
     <dgm:cxn modelId="{1B80D826-1BA5-4F41-A3E3-2DA0FE954D9A}" type="presParOf" srcId="{A98FBA0E-0CB2-4998-B8F8-C375C5C16B25}" destId="{D99806E3-20C1-4E7F-8374-0210A0C1A8AE}" srcOrd="1" destOrd="0" presId="urn:microsoft.com/office/officeart/2008/layout/LinedList"/>
+    <dgm:cxn modelId="{C7FAEED6-F591-49EB-A7E7-B33726BA61C1}" type="presParOf" srcId="{16C4A9B8-6EFE-4EE6-A024-B6B528189985}" destId="{84DA168B-23E5-47E7-B1BE-D1744CC2BBC2}" srcOrd="4" destOrd="0" presId="urn:microsoft.com/office/officeart/2008/layout/LinedList"/>
+    <dgm:cxn modelId="{D1B9F875-A740-4FA0-BA4A-F563DC6831C4}" type="presParOf" srcId="{16C4A9B8-6EFE-4EE6-A024-B6B528189985}" destId="{AEF8FC5E-7B3C-4F07-BDE9-1FDE27F0EAC6}" srcOrd="5" destOrd="0" presId="urn:microsoft.com/office/officeart/2008/layout/LinedList"/>
+    <dgm:cxn modelId="{FEEDAA0C-39F5-40B3-8FD2-26621FF53740}" type="presParOf" srcId="{AEF8FC5E-7B3C-4F07-BDE9-1FDE27F0EAC6}" destId="{3D625F83-65B3-43A9-93D6-EC3B173B782B}" srcOrd="0" destOrd="0" presId="urn:microsoft.com/office/officeart/2008/layout/LinedList"/>
+    <dgm:cxn modelId="{D9A7AECB-E0A7-4D0C-A504-BA08A7C16DF1}" type="presParOf" srcId="{AEF8FC5E-7B3C-4F07-BDE9-1FDE27F0EAC6}" destId="{63A69333-C732-4A12-9E85-71CEFF83F827}" srcOrd="1" destOrd="0" presId="urn:microsoft.com/office/officeart/2008/layout/LinedList"/>
   </dgm:cxnLst>
   <dgm:bg/>
   <dgm:whole/>
@@ -2306,7 +2447,7 @@
         </a:bodyPr>
         <a:lstStyle/>
         <a:p>
-          <a:pPr marL="0" lvl="0" indent="0" algn="l" defTabSz="1778000">
+          <a:pPr lvl="0" algn="l" defTabSz="1778000">
             <a:lnSpc>
               <a:spcPct val="90000"/>
             </a:lnSpc>
@@ -2316,7 +2457,6 @@
             <a:spcAft>
               <a:spcPct val="35000"/>
             </a:spcAft>
-            <a:buNone/>
           </a:pPr>
           <a:r>
             <a:rPr lang="en-US" sz="4000" kern="1200" dirty="0"/>
@@ -2443,7 +2583,7 @@
         </a:bodyPr>
         <a:lstStyle/>
         <a:p>
-          <a:pPr marL="0" lvl="0" indent="0" algn="l" defTabSz="1778000">
+          <a:pPr lvl="0" algn="l" defTabSz="1778000">
             <a:lnSpc>
               <a:spcPct val="90000"/>
             </a:lnSpc>
@@ -2453,7 +2593,6 @@
             <a:spcAft>
               <a:spcPct val="35000"/>
             </a:spcAft>
-            <a:buNone/>
           </a:pPr>
           <a:r>
             <a:rPr lang="en-US" sz="4000" kern="1200" dirty="0"/>
@@ -2580,7 +2719,7 @@
         </a:bodyPr>
         <a:lstStyle/>
         <a:p>
-          <a:pPr marL="0" lvl="0" indent="0" algn="l" defTabSz="1778000">
+          <a:pPr lvl="0" algn="l" defTabSz="1778000">
             <a:lnSpc>
               <a:spcPct val="90000"/>
             </a:lnSpc>
@@ -2590,7 +2729,6 @@
             <a:spcAft>
               <a:spcPct val="35000"/>
             </a:spcAft>
-            <a:buNone/>
           </a:pPr>
           <a:r>
             <a:rPr lang="en-US" sz="4000" kern="1200" dirty="0"/>
@@ -2717,7 +2855,7 @@
         </a:bodyPr>
         <a:lstStyle/>
         <a:p>
-          <a:pPr marL="0" lvl="0" indent="0" algn="l" defTabSz="1778000">
+          <a:pPr lvl="0" algn="l" defTabSz="1778000">
             <a:lnSpc>
               <a:spcPct val="90000"/>
             </a:lnSpc>
@@ -2727,7 +2865,6 @@
             <a:spcAft>
               <a:spcPct val="35000"/>
             </a:spcAft>
-            <a:buNone/>
           </a:pPr>
           <a:r>
             <a:rPr lang="en-US" altLang="zh-CN" sz="4000" kern="1200" dirty="0"/>
@@ -2846,7 +2983,7 @@
         </a:bodyPr>
         <a:lstStyle/>
         <a:p>
-          <a:pPr marL="0" lvl="0" indent="0" algn="l" defTabSz="1778000">
+          <a:pPr lvl="0" algn="l" defTabSz="1778000">
             <a:lnSpc>
               <a:spcPct val="90000"/>
             </a:lnSpc>
@@ -2856,7 +2993,6 @@
             <a:spcAft>
               <a:spcPct val="35000"/>
             </a:spcAft>
-            <a:buNone/>
           </a:pPr>
           <a:r>
             <a:rPr lang="en-US" altLang="zh-CN" sz="4000" kern="1200" dirty="0"/>
@@ -2901,7 +3037,7 @@
       </dsp:nvSpPr>
       <dsp:spPr>
         <a:xfrm>
-          <a:off x="0" y="0"/>
+          <a:off x="0" y="1728"/>
           <a:ext cx="4870013" cy="0"/>
         </a:xfrm>
         <a:prstGeom prst="line">
@@ -2965,8 +3101,8 @@
       </dsp:nvSpPr>
       <dsp:spPr>
         <a:xfrm>
-          <a:off x="0" y="0"/>
-          <a:ext cx="4870013" cy="1769807"/>
+          <a:off x="0" y="1728"/>
+          <a:ext cx="4870013" cy="1178719"/>
         </a:xfrm>
         <a:prstGeom prst="rect">
           <a:avLst/>
@@ -2995,7 +3131,7 @@
         </a:bodyPr>
         <a:lstStyle/>
         <a:p>
-          <a:pPr marL="0" lvl="0" indent="0" algn="l" defTabSz="2089150">
+          <a:pPr lvl="0" algn="l" defTabSz="2089150">
             <a:lnSpc>
               <a:spcPct val="90000"/>
             </a:lnSpc>
@@ -3005,7 +3141,6 @@
             <a:spcAft>
               <a:spcPct val="35000"/>
             </a:spcAft>
-            <a:buNone/>
           </a:pPr>
           <a:r>
             <a:rPr lang="en-US" sz="4700" kern="1200" dirty="0"/>
@@ -3023,8 +3158,8 @@
         </a:p>
       </dsp:txBody>
       <dsp:txXfrm>
-        <a:off x="0" y="0"/>
-        <a:ext cx="4870013" cy="1769807"/>
+        <a:off x="0" y="1728"/>
+        <a:ext cx="4870013" cy="1178719"/>
       </dsp:txXfrm>
     </dsp:sp>
     <dsp:sp modelId="{DF0B91BF-B4CA-4353-8D74-953111AFF567}">
@@ -3034,7 +3169,7 @@
       </dsp:nvSpPr>
       <dsp:spPr>
         <a:xfrm>
-          <a:off x="0" y="1769807"/>
+          <a:off x="0" y="1180447"/>
           <a:ext cx="4870013" cy="0"/>
         </a:xfrm>
         <a:prstGeom prst="line">
@@ -3098,8 +3233,8 @@
       </dsp:nvSpPr>
       <dsp:spPr>
         <a:xfrm>
-          <a:off x="0" y="1769807"/>
-          <a:ext cx="4870013" cy="1769807"/>
+          <a:off x="0" y="1180447"/>
+          <a:ext cx="4870013" cy="1178719"/>
         </a:xfrm>
         <a:prstGeom prst="rect">
           <a:avLst/>
@@ -3128,7 +3263,7 @@
         </a:bodyPr>
         <a:lstStyle/>
         <a:p>
-          <a:pPr marL="0" lvl="0" indent="0" algn="l" defTabSz="2089150">
+          <a:pPr lvl="0" algn="l" defTabSz="2089150">
             <a:lnSpc>
               <a:spcPct val="90000"/>
             </a:lnSpc>
@@ -3138,7 +3273,6 @@
             <a:spcAft>
               <a:spcPct val="35000"/>
             </a:spcAft>
-            <a:buNone/>
           </a:pPr>
           <a:r>
             <a:rPr lang="en-US" sz="4700" kern="1200" dirty="0"/>
@@ -3156,8 +3290,140 @@
         </a:p>
       </dsp:txBody>
       <dsp:txXfrm>
-        <a:off x="0" y="1769807"/>
-        <a:ext cx="4870013" cy="1769807"/>
+        <a:off x="0" y="1180447"/>
+        <a:ext cx="4870013" cy="1178719"/>
+      </dsp:txXfrm>
+    </dsp:sp>
+    <dsp:sp modelId="{84DA168B-23E5-47E7-B1BE-D1744CC2BBC2}">
+      <dsp:nvSpPr>
+        <dsp:cNvPr id="0" name=""/>
+        <dsp:cNvSpPr/>
+      </dsp:nvSpPr>
+      <dsp:spPr>
+        <a:xfrm>
+          <a:off x="0" y="2359167"/>
+          <a:ext cx="4870013" cy="0"/>
+        </a:xfrm>
+        <a:prstGeom prst="line">
+          <a:avLst/>
+        </a:prstGeom>
+        <a:blipFill rotWithShape="0">
+          <a:blip xmlns:r="http://schemas.openxmlformats.org/officeDocument/2006/relationships" r:embed="rId1">
+            <a:duotone>
+              <a:schemeClr val="accent1">
+                <a:hueOff val="0"/>
+                <a:satOff val="0"/>
+                <a:lumOff val="0"/>
+                <a:alphaOff val="0"/>
+                <a:tint val="98000"/>
+                <a:lumMod val="102000"/>
+              </a:schemeClr>
+              <a:schemeClr val="accent1">
+                <a:hueOff val="0"/>
+                <a:satOff val="0"/>
+                <a:lumOff val="0"/>
+                <a:alphaOff val="0"/>
+                <a:shade val="98000"/>
+                <a:lumMod val="98000"/>
+              </a:schemeClr>
+            </a:duotone>
+          </a:blip>
+          <a:tile tx="0" ty="0" sx="100000" sy="100000" flip="none" algn="tl"/>
+        </a:blipFill>
+        <a:ln w="9525" cap="rnd" cmpd="sng" algn="ctr">
+          <a:solidFill>
+            <a:schemeClr val="accent1">
+              <a:hueOff val="0"/>
+              <a:satOff val="0"/>
+              <a:lumOff val="0"/>
+              <a:alphaOff val="0"/>
+            </a:schemeClr>
+          </a:solidFill>
+          <a:prstDash val="solid"/>
+        </a:ln>
+        <a:effectLst/>
+      </dsp:spPr>
+      <dsp:style>
+        <a:lnRef idx="1">
+          <a:scrgbClr r="0" g="0" b="0"/>
+        </a:lnRef>
+        <a:fillRef idx="3">
+          <a:scrgbClr r="0" g="0" b="0"/>
+        </a:fillRef>
+        <a:effectRef idx="2">
+          <a:scrgbClr r="0" g="0" b="0"/>
+        </a:effectRef>
+        <a:fontRef idx="minor">
+          <a:schemeClr val="lt1"/>
+        </a:fontRef>
+      </dsp:style>
+    </dsp:sp>
+    <dsp:sp modelId="{3D625F83-65B3-43A9-93D6-EC3B173B782B}">
+      <dsp:nvSpPr>
+        <dsp:cNvPr id="0" name=""/>
+        <dsp:cNvSpPr/>
+      </dsp:nvSpPr>
+      <dsp:spPr>
+        <a:xfrm>
+          <a:off x="0" y="2359167"/>
+          <a:ext cx="4870013" cy="1178719"/>
+        </a:xfrm>
+        <a:prstGeom prst="rect">
+          <a:avLst/>
+        </a:prstGeom>
+        <a:noFill/>
+        <a:ln>
+          <a:noFill/>
+        </a:ln>
+        <a:effectLst/>
+      </dsp:spPr>
+      <dsp:style>
+        <a:lnRef idx="0">
+          <a:scrgbClr r="0" g="0" b="0"/>
+        </a:lnRef>
+        <a:fillRef idx="0">
+          <a:scrgbClr r="0" g="0" b="0"/>
+        </a:fillRef>
+        <a:effectRef idx="0">
+          <a:scrgbClr r="0" g="0" b="0"/>
+        </a:effectRef>
+        <a:fontRef idx="minor"/>
+      </dsp:style>
+      <dsp:txBody>
+        <a:bodyPr spcFirstLastPara="0" vert="horz" wrap="square" lIns="179070" tIns="179070" rIns="179070" bIns="179070" numCol="1" spcCol="1270" anchor="t" anchorCtr="0">
+          <a:noAutofit/>
+        </a:bodyPr>
+        <a:lstStyle/>
+        <a:p>
+          <a:pPr lvl="0" algn="l" defTabSz="2089150">
+            <a:lnSpc>
+              <a:spcPct val="90000"/>
+            </a:lnSpc>
+            <a:spcBef>
+              <a:spcPct val="0"/>
+            </a:spcBef>
+            <a:spcAft>
+              <a:spcPct val="35000"/>
+            </a:spcAft>
+          </a:pPr>
+          <a:r>
+            <a:rPr lang="en-US" sz="4700" kern="1200" dirty="0"/>
+            <a:t>3</a:t>
+          </a:r>
+          <a:r>
+            <a:rPr lang="en-US" altLang="zh-CN" sz="4700" kern="1200" dirty="0"/>
+            <a:t>.   </a:t>
+          </a:r>
+          <a:r>
+            <a:rPr lang="zh-CN" altLang="en-US" sz="4700" kern="1200" dirty="0"/>
+            <a:t>逆向工程 </a:t>
+          </a:r>
+          <a:endParaRPr lang="en-US" sz="4700" kern="1200" dirty="0"/>
+        </a:p>
+      </dsp:txBody>
+      <dsp:txXfrm>
+        <a:off x="0" y="2359167"/>
+        <a:ext cx="4870013" cy="1178719"/>
       </dsp:txXfrm>
     </dsp:sp>
   </dsp:spTree>
@@ -6247,7 +6513,7 @@
             <a:fld id="{BC02ACD8-9D28-445F-BAFE-92DA3311E912}" type="datetimeFigureOut">
               <a:rPr lang="zh-CN" altLang="en-US" smtClean="0"/>
               <a:pPr/>
-              <a:t>2017/11/9</a:t>
+              <a:t>2017/11/10</a:t>
             </a:fld>
             <a:endParaRPr lang="zh-CN" altLang="en-US"/>
           </a:p>
@@ -6610,7 +6876,7 @@
           <a:effectLst/>
           <a:extLst>
             <a:ext uri="{91240B29-F687-4f45-9708-019B960494DF}">
-              <a14:hiddenLine xmlns:a14="http://schemas.microsoft.com/office/drawing/2010/main" xmlns="" w="9525">
+              <a14:hiddenLine xmlns="" xmlns:a14="http://schemas.microsoft.com/office/drawing/2010/main" w="9525">
                 <a:solidFill>
                   <a:srgbClr val="000000"/>
                 </a:solidFill>
@@ -6803,7 +7069,7 @@
             <a:fld id="{08B9EBBA-996F-894A-B54A-D6246ED52CEA}" type="datetimeFigureOut">
               <a:rPr lang="en-US" dirty="0"/>
               <a:pPr/>
-              <a:t>11/9/2017</a:t>
+              <a:t>11/10/2017</a:t>
             </a:fld>
             <a:endParaRPr lang="en-US" dirty="0"/>
           </a:p>
@@ -7118,7 +7384,7 @@
             <a:fld id="{18C79C5D-2A6F-F04D-97DA-BEF2467B64E4}" type="datetimeFigureOut">
               <a:rPr lang="en-US" dirty="0"/>
               <a:pPr/>
-              <a:t>11/9/2017</a:t>
+              <a:t>11/10/2017</a:t>
             </a:fld>
             <a:endParaRPr lang="en-US" dirty="0"/>
           </a:p>
@@ -7603,7 +7869,7 @@
             <a:fld id="{8DFA1846-DA80-1C48-A609-854EA85C59AD}" type="datetimeFigureOut">
               <a:rPr lang="en-US" dirty="0"/>
               <a:pPr/>
-              <a:t>11/9/2017</a:t>
+              <a:t>11/10/2017</a:t>
             </a:fld>
             <a:endParaRPr lang="en-US" dirty="0"/>
           </a:p>
@@ -7969,7 +8235,7 @@
             <a:fld id="{FBF54567-0DE4-3F47-BF90-CB84690072F9}" type="datetimeFigureOut">
               <a:rPr lang="en-US" dirty="0"/>
               <a:pPr/>
-              <a:t>11/9/2017</a:t>
+              <a:t>11/10/2017</a:t>
             </a:fld>
             <a:endParaRPr lang="en-US" dirty="0"/>
           </a:p>
@@ -8120,7 +8386,7 @@
           <a:ln/>
           <a:extLst>
             <a:ext uri="{91240B29-F687-4f45-9708-019B960494DF}">
-              <a14:hiddenLine xmlns:a14="http://schemas.microsoft.com/office/drawing/2010/main" xmlns="" w="9525">
+              <a14:hiddenLine xmlns="" xmlns:a14="http://schemas.microsoft.com/office/drawing/2010/main" w="9525">
                 <a:solidFill>
                   <a:srgbClr val="000000"/>
                 </a:solidFill>
@@ -8239,7 +8505,7 @@
             <a:fld id="{C6C52C72-DE31-F449-A4ED-4C594FD91407}" type="datetimeFigureOut">
               <a:rPr lang="en-US" dirty="0"/>
               <a:pPr/>
-              <a:t>11/9/2017</a:t>
+              <a:t>11/10/2017</a:t>
             </a:fld>
             <a:endParaRPr lang="en-US" dirty="0"/>
           </a:p>
@@ -8392,7 +8658,7 @@
           <a:ln/>
           <a:extLst>
             <a:ext uri="{91240B29-F687-4f45-9708-019B960494DF}">
-              <a14:hiddenLine xmlns:a14="http://schemas.microsoft.com/office/drawing/2010/main" xmlns="" w="9525">
+              <a14:hiddenLine xmlns="" xmlns:a14="http://schemas.microsoft.com/office/drawing/2010/main" w="9525">
                 <a:solidFill>
                   <a:srgbClr val="000000"/>
                 </a:solidFill>
@@ -8521,7 +8787,7 @@
             <a:fld id="{ED62726E-379B-B349-9EED-81ED093FA806}" type="datetimeFigureOut">
               <a:rPr lang="en-US" dirty="0"/>
               <a:pPr/>
-              <a:t>11/9/2017</a:t>
+              <a:t>11/10/2017</a:t>
             </a:fld>
             <a:endParaRPr lang="en-US" dirty="0"/>
           </a:p>
@@ -8672,7 +8938,7 @@
           <a:ln/>
           <a:extLst>
             <a:ext uri="{91240B29-F687-4f45-9708-019B960494DF}">
-              <a14:hiddenLine xmlns:a14="http://schemas.microsoft.com/office/drawing/2010/main" xmlns="" w="9525">
+              <a14:hiddenLine xmlns="" xmlns:a14="http://schemas.microsoft.com/office/drawing/2010/main" w="9525">
                 <a:solidFill>
                   <a:srgbClr val="000000"/>
                 </a:solidFill>
@@ -8801,7 +9067,7 @@
             <a:fld id="{9B3A1323-8D79-1946-B0D7-40001CF92E9D}" type="datetimeFigureOut">
               <a:rPr lang="en-US" dirty="0"/>
               <a:pPr/>
-              <a:t>11/9/2017</a:t>
+              <a:t>11/10/2017</a:t>
             </a:fld>
             <a:endParaRPr lang="en-US" dirty="0"/>
           </a:p>
@@ -9141,7 +9407,7 @@
             <a:fld id="{8DFA1846-DA80-1C48-A609-854EA85C59AD}" type="datetimeFigureOut">
               <a:rPr lang="en-US" dirty="0"/>
               <a:pPr/>
-              <a:t>11/9/2017</a:t>
+              <a:t>11/10/2017</a:t>
             </a:fld>
             <a:endParaRPr lang="en-US" dirty="0"/>
           </a:p>
@@ -9292,7 +9558,7 @@
           <a:ln/>
           <a:extLst>
             <a:ext uri="{91240B29-F687-4f45-9708-019B960494DF}">
-              <a14:hiddenLine xmlns:a14="http://schemas.microsoft.com/office/drawing/2010/main" xmlns="" w="9525">
+              <a14:hiddenLine xmlns="" xmlns:a14="http://schemas.microsoft.com/office/drawing/2010/main" w="9525">
                 <a:solidFill>
                   <a:srgbClr val="000000"/>
                 </a:solidFill>
@@ -9477,7 +9743,7 @@
             <a:fld id="{57302355-E14B-8545-A8F8-0FE83CC9D524}" type="datetimeFigureOut">
               <a:rPr lang="en-US" dirty="0"/>
               <a:pPr/>
-              <a:t>11/9/2017</a:t>
+              <a:t>11/10/2017</a:t>
             </a:fld>
             <a:endParaRPr lang="en-US" dirty="0"/>
           </a:p>
@@ -9628,7 +9894,7 @@
           <a:ln/>
           <a:extLst>
             <a:ext uri="{91240B29-F687-4f45-9708-019B960494DF}">
-              <a14:hiddenLine xmlns:a14="http://schemas.microsoft.com/office/drawing/2010/main" xmlns="" w="9525">
+              <a14:hiddenLine xmlns="" xmlns:a14="http://schemas.microsoft.com/office/drawing/2010/main" w="9525">
                 <a:solidFill>
                   <a:srgbClr val="000000"/>
                 </a:solidFill>
@@ -9951,7 +10217,7 @@
             <a:fld id="{02640F58-564D-2B4F-AE67-E407BA4FCF45}" type="datetimeFigureOut">
               <a:rPr lang="en-US" dirty="0"/>
               <a:pPr/>
-              <a:t>11/9/2017</a:t>
+              <a:t>11/10/2017</a:t>
             </a:fld>
             <a:endParaRPr lang="en-US" dirty="0"/>
           </a:p>
@@ -10102,7 +10368,7 @@
           <a:ln/>
           <a:extLst>
             <a:ext uri="{91240B29-F687-4f45-9708-019B960494DF}">
-              <a14:hiddenLine xmlns:a14="http://schemas.microsoft.com/office/drawing/2010/main" xmlns="" w="9525">
+              <a14:hiddenLine xmlns="" xmlns:a14="http://schemas.microsoft.com/office/drawing/2010/main" w="9525">
                 <a:solidFill>
                   <a:srgbClr val="000000"/>
                 </a:solidFill>
@@ -10169,7 +10435,7 @@
             <a:fld id="{F13A34C8-038E-2045-AF43-DF7DBB8E0E9E}" type="datetimeFigureOut">
               <a:rPr lang="en-US" dirty="0"/>
               <a:pPr/>
-              <a:t>11/9/2017</a:t>
+              <a:t>11/10/2017</a:t>
             </a:fld>
             <a:endParaRPr lang="en-US" dirty="0"/>
           </a:p>
@@ -10261,7 +10527,7 @@
             <a:fld id="{8818C68F-D26B-8F47-958C-23B49CF8A634}" type="datetimeFigureOut">
               <a:rPr lang="en-US" dirty="0"/>
               <a:pPr/>
-              <a:t>11/9/2017</a:t>
+              <a:t>11/10/2017</a:t>
             </a:fld>
             <a:endParaRPr lang="en-US" dirty="0"/>
           </a:p>
@@ -10525,7 +10791,7 @@
           <a:ln/>
           <a:extLst>
             <a:ext uri="{91240B29-F687-4f45-9708-019B960494DF}">
-              <a14:hiddenLine xmlns:a14="http://schemas.microsoft.com/office/drawing/2010/main" xmlns="" w="9525">
+              <a14:hiddenLine xmlns="" xmlns:a14="http://schemas.microsoft.com/office/drawing/2010/main" w="9525">
                 <a:solidFill>
                   <a:srgbClr val="000000"/>
                 </a:solidFill>
@@ -10725,7 +10991,7 @@
             <a:fld id="{D0DF5E60-9974-AC48-9591-99C2BB44B7CF}" type="datetimeFigureOut">
               <a:rPr lang="en-US" dirty="0"/>
               <a:pPr/>
-              <a:t>11/9/2017</a:t>
+              <a:t>11/10/2017</a:t>
             </a:fld>
             <a:endParaRPr lang="en-US" dirty="0"/>
           </a:p>
@@ -11035,7 +11301,7 @@
             <a:fld id="{18C79C5D-2A6F-F04D-97DA-BEF2467B64E4}" type="datetimeFigureOut">
               <a:rPr lang="en-US" dirty="0"/>
               <a:pPr/>
-              <a:t>11/9/2017</a:t>
+              <a:t>11/10/2017</a:t>
             </a:fld>
             <a:endParaRPr lang="en-US" dirty="0"/>
           </a:p>
@@ -11302,7 +11568,7 @@
             <a:fld id="{09B482E8-6E0E-1B4F-B1FD-C69DB9E858D9}" type="datetimeFigureOut">
               <a:rPr lang="en-US" dirty="0"/>
               <a:pPr/>
-              <a:t>11/9/2017</a:t>
+              <a:t>11/10/2017</a:t>
             </a:fld>
             <a:endParaRPr lang="en-US" dirty="0"/>
           </a:p>
@@ -11753,7 +12019,7 @@
           <p:cNvPr id="2" name="标题 1">
             <a:extLst>
               <a:ext uri="{FF2B5EF4-FFF2-40B4-BE49-F238E27FC236}">
-                <a16:creationId xmlns:a16="http://schemas.microsoft.com/office/drawing/2014/main" id="{517CBC26-BCC2-4455-AAF6-E0DADAD90334}"/>
+                <a16:creationId xmlns:a16="http://schemas.microsoft.com/office/drawing/2014/main" xmlns="" id="{517CBC26-BCC2-4455-AAF6-E0DADAD90334}"/>
               </a:ext>
             </a:extLst>
           </p:cNvPr>
@@ -11796,7 +12062,7 @@
           <p:cNvPr id="3" name="副标题 2">
             <a:extLst>
               <a:ext uri="{FF2B5EF4-FFF2-40B4-BE49-F238E27FC236}">
-                <a16:creationId xmlns:a16="http://schemas.microsoft.com/office/drawing/2014/main" id="{F79290E5-D6EA-4C55-91E4-864E78CD1D53}"/>
+                <a16:creationId xmlns:a16="http://schemas.microsoft.com/office/drawing/2014/main" xmlns="" id="{F79290E5-D6EA-4C55-91E4-864E78CD1D53}"/>
               </a:ext>
             </a:extLst>
           </p:cNvPr>
@@ -12003,7 +12269,7 @@
           <p:cNvPr id="2" name="图片 1" descr="图片包含 屏幕截图&#10;&#10;已生成极高可信度的说明">
             <a:extLst>
               <a:ext uri="{FF2B5EF4-FFF2-40B4-BE49-F238E27FC236}">
-                <a16:creationId xmlns:a16="http://schemas.microsoft.com/office/drawing/2014/main" id="{707788A7-CDD8-4168-A5B6-D19FD246AB51}"/>
+                <a16:creationId xmlns:a16="http://schemas.microsoft.com/office/drawing/2014/main" xmlns="" id="{707788A7-CDD8-4168-A5B6-D19FD246AB51}"/>
               </a:ext>
             </a:extLst>
           </p:cNvPr>
@@ -12032,7 +12298,7 @@
           <p:cNvPr id="3" name="文本框 2">
             <a:extLst>
               <a:ext uri="{FF2B5EF4-FFF2-40B4-BE49-F238E27FC236}">
-                <a16:creationId xmlns:a16="http://schemas.microsoft.com/office/drawing/2014/main" id="{B26B28F9-0383-4988-9AD6-51C403FB187B}"/>
+                <a16:creationId xmlns:a16="http://schemas.microsoft.com/office/drawing/2014/main" xmlns="" id="{B26B28F9-0383-4988-9AD6-51C403FB187B}"/>
               </a:ext>
             </a:extLst>
           </p:cNvPr>
@@ -12041,8 +12307,8 @@
         </p:nvSpPr>
         <p:spPr>
           <a:xfrm>
-            <a:off x="812788" y="4895558"/>
-            <a:ext cx="10572000" cy="779529"/>
+            <a:off x="809998" y="5121700"/>
+            <a:ext cx="11136195" cy="1003797"/>
           </a:xfrm>
           <a:prstGeom prst="rect">
             <a:avLst/>
@@ -12050,7 +12316,7 @@
         </p:spPr>
         <p:txBody>
           <a:bodyPr vert="horz" lIns="91440" tIns="45720" rIns="91440" bIns="45720" rtlCol="0" anchor="b">
-            <a:normAutofit/>
+            <a:normAutofit fontScale="85000" lnSpcReduction="20000"/>
           </a:bodyPr>
           <a:lstStyle/>
           <a:p>
@@ -12071,7 +12337,36 @@
                 <a:ea typeface="+mj-ea"/>
                 <a:cs typeface="+mj-cs"/>
               </a:rPr>
-              <a:t>然后再这边创建参与者与用例，并建立他们的关系</a:t>
+              <a:t>利用工具栏创建参与者与用例，并建立他们的关系</a:t>
+            </a:r>
+            <a:endParaRPr lang="en-US" altLang="zh-CN" sz="3700" b="1" dirty="0">
+              <a:solidFill>
+                <a:srgbClr val="FEFEFE"/>
+              </a:solidFill>
+              <a:latin typeface="+mj-lt"/>
+              <a:ea typeface="+mj-ea"/>
+              <a:cs typeface="+mj-cs"/>
+            </a:endParaRPr>
+          </a:p>
+          <a:p>
+            <a:pPr>
+              <a:spcBef>
+                <a:spcPct val="0"/>
+              </a:spcBef>
+              <a:spcAft>
+                <a:spcPts val="600"/>
+              </a:spcAft>
+            </a:pPr>
+            <a:r>
+              <a:rPr lang="zh-CN" altLang="en-US" sz="3700" b="1" dirty="0">
+                <a:solidFill>
+                  <a:srgbClr val="FEFEFE"/>
+                </a:solidFill>
+                <a:latin typeface="+mj-lt"/>
+                <a:ea typeface="+mj-ea"/>
+                <a:cs typeface="+mj-cs"/>
+              </a:rPr>
+              <a:t>构成基本用例图</a:t>
             </a:r>
           </a:p>
         </p:txBody>
@@ -12086,12 +12381,27 @@
   <p:clrMapOvr>
     <a:masterClrMapping/>
   </p:clrMapOvr>
+  <p:timing>
+    <p:tnLst>
+      <p:par>
+        <p:cTn id="1" dur="indefinite" restart="never" nodeType="tmRoot"/>
+      </p:par>
+    </p:tnLst>
+  </p:timing>
 </p:sld>
 </file>
 
 <file path=ppt/slides/slide11.xml><?xml version="1.0" encoding="utf-8"?>
 <p:sld xmlns:a="http://schemas.openxmlformats.org/drawingml/2006/main" xmlns:r="http://schemas.openxmlformats.org/officeDocument/2006/relationships" xmlns:p="http://schemas.openxmlformats.org/presentationml/2006/main">
   <p:cSld>
+    <p:bg>
+      <p:bgPr>
+        <a:solidFill>
+          <a:schemeClr val="bg2"/>
+        </a:solidFill>
+        <a:effectLst/>
+      </p:bgPr>
+    </p:bg>
     <p:spTree>
       <p:nvGrpSpPr>
         <p:cNvPr id="1" name=""/>
@@ -12106,12 +12416,67 @@
           <a:chExt cx="0" cy="0"/>
         </a:xfrm>
       </p:grpSpPr>
+      <p:sp>
+        <p:nvSpPr>
+          <p:cNvPr id="136" name="Rectangle 135">
+            <a:extLst>
+              <a:ext uri="{FF2B5EF4-FFF2-40B4-BE49-F238E27FC236}">
+                <a16:creationId xmlns:a16="http://schemas.microsoft.com/office/drawing/2014/main" xmlns="" id="{18EF3212-ED73-4F03-A620-B59A87847AB2}"/>
+              </a:ext>
+            </a:extLst>
+          </p:cNvPr>
+          <p:cNvSpPr>
+            <a:spLocks noGrp="1" noRot="1" noChangeAspect="1" noMove="1" noResize="1" noEditPoints="1" noAdjustHandles="1" noChangeArrowheads="1" noChangeShapeType="1" noTextEdit="1"/>
+          </p:cNvSpPr>
+          <p:nvPr>
+            <p:extLst>
+              <p:ext uri="{386F3935-93C4-4BCD-93E2-E3B085C9AB24}">
+                <p16:designElem xmlns:p16="http://schemas.microsoft.com/office/powerpoint/2015/main" xmlns="" val="1"/>
+              </p:ext>
+            </p:extLst>
+          </p:nvPr>
+        </p:nvSpPr>
+        <p:spPr>
+          <a:xfrm>
+            <a:off x="0" y="0"/>
+            <a:ext cx="12192000" cy="6858000"/>
+          </a:xfrm>
+          <a:prstGeom prst="rect">
+            <a:avLst/>
+          </a:prstGeom>
+          <a:ln>
+            <a:noFill/>
+          </a:ln>
+        </p:spPr>
+        <p:style>
+          <a:lnRef idx="1">
+            <a:schemeClr val="dk1"/>
+          </a:lnRef>
+          <a:fillRef idx="3">
+            <a:schemeClr val="dk1"/>
+          </a:fillRef>
+          <a:effectRef idx="2">
+            <a:schemeClr val="dk1"/>
+          </a:effectRef>
+          <a:fontRef idx="minor">
+            <a:schemeClr val="lt1"/>
+          </a:fontRef>
+        </p:style>
+        <p:txBody>
+          <a:bodyPr rtlCol="0" anchor="ctr"/>
+          <a:lstStyle/>
+          <a:p>
+            <a:pPr algn="ctr"/>
+            <a:endParaRPr lang="en-US"/>
+          </a:p>
+        </p:txBody>
+      </p:sp>
       <p:pic>
         <p:nvPicPr>
           <p:cNvPr id="2050" name="Picture 2">
             <a:extLst>
               <a:ext uri="{FF2B5EF4-FFF2-40B4-BE49-F238E27FC236}">
-                <a16:creationId xmlns:a16="http://schemas.microsoft.com/office/drawing/2014/main" id="{5ED7A833-14D1-42A1-8E28-9293CE41571B}"/>
+                <a16:creationId xmlns:a16="http://schemas.microsoft.com/office/drawing/2014/main" xmlns="" id="{5ED7A833-14D1-42A1-8E28-9293CE41571B}"/>
               </a:ext>
             </a:extLst>
           </p:cNvPr>
@@ -12120,7 +12485,7 @@
           </p:cNvPicPr>
           <p:nvPr/>
         </p:nvPicPr>
-        <p:blipFill>
+        <p:blipFill rotWithShape="1">
           <a:blip r:embed="rId2">
             <a:extLst>
               <a:ext uri="{28A0092B-C50C-407E-A947-70E740481C1C}">
@@ -12129,22 +12494,17 @@
             </a:extLst>
           </a:blip>
           <a:srcRect/>
-          <a:stretch>
-            <a:fillRect/>
-          </a:stretch>
+          <a:stretch/>
         </p:blipFill>
         <p:spPr bwMode="auto">
           <a:xfrm>
-            <a:off x="108155" y="1396179"/>
-            <a:ext cx="5397910" cy="4508737"/>
+            <a:off x="5840547" y="1075504"/>
+            <a:ext cx="6501355" cy="5311441"/>
           </a:xfrm>
           <a:prstGeom prst="rect">
             <a:avLst/>
           </a:prstGeom>
           <a:noFill/>
-          <a:ln>
-            <a:noFill/>
-          </a:ln>
           <a:extLst>
             <a:ext uri="{909E8E84-426E-40DD-AFC4-6F175D3DCCD1}">
               <a14:hiddenFill xmlns:a14="http://schemas.microsoft.com/office/drawing/2010/main">
@@ -12171,7 +12531,427 @@
           <p:cNvPr id="2051" name="Picture 3">
             <a:extLst>
               <a:ext uri="{FF2B5EF4-FFF2-40B4-BE49-F238E27FC236}">
-                <a16:creationId xmlns:a16="http://schemas.microsoft.com/office/drawing/2014/main" id="{CD0EEA1C-2319-40DF-8415-BA00DA7896A4}"/>
+                <a16:creationId xmlns:a16="http://schemas.microsoft.com/office/drawing/2014/main" xmlns="" id="{CD0EEA1C-2319-40DF-8415-BA00DA7896A4}"/>
+              </a:ext>
+            </a:extLst>
+          </p:cNvPr>
+          <p:cNvPicPr>
+            <a:picLocks noChangeAspect="1" noChangeArrowheads="1"/>
+          </p:cNvPicPr>
+          <p:nvPr/>
+        </p:nvPicPr>
+        <p:blipFill rotWithShape="1">
+          <a:blip r:embed="rId3">
+            <a:extLst>
+              <a:ext uri="{28A0092B-C50C-407E-A947-70E740481C1C}">
+                <a14:useLocalDpi xmlns:a14="http://schemas.microsoft.com/office/drawing/2010/main" val="0"/>
+              </a:ext>
+            </a:extLst>
+          </a:blip>
+          <a:srcRect/>
+          <a:stretch/>
+        </p:blipFill>
+        <p:spPr bwMode="auto">
+          <a:xfrm>
+            <a:off x="-1" y="1060760"/>
+            <a:ext cx="7045079" cy="5145168"/>
+          </a:xfrm>
+          <a:prstGeom prst="rect">
+            <a:avLst/>
+          </a:prstGeom>
+          <a:noFill/>
+          <a:extLst>
+            <a:ext uri="{909E8E84-426E-40DD-AFC4-6F175D3DCCD1}">
+              <a14:hiddenFill xmlns:a14="http://schemas.microsoft.com/office/drawing/2010/main">
+                <a:solidFill>
+                  <a:srgbClr val="FFFFFF"/>
+                </a:solidFill>
+              </a14:hiddenFill>
+            </a:ext>
+            <a:ext uri="{91240B29-F687-4F45-9708-019B960494DF}">
+              <a14:hiddenLine xmlns:a14="http://schemas.microsoft.com/office/drawing/2010/main" w="9525">
+                <a:solidFill>
+                  <a:srgbClr val="000000"/>
+                </a:solidFill>
+                <a:miter lim="800000"/>
+                <a:headEnd/>
+                <a:tailEnd/>
+              </a14:hiddenLine>
+            </a:ext>
+          </a:extLst>
+        </p:spPr>
+      </p:pic>
+      <p:sp>
+        <p:nvSpPr>
+          <p:cNvPr id="5" name="文本框 4">
+            <a:extLst>
+              <a:ext uri="{FF2B5EF4-FFF2-40B4-BE49-F238E27FC236}">
+                <a16:creationId xmlns:a16="http://schemas.microsoft.com/office/drawing/2014/main" xmlns="" id="{8A2CE825-C2DE-4DA2-B751-7C13D4C3A2AE}"/>
+              </a:ext>
+            </a:extLst>
+          </p:cNvPr>
+          <p:cNvSpPr txBox="1"/>
+          <p:nvPr/>
+        </p:nvSpPr>
+        <p:spPr>
+          <a:xfrm>
+            <a:off x="2438400" y="294968"/>
+            <a:ext cx="7177548" cy="584775"/>
+          </a:xfrm>
+          <a:prstGeom prst="rect">
+            <a:avLst/>
+          </a:prstGeom>
+          <a:noFill/>
+        </p:spPr>
+        <p:txBody>
+          <a:bodyPr wrap="square" rtlCol="0">
+            <a:spAutoFit/>
+          </a:bodyPr>
+          <a:lstStyle/>
+          <a:p>
+            <a:r>
+              <a:rPr lang="zh-CN" altLang="en-US" sz="3200" dirty="0"/>
+              <a:t>以此类推可以创立其他框图</a:t>
+            </a:r>
+            <a:r>
+              <a:rPr lang="en-US" altLang="zh-CN" sz="3200" dirty="0"/>
+              <a:t>,</a:t>
+            </a:r>
+            <a:r>
+              <a:rPr lang="zh-CN" altLang="en-US" sz="3200" dirty="0"/>
+              <a:t>如下</a:t>
+            </a:r>
+            <a:r>
+              <a:rPr lang="en-US" altLang="zh-CN" sz="3200" dirty="0"/>
+              <a:t>:</a:t>
+            </a:r>
+            <a:endParaRPr lang="zh-CN" altLang="en-US" sz="3200" dirty="0"/>
+          </a:p>
+        </p:txBody>
+      </p:sp>
+    </p:spTree>
+    <p:extLst>
+      <p:ext uri="{BB962C8B-B14F-4D97-AF65-F5344CB8AC3E}">
+        <p14:creationId xmlns:p14="http://schemas.microsoft.com/office/powerpoint/2010/main" val="1656179103"/>
+      </p:ext>
+    </p:extLst>
+  </p:cSld>
+  <p:clrMapOvr>
+    <a:masterClrMapping/>
+  </p:clrMapOvr>
+  <p:timing>
+    <p:tnLst>
+      <p:par>
+        <p:cTn id="1" dur="indefinite" restart="never" nodeType="tmRoot"/>
+      </p:par>
+    </p:tnLst>
+  </p:timing>
+</p:sld>
+</file>
+
+<file path=ppt/slides/slide12.xml><?xml version="1.0" encoding="utf-8"?>
+<p:sld xmlns:a="http://schemas.openxmlformats.org/drawingml/2006/main" xmlns:r="http://schemas.openxmlformats.org/officeDocument/2006/relationships" xmlns:p="http://schemas.openxmlformats.org/presentationml/2006/main">
+  <p:cSld>
+    <p:spTree>
+      <p:nvGrpSpPr>
+        <p:cNvPr id="1" name=""/>
+        <p:cNvGrpSpPr/>
+        <p:nvPr/>
+      </p:nvGrpSpPr>
+      <p:grpSpPr>
+        <a:xfrm>
+          <a:off x="0" y="0"/>
+          <a:ext cx="0" cy="0"/>
+          <a:chOff x="0" y="0"/>
+          <a:chExt cx="0" cy="0"/>
+        </a:xfrm>
+      </p:grpSpPr>
+      <p:sp>
+        <p:nvSpPr>
+          <p:cNvPr id="2" name="标题 1">
+            <a:extLst>
+              <a:ext uri="{FF2B5EF4-FFF2-40B4-BE49-F238E27FC236}">
+                <a16:creationId xmlns:a16="http://schemas.microsoft.com/office/drawing/2014/main" xmlns="" id="{A5672EFF-D37B-4597-9906-DC9EFA3EB703}"/>
+              </a:ext>
+            </a:extLst>
+          </p:cNvPr>
+          <p:cNvSpPr>
+            <a:spLocks noGrp="1"/>
+          </p:cNvSpPr>
+          <p:nvPr>
+            <p:ph type="title"/>
+          </p:nvPr>
+        </p:nvSpPr>
+        <p:spPr>
+          <a:xfrm>
+            <a:off x="4152967" y="378362"/>
+            <a:ext cx="10571998" cy="970450"/>
+          </a:xfrm>
+        </p:spPr>
+        <p:txBody>
+          <a:bodyPr/>
+          <a:lstStyle/>
+          <a:p>
+            <a:r>
+              <a:rPr lang="zh-CN" altLang="en-US" dirty="0"/>
+              <a:t>逆向工程</a:t>
+            </a:r>
+          </a:p>
+        </p:txBody>
+      </p:sp>
+      <p:sp>
+        <p:nvSpPr>
+          <p:cNvPr id="3" name="文本框 2">
+            <a:extLst>
+              <a:ext uri="{FF2B5EF4-FFF2-40B4-BE49-F238E27FC236}">
+                <a16:creationId xmlns:a16="http://schemas.microsoft.com/office/drawing/2014/main" xmlns="" id="{9103DAA6-F46A-492E-A53D-B215F8BB1856}"/>
+              </a:ext>
+            </a:extLst>
+          </p:cNvPr>
+          <p:cNvSpPr txBox="1"/>
+          <p:nvPr/>
+        </p:nvSpPr>
+        <p:spPr>
+          <a:xfrm>
+            <a:off x="1140542" y="2556387"/>
+            <a:ext cx="9922199" cy="3816429"/>
+          </a:xfrm>
+          <a:prstGeom prst="rect">
+            <a:avLst/>
+          </a:prstGeom>
+          <a:noFill/>
+        </p:spPr>
+        <p:txBody>
+          <a:bodyPr wrap="square" rtlCol="0">
+            <a:spAutoFit/>
+          </a:bodyPr>
+          <a:lstStyle/>
+          <a:p>
+            <a:r>
+              <a:rPr lang="zh-CN" altLang="en-US" sz="2800" dirty="0"/>
+              <a:t>逆向工程（</a:t>
+            </a:r>
+            <a:r>
+              <a:rPr lang="en-US" altLang="zh-CN" sz="2800" dirty="0"/>
+              <a:t>Reverse Engineer</a:t>
+            </a:r>
+            <a:r>
+              <a:rPr lang="zh-CN" altLang="en-US" sz="2800" dirty="0"/>
+              <a:t>）就是从现有系统的代码来生成模型的功能。分析已有的代码其主要的目的就是了解代码结构和数据结构，这些对应到模型图就是类图、数据模型图和组件图，也就是通过</a:t>
+            </a:r>
+            <a:r>
+              <a:rPr lang="en-US" altLang="zh-CN" sz="2800" dirty="0"/>
+              <a:t>Rational Rose</a:t>
+            </a:r>
+            <a:r>
+              <a:rPr lang="zh-CN" altLang="en-US" sz="2800" dirty="0"/>
+              <a:t>的逆向工程所得到的结果。</a:t>
+            </a:r>
+          </a:p>
+          <a:p>
+            <a:r>
+              <a:rPr lang="en-US" altLang="zh-CN" sz="2800" dirty="0"/>
+              <a:t>Rational Rose</a:t>
+            </a:r>
+            <a:r>
+              <a:rPr lang="zh-CN" altLang="en-US" sz="2800" dirty="0"/>
+              <a:t>所支持的逆向工程功能很强大，包括的编程语言有</a:t>
+            </a:r>
+            <a:r>
+              <a:rPr lang="en-US" altLang="zh-CN" sz="2800" dirty="0"/>
+              <a:t>C++, VB, VC, Java, CORBA</a:t>
+            </a:r>
+            <a:r>
+              <a:rPr lang="zh-CN" altLang="en-US" sz="2800" dirty="0"/>
+              <a:t>，以及数据库</a:t>
+            </a:r>
+            <a:r>
+              <a:rPr lang="en-US" altLang="zh-CN" sz="2800" dirty="0"/>
+              <a:t>DDL</a:t>
+            </a:r>
+            <a:r>
+              <a:rPr lang="zh-CN" altLang="en-US" sz="2800" dirty="0"/>
+              <a:t>脚本等等，并且可以直接连接</a:t>
+            </a:r>
+            <a:r>
+              <a:rPr lang="en-US" altLang="zh-CN" sz="2800" dirty="0"/>
+              <a:t>DB2, </a:t>
+            </a:r>
+            <a:r>
+              <a:rPr lang="en-US" altLang="zh-CN" sz="2800" dirty="0" err="1"/>
+              <a:t>SQLServer,Oracle</a:t>
+            </a:r>
+            <a:r>
+              <a:rPr lang="zh-CN" altLang="en-US" sz="2800" dirty="0"/>
+              <a:t>和</a:t>
+            </a:r>
+            <a:r>
+              <a:rPr lang="en-US" altLang="zh-CN" sz="2800" dirty="0"/>
+              <a:t>Sybase</a:t>
+            </a:r>
+            <a:r>
+              <a:rPr lang="zh-CN" altLang="en-US" sz="2800" dirty="0"/>
+              <a:t>等数据库导入</a:t>
+            </a:r>
+            <a:r>
+              <a:rPr lang="en-US" altLang="zh-CN" sz="2800" dirty="0"/>
+              <a:t>Schema</a:t>
+            </a:r>
+            <a:r>
+              <a:rPr lang="zh-CN" altLang="en-US" sz="2800" dirty="0"/>
+              <a:t>并生成数据模型。</a:t>
+            </a:r>
+          </a:p>
+          <a:p>
+            <a:endParaRPr lang="zh-CN" altLang="en-US" dirty="0"/>
+          </a:p>
+        </p:txBody>
+      </p:sp>
+    </p:spTree>
+    <p:extLst>
+      <p:ext uri="{BB962C8B-B14F-4D97-AF65-F5344CB8AC3E}">
+        <p14:creationId xmlns:p14="http://schemas.microsoft.com/office/powerpoint/2010/main" val="3778377239"/>
+      </p:ext>
+    </p:extLst>
+  </p:cSld>
+  <p:clrMapOvr>
+    <a:masterClrMapping/>
+  </p:clrMapOvr>
+  <p:timing>
+    <p:tnLst>
+      <p:par>
+        <p:cTn id="1" dur="indefinite" restart="never" nodeType="tmRoot"/>
+      </p:par>
+    </p:tnLst>
+  </p:timing>
+</p:sld>
+</file>
+
+<file path=ppt/slides/slide13.xml><?xml version="1.0" encoding="utf-8"?>
+<p:sld xmlns:a="http://schemas.openxmlformats.org/drawingml/2006/main" xmlns:r="http://schemas.openxmlformats.org/officeDocument/2006/relationships" xmlns:p="http://schemas.openxmlformats.org/presentationml/2006/main">
+  <p:cSld>
+    <p:spTree>
+      <p:nvGrpSpPr>
+        <p:cNvPr id="1" name=""/>
+        <p:cNvGrpSpPr/>
+        <p:nvPr/>
+      </p:nvGrpSpPr>
+      <p:grpSpPr>
+        <a:xfrm>
+          <a:off x="0" y="0"/>
+          <a:ext cx="0" cy="0"/>
+          <a:chOff x="0" y="0"/>
+          <a:chExt cx="0" cy="0"/>
+        </a:xfrm>
+      </p:grpSpPr>
+      <p:sp>
+        <p:nvSpPr>
+          <p:cNvPr id="4" name="文本框 3">
+            <a:extLst>
+              <a:ext uri="{FF2B5EF4-FFF2-40B4-BE49-F238E27FC236}">
+                <a16:creationId xmlns:a16="http://schemas.microsoft.com/office/drawing/2014/main" xmlns="" id="{314AC287-7E86-48DA-91D2-F44339F14B6F}"/>
+              </a:ext>
+            </a:extLst>
+          </p:cNvPr>
+          <p:cNvSpPr txBox="1"/>
+          <p:nvPr/>
+        </p:nvSpPr>
+        <p:spPr>
+          <a:xfrm>
+            <a:off x="973394" y="1602658"/>
+            <a:ext cx="4355690" cy="1200329"/>
+          </a:xfrm>
+          <a:prstGeom prst="rect">
+            <a:avLst/>
+          </a:prstGeom>
+          <a:noFill/>
+        </p:spPr>
+        <p:txBody>
+          <a:bodyPr wrap="square" rtlCol="0">
+            <a:spAutoFit/>
+          </a:bodyPr>
+          <a:lstStyle/>
+          <a:p>
+            <a:r>
+              <a:rPr lang="zh-CN" altLang="en-US" sz="2400" dirty="0"/>
+              <a:t>首先创建一个</a:t>
+            </a:r>
+            <a:r>
+              <a:rPr lang="en-US" altLang="zh-CN" sz="2400" dirty="0"/>
+              <a:t>component,</a:t>
+            </a:r>
+            <a:r>
+              <a:rPr lang="zh-CN" altLang="en-US" sz="2400" dirty="0"/>
+              <a:t>并右键</a:t>
+            </a:r>
+            <a:r>
+              <a:rPr lang="en-US" altLang="zh-CN" sz="2400" dirty="0"/>
+              <a:t>open </a:t>
+            </a:r>
+            <a:r>
+              <a:rPr lang="en-US" altLang="zh-CN" sz="2400" dirty="0" err="1"/>
+              <a:t>specialfication</a:t>
+            </a:r>
+            <a:r>
+              <a:rPr lang="en-US" altLang="zh-CN" sz="2400" dirty="0"/>
+              <a:t>,</a:t>
+            </a:r>
+            <a:r>
+              <a:rPr lang="zh-CN" altLang="en-US" sz="2400" dirty="0"/>
+              <a:t>将</a:t>
+            </a:r>
+            <a:r>
+              <a:rPr lang="en-US" altLang="zh-CN" sz="2400" dirty="0"/>
+              <a:t>language</a:t>
+            </a:r>
+            <a:r>
+              <a:rPr lang="zh-CN" altLang="en-US" sz="2400" dirty="0"/>
+              <a:t>中改成 </a:t>
+            </a:r>
+            <a:r>
+              <a:rPr lang="en-US" altLang="zh-CN" sz="2400" dirty="0"/>
+              <a:t>ANSI C++</a:t>
+            </a:r>
+            <a:endParaRPr lang="zh-CN" altLang="en-US" sz="2400" dirty="0"/>
+          </a:p>
+        </p:txBody>
+      </p:sp>
+      <p:pic>
+        <p:nvPicPr>
+          <p:cNvPr id="7" name="图片 6" descr="图片包含 屏幕截图&#10;&#10;已生成极高可信度的说明">
+            <a:extLst>
+              <a:ext uri="{FF2B5EF4-FFF2-40B4-BE49-F238E27FC236}">
+                <a16:creationId xmlns:a16="http://schemas.microsoft.com/office/drawing/2014/main" xmlns="" id="{5EC1DC9E-369D-47D7-B0C0-90893631A147}"/>
+              </a:ext>
+            </a:extLst>
+          </p:cNvPr>
+          <p:cNvPicPr>
+            <a:picLocks noChangeAspect="1"/>
+          </p:cNvPicPr>
+          <p:nvPr/>
+        </p:nvPicPr>
+        <p:blipFill>
+          <a:blip r:embed="rId2"/>
+          <a:stretch>
+            <a:fillRect/>
+          </a:stretch>
+        </p:blipFill>
+        <p:spPr>
+          <a:xfrm>
+            <a:off x="1594515" y="2963293"/>
+            <a:ext cx="2594027" cy="3198460"/>
+          </a:xfrm>
+          <a:prstGeom prst="rect">
+            <a:avLst/>
+          </a:prstGeom>
+        </p:spPr>
+      </p:pic>
+      <p:pic>
+        <p:nvPicPr>
+          <p:cNvPr id="1028" name="Picture 4" descr="rational rose使用资料教程汇总 - 思想有多远 - 思想有多远……">
+            <a:extLst>
+              <a:ext uri="{FF2B5EF4-FFF2-40B4-BE49-F238E27FC236}">
+                <a16:creationId xmlns:a16="http://schemas.microsoft.com/office/drawing/2014/main" xmlns="" id="{271B19CB-4266-4935-B737-C5AB563C72AA}"/>
               </a:ext>
             </a:extLst>
           </p:cNvPr>
@@ -12195,16 +12975,13 @@
         </p:blipFill>
         <p:spPr bwMode="auto">
           <a:xfrm>
-            <a:off x="5940676" y="1396180"/>
-            <a:ext cx="6175231" cy="4508737"/>
+            <a:off x="6949870" y="3500025"/>
+            <a:ext cx="4171950" cy="2400300"/>
           </a:xfrm>
           <a:prstGeom prst="rect">
             <a:avLst/>
           </a:prstGeom>
           <a:noFill/>
-          <a:ln>
-            <a:noFill/>
-          </a:ln>
           <a:extLst>
             <a:ext uri="{909E8E84-426E-40DD-AFC4-6F175D3DCCD1}">
               <a14:hiddenFill xmlns:a14="http://schemas.microsoft.com/office/drawing/2010/main">
@@ -12213,25 +12990,15 @@
                 </a:solidFill>
               </a14:hiddenFill>
             </a:ext>
-            <a:ext uri="{91240B29-F687-4F45-9708-019B960494DF}">
-              <a14:hiddenLine xmlns:a14="http://schemas.microsoft.com/office/drawing/2010/main" w="9525">
-                <a:solidFill>
-                  <a:srgbClr val="000000"/>
-                </a:solidFill>
-                <a:miter lim="800000"/>
-                <a:headEnd/>
-                <a:tailEnd/>
-              </a14:hiddenLine>
-            </a:ext>
           </a:extLst>
         </p:spPr>
       </p:pic>
       <p:sp>
         <p:nvSpPr>
-          <p:cNvPr id="2" name="文本框 1">
+          <p:cNvPr id="9" name="文本框 8">
             <a:extLst>
               <a:ext uri="{FF2B5EF4-FFF2-40B4-BE49-F238E27FC236}">
-                <a16:creationId xmlns:a16="http://schemas.microsoft.com/office/drawing/2014/main" id="{CBC033BA-967E-4583-BD6F-5D4A80D61D79}"/>
+                <a16:creationId xmlns:a16="http://schemas.microsoft.com/office/drawing/2014/main" xmlns="" id="{66DDC2FF-62F1-4C5A-B26F-02110198A285}"/>
               </a:ext>
             </a:extLst>
           </p:cNvPr>
@@ -12240,8 +13007,8 @@
         </p:nvSpPr>
         <p:spPr>
           <a:xfrm>
-            <a:off x="3805085" y="212918"/>
-            <a:ext cx="3952567" cy="646331"/>
+            <a:off x="6400799" y="1602658"/>
+            <a:ext cx="5250426" cy="830997"/>
           </a:xfrm>
           <a:prstGeom prst="rect">
             <a:avLst/>
@@ -12255,82 +13022,8 @@
           <a:lstStyle/>
           <a:p>
             <a:r>
-              <a:rPr lang="zh-CN" altLang="en-US" dirty="0"/>
-              <a:t>以此类推，开始建立其他框图；</a:t>
-            </a:r>
-            <a:endParaRPr lang="en-US" altLang="zh-CN" dirty="0"/>
-          </a:p>
-          <a:p>
-            <a:endParaRPr lang="en-US" altLang="zh-CN" dirty="0"/>
-          </a:p>
-        </p:txBody>
-      </p:sp>
-      <p:sp>
-        <p:nvSpPr>
-          <p:cNvPr id="3" name="文本框 2">
-            <a:extLst>
-              <a:ext uri="{FF2B5EF4-FFF2-40B4-BE49-F238E27FC236}">
-                <a16:creationId xmlns:a16="http://schemas.microsoft.com/office/drawing/2014/main" id="{4AE41806-3F80-412F-B4F1-9F38B4DC0384}"/>
-              </a:ext>
-            </a:extLst>
-          </p:cNvPr>
-          <p:cNvSpPr txBox="1"/>
-          <p:nvPr/>
-        </p:nvSpPr>
-        <p:spPr>
-          <a:xfrm>
-            <a:off x="8504903" y="859249"/>
-            <a:ext cx="2625213" cy="369332"/>
-          </a:xfrm>
-          <a:prstGeom prst="rect">
-            <a:avLst/>
-          </a:prstGeom>
-          <a:noFill/>
-        </p:spPr>
-        <p:txBody>
-          <a:bodyPr wrap="square" rtlCol="0">
-            <a:spAutoFit/>
-          </a:bodyPr>
-          <a:lstStyle/>
-          <a:p>
-            <a:r>
-              <a:rPr lang="zh-CN" altLang="en-US" dirty="0"/>
-              <a:t>类图：</a:t>
-            </a:r>
-          </a:p>
-        </p:txBody>
-      </p:sp>
-      <p:sp>
-        <p:nvSpPr>
-          <p:cNvPr id="4" name="文本框 3">
-            <a:extLst>
-              <a:ext uri="{FF2B5EF4-FFF2-40B4-BE49-F238E27FC236}">
-                <a16:creationId xmlns:a16="http://schemas.microsoft.com/office/drawing/2014/main" id="{7895F7AA-770C-4C95-9D7E-FD317F047D2B}"/>
-              </a:ext>
-            </a:extLst>
-          </p:cNvPr>
-          <p:cNvSpPr txBox="1"/>
-          <p:nvPr/>
-        </p:nvSpPr>
-        <p:spPr>
-          <a:xfrm>
-            <a:off x="2074608" y="859249"/>
-            <a:ext cx="2713704" cy="369332"/>
-          </a:xfrm>
-          <a:prstGeom prst="rect">
-            <a:avLst/>
-          </a:prstGeom>
-          <a:noFill/>
-        </p:spPr>
-        <p:txBody>
-          <a:bodyPr wrap="square" rtlCol="0">
-            <a:spAutoFit/>
-          </a:bodyPr>
-          <a:lstStyle/>
-          <a:p>
-            <a:r>
-              <a:rPr lang="zh-CN" altLang="en-US" dirty="0"/>
-              <a:t>活动图：</a:t>
+              <a:rPr lang="zh-CN" altLang="en-US" sz="2400" dirty="0"/>
+              <a:t>然后重新右键，发现多了个选项，并点开属性设置</a:t>
             </a:r>
           </a:p>
         </p:txBody>
@@ -12338,146 +13031,7 @@
     </p:spTree>
     <p:extLst>
       <p:ext uri="{BB962C8B-B14F-4D97-AF65-F5344CB8AC3E}">
-        <p14:creationId xmlns:p14="http://schemas.microsoft.com/office/powerpoint/2010/main" val="1656179103"/>
-      </p:ext>
-    </p:extLst>
-  </p:cSld>
-  <p:clrMapOvr>
-    <a:masterClrMapping/>
-  </p:clrMapOvr>
-</p:sld>
-</file>
-
-<file path=ppt/slides/slide12.xml><?xml version="1.0" encoding="utf-8"?>
-<p:sld xmlns:a="http://schemas.openxmlformats.org/drawingml/2006/main" xmlns:r="http://schemas.openxmlformats.org/officeDocument/2006/relationships" xmlns:p="http://schemas.openxmlformats.org/presentationml/2006/main">
-  <p:cSld>
-    <p:spTree>
-      <p:nvGrpSpPr>
-        <p:cNvPr id="1" name=""/>
-        <p:cNvGrpSpPr/>
-        <p:nvPr/>
-      </p:nvGrpSpPr>
-      <p:grpSpPr>
-        <a:xfrm>
-          <a:off x="0" y="0"/>
-          <a:ext cx="0" cy="0"/>
-          <a:chOff x="0" y="0"/>
-          <a:chExt cx="0" cy="0"/>
-        </a:xfrm>
-      </p:grpSpPr>
-      <p:sp>
-        <p:nvSpPr>
-          <p:cNvPr id="2" name="竖排标题 1">
-            <a:extLst>
-              <a:ext uri="{FF2B5EF4-FFF2-40B4-BE49-F238E27FC236}">
-                <a16:creationId xmlns:a16="http://schemas.microsoft.com/office/drawing/2014/main" id="{5C3A846A-B747-4FB8-9682-1D33AC10C4CC}"/>
-              </a:ext>
-            </a:extLst>
-          </p:cNvPr>
-          <p:cNvSpPr>
-            <a:spLocks noGrp="1"/>
-          </p:cNvSpPr>
-          <p:nvPr>
-            <p:ph type="title" orient="vert"/>
-          </p:nvPr>
-        </p:nvSpPr>
-        <p:spPr>
-          <a:xfrm>
-            <a:off x="9427724" y="586171"/>
-            <a:ext cx="2494791" cy="5134798"/>
-          </a:xfrm>
-        </p:spPr>
-        <p:txBody>
-          <a:bodyPr/>
-          <a:lstStyle/>
-          <a:p>
-            <a:r>
-              <a:rPr lang="zh-CN" altLang="en-US" sz="6000" dirty="0"/>
-              <a:t>无奖问答环节</a:t>
-            </a:r>
-          </a:p>
-        </p:txBody>
-      </p:sp>
-      <p:sp>
-        <p:nvSpPr>
-          <p:cNvPr id="3" name="竖排文字占位符 2">
-            <a:extLst>
-              <a:ext uri="{FF2B5EF4-FFF2-40B4-BE49-F238E27FC236}">
-                <a16:creationId xmlns:a16="http://schemas.microsoft.com/office/drawing/2014/main" id="{E3AEB0D5-ED0F-4306-A6DA-0D380B0411E9}"/>
-              </a:ext>
-            </a:extLst>
-          </p:cNvPr>
-          <p:cNvSpPr>
-            <a:spLocks noGrp="1"/>
-          </p:cNvSpPr>
-          <p:nvPr>
-            <p:ph type="body" orient="vert" idx="1"/>
-          </p:nvPr>
-        </p:nvSpPr>
-        <p:spPr>
-          <a:xfrm rot="16200000">
-            <a:off x="345305" y="844749"/>
-            <a:ext cx="6611540" cy="5414962"/>
-          </a:xfrm>
-        </p:spPr>
-        <p:txBody>
-          <a:bodyPr>
-            <a:normAutofit/>
-          </a:bodyPr>
-          <a:lstStyle/>
-          <a:p>
-            <a:r>
-              <a:rPr lang="zh-CN" altLang="en-US" sz="4000" dirty="0"/>
-              <a:t>第一题</a:t>
-            </a:r>
-            <a:endParaRPr lang="en-US" altLang="zh-CN" sz="4000" dirty="0"/>
-          </a:p>
-          <a:p>
-            <a:pPr marL="0" indent="0">
-              <a:buNone/>
-            </a:pPr>
-            <a:r>
-              <a:rPr lang="zh-CN" altLang="en-US" sz="4000" dirty="0"/>
-              <a:t>请问：在</a:t>
-            </a:r>
-            <a:r>
-              <a:rPr lang="en-US" altLang="zh-CN" sz="4000" dirty="0"/>
-              <a:t>rational rose </a:t>
-            </a:r>
-            <a:r>
-              <a:rPr lang="zh-CN" altLang="en-US" sz="4000" dirty="0"/>
-              <a:t>图形界面中，日志的功能是什么？</a:t>
-            </a:r>
-            <a:endParaRPr lang="en-US" altLang="zh-CN" sz="4000" dirty="0"/>
-          </a:p>
-          <a:p>
-            <a:pPr marL="0" indent="0">
-              <a:buNone/>
-            </a:pPr>
-            <a:endParaRPr lang="en-US" altLang="zh-CN" sz="4000" dirty="0"/>
-          </a:p>
-          <a:p>
-            <a:pPr marL="0" indent="0">
-              <a:buNone/>
-            </a:pPr>
-            <a:r>
-              <a:rPr lang="zh-CN" altLang="zh-CN" sz="4000" dirty="0"/>
-              <a:t>用于查看错误信息和报告各个命令的结果</a:t>
-            </a:r>
-            <a:endParaRPr lang="en-US" altLang="zh-CN" sz="4000" dirty="0"/>
-          </a:p>
-          <a:p>
-            <a:pPr marL="0" indent="0">
-              <a:buNone/>
-            </a:pPr>
-            <a:endParaRPr lang="en-US" altLang="zh-CN" sz="4000" dirty="0"/>
-          </a:p>
-        </p:txBody>
-      </p:sp>
-    </p:spTree>
-    <p:extLst>
-      <p:ext uri="{BB962C8B-B14F-4D97-AF65-F5344CB8AC3E}">
-        <p14:creationId xmlns:p14="http://schemas.microsoft.com/office/powerpoint/2010/main" val="1509642613"/>
+        <p14:creationId xmlns:p14="http://schemas.microsoft.com/office/powerpoint/2010/main" val="4191953256"/>
       </p:ext>
     </p:extLst>
   </p:cSld>
@@ -12518,11 +13072,106 @@
                                           </p:stCondLst>
                                         </p:cTn>
                                         <p:tgtEl>
-                                          <p:spTgt spid="3">
-                                            <p:txEl>
-                                              <p:pRg st="3" end="3"/>
-                                            </p:txEl>
-                                          </p:spTgt>
+                                          <p:spTgt spid="7"/>
+                                        </p:tgtEl>
+                                        <p:attrNameLst>
+                                          <p:attrName>style.visibility</p:attrName>
+                                        </p:attrNameLst>
+                                      </p:cBhvr>
+                                      <p:to>
+                                        <p:strVal val="visible"/>
+                                      </p:to>
+                                    </p:set>
+                                  </p:childTnLst>
+                                </p:cTn>
+                              </p:par>
+                              <p:par>
+                                <p:cTn id="7" presetID="1" presetClass="entr" presetSubtype="0" fill="hold" grpId="0" nodeType="withEffect">
+                                  <p:stCondLst>
+                                    <p:cond delay="0"/>
+                                  </p:stCondLst>
+                                  <p:childTnLst>
+                                    <p:set>
+                                      <p:cBhvr>
+                                        <p:cTn id="8" dur="1" fill="hold">
+                                          <p:stCondLst>
+                                            <p:cond delay="0"/>
+                                          </p:stCondLst>
+                                        </p:cTn>
+                                        <p:tgtEl>
+                                          <p:spTgt spid="4"/>
+                                        </p:tgtEl>
+                                        <p:attrNameLst>
+                                          <p:attrName>style.visibility</p:attrName>
+                                        </p:attrNameLst>
+                                      </p:cBhvr>
+                                      <p:to>
+                                        <p:strVal val="visible"/>
+                                      </p:to>
+                                    </p:set>
+                                  </p:childTnLst>
+                                </p:cTn>
+                              </p:par>
+                            </p:childTnLst>
+                          </p:cTn>
+                        </p:par>
+                      </p:childTnLst>
+                    </p:cTn>
+                  </p:par>
+                  <p:par>
+                    <p:cTn id="9" fill="hold">
+                      <p:stCondLst>
+                        <p:cond delay="indefinite"/>
+                      </p:stCondLst>
+                      <p:childTnLst>
+                        <p:par>
+                          <p:cTn id="10" fill="hold">
+                            <p:stCondLst>
+                              <p:cond delay="0"/>
+                            </p:stCondLst>
+                            <p:childTnLst>
+                              <p:par>
+                                <p:cTn id="11" presetID="1" presetClass="entr" presetSubtype="0" fill="hold" nodeType="clickEffect">
+                                  <p:stCondLst>
+                                    <p:cond delay="0"/>
+                                  </p:stCondLst>
+                                  <p:childTnLst>
+                                    <p:set>
+                                      <p:cBhvr>
+                                        <p:cTn id="12" dur="1" fill="hold">
+                                          <p:stCondLst>
+                                            <p:cond delay="0"/>
+                                          </p:stCondLst>
+                                        </p:cTn>
+                                        <p:tgtEl>
+                                          <p:spTgt spid="1028"/>
+                                        </p:tgtEl>
+                                        <p:attrNameLst>
+                                          <p:attrName>style.visibility</p:attrName>
+                                        </p:attrNameLst>
+                                      </p:cBhvr>
+                                      <p:to>
+                                        <p:strVal val="visible"/>
+                                      </p:to>
+                                    </p:set>
+                                  </p:childTnLst>
+                                </p:cTn>
+                              </p:par>
+                              <p:par>
+                                <p:cTn id="13" presetID="1" presetClass="entr" presetSubtype="0" fill="hold" grpId="0" nodeType="withEffect">
+                                  <p:stCondLst>
+                                    <p:cond delay="0"/>
+                                  </p:stCondLst>
+                                  <p:childTnLst>
+                                    <p:set>
+                                      <p:cBhvr>
+                                        <p:cTn id="14" dur="1" fill="hold">
+                                          <p:stCondLst>
+                                            <p:cond delay="0"/>
+                                          </p:stCondLst>
+                                        </p:cTn>
+                                        <p:tgtEl>
+                                          <p:spTgt spid="9"/>
                                         </p:tgtEl>
                                         <p:attrNameLst>
                                           <p:attrName>style.visibility</p:attrName>
@@ -12562,11 +13211,877 @@
         </p:cTn>
       </p:par>
     </p:tnLst>
+    <p:bldLst>
+      <p:bldP spid="4" grpId="0"/>
+      <p:bldP spid="9" grpId="0"/>
+    </p:bldLst>
   </p:timing>
 </p:sld>
 </file>
 
-<file path=ppt/slides/slide13.xml><?xml version="1.0" encoding="utf-8"?>
+<file path=ppt/slides/slide14.xml><?xml version="1.0" encoding="utf-8"?>
+<p:sld xmlns:a="http://schemas.openxmlformats.org/drawingml/2006/main" xmlns:r="http://schemas.openxmlformats.org/officeDocument/2006/relationships" xmlns:p="http://schemas.openxmlformats.org/presentationml/2006/main">
+  <p:cSld>
+    <p:spTree>
+      <p:nvGrpSpPr>
+        <p:cNvPr id="1" name=""/>
+        <p:cNvGrpSpPr/>
+        <p:nvPr/>
+      </p:nvGrpSpPr>
+      <p:grpSpPr>
+        <a:xfrm>
+          <a:off x="0" y="0"/>
+          <a:ext cx="0" cy="0"/>
+          <a:chOff x="0" y="0"/>
+          <a:chExt cx="0" cy="0"/>
+        </a:xfrm>
+      </p:grpSpPr>
+      <p:sp>
+        <p:nvSpPr>
+          <p:cNvPr id="3" name="文本框 2">
+            <a:extLst>
+              <a:ext uri="{FF2B5EF4-FFF2-40B4-BE49-F238E27FC236}">
+                <a16:creationId xmlns:a16="http://schemas.microsoft.com/office/drawing/2014/main" xmlns="" id="{58C38E1E-D2D2-42FF-AFC7-84D498EA9C6A}"/>
+              </a:ext>
+            </a:extLst>
+          </p:cNvPr>
+          <p:cNvSpPr txBox="1"/>
+          <p:nvPr/>
+        </p:nvSpPr>
+        <p:spPr>
+          <a:xfrm>
+            <a:off x="1179872" y="914399"/>
+            <a:ext cx="3982064" cy="5016758"/>
+          </a:xfrm>
+          <a:prstGeom prst="rect">
+            <a:avLst/>
+          </a:prstGeom>
+          <a:noFill/>
+        </p:spPr>
+        <p:txBody>
+          <a:bodyPr wrap="square" rtlCol="0">
+            <a:spAutoFit/>
+          </a:bodyPr>
+          <a:lstStyle/>
+          <a:p>
+            <a:r>
+              <a:rPr lang="zh-CN" altLang="en-US" sz="3200" dirty="0"/>
+              <a:t>将</a:t>
+            </a:r>
+            <a:r>
+              <a:rPr lang="en-US" altLang="zh-CN" sz="3200" dirty="0"/>
+              <a:t>Source file root directory</a:t>
+            </a:r>
+            <a:r>
+              <a:rPr lang="zh-CN" altLang="en-US" sz="3200" dirty="0"/>
+              <a:t>设置为我们需要进行类图转换的</a:t>
+            </a:r>
+            <a:r>
+              <a:rPr lang="en-US" altLang="zh-CN" sz="3200" dirty="0"/>
+              <a:t>VC</a:t>
+            </a:r>
+            <a:r>
+              <a:rPr lang="zh-CN" altLang="en-US" sz="3200" dirty="0"/>
+              <a:t>工程的目录。然后在</a:t>
+            </a:r>
+            <a:r>
+              <a:rPr lang="en-US" altLang="zh-CN" sz="3200" dirty="0"/>
+              <a:t>add files</a:t>
+            </a:r>
+            <a:r>
+              <a:rPr lang="zh-CN" altLang="en-US" sz="3200" dirty="0"/>
+              <a:t>添加我们需要进行转换的源文件。这些源文件既包括类的*</a:t>
+            </a:r>
+            <a:r>
+              <a:rPr lang="en-US" altLang="zh-CN" sz="3200" dirty="0"/>
+              <a:t>.</a:t>
+            </a:r>
+            <a:r>
+              <a:rPr lang="en-US" altLang="zh-CN" sz="3200" dirty="0" err="1"/>
+              <a:t>cpp</a:t>
+            </a:r>
+            <a:r>
+              <a:rPr lang="zh-CN" altLang="en-US" sz="3200" dirty="0"/>
+              <a:t>实现文件也要包括相应的*</a:t>
+            </a:r>
+            <a:r>
+              <a:rPr lang="en-US" altLang="zh-CN" sz="3200" dirty="0"/>
+              <a:t>.h</a:t>
+            </a:r>
+            <a:r>
+              <a:rPr lang="zh-CN" altLang="en-US" sz="3200" dirty="0"/>
+              <a:t>头文件</a:t>
+            </a:r>
+          </a:p>
+        </p:txBody>
+      </p:sp>
+      <p:pic>
+        <p:nvPicPr>
+          <p:cNvPr id="5" name="图片 4" descr="图片包含 屏幕截图&#10;&#10;已生成极高可信度的说明">
+            <a:extLst>
+              <a:ext uri="{FF2B5EF4-FFF2-40B4-BE49-F238E27FC236}">
+                <a16:creationId xmlns:a16="http://schemas.microsoft.com/office/drawing/2014/main" xmlns="" id="{8BAF9A13-54E3-4BB7-ABCA-515D604AFEC3}"/>
+              </a:ext>
+            </a:extLst>
+          </p:cNvPr>
+          <p:cNvPicPr>
+            <a:picLocks noChangeAspect="1"/>
+          </p:cNvPicPr>
+          <p:nvPr/>
+        </p:nvPicPr>
+        <p:blipFill>
+          <a:blip r:embed="rId2"/>
+          <a:stretch>
+            <a:fillRect/>
+          </a:stretch>
+        </p:blipFill>
+        <p:spPr>
+          <a:xfrm>
+            <a:off x="5949898" y="269773"/>
+            <a:ext cx="5876925" cy="5295900"/>
+          </a:xfrm>
+          <a:prstGeom prst="rect">
+            <a:avLst/>
+          </a:prstGeom>
+        </p:spPr>
+      </p:pic>
+    </p:spTree>
+    <p:extLst>
+      <p:ext uri="{BB962C8B-B14F-4D97-AF65-F5344CB8AC3E}">
+        <p14:creationId xmlns:p14="http://schemas.microsoft.com/office/powerpoint/2010/main" val="4259326061"/>
+      </p:ext>
+    </p:extLst>
+  </p:cSld>
+  <p:clrMapOvr>
+    <a:masterClrMapping/>
+  </p:clrMapOvr>
+  <p:timing>
+    <p:tnLst>
+      <p:par>
+        <p:cTn id="1" dur="indefinite" restart="never" nodeType="tmRoot"/>
+      </p:par>
+    </p:tnLst>
+  </p:timing>
+</p:sld>
+</file>
+
+<file path=ppt/slides/slide15.xml><?xml version="1.0" encoding="utf-8"?>
+<p:sld xmlns:a="http://schemas.openxmlformats.org/drawingml/2006/main" xmlns:r="http://schemas.openxmlformats.org/officeDocument/2006/relationships" xmlns:p="http://schemas.openxmlformats.org/presentationml/2006/main">
+  <p:cSld>
+    <p:spTree>
+      <p:nvGrpSpPr>
+        <p:cNvPr id="1" name=""/>
+        <p:cNvGrpSpPr/>
+        <p:nvPr/>
+      </p:nvGrpSpPr>
+      <p:grpSpPr>
+        <a:xfrm>
+          <a:off x="0" y="0"/>
+          <a:ext cx="0" cy="0"/>
+          <a:chOff x="0" y="0"/>
+          <a:chExt cx="0" cy="0"/>
+        </a:xfrm>
+      </p:grpSpPr>
+      <p:sp>
+        <p:nvSpPr>
+          <p:cNvPr id="2" name="文本框 1">
+            <a:extLst>
+              <a:ext uri="{FF2B5EF4-FFF2-40B4-BE49-F238E27FC236}">
+                <a16:creationId xmlns:a16="http://schemas.microsoft.com/office/drawing/2014/main" xmlns="" id="{BB23BC1B-994E-48C5-8A1F-E19FA0B79DCE}"/>
+              </a:ext>
+            </a:extLst>
+          </p:cNvPr>
+          <p:cNvSpPr txBox="1"/>
+          <p:nvPr/>
+        </p:nvSpPr>
+        <p:spPr>
+          <a:xfrm>
+            <a:off x="1150374" y="865239"/>
+            <a:ext cx="4178710" cy="3970318"/>
+          </a:xfrm>
+          <a:prstGeom prst="rect">
+            <a:avLst/>
+          </a:prstGeom>
+          <a:noFill/>
+        </p:spPr>
+        <p:txBody>
+          <a:bodyPr wrap="square" rtlCol="0">
+            <a:spAutoFit/>
+          </a:bodyPr>
+          <a:lstStyle/>
+          <a:p>
+            <a:r>
+              <a:rPr lang="zh-CN" altLang="en-US" sz="2800" dirty="0"/>
+              <a:t>添加完工程文件后，可以再</a:t>
+            </a:r>
+            <a:r>
+              <a:rPr lang="en-US" altLang="zh-CN" sz="2800" dirty="0"/>
+              <a:t>Project files</a:t>
+            </a:r>
+            <a:r>
+              <a:rPr lang="zh-CN" altLang="en-US" sz="2800" dirty="0"/>
+              <a:t>列表中看到添加的头文件和实现文件。我们点击确定按钮，关闭该设置窗口。右键点击</a:t>
+            </a:r>
+            <a:r>
+              <a:rPr lang="en-US" altLang="zh-CN" sz="2800" dirty="0"/>
+              <a:t>TEST</a:t>
+            </a:r>
+            <a:r>
+              <a:rPr lang="zh-CN" altLang="en-US" sz="2800" dirty="0"/>
+              <a:t>组件，选择</a:t>
+            </a:r>
+            <a:r>
+              <a:rPr lang="en-US" altLang="zh-CN" sz="2800" dirty="0"/>
+              <a:t>Reverse </a:t>
+            </a:r>
+            <a:r>
+              <a:rPr lang="en-US" altLang="zh-CN" sz="2800" dirty="0" err="1"/>
+              <a:t>Enginee</a:t>
+            </a:r>
+            <a:r>
+              <a:rPr lang="zh-CN" altLang="en-US" sz="2800" dirty="0"/>
+              <a:t>选项，在窗口中去掉不需要的转化的类</a:t>
+            </a:r>
+          </a:p>
+        </p:txBody>
+      </p:sp>
+      <p:pic>
+        <p:nvPicPr>
+          <p:cNvPr id="2050" name="Picture 2" descr="rational rose使用资料教程汇总 - 思想有多远 - 思想有多远……">
+            <a:extLst>
+              <a:ext uri="{FF2B5EF4-FFF2-40B4-BE49-F238E27FC236}">
+                <a16:creationId xmlns:a16="http://schemas.microsoft.com/office/drawing/2014/main" xmlns="" id="{0E86E9CC-D757-4A04-82DE-97B6299072F3}"/>
+              </a:ext>
+            </a:extLst>
+          </p:cNvPr>
+          <p:cNvPicPr>
+            <a:picLocks noChangeAspect="1" noChangeArrowheads="1"/>
+          </p:cNvPicPr>
+          <p:nvPr/>
+        </p:nvPicPr>
+        <p:blipFill>
+          <a:blip r:embed="rId2">
+            <a:extLst>
+              <a:ext uri="{28A0092B-C50C-407E-A947-70E740481C1C}">
+                <a14:useLocalDpi xmlns:a14="http://schemas.microsoft.com/office/drawing/2010/main" val="0"/>
+              </a:ext>
+            </a:extLst>
+          </a:blip>
+          <a:srcRect/>
+          <a:stretch>
+            <a:fillRect/>
+          </a:stretch>
+        </p:blipFill>
+        <p:spPr bwMode="auto">
+          <a:xfrm>
+            <a:off x="6147619" y="206016"/>
+            <a:ext cx="5191125" cy="4010025"/>
+          </a:xfrm>
+          <a:prstGeom prst="rect">
+            <a:avLst/>
+          </a:prstGeom>
+          <a:noFill/>
+          <a:extLst>
+            <a:ext uri="{909E8E84-426E-40DD-AFC4-6F175D3DCCD1}">
+              <a14:hiddenFill xmlns:a14="http://schemas.microsoft.com/office/drawing/2010/main">
+                <a:solidFill>
+                  <a:srgbClr val="FFFFFF"/>
+                </a:solidFill>
+              </a14:hiddenFill>
+            </a:ext>
+          </a:extLst>
+        </p:spPr>
+      </p:pic>
+      <p:pic>
+        <p:nvPicPr>
+          <p:cNvPr id="2052" name="Picture 4" descr="rational rose使用资料教程汇总 - 思想有多远 - 思想有多远……">
+            <a:extLst>
+              <a:ext uri="{FF2B5EF4-FFF2-40B4-BE49-F238E27FC236}">
+                <a16:creationId xmlns:a16="http://schemas.microsoft.com/office/drawing/2014/main" xmlns="" id="{AC388D83-6902-48E8-9A94-893A6C27E3F4}"/>
+              </a:ext>
+            </a:extLst>
+          </p:cNvPr>
+          <p:cNvPicPr>
+            <a:picLocks noChangeAspect="1" noChangeArrowheads="1"/>
+          </p:cNvPicPr>
+          <p:nvPr/>
+        </p:nvPicPr>
+        <p:blipFill>
+          <a:blip r:embed="rId3">
+            <a:extLst>
+              <a:ext uri="{28A0092B-C50C-407E-A947-70E740481C1C}">
+                <a14:useLocalDpi xmlns:a14="http://schemas.microsoft.com/office/drawing/2010/main" val="0"/>
+              </a:ext>
+            </a:extLst>
+          </a:blip>
+          <a:srcRect/>
+          <a:stretch>
+            <a:fillRect/>
+          </a:stretch>
+        </p:blipFill>
+        <p:spPr bwMode="auto">
+          <a:xfrm>
+            <a:off x="6676257" y="4394559"/>
+            <a:ext cx="4133850" cy="2257425"/>
+          </a:xfrm>
+          <a:prstGeom prst="rect">
+            <a:avLst/>
+          </a:prstGeom>
+          <a:noFill/>
+          <a:extLst>
+            <a:ext uri="{909E8E84-426E-40DD-AFC4-6F175D3DCCD1}">
+              <a14:hiddenFill xmlns:a14="http://schemas.microsoft.com/office/drawing/2010/main">
+                <a:solidFill>
+                  <a:srgbClr val="FFFFFF"/>
+                </a:solidFill>
+              </a14:hiddenFill>
+            </a:ext>
+          </a:extLst>
+        </p:spPr>
+      </p:pic>
+      <p:sp>
+        <p:nvSpPr>
+          <p:cNvPr id="5" name="文本框 4">
+            <a:extLst>
+              <a:ext uri="{FF2B5EF4-FFF2-40B4-BE49-F238E27FC236}">
+                <a16:creationId xmlns:a16="http://schemas.microsoft.com/office/drawing/2014/main" xmlns="" id="{74B17CAD-8790-4BA9-B2B3-0244981FD4B2}"/>
+              </a:ext>
+            </a:extLst>
+          </p:cNvPr>
+          <p:cNvSpPr txBox="1"/>
+          <p:nvPr/>
+        </p:nvSpPr>
+        <p:spPr>
+          <a:xfrm>
+            <a:off x="1229033" y="4906297"/>
+            <a:ext cx="3659751" cy="523220"/>
+          </a:xfrm>
+          <a:prstGeom prst="rect">
+            <a:avLst/>
+          </a:prstGeom>
+          <a:noFill/>
+        </p:spPr>
+        <p:txBody>
+          <a:bodyPr wrap="square" rtlCol="0">
+            <a:spAutoFit/>
+          </a:bodyPr>
+          <a:lstStyle/>
+          <a:p>
+            <a:r>
+              <a:rPr lang="zh-CN" altLang="en-US" sz="2800" dirty="0"/>
+              <a:t>点击</a:t>
+            </a:r>
+            <a:r>
+              <a:rPr lang="en-US" altLang="zh-CN" sz="2800" dirty="0"/>
+              <a:t>OK</a:t>
+            </a:r>
+            <a:r>
+              <a:rPr lang="zh-CN" altLang="en-US" sz="2800" dirty="0"/>
+              <a:t>，转化成功</a:t>
+            </a:r>
+          </a:p>
+        </p:txBody>
+      </p:sp>
+    </p:spTree>
+    <p:extLst>
+      <p:ext uri="{BB962C8B-B14F-4D97-AF65-F5344CB8AC3E}">
+        <p14:creationId xmlns:p14="http://schemas.microsoft.com/office/powerpoint/2010/main" val="2086395128"/>
+      </p:ext>
+    </p:extLst>
+  </p:cSld>
+  <p:clrMapOvr>
+    <a:masterClrMapping/>
+  </p:clrMapOvr>
+  <p:timing>
+    <p:tnLst>
+      <p:par>
+        <p:cTn id="1" dur="indefinite" restart="never" nodeType="tmRoot">
+          <p:childTnLst>
+            <p:seq concurrent="1" nextAc="seek">
+              <p:cTn id="2" dur="indefinite" nodeType="mainSeq">
+                <p:childTnLst>
+                  <p:par>
+                    <p:cTn id="3" fill="hold">
+                      <p:stCondLst>
+                        <p:cond delay="indefinite"/>
+                      </p:stCondLst>
+                      <p:childTnLst>
+                        <p:par>
+                          <p:cTn id="4" fill="hold">
+                            <p:stCondLst>
+                              <p:cond delay="0"/>
+                            </p:stCondLst>
+                            <p:childTnLst>
+                              <p:par>
+                                <p:cTn id="5" presetID="1" presetClass="entr" presetSubtype="0" fill="hold" grpId="0" nodeType="clickEffect">
+                                  <p:stCondLst>
+                                    <p:cond delay="0"/>
+                                  </p:stCondLst>
+                                  <p:childTnLst>
+                                    <p:set>
+                                      <p:cBhvr>
+                                        <p:cTn id="6" dur="1" fill="hold">
+                                          <p:stCondLst>
+                                            <p:cond delay="0"/>
+                                          </p:stCondLst>
+                                        </p:cTn>
+                                        <p:tgtEl>
+                                          <p:spTgt spid="2"/>
+                                        </p:tgtEl>
+                                        <p:attrNameLst>
+                                          <p:attrName>style.visibility</p:attrName>
+                                        </p:attrNameLst>
+                                      </p:cBhvr>
+                                      <p:to>
+                                        <p:strVal val="visible"/>
+                                      </p:to>
+                                    </p:set>
+                                  </p:childTnLst>
+                                </p:cTn>
+                              </p:par>
+                              <p:par>
+                                <p:cTn id="7" presetID="1" presetClass="entr" presetSubtype="0" fill="hold" nodeType="withEffect">
+                                  <p:stCondLst>
+                                    <p:cond delay="0"/>
+                                  </p:stCondLst>
+                                  <p:childTnLst>
+                                    <p:set>
+                                      <p:cBhvr>
+                                        <p:cTn id="8" dur="1" fill="hold">
+                                          <p:stCondLst>
+                                            <p:cond delay="0"/>
+                                          </p:stCondLst>
+                                        </p:cTn>
+                                        <p:tgtEl>
+                                          <p:spTgt spid="2050"/>
+                                        </p:tgtEl>
+                                        <p:attrNameLst>
+                                          <p:attrName>style.visibility</p:attrName>
+                                        </p:attrNameLst>
+                                      </p:cBhvr>
+                                      <p:to>
+                                        <p:strVal val="visible"/>
+                                      </p:to>
+                                    </p:set>
+                                  </p:childTnLst>
+                                </p:cTn>
+                              </p:par>
+                            </p:childTnLst>
+                          </p:cTn>
+                        </p:par>
+                      </p:childTnLst>
+                    </p:cTn>
+                  </p:par>
+                  <p:par>
+                    <p:cTn id="9" fill="hold">
+                      <p:stCondLst>
+                        <p:cond delay="indefinite"/>
+                      </p:stCondLst>
+                      <p:childTnLst>
+                        <p:par>
+                          <p:cTn id="10" fill="hold">
+                            <p:stCondLst>
+                              <p:cond delay="0"/>
+                            </p:stCondLst>
+                            <p:childTnLst>
+                              <p:par>
+                                <p:cTn id="11" presetID="1" presetClass="entr" presetSubtype="0" fill="hold" nodeType="clickEffect">
+                                  <p:stCondLst>
+                                    <p:cond delay="0"/>
+                                  </p:stCondLst>
+                                  <p:childTnLst>
+                                    <p:set>
+                                      <p:cBhvr>
+                                        <p:cTn id="12" dur="1" fill="hold">
+                                          <p:stCondLst>
+                                            <p:cond delay="0"/>
+                                          </p:stCondLst>
+                                        </p:cTn>
+                                        <p:tgtEl>
+                                          <p:spTgt spid="2052"/>
+                                        </p:tgtEl>
+                                        <p:attrNameLst>
+                                          <p:attrName>style.visibility</p:attrName>
+                                        </p:attrNameLst>
+                                      </p:cBhvr>
+                                      <p:to>
+                                        <p:strVal val="visible"/>
+                                      </p:to>
+                                    </p:set>
+                                  </p:childTnLst>
+                                </p:cTn>
+                              </p:par>
+                              <p:par>
+                                <p:cTn id="13" presetID="1" presetClass="entr" presetSubtype="0" fill="hold" grpId="0" nodeType="withEffect">
+                                  <p:stCondLst>
+                                    <p:cond delay="0"/>
+                                  </p:stCondLst>
+                                  <p:childTnLst>
+                                    <p:set>
+                                      <p:cBhvr>
+                                        <p:cTn id="14" dur="1" fill="hold">
+                                          <p:stCondLst>
+                                            <p:cond delay="0"/>
+                                          </p:stCondLst>
+                                        </p:cTn>
+                                        <p:tgtEl>
+                                          <p:spTgt spid="5"/>
+                                        </p:tgtEl>
+                                        <p:attrNameLst>
+                                          <p:attrName>style.visibility</p:attrName>
+                                        </p:attrNameLst>
+                                      </p:cBhvr>
+                                      <p:to>
+                                        <p:strVal val="visible"/>
+                                      </p:to>
+                                    </p:set>
+                                  </p:childTnLst>
+                                </p:cTn>
+                              </p:par>
+                            </p:childTnLst>
+                          </p:cTn>
+                        </p:par>
+                      </p:childTnLst>
+                    </p:cTn>
+                  </p:par>
+                </p:childTnLst>
+              </p:cTn>
+              <p:prevCondLst>
+                <p:cond evt="onPrev" delay="0">
+                  <p:tgtEl>
+                    <p:sldTgt/>
+                  </p:tgtEl>
+                </p:cond>
+              </p:prevCondLst>
+              <p:nextCondLst>
+                <p:cond evt="onNext" delay="0">
+                  <p:tgtEl>
+                    <p:sldTgt/>
+                  </p:tgtEl>
+                </p:cond>
+              </p:nextCondLst>
+            </p:seq>
+          </p:childTnLst>
+        </p:cTn>
+      </p:par>
+    </p:tnLst>
+    <p:bldLst>
+      <p:bldP spid="2" grpId="0"/>
+      <p:bldP spid="5" grpId="0"/>
+    </p:bldLst>
+  </p:timing>
+</p:sld>
+</file>
+
+<file path=ppt/slides/slide16.xml><?xml version="1.0" encoding="utf-8"?>
+<p:sld xmlns:a="http://schemas.openxmlformats.org/drawingml/2006/main" xmlns:r="http://schemas.openxmlformats.org/officeDocument/2006/relationships" xmlns:p="http://schemas.openxmlformats.org/presentationml/2006/main">
+  <p:cSld>
+    <p:spTree>
+      <p:nvGrpSpPr>
+        <p:cNvPr id="1" name=""/>
+        <p:cNvGrpSpPr/>
+        <p:nvPr/>
+      </p:nvGrpSpPr>
+      <p:grpSpPr>
+        <a:xfrm>
+          <a:off x="0" y="0"/>
+          <a:ext cx="0" cy="0"/>
+          <a:chOff x="0" y="0"/>
+          <a:chExt cx="0" cy="0"/>
+        </a:xfrm>
+      </p:grpSpPr>
+      <p:sp>
+        <p:nvSpPr>
+          <p:cNvPr id="2" name="竖排标题 1">
+            <a:extLst>
+              <a:ext uri="{FF2B5EF4-FFF2-40B4-BE49-F238E27FC236}">
+                <a16:creationId xmlns:a16="http://schemas.microsoft.com/office/drawing/2014/main" xmlns="" id="{5C3A846A-B747-4FB8-9682-1D33AC10C4CC}"/>
+              </a:ext>
+            </a:extLst>
+          </p:cNvPr>
+          <p:cNvSpPr>
+            <a:spLocks noGrp="1"/>
+          </p:cNvSpPr>
+          <p:nvPr>
+            <p:ph type="title" orient="vert"/>
+          </p:nvPr>
+        </p:nvSpPr>
+        <p:spPr>
+          <a:xfrm>
+            <a:off x="9427724" y="586171"/>
+            <a:ext cx="2494791" cy="5134798"/>
+          </a:xfrm>
+        </p:spPr>
+        <p:txBody>
+          <a:bodyPr/>
+          <a:lstStyle/>
+          <a:p>
+            <a:r>
+              <a:rPr lang="zh-CN" altLang="en-US" sz="6000" dirty="0"/>
+              <a:t>无奖问答环节</a:t>
+            </a:r>
+          </a:p>
+        </p:txBody>
+      </p:sp>
+      <p:sp>
+        <p:nvSpPr>
+          <p:cNvPr id="3" name="竖排文字占位符 2">
+            <a:extLst>
+              <a:ext uri="{FF2B5EF4-FFF2-40B4-BE49-F238E27FC236}">
+                <a16:creationId xmlns:a16="http://schemas.microsoft.com/office/drawing/2014/main" xmlns="" id="{E3AEB0D5-ED0F-4306-A6DA-0D380B0411E9}"/>
+              </a:ext>
+            </a:extLst>
+          </p:cNvPr>
+          <p:cNvSpPr>
+            <a:spLocks noGrp="1"/>
+          </p:cNvSpPr>
+          <p:nvPr>
+            <p:ph type="body" orient="vert" idx="1"/>
+          </p:nvPr>
+        </p:nvSpPr>
+        <p:spPr>
+          <a:xfrm rot="16200000">
+            <a:off x="345305" y="844749"/>
+            <a:ext cx="6611540" cy="5414962"/>
+          </a:xfrm>
+        </p:spPr>
+        <p:txBody>
+          <a:bodyPr>
+            <a:normAutofit/>
+          </a:bodyPr>
+          <a:lstStyle/>
+          <a:p>
+            <a:r>
+              <a:rPr lang="zh-CN" altLang="en-US" sz="4000" dirty="0"/>
+              <a:t>第一题</a:t>
+            </a:r>
+            <a:endParaRPr lang="en-US" altLang="zh-CN" sz="4000" dirty="0"/>
+          </a:p>
+          <a:p>
+            <a:pPr marL="0" indent="0">
+              <a:buNone/>
+            </a:pPr>
+            <a:r>
+              <a:rPr lang="zh-CN" altLang="en-US" sz="4000" dirty="0"/>
+              <a:t>请问：在</a:t>
+            </a:r>
+            <a:r>
+              <a:rPr lang="en-US" altLang="zh-CN" sz="4000" dirty="0"/>
+              <a:t>rational rose </a:t>
+            </a:r>
+            <a:r>
+              <a:rPr lang="zh-CN" altLang="en-US" sz="4000" dirty="0"/>
+              <a:t>图形界面中，日志的功能是什么？</a:t>
+            </a:r>
+            <a:endParaRPr lang="en-US" altLang="zh-CN" sz="4000" dirty="0"/>
+          </a:p>
+          <a:p>
+            <a:pPr marL="0" indent="0">
+              <a:buNone/>
+            </a:pPr>
+            <a:endParaRPr lang="en-US" altLang="zh-CN" sz="4000" dirty="0"/>
+          </a:p>
+        </p:txBody>
+      </p:sp>
+      <p:sp>
+        <p:nvSpPr>
+          <p:cNvPr id="4" name="文本框 3"/>
+          <p:cNvSpPr txBox="1"/>
+          <p:nvPr/>
+        </p:nvSpPr>
+        <p:spPr>
+          <a:xfrm>
+            <a:off x="1094282" y="3627620"/>
+            <a:ext cx="4916774" cy="1600438"/>
+          </a:xfrm>
+          <a:prstGeom prst="rect">
+            <a:avLst/>
+          </a:prstGeom>
+          <a:noFill/>
+        </p:spPr>
+        <p:txBody>
+          <a:bodyPr wrap="square" rtlCol="0">
+            <a:spAutoFit/>
+          </a:bodyPr>
+          <a:lstStyle/>
+          <a:p>
+            <a:r>
+              <a:rPr lang="zh-CN" altLang="zh-CN" sz="4000" dirty="0"/>
+              <a:t>用于查看错误信息和报告各个命令的结果</a:t>
+            </a:r>
+            <a:endParaRPr lang="en-US" altLang="zh-CN" sz="4000" dirty="0"/>
+          </a:p>
+          <a:p>
+            <a:endParaRPr lang="zh-CN" altLang="en-US" dirty="0"/>
+          </a:p>
+        </p:txBody>
+      </p:sp>
+    </p:spTree>
+    <p:extLst>
+      <p:ext uri="{BB962C8B-B14F-4D97-AF65-F5344CB8AC3E}">
+        <p14:creationId xmlns:p14="http://schemas.microsoft.com/office/powerpoint/2010/main" val="1509642613"/>
+      </p:ext>
+    </p:extLst>
+  </p:cSld>
+  <p:clrMapOvr>
+    <a:masterClrMapping/>
+  </p:clrMapOvr>
+  <p:timing>
+    <p:tnLst>
+      <p:par>
+        <p:cTn id="1" dur="indefinite" restart="never" nodeType="tmRoot">
+          <p:childTnLst>
+            <p:seq concurrent="1" nextAc="seek">
+              <p:cTn id="2" dur="indefinite" nodeType="mainSeq">
+                <p:childTnLst>
+                  <p:par>
+                    <p:cTn id="3" fill="hold">
+                      <p:stCondLst>
+                        <p:cond delay="indefinite"/>
+                      </p:stCondLst>
+                      <p:childTnLst>
+                        <p:par>
+                          <p:cTn id="4" fill="hold">
+                            <p:stCondLst>
+                              <p:cond delay="0"/>
+                            </p:stCondLst>
+                            <p:childTnLst>
+                              <p:par>
+                                <p:cTn id="5" presetID="14" presetClass="entr" presetSubtype="10" fill="hold" nodeType="clickEffect">
+                                  <p:stCondLst>
+                                    <p:cond delay="0"/>
+                                  </p:stCondLst>
+                                  <p:childTnLst>
+                                    <p:set>
+                                      <p:cBhvr>
+                                        <p:cTn id="6" dur="1" fill="hold">
+                                          <p:stCondLst>
+                                            <p:cond delay="0"/>
+                                          </p:stCondLst>
+                                        </p:cTn>
+                                        <p:tgtEl>
+                                          <p:spTgt spid="3">
+                                            <p:txEl>
+                                              <p:pRg st="1" end="1"/>
+                                            </p:txEl>
+                                          </p:spTgt>
+                                        </p:tgtEl>
+                                        <p:attrNameLst>
+                                          <p:attrName>style.visibility</p:attrName>
+                                        </p:attrNameLst>
+                                      </p:cBhvr>
+                                      <p:to>
+                                        <p:strVal val="visible"/>
+                                      </p:to>
+                                    </p:set>
+                                    <p:animEffect transition="in" filter="randombar(horizontal)">
+                                      <p:cBhvr>
+                                        <p:cTn id="7" dur="500"/>
+                                        <p:tgtEl>
+                                          <p:spTgt spid="3">
+                                            <p:txEl>
+                                              <p:pRg st="1" end="1"/>
+                                            </p:txEl>
+                                          </p:spTgt>
+                                        </p:tgtEl>
+                                      </p:cBhvr>
+                                    </p:animEffect>
+                                  </p:childTnLst>
+                                </p:cTn>
+                              </p:par>
+                            </p:childTnLst>
+                          </p:cTn>
+                        </p:par>
+                      </p:childTnLst>
+                    </p:cTn>
+                  </p:par>
+                  <p:par>
+                    <p:cTn id="8" fill="hold">
+                      <p:stCondLst>
+                        <p:cond delay="indefinite"/>
+                      </p:stCondLst>
+                      <p:childTnLst>
+                        <p:par>
+                          <p:cTn id="9" fill="hold">
+                            <p:stCondLst>
+                              <p:cond delay="0"/>
+                            </p:stCondLst>
+                            <p:childTnLst>
+                              <p:par>
+                                <p:cTn id="10" presetID="14" presetClass="entr" presetSubtype="10" fill="hold" nodeType="clickEffect">
+                                  <p:stCondLst>
+                                    <p:cond delay="0"/>
+                                  </p:stCondLst>
+                                  <p:childTnLst>
+                                    <p:set>
+                                      <p:cBhvr>
+                                        <p:cTn id="11" dur="1" fill="hold">
+                                          <p:stCondLst>
+                                            <p:cond delay="0"/>
+                                          </p:stCondLst>
+                                        </p:cTn>
+                                        <p:tgtEl>
+                                          <p:spTgt spid="4">
+                                            <p:txEl>
+                                              <p:pRg st="0" end="0"/>
+                                            </p:txEl>
+                                          </p:spTgt>
+                                        </p:tgtEl>
+                                        <p:attrNameLst>
+                                          <p:attrName>style.visibility</p:attrName>
+                                        </p:attrNameLst>
+                                      </p:cBhvr>
+                                      <p:to>
+                                        <p:strVal val="visible"/>
+                                      </p:to>
+                                    </p:set>
+                                    <p:animEffect transition="in" filter="randombar(horizontal)">
+                                      <p:cBhvr>
+                                        <p:cTn id="12" dur="500"/>
+                                        <p:tgtEl>
+                                          <p:spTgt spid="4">
+                                            <p:txEl>
+                                              <p:pRg st="0" end="0"/>
+                                            </p:txEl>
+                                          </p:spTgt>
+                                        </p:tgtEl>
+                                      </p:cBhvr>
+                                    </p:animEffect>
+                                  </p:childTnLst>
+                                </p:cTn>
+                              </p:par>
+                            </p:childTnLst>
+                          </p:cTn>
+                        </p:par>
+                      </p:childTnLst>
+                    </p:cTn>
+                  </p:par>
+                </p:childTnLst>
+              </p:cTn>
+              <p:prevCondLst>
+                <p:cond evt="onPrev" delay="0">
+                  <p:tgtEl>
+                    <p:sldTgt/>
+                  </p:tgtEl>
+                </p:cond>
+              </p:prevCondLst>
+              <p:nextCondLst>
+                <p:cond evt="onNext" delay="0">
+                  <p:tgtEl>
+                    <p:sldTgt/>
+                  </p:tgtEl>
+                </p:cond>
+              </p:nextCondLst>
+            </p:seq>
+          </p:childTnLst>
+        </p:cTn>
+      </p:par>
+    </p:tnLst>
+  </p:timing>
+</p:sld>
+</file>
+
+<file path=ppt/slides/slide17.xml><?xml version="1.0" encoding="utf-8"?>
 <p:sld xmlns:a="http://schemas.openxmlformats.org/drawingml/2006/main" xmlns:r="http://schemas.openxmlformats.org/officeDocument/2006/relationships" xmlns:p="http://schemas.openxmlformats.org/presentationml/2006/main">
   <p:cSld>
     <p:spTree>
@@ -12588,7 +14103,7 @@
           <p:cNvPr id="2" name="竖排文字占位符 2">
             <a:extLst>
               <a:ext uri="{FF2B5EF4-FFF2-40B4-BE49-F238E27FC236}">
-                <a16:creationId xmlns:a16="http://schemas.microsoft.com/office/drawing/2014/main" id="{922F98FD-CF02-4784-A4CB-F8DD166AEF9E}"/>
+                <a16:creationId xmlns:a16="http://schemas.microsoft.com/office/drawing/2014/main" xmlns="" id="{922F98FD-CF02-4784-A4CB-F8DD166AEF9E}"/>
               </a:ext>
             </a:extLst>
           </p:cNvPr>
@@ -12847,14 +14362,41 @@
           </a:p>
           <a:p>
             <a:pPr marL="0" indent="0">
+              <a:buFont typeface="Wingdings 2" charset="2"/>
               <a:buNone/>
             </a:pPr>
+            <a:endParaRPr lang="en-US" altLang="zh-CN" sz="4000" dirty="0"/>
+          </a:p>
+        </p:txBody>
+      </p:sp>
+      <p:sp>
+        <p:nvSpPr>
+          <p:cNvPr id="3" name="文本框 2"/>
+          <p:cNvSpPr txBox="1"/>
+          <p:nvPr/>
+        </p:nvSpPr>
+        <p:spPr>
+          <a:xfrm>
+            <a:off x="2039193" y="4002374"/>
+            <a:ext cx="5891135" cy="707886"/>
+          </a:xfrm>
+          <a:prstGeom prst="rect">
+            <a:avLst/>
+          </a:prstGeom>
+          <a:noFill/>
+        </p:spPr>
+        <p:txBody>
+          <a:bodyPr wrap="square" rtlCol="0">
+            <a:spAutoFit/>
+          </a:bodyPr>
+          <a:lstStyle/>
+          <a:p>
             <a:r>
               <a:rPr lang="en-US" altLang="zh-CN" sz="4000" dirty="0"/>
               <a:t>Rational</a:t>
             </a:r>
             <a:r>
-              <a:rPr lang="zh-CN" altLang="en-US" sz="4000" dirty="0"/>
+              <a:rPr lang="zh-CN" altLang="en-US" sz="4000" dirty="0" smtClean="0"/>
               <a:t>公司</a:t>
             </a:r>
             <a:endParaRPr lang="en-US" altLang="zh-CN" sz="4000" dirty="0"/>
@@ -12892,7 +14434,7 @@
                             </p:stCondLst>
                             <p:childTnLst>
                               <p:par>
-                                <p:cTn id="5" presetID="1" presetClass="entr" presetSubtype="0" fill="hold" nodeType="clickEffect">
+                                <p:cTn id="5" presetID="14" presetClass="entr" presetSubtype="10" fill="hold" nodeType="clickEffect">
                                   <p:stCondLst>
                                     <p:cond delay="0"/>
                                   </p:stCondLst>
@@ -12907,7 +14449,7 @@
                                         <p:tgtEl>
                                           <p:spTgt spid="2">
                                             <p:txEl>
-                                              <p:pRg st="3" end="3"/>
+                                              <p:pRg st="1" end="1"/>
                                             </p:txEl>
                                           </p:spTgt>
                                         </p:tgtEl>
@@ -12919,6 +14461,79 @@
                                         <p:strVal val="visible"/>
                                       </p:to>
                                     </p:set>
+                                    <p:animEffect transition="in" filter="randombar(horizontal)">
+                                      <p:cBhvr>
+                                        <p:cTn id="7" dur="500"/>
+                                        <p:tgtEl>
+                                          <p:spTgt spid="2">
+                                            <p:txEl>
+                                              <p:pRg st="1" end="1"/>
+                                            </p:txEl>
+                                          </p:spTgt>
+                                        </p:tgtEl>
+                                      </p:cBhvr>
+                                    </p:animEffect>
+                                  </p:childTnLst>
+                                </p:cTn>
+                              </p:par>
+                            </p:childTnLst>
+                          </p:cTn>
+                        </p:par>
+                      </p:childTnLst>
+                    </p:cTn>
+                  </p:par>
+                  <p:par>
+                    <p:cTn id="8" fill="hold">
+                      <p:stCondLst>
+                        <p:cond delay="indefinite"/>
+                      </p:stCondLst>
+                      <p:childTnLst>
+                        <p:par>
+                          <p:cTn id="9" fill="hold">
+                            <p:stCondLst>
+                              <p:cond delay="0"/>
+                            </p:stCondLst>
+                            <p:childTnLst>
+                              <p:par>
+                                <p:cTn id="10" presetID="14" presetClass="entr" presetSubtype="10" fill="hold" nodeType="clickEffect">
+                                  <p:stCondLst>
+                                    <p:cond delay="0"/>
+                                  </p:stCondLst>
+                                  <p:childTnLst>
+                                    <p:set>
+                                      <p:cBhvr>
+                                        <p:cTn id="11" dur="1" fill="hold">
+                                          <p:stCondLst>
+                                            <p:cond delay="0"/>
+                                          </p:stCondLst>
+                                        </p:cTn>
+                                        <p:tgtEl>
+                                          <p:spTgt spid="3">
+                                            <p:txEl>
+                                              <p:pRg st="0" end="0"/>
+                                            </p:txEl>
+                                          </p:spTgt>
+                                        </p:tgtEl>
+                                        <p:attrNameLst>
+                                          <p:attrName>style.visibility</p:attrName>
+                                        </p:attrNameLst>
+                                      </p:cBhvr>
+                                      <p:to>
+                                        <p:strVal val="visible"/>
+                                      </p:to>
+                                    </p:set>
+                                    <p:animEffect transition="in" filter="randombar(horizontal)">
+                                      <p:cBhvr>
+                                        <p:cTn id="12" dur="500"/>
+                                        <p:tgtEl>
+                                          <p:spTgt spid="3">
+                                            <p:txEl>
+                                              <p:pRg st="0" end="0"/>
+                                            </p:txEl>
+                                          </p:spTgt>
+                                        </p:tgtEl>
+                                      </p:cBhvr>
+                                    </p:animEffect>
                                   </p:childTnLst>
                                 </p:cTn>
                               </p:par>
@@ -12953,7 +14568,7 @@
 </p:sld>
 </file>
 
-<file path=ppt/slides/slide14.xml><?xml version="1.0" encoding="utf-8"?>
+<file path=ppt/slides/slide18.xml><?xml version="1.0" encoding="utf-8"?>
 <p:sld xmlns:a="http://schemas.openxmlformats.org/drawingml/2006/main" xmlns:r="http://schemas.openxmlformats.org/officeDocument/2006/relationships" xmlns:p="http://schemas.openxmlformats.org/presentationml/2006/main">
   <p:cSld>
     <p:spTree>
@@ -12975,7 +14590,7 @@
           <p:cNvPr id="2" name="竖排文字占位符 2">
             <a:extLst>
               <a:ext uri="{FF2B5EF4-FFF2-40B4-BE49-F238E27FC236}">
-                <a16:creationId xmlns:a16="http://schemas.microsoft.com/office/drawing/2014/main" id="{2A3F9733-D032-4886-9FA1-4A2A823DEBF0}"/>
+                <a16:creationId xmlns:a16="http://schemas.microsoft.com/office/drawing/2014/main" xmlns="" id="{2A3F9733-D032-4886-9FA1-4A2A823DEBF0}"/>
               </a:ext>
             </a:extLst>
           </p:cNvPr>
@@ -13227,45 +14842,62 @@
           </a:p>
           <a:p>
             <a:pPr marL="0" indent="0">
-              <a:buNone/>
-            </a:pPr>
-            <a:endParaRPr lang="en-US" altLang="zh-CN" sz="4000" dirty="0"/>
-          </a:p>
-          <a:p>
-            <a:pPr marL="0" indent="0">
-              <a:buNone/>
-            </a:pPr>
-            <a:r>
-              <a:rPr lang="zh-CN" altLang="en-US" sz="4000" dirty="0"/>
-              <a:t>统一建模语言（</a:t>
-            </a:r>
-            <a:r>
-              <a:rPr lang="en-US" altLang="zh-CN" sz="4000" dirty="0"/>
-              <a:t>UML</a:t>
-            </a:r>
-            <a:r>
-              <a:rPr lang="zh-CN" altLang="en-US" sz="4000" dirty="0"/>
-              <a:t>）、</a:t>
-            </a:r>
-            <a:r>
-              <a:rPr lang="en-US" altLang="zh-CN" sz="4000" dirty="0"/>
-              <a:t>OOSE</a:t>
-            </a:r>
-            <a:r>
-              <a:rPr lang="zh-CN" altLang="en-US" sz="4000" dirty="0"/>
-              <a:t>和</a:t>
-            </a:r>
-            <a:r>
-              <a:rPr lang="en-US" altLang="zh-CN" sz="4000" dirty="0"/>
-              <a:t>OMT</a:t>
-            </a:r>
-          </a:p>
-          <a:p>
-            <a:pPr marL="0" indent="0">
               <a:buFont typeface="Wingdings 2" charset="2"/>
               <a:buNone/>
             </a:pPr>
             <a:endParaRPr lang="en-US" altLang="zh-CN" sz="4000" dirty="0"/>
+          </a:p>
+        </p:txBody>
+      </p:sp>
+      <p:sp>
+        <p:nvSpPr>
+          <p:cNvPr id="3" name="文本框 2"/>
+          <p:cNvSpPr txBox="1"/>
+          <p:nvPr/>
+        </p:nvSpPr>
+        <p:spPr>
+          <a:xfrm>
+            <a:off x="2278505" y="3522689"/>
+            <a:ext cx="6700603" cy="1938992"/>
+          </a:xfrm>
+          <a:prstGeom prst="rect">
+            <a:avLst/>
+          </a:prstGeom>
+          <a:noFill/>
+        </p:spPr>
+        <p:txBody>
+          <a:bodyPr wrap="square" rtlCol="0">
+            <a:spAutoFit/>
+          </a:bodyPr>
+          <a:lstStyle/>
+          <a:p>
+            <a:r>
+              <a:rPr lang="zh-CN" altLang="en-US" sz="4000" dirty="0"/>
+              <a:t>统一建模语言（</a:t>
+            </a:r>
+            <a:r>
+              <a:rPr lang="en-US" altLang="zh-CN" sz="4000" dirty="0"/>
+              <a:t>UML</a:t>
+            </a:r>
+            <a:r>
+              <a:rPr lang="zh-CN" altLang="en-US" sz="4000" dirty="0"/>
+              <a:t>）、</a:t>
+            </a:r>
+            <a:r>
+              <a:rPr lang="en-US" altLang="zh-CN" sz="4000" dirty="0"/>
+              <a:t>OOSE</a:t>
+            </a:r>
+            <a:r>
+              <a:rPr lang="zh-CN" altLang="en-US" sz="4000" dirty="0"/>
+              <a:t>和</a:t>
+            </a:r>
+            <a:r>
+              <a:rPr lang="en-US" altLang="zh-CN" sz="4000" dirty="0"/>
+              <a:t>OMT</a:t>
+            </a:r>
+          </a:p>
+          <a:p>
+            <a:endParaRPr lang="zh-CN" altLang="en-US" sz="4000" dirty="0"/>
           </a:p>
         </p:txBody>
       </p:sp>
@@ -13300,7 +14932,7 @@
                             </p:stCondLst>
                             <p:childTnLst>
                               <p:par>
-                                <p:cTn id="5" presetID="1" presetClass="entr" presetSubtype="0" fill="hold" nodeType="clickEffect">
+                                <p:cTn id="5" presetID="14" presetClass="entr" presetSubtype="10" fill="hold" nodeType="clickEffect">
                                   <p:stCondLst>
                                     <p:cond delay="0"/>
                                   </p:stCondLst>
@@ -13315,7 +14947,7 @@
                                         <p:tgtEl>
                                           <p:spTgt spid="2">
                                             <p:txEl>
-                                              <p:pRg st="3" end="3"/>
+                                              <p:pRg st="1" end="1"/>
                                             </p:txEl>
                                           </p:spTgt>
                                         </p:tgtEl>
@@ -13327,6 +14959,79 @@
                                         <p:strVal val="visible"/>
                                       </p:to>
                                     </p:set>
+                                    <p:animEffect transition="in" filter="randombar(horizontal)">
+                                      <p:cBhvr>
+                                        <p:cTn id="7" dur="500"/>
+                                        <p:tgtEl>
+                                          <p:spTgt spid="2">
+                                            <p:txEl>
+                                              <p:pRg st="1" end="1"/>
+                                            </p:txEl>
+                                          </p:spTgt>
+                                        </p:tgtEl>
+                                      </p:cBhvr>
+                                    </p:animEffect>
+                                  </p:childTnLst>
+                                </p:cTn>
+                              </p:par>
+                            </p:childTnLst>
+                          </p:cTn>
+                        </p:par>
+                      </p:childTnLst>
+                    </p:cTn>
+                  </p:par>
+                  <p:par>
+                    <p:cTn id="8" fill="hold">
+                      <p:stCondLst>
+                        <p:cond delay="indefinite"/>
+                      </p:stCondLst>
+                      <p:childTnLst>
+                        <p:par>
+                          <p:cTn id="9" fill="hold">
+                            <p:stCondLst>
+                              <p:cond delay="0"/>
+                            </p:stCondLst>
+                            <p:childTnLst>
+                              <p:par>
+                                <p:cTn id="10" presetID="14" presetClass="entr" presetSubtype="10" fill="hold" nodeType="clickEffect">
+                                  <p:stCondLst>
+                                    <p:cond delay="0"/>
+                                  </p:stCondLst>
+                                  <p:childTnLst>
+                                    <p:set>
+                                      <p:cBhvr>
+                                        <p:cTn id="11" dur="1" fill="hold">
+                                          <p:stCondLst>
+                                            <p:cond delay="0"/>
+                                          </p:stCondLst>
+                                        </p:cTn>
+                                        <p:tgtEl>
+                                          <p:spTgt spid="3">
+                                            <p:txEl>
+                                              <p:pRg st="0" end="0"/>
+                                            </p:txEl>
+                                          </p:spTgt>
+                                        </p:tgtEl>
+                                        <p:attrNameLst>
+                                          <p:attrName>style.visibility</p:attrName>
+                                        </p:attrNameLst>
+                                      </p:cBhvr>
+                                      <p:to>
+                                        <p:strVal val="visible"/>
+                                      </p:to>
+                                    </p:set>
+                                    <p:animEffect transition="in" filter="randombar(horizontal)">
+                                      <p:cBhvr>
+                                        <p:cTn id="12" dur="500"/>
+                                        <p:tgtEl>
+                                          <p:spTgt spid="3">
+                                            <p:txEl>
+                                              <p:pRg st="0" end="0"/>
+                                            </p:txEl>
+                                          </p:spTgt>
+                                        </p:tgtEl>
+                                      </p:cBhvr>
+                                    </p:animEffect>
                                   </p:childTnLst>
                                 </p:cTn>
                               </p:par>
@@ -13361,7 +15066,7 @@
 </p:sld>
 </file>
 
-<file path=ppt/slides/slide15.xml><?xml version="1.0" encoding="utf-8"?>
+<file path=ppt/slides/slide19.xml><?xml version="1.0" encoding="utf-8"?>
 <p:sld xmlns:a="http://schemas.openxmlformats.org/drawingml/2006/main" xmlns:r="http://schemas.openxmlformats.org/officeDocument/2006/relationships" xmlns:p="http://schemas.openxmlformats.org/presentationml/2006/main">
   <p:cSld>
     <p:spTree>
@@ -13383,7 +15088,7 @@
           <p:cNvPr id="2" name="标题 1">
             <a:extLst>
               <a:ext uri="{FF2B5EF4-FFF2-40B4-BE49-F238E27FC236}">
-                <a16:creationId xmlns:a16="http://schemas.microsoft.com/office/drawing/2014/main" id="{029433F6-C7F9-4690-9C8A-51E513DA7BE9}"/>
+                <a16:creationId xmlns:a16="http://schemas.microsoft.com/office/drawing/2014/main" xmlns="" id="{029433F6-C7F9-4690-9C8A-51E513DA7BE9}"/>
               </a:ext>
             </a:extLst>
           </p:cNvPr>
@@ -13417,7 +15122,7 @@
             <a:hlinkClick r:id="rId2"/>
             <a:extLst>
               <a:ext uri="{FF2B5EF4-FFF2-40B4-BE49-F238E27FC236}">
-                <a16:creationId xmlns:a16="http://schemas.microsoft.com/office/drawing/2014/main" id="{220C1E04-0FAA-4810-9EB8-4FB5668628C3}"/>
+                <a16:creationId xmlns:a16="http://schemas.microsoft.com/office/drawing/2014/main" xmlns="" id="{220C1E04-0FAA-4810-9EB8-4FB5668628C3}"/>
               </a:ext>
             </a:extLst>
           </p:cNvPr>
@@ -13586,369 +15291,6 @@
 </p:sld>
 </file>
 
-<file path=ppt/slides/slide16.xml><?xml version="1.0" encoding="utf-8"?>
-<p:sld xmlns:a="http://schemas.openxmlformats.org/drawingml/2006/main" xmlns:r="http://schemas.openxmlformats.org/officeDocument/2006/relationships" xmlns:p="http://schemas.openxmlformats.org/presentationml/2006/main">
-  <p:cSld>
-    <p:spTree>
-      <p:nvGrpSpPr>
-        <p:cNvPr id="1" name=""/>
-        <p:cNvGrpSpPr/>
-        <p:nvPr/>
-      </p:nvGrpSpPr>
-      <p:grpSpPr>
-        <a:xfrm>
-          <a:off x="0" y="0"/>
-          <a:ext cx="0" cy="0"/>
-          <a:chOff x="0" y="0"/>
-          <a:chExt cx="0" cy="0"/>
-        </a:xfrm>
-      </p:grpSpPr>
-      <p:sp>
-        <p:nvSpPr>
-          <p:cNvPr id="2" name="标题 1">
-            <a:extLst>
-              <a:ext uri="{FF2B5EF4-FFF2-40B4-BE49-F238E27FC236}">
-                <a16:creationId xmlns:a16="http://schemas.microsoft.com/office/drawing/2014/main" id="{03F261DD-73E4-4180-97FD-1EE25B466BF2}"/>
-              </a:ext>
-            </a:extLst>
-          </p:cNvPr>
-          <p:cNvSpPr>
-            <a:spLocks noGrp="1"/>
-          </p:cNvSpPr>
-          <p:nvPr>
-            <p:ph type="title"/>
-          </p:nvPr>
-        </p:nvSpPr>
-        <p:spPr>
-          <a:xfrm>
-            <a:off x="2379417" y="270826"/>
-            <a:ext cx="10571998" cy="970450"/>
-          </a:xfrm>
-        </p:spPr>
-        <p:txBody>
-          <a:bodyPr/>
-          <a:lstStyle/>
-          <a:p>
-            <a:r>
-              <a:rPr lang="zh-CN" altLang="en-US" dirty="0"/>
-              <a:t>小组成员分工与评价</a:t>
-            </a:r>
-            <a:r>
-              <a:rPr lang="en-US" altLang="zh-CN" dirty="0"/>
-              <a:t>(</a:t>
-            </a:r>
-            <a:r>
-              <a:rPr lang="zh-CN" altLang="en-US" dirty="0"/>
-              <a:t>总分</a:t>
-            </a:r>
-            <a:r>
-              <a:rPr lang="en-US" altLang="zh-CN" dirty="0"/>
-              <a:t>5</a:t>
-            </a:r>
-            <a:r>
-              <a:rPr lang="zh-CN" altLang="en-US" dirty="0"/>
-              <a:t>分）</a:t>
-            </a:r>
-          </a:p>
-        </p:txBody>
-      </p:sp>
-      <p:sp>
-        <p:nvSpPr>
-          <p:cNvPr id="3" name="内容占位符 2">
-            <a:extLst>
-              <a:ext uri="{FF2B5EF4-FFF2-40B4-BE49-F238E27FC236}">
-                <a16:creationId xmlns:a16="http://schemas.microsoft.com/office/drawing/2014/main" id="{2C3B77C6-9D77-4837-923D-3F06EBDDE5C8}"/>
-              </a:ext>
-            </a:extLst>
-          </p:cNvPr>
-          <p:cNvSpPr>
-            <a:spLocks noGrp="1"/>
-          </p:cNvSpPr>
-          <p:nvPr>
-            <p:ph sz="half" idx="1"/>
-          </p:nvPr>
-        </p:nvSpPr>
-        <p:spPr>
-          <a:xfrm>
-            <a:off x="1480863" y="2527087"/>
-            <a:ext cx="8787743" cy="3638763"/>
-          </a:xfrm>
-        </p:spPr>
-        <p:txBody>
-          <a:bodyPr>
-            <a:normAutofit/>
-          </a:bodyPr>
-          <a:lstStyle/>
-          <a:p>
-            <a:r>
-              <a:rPr lang="zh-CN" altLang="en-US" sz="2800" dirty="0"/>
-              <a:t>黄栋材</a:t>
-            </a:r>
-            <a:r>
-              <a:rPr lang="en-US" altLang="zh-CN" sz="2800" dirty="0"/>
-              <a:t>ppt</a:t>
-            </a:r>
-            <a:r>
-              <a:rPr lang="zh-CN" altLang="en-US" sz="2800"/>
-              <a:t>查验</a:t>
-            </a:r>
-            <a:r>
-              <a:rPr lang="en-US" altLang="zh-CN" sz="2800"/>
-              <a:t>——65</a:t>
-            </a:r>
-            <a:r>
-              <a:rPr lang="zh-CN" altLang="en-US" sz="2800" dirty="0"/>
-              <a:t>分</a:t>
-            </a:r>
-            <a:endParaRPr lang="en-US" altLang="zh-CN" sz="2800" dirty="0"/>
-          </a:p>
-          <a:p>
-            <a:r>
-              <a:rPr lang="zh-CN" altLang="en-US" sz="2800" dirty="0"/>
-              <a:t>冯涛（负责人）</a:t>
-            </a:r>
-            <a:r>
-              <a:rPr lang="en-US" altLang="zh-CN" sz="2800" dirty="0"/>
-              <a:t>ppt</a:t>
-            </a:r>
-            <a:r>
-              <a:rPr lang="zh-CN" altLang="en-US" sz="2800" dirty="0"/>
-              <a:t>制作</a:t>
-            </a:r>
-            <a:r>
-              <a:rPr lang="en-US" altLang="zh-CN" sz="2800" dirty="0"/>
-              <a:t>+</a:t>
-            </a:r>
-            <a:r>
-              <a:rPr lang="zh-CN" altLang="en-US" sz="2800" dirty="0"/>
-              <a:t>整合</a:t>
-            </a:r>
-            <a:r>
-              <a:rPr lang="en-US" altLang="zh-CN" sz="2800" dirty="0"/>
-              <a:t>——87</a:t>
-            </a:r>
-            <a:r>
-              <a:rPr lang="zh-CN" altLang="en-US" sz="2800" dirty="0"/>
-              <a:t>分</a:t>
-            </a:r>
-            <a:endParaRPr lang="en-US" altLang="zh-CN" sz="2800" dirty="0"/>
-          </a:p>
-          <a:p>
-            <a:r>
-              <a:rPr lang="zh-CN" altLang="en-US" sz="2800" dirty="0"/>
-              <a:t>徐鹏</a:t>
-            </a:r>
-            <a:r>
-              <a:rPr lang="en-US" altLang="zh-CN" sz="2800" dirty="0"/>
-              <a:t>PPT</a:t>
-            </a:r>
-            <a:r>
-              <a:rPr lang="zh-CN" altLang="en-US" sz="2800" dirty="0"/>
-              <a:t>初稿</a:t>
-            </a:r>
-            <a:r>
-              <a:rPr lang="en-US" altLang="zh-CN" sz="2800" dirty="0"/>
-              <a:t>——71</a:t>
-            </a:r>
-            <a:r>
-              <a:rPr lang="zh-CN" altLang="en-US" sz="2800" dirty="0"/>
-              <a:t>分</a:t>
-            </a:r>
-            <a:endParaRPr lang="en-US" altLang="zh-CN" sz="2800" dirty="0"/>
-          </a:p>
-          <a:p>
-            <a:r>
-              <a:rPr lang="zh-CN" altLang="en-US" sz="2800" dirty="0"/>
-              <a:t>陈泓见</a:t>
-            </a:r>
-            <a:r>
-              <a:rPr lang="en-US" altLang="zh-CN" sz="2800" dirty="0"/>
-              <a:t>ppt</a:t>
-            </a:r>
-            <a:r>
-              <a:rPr lang="zh-CN" altLang="en-US" sz="2800" dirty="0"/>
-              <a:t>历史部分内容</a:t>
-            </a:r>
-            <a:r>
-              <a:rPr lang="en-US" altLang="zh-CN" sz="2800" dirty="0"/>
-              <a:t>——75</a:t>
-            </a:r>
-            <a:r>
-              <a:rPr lang="zh-CN" altLang="en-US" sz="2800" dirty="0"/>
-              <a:t>分</a:t>
-            </a:r>
-            <a:endParaRPr lang="en-US" altLang="zh-CN" sz="2800" dirty="0"/>
-          </a:p>
-          <a:p>
-            <a:r>
-              <a:rPr lang="zh-CN" altLang="en-US" sz="2800" dirty="0"/>
-              <a:t>童威男查验</a:t>
-            </a:r>
-            <a:r>
-              <a:rPr lang="en-US" altLang="zh-CN" sz="2800" dirty="0"/>
-              <a:t>PPT</a:t>
-            </a:r>
-            <a:r>
-              <a:rPr lang="zh-CN" altLang="en-US" sz="2800" dirty="0"/>
-              <a:t>和做最后的修改</a:t>
-            </a:r>
-            <a:r>
-              <a:rPr lang="en-US" altLang="zh-CN" sz="2800" dirty="0"/>
-              <a:t>——80</a:t>
-            </a:r>
-            <a:r>
-              <a:rPr lang="zh-CN" altLang="en-US" sz="2800" dirty="0"/>
-              <a:t>分</a:t>
-            </a:r>
-          </a:p>
-          <a:p>
-            <a:endParaRPr lang="zh-CN" altLang="en-US" sz="2800" dirty="0"/>
-          </a:p>
-        </p:txBody>
-      </p:sp>
-    </p:spTree>
-    <p:extLst>
-      <p:ext uri="{BB962C8B-B14F-4D97-AF65-F5344CB8AC3E}">
-        <p14:creationId xmlns:p14="http://schemas.microsoft.com/office/powerpoint/2010/main" val="976101461"/>
-      </p:ext>
-    </p:extLst>
-  </p:cSld>
-  <p:clrMapOvr>
-    <a:masterClrMapping/>
-  </p:clrMapOvr>
-</p:sld>
-</file>
-
-<file path=ppt/slides/slide17.xml><?xml version="1.0" encoding="utf-8"?>
-<p:sld xmlns:a="http://schemas.openxmlformats.org/drawingml/2006/main" xmlns:r="http://schemas.openxmlformats.org/officeDocument/2006/relationships" xmlns:p="http://schemas.openxmlformats.org/presentationml/2006/main">
-  <p:cSld>
-    <p:spTree>
-      <p:nvGrpSpPr>
-        <p:cNvPr id="1" name=""/>
-        <p:cNvGrpSpPr/>
-        <p:nvPr/>
-      </p:nvGrpSpPr>
-      <p:grpSpPr>
-        <a:xfrm>
-          <a:off x="0" y="0"/>
-          <a:ext cx="0" cy="0"/>
-          <a:chOff x="0" y="0"/>
-          <a:chExt cx="0" cy="0"/>
-        </a:xfrm>
-      </p:grpSpPr>
-      <p:sp>
-        <p:nvSpPr>
-          <p:cNvPr id="2" name="标题 1">
-            <a:extLst>
-              <a:ext uri="{FF2B5EF4-FFF2-40B4-BE49-F238E27FC236}">
-                <a16:creationId xmlns:a16="http://schemas.microsoft.com/office/drawing/2014/main" id="{8050F867-BC96-4BDE-8D9B-B611C1196787}"/>
-              </a:ext>
-            </a:extLst>
-          </p:cNvPr>
-          <p:cNvSpPr>
-            <a:spLocks noGrp="1"/>
-          </p:cNvSpPr>
-          <p:nvPr>
-            <p:ph type="title"/>
-          </p:nvPr>
-        </p:nvSpPr>
-        <p:spPr>
-          <a:xfrm>
-            <a:off x="1725933" y="409615"/>
-            <a:ext cx="10571998" cy="970450"/>
-          </a:xfrm>
-        </p:spPr>
-        <p:txBody>
-          <a:bodyPr/>
-          <a:lstStyle/>
-          <a:p>
-            <a:pPr lvl="0"/>
-            <a:r>
-              <a:rPr lang="zh-CN" altLang="en-US" dirty="0"/>
-              <a:t>了解</a:t>
-            </a:r>
-            <a:r>
-              <a:rPr lang="en-US" altLang="zh-CN" dirty="0"/>
-              <a:t>Rational Rose</a:t>
-            </a:r>
-            <a:r>
-              <a:rPr lang="zh-CN" altLang="en-US" dirty="0"/>
-              <a:t>的过程遇到的问题</a:t>
-            </a:r>
-          </a:p>
-        </p:txBody>
-      </p:sp>
-      <p:sp>
-        <p:nvSpPr>
-          <p:cNvPr id="3" name="文本框 2">
-            <a:extLst>
-              <a:ext uri="{FF2B5EF4-FFF2-40B4-BE49-F238E27FC236}">
-                <a16:creationId xmlns:a16="http://schemas.microsoft.com/office/drawing/2014/main" id="{4CDAD1FD-D4D8-48D1-81CD-F860BAF3F91C}"/>
-              </a:ext>
-            </a:extLst>
-          </p:cNvPr>
-          <p:cNvSpPr txBox="1"/>
-          <p:nvPr/>
-        </p:nvSpPr>
-        <p:spPr>
-          <a:xfrm>
-            <a:off x="1121433" y="2675467"/>
-            <a:ext cx="9230478" cy="954107"/>
-          </a:xfrm>
-          <a:prstGeom prst="rect">
-            <a:avLst/>
-          </a:prstGeom>
-          <a:noFill/>
-        </p:spPr>
-        <p:txBody>
-          <a:bodyPr wrap="square" rtlCol="0">
-            <a:spAutoFit/>
-          </a:bodyPr>
-          <a:lstStyle/>
-          <a:p>
-            <a:pPr marL="285750" indent="-285750">
-              <a:buFont typeface="Arial" panose="020B0604020202020204" pitchFamily="34" charset="0"/>
-              <a:buChar char="•"/>
-            </a:pPr>
-            <a:r>
-              <a:rPr lang="zh-CN" altLang="en-US" sz="2800" dirty="0"/>
-              <a:t>分工不合理</a:t>
-            </a:r>
-            <a:endParaRPr lang="en-US" altLang="zh-CN" sz="2800" dirty="0"/>
-          </a:p>
-          <a:p>
-            <a:pPr marL="285750" indent="-285750">
-              <a:buFont typeface="Arial" panose="020B0604020202020204" pitchFamily="34" charset="0"/>
-              <a:buChar char="•"/>
-            </a:pPr>
-            <a:r>
-              <a:rPr lang="zh-CN" altLang="en-US" sz="2800" dirty="0"/>
-              <a:t>组员对</a:t>
-            </a:r>
-            <a:r>
-              <a:rPr lang="en-US" altLang="zh-CN" sz="2800" dirty="0"/>
-              <a:t>Rational Rose</a:t>
-            </a:r>
-            <a:r>
-              <a:rPr lang="zh-CN" altLang="en-US" sz="2800" dirty="0"/>
-              <a:t>内容的掌握度不高</a:t>
-            </a:r>
-          </a:p>
-        </p:txBody>
-      </p:sp>
-    </p:spTree>
-    <p:extLst>
-      <p:ext uri="{BB962C8B-B14F-4D97-AF65-F5344CB8AC3E}">
-        <p14:creationId xmlns:p14="http://schemas.microsoft.com/office/powerpoint/2010/main" val="2655558641"/>
-      </p:ext>
-    </p:extLst>
-  </p:cSld>
-  <p:clrMapOvr>
-    <a:masterClrMapping/>
-  </p:clrMapOvr>
-</p:sld>
-</file>
-
 <file path=ppt/slides/slide2.xml><?xml version="1.0" encoding="utf-8"?>
 <p:sld xmlns:a="http://schemas.openxmlformats.org/drawingml/2006/main" xmlns:r="http://schemas.openxmlformats.org/officeDocument/2006/relationships" xmlns:p="http://schemas.openxmlformats.org/presentationml/2006/main">
   <p:cSld>
@@ -13975,7 +15317,7 @@
           <p:nvPr>
             <p:extLst>
               <p:ext uri="{386F3935-93C4-4BCD-93E2-E3B085C9AB24}">
-                <p16:designElem xmlns:p16="http://schemas.microsoft.com/office/powerpoint/2015/main" val="1"/>
+                <p16:designElem xmlns:p16="http://schemas.microsoft.com/office/powerpoint/2015/main" xmlns="" val="1"/>
               </p:ext>
             </p:extLst>
           </p:nvPr>
@@ -14002,7 +15344,7 @@
           <p:cNvPr id="12" name="Freeform 6">
             <a:extLst>
               <a:ext uri="{FF2B5EF4-FFF2-40B4-BE49-F238E27FC236}">
-                <a16:creationId xmlns:a16="http://schemas.microsoft.com/office/drawing/2014/main" id="{B9D93730-8C7D-423D-9137-597B5FA65701}"/>
+                <a16:creationId xmlns:a16="http://schemas.microsoft.com/office/drawing/2014/main" xmlns="" id="{B9D93730-8C7D-423D-9137-597B5FA65701}"/>
               </a:ext>
             </a:extLst>
           </p:cNvPr>
@@ -14012,7 +15354,7 @@
           <p:nvPr>
             <p:extLst>
               <p:ext uri="{386F3935-93C4-4BCD-93E2-E3B085C9AB24}">
-                <p16:designElem xmlns:p16="http://schemas.microsoft.com/office/powerpoint/2015/main" val="1"/>
+                <p16:designElem xmlns:p16="http://schemas.microsoft.com/office/powerpoint/2015/main" xmlns="" val="1"/>
               </p:ext>
             </p:extLst>
           </p:nvPr>
@@ -14088,7 +15430,7 @@
           <a:ln/>
           <a:extLst>
             <a:ext uri="{91240B29-F687-4f45-9708-019B960494DF}">
-              <a14:hiddenLine xmlns:a14="http://schemas.microsoft.com/office/drawing/2010/main" xmlns="" w="9525">
+              <a14:hiddenLine xmlns="" xmlns:a14="http://schemas.microsoft.com/office/drawing/2010/main" w="9525">
                 <a:solidFill>
                   <a:srgbClr val="000000"/>
                 </a:solidFill>
@@ -14119,7 +15461,7 @@
           <p:cNvPr id="14" name="Rectangle 13">
             <a:extLst>
               <a:ext uri="{FF2B5EF4-FFF2-40B4-BE49-F238E27FC236}">
-                <a16:creationId xmlns:a16="http://schemas.microsoft.com/office/drawing/2014/main" id="{A3322B77-FA16-4D4E-BAA6-811C61DB3E85}"/>
+                <a16:creationId xmlns:a16="http://schemas.microsoft.com/office/drawing/2014/main" xmlns="" id="{A3322B77-FA16-4D4E-BAA6-811C61DB3E85}"/>
               </a:ext>
             </a:extLst>
           </p:cNvPr>
@@ -14129,7 +15471,7 @@
           <p:nvPr>
             <p:extLst>
               <p:ext uri="{386F3935-93C4-4BCD-93E2-E3B085C9AB24}">
-                <p16:designElem xmlns:p16="http://schemas.microsoft.com/office/powerpoint/2015/main" val="1"/>
+                <p16:designElem xmlns:p16="http://schemas.microsoft.com/office/powerpoint/2015/main" xmlns="" val="1"/>
               </p:ext>
             </p:extLst>
           </p:nvPr>
@@ -14176,7 +15518,7 @@
           <p:cNvPr id="16" name="Freeform: Shape 15">
             <a:extLst>
               <a:ext uri="{FF2B5EF4-FFF2-40B4-BE49-F238E27FC236}">
-                <a16:creationId xmlns:a16="http://schemas.microsoft.com/office/drawing/2014/main" id="{CA6EF34F-3BAD-4CD8-B05E-03BA773AE864}"/>
+                <a16:creationId xmlns:a16="http://schemas.microsoft.com/office/drawing/2014/main" xmlns="" id="{CA6EF34F-3BAD-4CD8-B05E-03BA773AE864}"/>
               </a:ext>
             </a:extLst>
           </p:cNvPr>
@@ -14186,7 +15528,7 @@
           <p:nvPr>
             <p:extLst>
               <p:ext uri="{386F3935-93C4-4BCD-93E2-E3B085C9AB24}">
-                <p16:designElem xmlns:p16="http://schemas.microsoft.com/office/powerpoint/2015/main" val="1"/>
+                <p16:designElem xmlns:p16="http://schemas.microsoft.com/office/powerpoint/2015/main" xmlns="" val="1"/>
               </p:ext>
             </p:extLst>
           </p:nvPr>
@@ -14358,7 +15700,7 @@
           <p:cNvPr id="2" name="竖排标题 1">
             <a:extLst>
               <a:ext uri="{FF2B5EF4-FFF2-40B4-BE49-F238E27FC236}">
-                <a16:creationId xmlns:a16="http://schemas.microsoft.com/office/drawing/2014/main" id="{1177557D-E743-446B-B3A2-19511CAEF50D}"/>
+                <a16:creationId xmlns:a16="http://schemas.microsoft.com/office/drawing/2014/main" xmlns="" id="{1177557D-E743-446B-B3A2-19511CAEF50D}"/>
               </a:ext>
             </a:extLst>
           </p:cNvPr>
@@ -14528,6 +15870,384 @@
 </p:sld>
 </file>
 
+<file path=ppt/slides/slide20.xml><?xml version="1.0" encoding="utf-8"?>
+<p:sld xmlns:a="http://schemas.openxmlformats.org/drawingml/2006/main" xmlns:r="http://schemas.openxmlformats.org/officeDocument/2006/relationships" xmlns:p="http://schemas.openxmlformats.org/presentationml/2006/main">
+  <p:cSld>
+    <p:spTree>
+      <p:nvGrpSpPr>
+        <p:cNvPr id="1" name=""/>
+        <p:cNvGrpSpPr/>
+        <p:nvPr/>
+      </p:nvGrpSpPr>
+      <p:grpSpPr>
+        <a:xfrm>
+          <a:off x="0" y="0"/>
+          <a:ext cx="0" cy="0"/>
+          <a:chOff x="0" y="0"/>
+          <a:chExt cx="0" cy="0"/>
+        </a:xfrm>
+      </p:grpSpPr>
+      <p:sp>
+        <p:nvSpPr>
+          <p:cNvPr id="2" name="标题 1">
+            <a:extLst>
+              <a:ext uri="{FF2B5EF4-FFF2-40B4-BE49-F238E27FC236}">
+                <a16:creationId xmlns:a16="http://schemas.microsoft.com/office/drawing/2014/main" xmlns="" id="{03F261DD-73E4-4180-97FD-1EE25B466BF2}"/>
+              </a:ext>
+            </a:extLst>
+          </p:cNvPr>
+          <p:cNvSpPr>
+            <a:spLocks noGrp="1"/>
+          </p:cNvSpPr>
+          <p:nvPr>
+            <p:ph type="title"/>
+          </p:nvPr>
+        </p:nvSpPr>
+        <p:spPr>
+          <a:xfrm>
+            <a:off x="2379417" y="270826"/>
+            <a:ext cx="10571998" cy="970450"/>
+          </a:xfrm>
+        </p:spPr>
+        <p:txBody>
+          <a:bodyPr/>
+          <a:lstStyle/>
+          <a:p>
+            <a:r>
+              <a:rPr lang="zh-CN" altLang="en-US" dirty="0"/>
+              <a:t>小组成员分工与评价</a:t>
+            </a:r>
+            <a:r>
+              <a:rPr lang="en-US" altLang="zh-CN" dirty="0"/>
+              <a:t>(</a:t>
+            </a:r>
+            <a:r>
+              <a:rPr lang="zh-CN" altLang="en-US" dirty="0"/>
+              <a:t>总分</a:t>
+            </a:r>
+            <a:r>
+              <a:rPr lang="en-US" altLang="zh-CN" dirty="0"/>
+              <a:t>5</a:t>
+            </a:r>
+            <a:r>
+              <a:rPr lang="zh-CN" altLang="en-US" dirty="0"/>
+              <a:t>分）</a:t>
+            </a:r>
+          </a:p>
+        </p:txBody>
+      </p:sp>
+      <p:sp>
+        <p:nvSpPr>
+          <p:cNvPr id="3" name="内容占位符 2">
+            <a:extLst>
+              <a:ext uri="{FF2B5EF4-FFF2-40B4-BE49-F238E27FC236}">
+                <a16:creationId xmlns:a16="http://schemas.microsoft.com/office/drawing/2014/main" xmlns="" id="{2C3B77C6-9D77-4837-923D-3F06EBDDE5C8}"/>
+              </a:ext>
+            </a:extLst>
+          </p:cNvPr>
+          <p:cNvSpPr>
+            <a:spLocks noGrp="1"/>
+          </p:cNvSpPr>
+          <p:nvPr>
+            <p:ph sz="half" idx="1"/>
+          </p:nvPr>
+        </p:nvSpPr>
+        <p:spPr>
+          <a:xfrm>
+            <a:off x="1480863" y="2527087"/>
+            <a:ext cx="8787743" cy="3638763"/>
+          </a:xfrm>
+        </p:spPr>
+        <p:txBody>
+          <a:bodyPr>
+            <a:normAutofit/>
+          </a:bodyPr>
+          <a:lstStyle/>
+          <a:p>
+            <a:r>
+              <a:rPr lang="zh-CN" altLang="en-US" sz="2800" dirty="0"/>
+              <a:t>黄栋材</a:t>
+            </a:r>
+            <a:r>
+              <a:rPr lang="en-US" altLang="zh-CN" sz="2800" dirty="0" err="1"/>
+              <a:t>ppt</a:t>
+            </a:r>
+            <a:r>
+              <a:rPr lang="zh-CN" altLang="en-US" sz="2800" dirty="0"/>
+              <a:t>查验</a:t>
+            </a:r>
+            <a:r>
+              <a:rPr lang="en-US" altLang="zh-CN" sz="2800" dirty="0"/>
+              <a:t>——65</a:t>
+            </a:r>
+            <a:r>
+              <a:rPr lang="zh-CN" altLang="en-US" sz="2800" dirty="0"/>
+              <a:t>分</a:t>
+            </a:r>
+            <a:endParaRPr lang="en-US" altLang="zh-CN" sz="2800" dirty="0"/>
+          </a:p>
+          <a:p>
+            <a:r>
+              <a:rPr lang="zh-CN" altLang="en-US" sz="2800" dirty="0"/>
+              <a:t>冯涛（负责人）</a:t>
+            </a:r>
+            <a:r>
+              <a:rPr lang="en-US" altLang="zh-CN" sz="2800" dirty="0" err="1"/>
+              <a:t>ppt</a:t>
+            </a:r>
+            <a:r>
+              <a:rPr lang="zh-CN" altLang="en-US" sz="2800" dirty="0"/>
+              <a:t>制作</a:t>
+            </a:r>
+            <a:r>
+              <a:rPr lang="en-US" altLang="zh-CN" sz="2800" dirty="0"/>
+              <a:t>+</a:t>
+            </a:r>
+            <a:r>
+              <a:rPr lang="zh-CN" altLang="en-US" sz="2800" dirty="0"/>
+              <a:t>整合</a:t>
+            </a:r>
+            <a:r>
+              <a:rPr lang="en-US" altLang="zh-CN" sz="2800" dirty="0"/>
+              <a:t>——87</a:t>
+            </a:r>
+            <a:r>
+              <a:rPr lang="zh-CN" altLang="en-US" sz="2800" dirty="0"/>
+              <a:t>分</a:t>
+            </a:r>
+            <a:endParaRPr lang="en-US" altLang="zh-CN" sz="2800" dirty="0"/>
+          </a:p>
+          <a:p>
+            <a:r>
+              <a:rPr lang="zh-CN" altLang="en-US" sz="2800" dirty="0"/>
+              <a:t>徐鹏</a:t>
+            </a:r>
+            <a:r>
+              <a:rPr lang="en-US" altLang="zh-CN" sz="2800" dirty="0"/>
+              <a:t>PPT</a:t>
+            </a:r>
+            <a:r>
+              <a:rPr lang="zh-CN" altLang="en-US" sz="2800" dirty="0"/>
+              <a:t>初稿</a:t>
+            </a:r>
+            <a:r>
+              <a:rPr lang="en-US" altLang="zh-CN" sz="2800" dirty="0"/>
+              <a:t>——71</a:t>
+            </a:r>
+            <a:r>
+              <a:rPr lang="zh-CN" altLang="en-US" sz="2800" dirty="0"/>
+              <a:t>分</a:t>
+            </a:r>
+            <a:endParaRPr lang="en-US" altLang="zh-CN" sz="2800" dirty="0"/>
+          </a:p>
+          <a:p>
+            <a:r>
+              <a:rPr lang="zh-CN" altLang="en-US" sz="2800" dirty="0"/>
+              <a:t>陈泓见</a:t>
+            </a:r>
+            <a:r>
+              <a:rPr lang="en-US" altLang="zh-CN" sz="2800" dirty="0" err="1"/>
+              <a:t>ppt</a:t>
+            </a:r>
+            <a:r>
+              <a:rPr lang="zh-CN" altLang="en-US" sz="2800" dirty="0"/>
+              <a:t>历史部分内容</a:t>
+            </a:r>
+            <a:r>
+              <a:rPr lang="en-US" altLang="zh-CN" sz="2800" dirty="0"/>
+              <a:t>——75</a:t>
+            </a:r>
+            <a:r>
+              <a:rPr lang="zh-CN" altLang="en-US" sz="2800" dirty="0"/>
+              <a:t>分</a:t>
+            </a:r>
+            <a:endParaRPr lang="en-US" altLang="zh-CN" sz="2800" dirty="0"/>
+          </a:p>
+          <a:p>
+            <a:r>
+              <a:rPr lang="zh-CN" altLang="en-US" sz="2800" dirty="0"/>
+              <a:t>童威男查验</a:t>
+            </a:r>
+            <a:r>
+              <a:rPr lang="en-US" altLang="zh-CN" sz="2800" dirty="0"/>
+              <a:t>PPT</a:t>
+            </a:r>
+            <a:r>
+              <a:rPr lang="zh-CN" altLang="en-US" sz="2800" dirty="0"/>
+              <a:t>和做最后的修改</a:t>
+            </a:r>
+            <a:r>
+              <a:rPr lang="en-US" altLang="zh-CN" sz="2800" dirty="0"/>
+              <a:t>——80</a:t>
+            </a:r>
+            <a:r>
+              <a:rPr lang="zh-CN" altLang="en-US" sz="2800" dirty="0" smtClean="0"/>
+              <a:t>分</a:t>
+            </a:r>
+            <a:endParaRPr lang="zh-CN" altLang="en-US" sz="2800" dirty="0"/>
+          </a:p>
+        </p:txBody>
+      </p:sp>
+    </p:spTree>
+    <p:extLst>
+      <p:ext uri="{BB962C8B-B14F-4D97-AF65-F5344CB8AC3E}">
+        <p14:creationId xmlns:p14="http://schemas.microsoft.com/office/powerpoint/2010/main" val="3388837790"/>
+      </p:ext>
+    </p:extLst>
+  </p:cSld>
+  <p:clrMapOvr>
+    <a:masterClrMapping/>
+  </p:clrMapOvr>
+  <p:timing>
+    <p:tnLst>
+      <p:par>
+        <p:cTn id="1" dur="indefinite" restart="never" nodeType="tmRoot"/>
+      </p:par>
+    </p:tnLst>
+  </p:timing>
+</p:sld>
+</file>
+
+<file path=ppt/slides/slide21.xml><?xml version="1.0" encoding="utf-8"?>
+<p:sld xmlns:a="http://schemas.openxmlformats.org/drawingml/2006/main" xmlns:r="http://schemas.openxmlformats.org/officeDocument/2006/relationships" xmlns:p="http://schemas.openxmlformats.org/presentationml/2006/main">
+  <p:cSld>
+    <p:spTree>
+      <p:nvGrpSpPr>
+        <p:cNvPr id="1" name=""/>
+        <p:cNvGrpSpPr/>
+        <p:nvPr/>
+      </p:nvGrpSpPr>
+      <p:grpSpPr>
+        <a:xfrm>
+          <a:off x="0" y="0"/>
+          <a:ext cx="0" cy="0"/>
+          <a:chOff x="0" y="0"/>
+          <a:chExt cx="0" cy="0"/>
+        </a:xfrm>
+      </p:grpSpPr>
+      <p:sp>
+        <p:nvSpPr>
+          <p:cNvPr id="2" name="标题 1">
+            <a:extLst>
+              <a:ext uri="{FF2B5EF4-FFF2-40B4-BE49-F238E27FC236}">
+                <a16:creationId xmlns:a16="http://schemas.microsoft.com/office/drawing/2014/main" xmlns="" id="{8050F867-BC96-4BDE-8D9B-B611C1196787}"/>
+              </a:ext>
+            </a:extLst>
+          </p:cNvPr>
+          <p:cNvSpPr>
+            <a:spLocks noGrp="1"/>
+          </p:cNvSpPr>
+          <p:nvPr>
+            <p:ph type="title"/>
+          </p:nvPr>
+        </p:nvSpPr>
+        <p:spPr>
+          <a:xfrm>
+            <a:off x="1725933" y="409615"/>
+            <a:ext cx="10571998" cy="970450"/>
+          </a:xfrm>
+        </p:spPr>
+        <p:txBody>
+          <a:bodyPr/>
+          <a:lstStyle/>
+          <a:p>
+            <a:pPr lvl="0"/>
+            <a:r>
+              <a:rPr lang="zh-CN" altLang="en-US" dirty="0"/>
+              <a:t>了解</a:t>
+            </a:r>
+            <a:r>
+              <a:rPr lang="en-US" altLang="zh-CN" dirty="0"/>
+              <a:t>Rational Rose</a:t>
+            </a:r>
+            <a:r>
+              <a:rPr lang="zh-CN" altLang="en-US" dirty="0"/>
+              <a:t>的过程遇到的问题</a:t>
+            </a:r>
+          </a:p>
+        </p:txBody>
+      </p:sp>
+      <p:sp>
+        <p:nvSpPr>
+          <p:cNvPr id="3" name="文本框 2">
+            <a:extLst>
+              <a:ext uri="{FF2B5EF4-FFF2-40B4-BE49-F238E27FC236}">
+                <a16:creationId xmlns:a16="http://schemas.microsoft.com/office/drawing/2014/main" xmlns="" id="{4CDAD1FD-D4D8-48D1-81CD-F860BAF3F91C}"/>
+              </a:ext>
+            </a:extLst>
+          </p:cNvPr>
+          <p:cNvSpPr txBox="1"/>
+          <p:nvPr/>
+        </p:nvSpPr>
+        <p:spPr>
+          <a:xfrm>
+            <a:off x="1121433" y="2675467"/>
+            <a:ext cx="9716456" cy="1938992"/>
+          </a:xfrm>
+          <a:prstGeom prst="rect">
+            <a:avLst/>
+          </a:prstGeom>
+          <a:noFill/>
+        </p:spPr>
+        <p:txBody>
+          <a:bodyPr wrap="square" rtlCol="0">
+            <a:spAutoFit/>
+          </a:bodyPr>
+          <a:lstStyle/>
+          <a:p>
+            <a:pPr marL="285750" indent="-285750">
+              <a:buFont typeface="Arial" panose="020B0604020202020204" pitchFamily="34" charset="0"/>
+              <a:buChar char="•"/>
+            </a:pPr>
+            <a:r>
+              <a:rPr lang="zh-CN" altLang="en-US" sz="4000" dirty="0"/>
+              <a:t>分工不合理</a:t>
+            </a:r>
+            <a:endParaRPr lang="en-US" altLang="zh-CN" sz="4000" dirty="0"/>
+          </a:p>
+          <a:p>
+            <a:pPr marL="285750" indent="-285750">
+              <a:buFont typeface="Arial" panose="020B0604020202020204" pitchFamily="34" charset="0"/>
+              <a:buChar char="•"/>
+            </a:pPr>
+            <a:r>
+              <a:rPr lang="zh-CN" altLang="en-US" sz="4000" dirty="0"/>
+              <a:t>组员对</a:t>
+            </a:r>
+            <a:r>
+              <a:rPr lang="en-US" altLang="zh-CN" sz="4000" dirty="0"/>
+              <a:t>Rational Rose</a:t>
+            </a:r>
+            <a:r>
+              <a:rPr lang="zh-CN" altLang="en-US" sz="4000" dirty="0"/>
+              <a:t>内容的掌握度不高</a:t>
+            </a:r>
+          </a:p>
+          <a:p>
+            <a:endParaRPr lang="zh-CN" altLang="en-US" sz="4000" dirty="0"/>
+          </a:p>
+        </p:txBody>
+      </p:sp>
+    </p:spTree>
+    <p:extLst>
+      <p:ext uri="{BB962C8B-B14F-4D97-AF65-F5344CB8AC3E}">
+        <p14:creationId xmlns:p14="http://schemas.microsoft.com/office/powerpoint/2010/main" val="2655558641"/>
+      </p:ext>
+    </p:extLst>
+  </p:cSld>
+  <p:clrMapOvr>
+    <a:masterClrMapping/>
+  </p:clrMapOvr>
+  <p:timing>
+    <p:tnLst>
+      <p:par>
+        <p:cTn id="1" dur="indefinite" restart="never" nodeType="tmRoot"/>
+      </p:par>
+    </p:tnLst>
+  </p:timing>
+</p:sld>
+</file>
+
 <file path=ppt/slides/slide3.xml><?xml version="1.0" encoding="utf-8"?>
 <p:sld xmlns:a="http://schemas.openxmlformats.org/drawingml/2006/main" xmlns:r="http://schemas.openxmlformats.org/officeDocument/2006/relationships" xmlns:p="http://schemas.openxmlformats.org/presentationml/2006/main">
   <p:cSld>
@@ -14550,7 +16270,7 @@
           <p:cNvPr id="2" name="标题 1">
             <a:extLst>
               <a:ext uri="{FF2B5EF4-FFF2-40B4-BE49-F238E27FC236}">
-                <a16:creationId xmlns:a16="http://schemas.microsoft.com/office/drawing/2014/main" id="{029433F6-C7F9-4690-9C8A-51E513DA7BE9}"/>
+                <a16:creationId xmlns:a16="http://schemas.microsoft.com/office/drawing/2014/main" xmlns="" id="{029433F6-C7F9-4690-9C8A-51E513DA7BE9}"/>
               </a:ext>
             </a:extLst>
           </p:cNvPr>
@@ -14596,7 +16316,7 @@
             <a:hlinkClick r:id="rId2"/>
             <a:extLst>
               <a:ext uri="{FF2B5EF4-FFF2-40B4-BE49-F238E27FC236}">
-                <a16:creationId xmlns:a16="http://schemas.microsoft.com/office/drawing/2014/main" id="{220C1E04-0FAA-4810-9EB8-4FB5668628C3}"/>
+                <a16:creationId xmlns:a16="http://schemas.microsoft.com/office/drawing/2014/main" xmlns="" id="{220C1E04-0FAA-4810-9EB8-4FB5668628C3}"/>
               </a:ext>
             </a:extLst>
           </p:cNvPr>
@@ -14905,7 +16625,7 @@
           <p:cNvPr id="2" name="标题 1">
             <a:extLst>
               <a:ext uri="{FF2B5EF4-FFF2-40B4-BE49-F238E27FC236}">
-                <a16:creationId xmlns:a16="http://schemas.microsoft.com/office/drawing/2014/main" id="{029433F6-C7F9-4690-9C8A-51E513DA7BE9}"/>
+                <a16:creationId xmlns:a16="http://schemas.microsoft.com/office/drawing/2014/main" xmlns="" id="{029433F6-C7F9-4690-9C8A-51E513DA7BE9}"/>
               </a:ext>
             </a:extLst>
           </p:cNvPr>
@@ -14951,7 +16671,7 @@
             <a:hlinkClick r:id="rId2"/>
             <a:extLst>
               <a:ext uri="{FF2B5EF4-FFF2-40B4-BE49-F238E27FC236}">
-                <a16:creationId xmlns:a16="http://schemas.microsoft.com/office/drawing/2014/main" id="{220C1E04-0FAA-4810-9EB8-4FB5668628C3}"/>
+                <a16:creationId xmlns:a16="http://schemas.microsoft.com/office/drawing/2014/main" xmlns="" id="{220C1E04-0FAA-4810-9EB8-4FB5668628C3}"/>
               </a:ext>
             </a:extLst>
           </p:cNvPr>
@@ -15241,7 +16961,7 @@
           <p:cNvPr id="2" name="标题 1">
             <a:extLst>
               <a:ext uri="{FF2B5EF4-FFF2-40B4-BE49-F238E27FC236}">
-                <a16:creationId xmlns:a16="http://schemas.microsoft.com/office/drawing/2014/main" id="{B465B10A-AECB-4D67-B587-822C8B5E1F3C}"/>
+                <a16:creationId xmlns:a16="http://schemas.microsoft.com/office/drawing/2014/main" xmlns="" id="{B465B10A-AECB-4D67-B587-822C8B5E1F3C}"/>
               </a:ext>
             </a:extLst>
           </p:cNvPr>
@@ -15283,7 +17003,7 @@
           <p:cNvPr id="3" name="文本框 2">
             <a:extLst>
               <a:ext uri="{FF2B5EF4-FFF2-40B4-BE49-F238E27FC236}">
-                <a16:creationId xmlns:a16="http://schemas.microsoft.com/office/drawing/2014/main" id="{5C06B077-8188-4224-A6CE-EF707DF24000}"/>
+                <a16:creationId xmlns:a16="http://schemas.microsoft.com/office/drawing/2014/main" xmlns="" id="{5C06B077-8188-4224-A6CE-EF707DF24000}"/>
               </a:ext>
             </a:extLst>
           </p:cNvPr>
@@ -15293,7 +17013,7 @@
         <p:spPr>
           <a:xfrm>
             <a:off x="1079292" y="2848131"/>
-            <a:ext cx="10418164" cy="2585323"/>
+            <a:ext cx="10418164" cy="3046988"/>
           </a:xfrm>
           <a:prstGeom prst="rect">
             <a:avLst/>
@@ -15307,150 +17027,143 @@
           <a:lstStyle/>
           <a:p>
             <a:r>
-              <a:rPr lang="en-US" altLang="zh-CN" dirty="0"/>
+              <a:rPr lang="en-US" altLang="zh-CN" sz="2400" dirty="0"/>
               <a:t>Rational Rose XDE</a:t>
             </a:r>
             <a:r>
-              <a:rPr lang="zh-CN" altLang="zh-CN" dirty="0"/>
+              <a:rPr lang="zh-CN" altLang="zh-CN" sz="2400" dirty="0"/>
               <a:t>是软件开发人员的“扩展开发环境” ，与</a:t>
             </a:r>
             <a:r>
-              <a:rPr lang="en-US" altLang="zh-CN" dirty="0"/>
+              <a:rPr lang="en-US" altLang="zh-CN" sz="2400" dirty="0"/>
               <a:t>Microsoft Visual Studio .NET</a:t>
             </a:r>
             <a:r>
-              <a:rPr lang="zh-CN" altLang="zh-CN" dirty="0"/>
+              <a:rPr lang="zh-CN" altLang="zh-CN" sz="2400" dirty="0"/>
               <a:t>和</a:t>
             </a:r>
             <a:r>
-              <a:rPr lang="en-US" altLang="zh-CN" dirty="0"/>
+              <a:rPr lang="en-US" altLang="zh-CN" sz="2400" dirty="0"/>
               <a:t>Rational Application Developer</a:t>
             </a:r>
             <a:r>
-              <a:rPr lang="zh-CN" altLang="zh-CN" dirty="0"/>
+              <a:rPr lang="zh-CN" altLang="zh-CN" sz="2400" dirty="0"/>
               <a:t>集成在一起。在</a:t>
             </a:r>
             <a:r>
-              <a:rPr lang="en-US" altLang="zh-CN" dirty="0"/>
+              <a:rPr lang="en-US" altLang="zh-CN" sz="2400" dirty="0"/>
               <a:t>Rational</a:t>
             </a:r>
             <a:r>
-              <a:rPr lang="zh-CN" altLang="zh-CN" dirty="0"/>
+              <a:rPr lang="zh-CN" altLang="zh-CN" sz="2400" dirty="0"/>
               <a:t>软件的分工</a:t>
             </a:r>
             <a:r>
-              <a:rPr lang="en-US" altLang="zh-CN" dirty="0"/>
+              <a:rPr lang="en-US" altLang="zh-CN" sz="2400" dirty="0"/>
               <a:t>IBM</a:t>
             </a:r>
             <a:r>
-              <a:rPr lang="zh-CN" altLang="zh-CN" dirty="0"/>
+              <a:rPr lang="zh-CN" altLang="zh-CN" sz="2400" dirty="0"/>
               <a:t>，而此前生产的</a:t>
             </a:r>
             <a:r>
-              <a:rPr lang="en-US" altLang="zh-CN" dirty="0"/>
+              <a:rPr lang="en-US" altLang="zh-CN" sz="2400" dirty="0"/>
               <a:t>Rational Rose</a:t>
             </a:r>
             <a:r>
-              <a:rPr lang="zh-CN" altLang="zh-CN" dirty="0"/>
+              <a:rPr lang="zh-CN" altLang="zh-CN" sz="2400" dirty="0"/>
               <a:t>，写了这个软件。</a:t>
             </a:r>
-            <a:endParaRPr lang="en-US" altLang="zh-CN" dirty="0"/>
-          </a:p>
-          <a:p>
-            <a:endParaRPr lang="en-US" altLang="zh-CN" dirty="0"/>
-          </a:p>
-          <a:p>
-            <a:endParaRPr lang="en-US" altLang="zh-CN" dirty="0"/>
-          </a:p>
-          <a:p>
-            <a:r>
-              <a:rPr lang="en-US" altLang="zh-CN" dirty="0"/>
+            <a:endParaRPr lang="en-US" altLang="zh-CN" sz="2400" dirty="0"/>
+          </a:p>
+          <a:p>
+            <a:endParaRPr lang="en-US" altLang="zh-CN" sz="2400" dirty="0"/>
+          </a:p>
+          <a:p>
+            <a:endParaRPr lang="en-US" altLang="zh-CN" sz="2400" dirty="0"/>
+          </a:p>
+          <a:p>
+            <a:r>
+              <a:rPr lang="en-US" altLang="zh-CN" sz="2400" dirty="0"/>
               <a:t>UML</a:t>
             </a:r>
             <a:r>
-              <a:rPr lang="zh-CN" altLang="zh-CN" dirty="0"/>
+              <a:rPr lang="zh-CN" altLang="zh-CN" sz="2400" dirty="0"/>
               <a:t>部分在</a:t>
             </a:r>
             <a:r>
-              <a:rPr lang="en-US" altLang="zh-CN" dirty="0"/>
+              <a:rPr lang="en-US" altLang="zh-CN" sz="2400" dirty="0"/>
               <a:t>2006</a:t>
             </a:r>
             <a:r>
-              <a:rPr lang="zh-CN" altLang="zh-CN" dirty="0"/>
+              <a:rPr lang="zh-CN" altLang="zh-CN" sz="2400" dirty="0"/>
               <a:t>年左右由</a:t>
             </a:r>
             <a:r>
-              <a:rPr lang="en-US" altLang="zh-CN" dirty="0"/>
+              <a:rPr lang="en-US" altLang="zh-CN" sz="2400" dirty="0"/>
               <a:t>Rational Software Architect</a:t>
             </a:r>
             <a:r>
-              <a:rPr lang="zh-CN" altLang="zh-CN" dirty="0"/>
+              <a:rPr lang="zh-CN" altLang="zh-CN" sz="2400" dirty="0"/>
               <a:t>取代，</a:t>
             </a:r>
             <a:r>
-              <a:rPr lang="en-US" altLang="zh-CN" dirty="0"/>
+              <a:rPr lang="en-US" altLang="zh-CN" sz="2400" dirty="0"/>
               <a:t>Rational Rose</a:t>
             </a:r>
             <a:r>
-              <a:rPr lang="zh-CN" altLang="zh-CN" dirty="0"/>
-              <a:t>成为传统产品。</a:t>
-            </a:r>
-            <a:r>
-              <a:rPr lang="en-US" altLang="zh-CN" dirty="0"/>
-              <a:t>[4]</a:t>
-            </a:r>
-            <a:r>
-              <a:rPr lang="zh-CN" altLang="zh-CN" dirty="0"/>
-              <a:t>截至</a:t>
-            </a:r>
-            <a:r>
-              <a:rPr lang="en-US" altLang="zh-CN" dirty="0"/>
+              <a:rPr lang="zh-CN" altLang="zh-CN" sz="2400" dirty="0"/>
+              <a:t>成为传统产品</a:t>
+            </a:r>
+            <a:r>
+              <a:rPr lang="zh-CN" altLang="zh-CN" sz="2400" dirty="0" smtClean="0"/>
+              <a:t>。截至</a:t>
+            </a:r>
+            <a:r>
+              <a:rPr lang="en-US" altLang="zh-CN" sz="2400" dirty="0"/>
               <a:t>2011</a:t>
             </a:r>
             <a:r>
-              <a:rPr lang="zh-CN" altLang="zh-CN" dirty="0"/>
+              <a:rPr lang="zh-CN" altLang="zh-CN" sz="2400" dirty="0"/>
               <a:t>年，</a:t>
             </a:r>
             <a:r>
-              <a:rPr lang="en-US" altLang="zh-CN" dirty="0"/>
+              <a:rPr lang="en-US" altLang="zh-CN" sz="2400" dirty="0"/>
               <a:t>ER</a:t>
             </a:r>
             <a:r>
-              <a:rPr lang="zh-CN" altLang="zh-CN" dirty="0"/>
+              <a:rPr lang="zh-CN" altLang="zh-CN" sz="2400" dirty="0"/>
               <a:t>建模部分（</a:t>
             </a:r>
             <a:r>
-              <a:rPr lang="en-US" altLang="zh-CN" dirty="0"/>
+              <a:rPr lang="en-US" altLang="zh-CN" sz="2400" dirty="0"/>
               <a:t>Rational Rose Data Modeler</a:t>
             </a:r>
             <a:r>
-              <a:rPr lang="zh-CN" altLang="zh-CN" dirty="0"/>
+              <a:rPr lang="zh-CN" altLang="zh-CN" sz="2400" dirty="0"/>
               <a:t>）已被另一</a:t>
             </a:r>
             <a:r>
-              <a:rPr lang="en-US" altLang="zh-CN" dirty="0"/>
+              <a:rPr lang="en-US" altLang="zh-CN" sz="2400" dirty="0"/>
               <a:t>IBM</a:t>
             </a:r>
             <a:r>
-              <a:rPr lang="zh-CN" altLang="zh-CN" dirty="0"/>
+              <a:rPr lang="zh-CN" altLang="zh-CN" sz="2400" dirty="0"/>
               <a:t>产品</a:t>
             </a:r>
             <a:r>
-              <a:rPr lang="en-US" altLang="zh-CN" dirty="0"/>
+              <a:rPr lang="en-US" altLang="zh-CN" sz="2400" dirty="0"/>
               <a:t>Rational Data Architect</a:t>
             </a:r>
             <a:r>
-              <a:rPr lang="zh-CN" altLang="zh-CN" dirty="0"/>
-              <a:t>取代。</a:t>
-            </a:r>
-            <a:r>
-              <a:rPr lang="en-US" altLang="zh-CN" dirty="0"/>
-              <a:t>[5]</a:t>
-            </a:r>
-            <a:endParaRPr lang="zh-CN" altLang="zh-CN" dirty="0"/>
-          </a:p>
-          <a:p>
-            <a:endParaRPr lang="zh-CN" altLang="zh-CN" dirty="0"/>
+              <a:rPr lang="zh-CN" altLang="zh-CN" sz="2400" dirty="0"/>
+              <a:t>取代</a:t>
+            </a:r>
+            <a:r>
+              <a:rPr lang="zh-CN" altLang="zh-CN" sz="2400" dirty="0" smtClean="0"/>
+              <a:t>。</a:t>
+            </a:r>
+            <a:endParaRPr lang="zh-CN" altLang="zh-CN" sz="2400" dirty="0"/>
           </a:p>
         </p:txBody>
       </p:sp>
@@ -15464,6 +17177,13 @@
   <p:clrMapOvr>
     <a:masterClrMapping/>
   </p:clrMapOvr>
+  <p:timing>
+    <p:tnLst>
+      <p:par>
+        <p:cTn id="1" dur="indefinite" restart="never" nodeType="tmRoot"/>
+      </p:par>
+    </p:tnLst>
+  </p:timing>
 </p:sld>
 </file>
 
@@ -15489,7 +17209,7 @@
           <p:cNvPr id="2" name="标题 1">
             <a:extLst>
               <a:ext uri="{FF2B5EF4-FFF2-40B4-BE49-F238E27FC236}">
-                <a16:creationId xmlns:a16="http://schemas.microsoft.com/office/drawing/2014/main" id="{A55B7421-B509-429F-8C60-B61D66255C5A}"/>
+                <a16:creationId xmlns:a16="http://schemas.microsoft.com/office/drawing/2014/main" xmlns="" id="{A55B7421-B509-429F-8C60-B61D66255C5A}"/>
               </a:ext>
             </a:extLst>
           </p:cNvPr>
@@ -15519,6 +17239,10 @@
               <a:rPr lang="zh-CN" altLang="en-US" dirty="0"/>
               <a:t>版本</a:t>
             </a:r>
+            <a:r>
+              <a:rPr lang="en-US" altLang="zh-CN" dirty="0"/>
+              <a:t/>
+            </a:r>
             <a:br>
               <a:rPr lang="en-US" altLang="zh-CN" dirty="0"/>
             </a:br>
@@ -15531,7 +17255,7 @@
           <p:cNvPr id="3" name="内容占位符 2">
             <a:extLst>
               <a:ext uri="{FF2B5EF4-FFF2-40B4-BE49-F238E27FC236}">
-                <a16:creationId xmlns:a16="http://schemas.microsoft.com/office/drawing/2014/main" id="{DF3BB4EC-6098-4769-9EB1-A9DBAD2718EF}"/>
+                <a16:creationId xmlns:a16="http://schemas.microsoft.com/office/drawing/2014/main" xmlns="" id="{DF3BB4EC-6098-4769-9EB1-A9DBAD2718EF}"/>
               </a:ext>
             </a:extLst>
           </p:cNvPr>
@@ -15565,7 +17289,11 @@
           <a:p>
             <a:r>
               <a:rPr lang="en-US" altLang="zh-CN" sz="2400" dirty="0"/>
-              <a:t>Rose Enterprise   v7</a:t>
+              <a:t>Rose </a:t>
+            </a:r>
+            <a:r>
+              <a:rPr lang="en-US" altLang="zh-CN" sz="2400"/>
+              <a:t>Enterprise   </a:t>
             </a:r>
             <a:endParaRPr lang="zh-CN" altLang="zh-CN" sz="2400" dirty="0"/>
           </a:p>
@@ -15642,6 +17370,13 @@
   <p:clrMapOvr>
     <a:masterClrMapping/>
   </p:clrMapOvr>
+  <p:timing>
+    <p:tnLst>
+      <p:par>
+        <p:cTn id="1" dur="indefinite" restart="never" nodeType="tmRoot"/>
+      </p:par>
+    </p:tnLst>
+  </p:timing>
 </p:sld>
 </file>
 
@@ -15667,7 +17402,7 @@
           <p:cNvPr id="2" name="文本框 1">
             <a:extLst>
               <a:ext uri="{FF2B5EF4-FFF2-40B4-BE49-F238E27FC236}">
-                <a16:creationId xmlns:a16="http://schemas.microsoft.com/office/drawing/2014/main" id="{88DF94F1-1DBC-43FC-8F1D-306EFD24C2A6}"/>
+                <a16:creationId xmlns:a16="http://schemas.microsoft.com/office/drawing/2014/main" xmlns="" id="{88DF94F1-1DBC-43FC-8F1D-306EFD24C2A6}"/>
               </a:ext>
             </a:extLst>
           </p:cNvPr>
@@ -15708,7 +17443,7 @@
           <p:cNvPr id="4" name="竖排文字占位符 2">
             <a:extLst>
               <a:ext uri="{FF2B5EF4-FFF2-40B4-BE49-F238E27FC236}">
-                <a16:creationId xmlns:a16="http://schemas.microsoft.com/office/drawing/2014/main" id="{598C17C1-AC5B-497C-9035-4A1223CFFEAA}"/>
+                <a16:creationId xmlns:a16="http://schemas.microsoft.com/office/drawing/2014/main" xmlns="" id="{598C17C1-AC5B-497C-9035-4A1223CFFEAA}"/>
               </a:ext>
             </a:extLst>
           </p:cNvPr>
@@ -15716,7 +17451,7 @@
           <p:nvPr>
             <p:extLst>
               <p:ext uri="{D42A27DB-BD31-4B8C-83A1-F6EECF244321}">
-                <p14:modId xmlns:p14="http://schemas.microsoft.com/office/powerpoint/2010/main" val="4173583326"/>
+                <p14:modId xmlns:p14="http://schemas.microsoft.com/office/powerpoint/2010/main" val="903839689"/>
               </p:ext>
             </p:extLst>
           </p:nvPr>
@@ -15854,7 +17589,7 @@
           <p:cNvPr id="2" name="标题 1">
             <a:extLst>
               <a:ext uri="{FF2B5EF4-FFF2-40B4-BE49-F238E27FC236}">
-                <a16:creationId xmlns:a16="http://schemas.microsoft.com/office/drawing/2014/main" id="{029433F6-C7F9-4690-9C8A-51E513DA7BE9}"/>
+                <a16:creationId xmlns:a16="http://schemas.microsoft.com/office/drawing/2014/main" xmlns="" id="{029433F6-C7F9-4690-9C8A-51E513DA7BE9}"/>
               </a:ext>
             </a:extLst>
           </p:cNvPr>
@@ -15887,7 +17622,7 @@
           <p:cNvPr id="1026" name="Picture 2">
             <a:extLst>
               <a:ext uri="{FF2B5EF4-FFF2-40B4-BE49-F238E27FC236}">
-                <a16:creationId xmlns:a16="http://schemas.microsoft.com/office/drawing/2014/main" id="{120AF80B-24BA-4932-B761-2010F129420A}"/>
+                <a16:creationId xmlns:a16="http://schemas.microsoft.com/office/drawing/2014/main" xmlns="" id="{120AF80B-24BA-4932-B761-2010F129420A}"/>
               </a:ext>
             </a:extLst>
           </p:cNvPr>
@@ -15947,7 +17682,7 @@
           <p:cNvPr id="4" name="文本框 3">
             <a:extLst>
               <a:ext uri="{FF2B5EF4-FFF2-40B4-BE49-F238E27FC236}">
-                <a16:creationId xmlns:a16="http://schemas.microsoft.com/office/drawing/2014/main" id="{47B5F9E4-501F-41E6-BECD-568F0B6ECF10}"/>
+                <a16:creationId xmlns:a16="http://schemas.microsoft.com/office/drawing/2014/main" xmlns="" id="{47B5F9E4-501F-41E6-BECD-568F0B6ECF10}"/>
               </a:ext>
             </a:extLst>
           </p:cNvPr>
@@ -16062,6 +17797,13 @@
   <p:clrMapOvr>
     <a:masterClrMapping/>
   </p:clrMapOvr>
+  <p:timing>
+    <p:tnLst>
+      <p:par>
+        <p:cTn id="1" dur="indefinite" restart="never" nodeType="tmRoot"/>
+      </p:par>
+    </p:tnLst>
+  </p:timing>
 </p:sld>
 </file>
 
@@ -16087,7 +17829,7 @@
           <p:cNvPr id="2" name="标题 1">
             <a:extLst>
               <a:ext uri="{FF2B5EF4-FFF2-40B4-BE49-F238E27FC236}">
-                <a16:creationId xmlns:a16="http://schemas.microsoft.com/office/drawing/2014/main" id="{029433F6-C7F9-4690-9C8A-51E513DA7BE9}"/>
+                <a16:creationId xmlns:a16="http://schemas.microsoft.com/office/drawing/2014/main" xmlns="" id="{029433F6-C7F9-4690-9C8A-51E513DA7BE9}"/>
               </a:ext>
             </a:extLst>
           </p:cNvPr>
@@ -16100,7 +17842,7 @@
         </p:nvSpPr>
         <p:spPr>
           <a:xfrm>
-            <a:off x="3788553" y="421105"/>
+            <a:off x="4113017" y="421105"/>
             <a:ext cx="10571998" cy="970450"/>
           </a:xfrm>
         </p:spPr>
@@ -16109,18 +17851,77 @@
           <a:lstStyle/>
           <a:p>
             <a:r>
+              <a:rPr lang="en-US" altLang="zh-CN" dirty="0"/>
+              <a:t> </a:t>
+            </a:r>
+            <a:r>
               <a:rPr lang="zh-CN" altLang="en-US" dirty="0"/>
               <a:t>建立基本框图</a:t>
+            </a:r>
+          </a:p>
+        </p:txBody>
+      </p:sp>
+      <p:sp>
+        <p:nvSpPr>
+          <p:cNvPr id="8" name="文本框 7">
+            <a:extLst>
+              <a:ext uri="{FF2B5EF4-FFF2-40B4-BE49-F238E27FC236}">
+                <a16:creationId xmlns:a16="http://schemas.microsoft.com/office/drawing/2014/main" xmlns="" id="{F409E227-9938-4C94-86BB-880DB4B9931F}"/>
+              </a:ext>
+            </a:extLst>
+          </p:cNvPr>
+          <p:cNvSpPr txBox="1"/>
+          <p:nvPr/>
+        </p:nvSpPr>
+        <p:spPr>
+          <a:xfrm>
+            <a:off x="137651" y="2305615"/>
+            <a:ext cx="5152104" cy="2246769"/>
+          </a:xfrm>
+          <a:prstGeom prst="rect">
+            <a:avLst/>
+          </a:prstGeom>
+          <a:noFill/>
+        </p:spPr>
+        <p:txBody>
+          <a:bodyPr wrap="square" rtlCol="0">
+            <a:spAutoFit/>
+          </a:bodyPr>
+          <a:lstStyle/>
+          <a:p>
+            <a:r>
+              <a:rPr lang="zh-CN" altLang="en-US" sz="2800" dirty="0"/>
+              <a:t>首先我们可以在浏览器中的用例视图中创建</a:t>
+            </a:r>
+            <a:r>
+              <a:rPr lang="en-US" altLang="zh-CN" sz="2800" dirty="0"/>
+              <a:t>use case</a:t>
+            </a:r>
+            <a:r>
+              <a:rPr lang="zh-CN" altLang="en-US" sz="2800" dirty="0"/>
+              <a:t>，可以修改命名，右键选择</a:t>
+            </a:r>
+            <a:r>
+              <a:rPr lang="en-US" altLang="zh-CN" sz="2800" dirty="0"/>
+              <a:t>open </a:t>
+            </a:r>
+            <a:r>
+              <a:rPr lang="en-US" altLang="zh-CN" sz="2800" dirty="0" err="1"/>
+              <a:t>specialfication</a:t>
+            </a:r>
+            <a:r>
+              <a:rPr lang="zh-CN" altLang="en-US" sz="2800" dirty="0"/>
+              <a:t>可以对其具体属性进行设置</a:t>
             </a:r>
           </a:p>
         </p:txBody>
       </p:sp>
       <p:pic>
         <p:nvPicPr>
-          <p:cNvPr id="4" name="图片 3">
+          <p:cNvPr id="10" name="图片 9" descr="图片包含 屏幕截图&#10;&#10;已生成极高可信度的说明">
             <a:extLst>
               <a:ext uri="{FF2B5EF4-FFF2-40B4-BE49-F238E27FC236}">
-                <a16:creationId xmlns:a16="http://schemas.microsoft.com/office/drawing/2014/main" id="{1C9A636A-A8F6-4DF0-BBAA-E33084FC7A22}"/>
+                <a16:creationId xmlns:a16="http://schemas.microsoft.com/office/drawing/2014/main" xmlns="" id="{571C36C1-78A1-4961-B92E-B40EE15D05C9}"/>
               </a:ext>
             </a:extLst>
           </p:cNvPr>
@@ -16137,61 +17938,14 @@
         </p:blipFill>
         <p:spPr>
           <a:xfrm>
-            <a:off x="3877043" y="1981118"/>
-            <a:ext cx="8128144" cy="4572081"/>
+            <a:off x="4988334" y="1897627"/>
+            <a:ext cx="7203666" cy="3755922"/>
           </a:xfrm>
           <a:prstGeom prst="rect">
             <a:avLst/>
           </a:prstGeom>
         </p:spPr>
       </p:pic>
-      <p:sp>
-        <p:nvSpPr>
-          <p:cNvPr id="5" name="文本框 4">
-            <a:extLst>
-              <a:ext uri="{FF2B5EF4-FFF2-40B4-BE49-F238E27FC236}">
-                <a16:creationId xmlns:a16="http://schemas.microsoft.com/office/drawing/2014/main" id="{461CBC7A-6F8E-4627-A7EB-F91041A72CB0}"/>
-              </a:ext>
-            </a:extLst>
-          </p:cNvPr>
-          <p:cNvSpPr txBox="1"/>
-          <p:nvPr/>
-        </p:nvSpPr>
-        <p:spPr>
-          <a:xfrm>
-            <a:off x="245806" y="2300748"/>
-            <a:ext cx="3254478" cy="1077218"/>
-          </a:xfrm>
-          <a:prstGeom prst="rect">
-            <a:avLst/>
-          </a:prstGeom>
-          <a:noFill/>
-        </p:spPr>
-        <p:txBody>
-          <a:bodyPr wrap="square" rtlCol="0">
-            <a:spAutoFit/>
-          </a:bodyPr>
-          <a:lstStyle/>
-          <a:p>
-            <a:r>
-              <a:rPr lang="zh-CN" altLang="en-US" sz="3200" dirty="0"/>
-              <a:t>在</a:t>
-            </a:r>
-            <a:r>
-              <a:rPr lang="en-US" altLang="zh-CN" sz="3200" dirty="0" err="1"/>
-              <a:t>usecase</a:t>
-            </a:r>
-            <a:r>
-              <a:rPr lang="en-US" altLang="zh-CN" sz="3200" dirty="0"/>
-              <a:t> view</a:t>
-            </a:r>
-            <a:r>
-              <a:rPr lang="zh-CN" altLang="en-US" sz="3200" dirty="0"/>
-              <a:t>右键创建用例图</a:t>
-            </a:r>
-          </a:p>
-        </p:txBody>
-      </p:sp>
     </p:spTree>
     <p:extLst>
       <p:ext uri="{BB962C8B-B14F-4D97-AF65-F5344CB8AC3E}">
@@ -16202,6 +17956,13 @@
   <p:clrMapOvr>
     <a:masterClrMapping/>
   </p:clrMapOvr>
+  <p:timing>
+    <p:tnLst>
+      <p:par>
+        <p:cTn id="1" dur="indefinite" restart="never" nodeType="tmRoot"/>
+      </p:par>
+    </p:tnLst>
+  </p:timing>
 </p:sld>
 </file>
 
